--- a/machine_learning_powerpoint.pptx
+++ b/machine_learning_powerpoint.pptx
@@ -8,6 +8,9 @@
     <p:sldId id="256" r:id="rId2"/>
     <p:sldId id="258" r:id="rId3"/>
     <p:sldId id="259" r:id="rId4"/>
+    <p:sldId id="260" r:id="rId5"/>
+    <p:sldId id="263" r:id="rId6"/>
+    <p:sldId id="262" r:id="rId7"/>
   </p:sldIdLst>
   <p:sldSz cx="12192000" cy="6858000"/>
   <p:notesSz cx="6858000" cy="9144000"/>
@@ -106,6 +109,11 @@
       </a:defRPr>
     </a:lvl9pPr>
   </p:defaultTextStyle>
+  <p:extLst>
+    <p:ext uri="{EFAFB233-063F-42B5-8137-9DF3F51BA10A}">
+      <p15:sldGuideLst xmlns:p15="http://schemas.microsoft.com/office/powerpoint/2012/main"/>
+    </p:ext>
+  </p:extLst>
 </p:presentation>
 </file>
 
@@ -1031,6 +1039,2769 @@
 </file>
 
 <file path=ppt/diagrams/colors2.xml><?xml version="1.0" encoding="utf-8"?>
+<dgm:colorsDef xmlns:dgm="http://schemas.openxmlformats.org/drawingml/2006/diagram" xmlns:a="http://schemas.openxmlformats.org/drawingml/2006/main" uniqueId="urn:microsoft.com/office/officeart/2018/5/colors/Iconchunking_neutralicontext_colorful1">
+  <dgm:title val=""/>
+  <dgm:desc val=""/>
+  <dgm:catLst>
+    <dgm:cat type="colorful" pri="10100"/>
+  </dgm:catLst>
+  <dgm:styleLbl name="node0">
+    <dgm:fillClrLst meth="repeat">
+      <a:schemeClr val="accent1"/>
+    </dgm:fillClrLst>
+    <dgm:linClrLst meth="repeat">
+      <a:schemeClr val="lt1"/>
+    </dgm:linClrLst>
+    <dgm:effectClrLst/>
+    <dgm:txLinClrLst/>
+    <dgm:txFillClrLst/>
+    <dgm:txEffectClrLst/>
+  </dgm:styleLbl>
+  <dgm:styleLbl name="node1">
+    <dgm:fillClrLst meth="repeat">
+      <a:schemeClr val="bg1"/>
+    </dgm:fillClrLst>
+    <dgm:linClrLst meth="repeat">
+      <a:schemeClr val="lt1">
+        <a:alpha val="0"/>
+      </a:schemeClr>
+    </dgm:linClrLst>
+    <dgm:effectClrLst/>
+    <dgm:txLinClrLst/>
+    <dgm:txFillClrLst meth="repeat">
+      <a:schemeClr val="dk1"/>
+    </dgm:txFillClrLst>
+    <dgm:txEffectClrLst/>
+  </dgm:styleLbl>
+  <dgm:styleLbl name="alignNode1">
+    <dgm:fillClrLst meth="repeat">
+      <a:schemeClr val="accent2"/>
+      <a:schemeClr val="accent3"/>
+      <a:schemeClr val="accent4"/>
+      <a:schemeClr val="accent5"/>
+      <a:schemeClr val="accent6"/>
+    </dgm:fillClrLst>
+    <dgm:linClrLst meth="repeat">
+      <a:schemeClr val="accent2"/>
+      <a:schemeClr val="accent3"/>
+      <a:schemeClr val="accent4"/>
+      <a:schemeClr val="accent5"/>
+      <a:schemeClr val="accent6"/>
+    </dgm:linClrLst>
+    <dgm:effectClrLst/>
+    <dgm:txLinClrLst/>
+    <dgm:txFillClrLst/>
+    <dgm:txEffectClrLst/>
+  </dgm:styleLbl>
+  <dgm:styleLbl name="lnNode1">
+    <dgm:fillClrLst meth="repeat">
+      <a:schemeClr val="accent2"/>
+      <a:schemeClr val="accent3"/>
+      <a:schemeClr val="accent4"/>
+      <a:schemeClr val="accent5"/>
+      <a:schemeClr val="accent6"/>
+    </dgm:fillClrLst>
+    <dgm:linClrLst meth="repeat">
+      <a:schemeClr val="lt1"/>
+    </dgm:linClrLst>
+    <dgm:effectClrLst/>
+    <dgm:txLinClrLst/>
+    <dgm:txFillClrLst/>
+    <dgm:txEffectClrLst/>
+  </dgm:styleLbl>
+  <dgm:styleLbl name="vennNode1">
+    <dgm:fillClrLst meth="repeat">
+      <a:schemeClr val="accent2">
+        <a:alpha val="50000"/>
+      </a:schemeClr>
+      <a:schemeClr val="accent3">
+        <a:alpha val="50000"/>
+      </a:schemeClr>
+      <a:schemeClr val="accent4">
+        <a:alpha val="50000"/>
+      </a:schemeClr>
+      <a:schemeClr val="accent5">
+        <a:alpha val="50000"/>
+      </a:schemeClr>
+      <a:schemeClr val="accent6">
+        <a:alpha val="50000"/>
+      </a:schemeClr>
+    </dgm:fillClrLst>
+    <dgm:linClrLst meth="repeat">
+      <a:schemeClr val="lt1"/>
+    </dgm:linClrLst>
+    <dgm:effectClrLst/>
+    <dgm:txLinClrLst/>
+    <dgm:txFillClrLst/>
+    <dgm:txEffectClrLst/>
+  </dgm:styleLbl>
+  <dgm:styleLbl name="node2">
+    <dgm:fillClrLst>
+      <a:schemeClr val="accent2"/>
+    </dgm:fillClrLst>
+    <dgm:linClrLst meth="repeat">
+      <a:schemeClr val="lt1"/>
+    </dgm:linClrLst>
+    <dgm:effectClrLst/>
+    <dgm:txLinClrLst/>
+    <dgm:txFillClrLst/>
+    <dgm:txEffectClrLst/>
+  </dgm:styleLbl>
+  <dgm:styleLbl name="node3">
+    <dgm:fillClrLst>
+      <a:schemeClr val="accent3"/>
+    </dgm:fillClrLst>
+    <dgm:linClrLst meth="repeat">
+      <a:schemeClr val="lt1"/>
+    </dgm:linClrLst>
+    <dgm:effectClrLst/>
+    <dgm:txLinClrLst/>
+    <dgm:txFillClrLst/>
+    <dgm:txEffectClrLst/>
+  </dgm:styleLbl>
+  <dgm:styleLbl name="node4">
+    <dgm:fillClrLst>
+      <a:schemeClr val="accent4"/>
+    </dgm:fillClrLst>
+    <dgm:linClrLst meth="repeat">
+      <a:schemeClr val="lt1"/>
+    </dgm:linClrLst>
+    <dgm:effectClrLst/>
+    <dgm:txLinClrLst/>
+    <dgm:txFillClrLst/>
+    <dgm:txEffectClrLst/>
+  </dgm:styleLbl>
+  <dgm:styleLbl name="fgImgPlace1">
+    <dgm:fillClrLst meth="repeat">
+      <a:schemeClr val="accent2">
+        <a:tint val="50000"/>
+      </a:schemeClr>
+      <a:schemeClr val="accent3">
+        <a:tint val="50000"/>
+      </a:schemeClr>
+      <a:schemeClr val="accent4">
+        <a:tint val="50000"/>
+      </a:schemeClr>
+      <a:schemeClr val="accent5">
+        <a:tint val="50000"/>
+      </a:schemeClr>
+      <a:schemeClr val="accent6">
+        <a:tint val="50000"/>
+      </a:schemeClr>
+    </dgm:fillClrLst>
+    <dgm:linClrLst meth="repeat">
+      <a:schemeClr val="lt1"/>
+    </dgm:linClrLst>
+    <dgm:effectClrLst/>
+    <dgm:txLinClrLst/>
+    <dgm:txFillClrLst meth="repeat">
+      <a:schemeClr val="lt1"/>
+    </dgm:txFillClrLst>
+    <dgm:txEffectClrLst/>
+  </dgm:styleLbl>
+  <dgm:styleLbl name="alignImgPlace1">
+    <dgm:fillClrLst>
+      <a:schemeClr val="accent1">
+        <a:tint val="50000"/>
+      </a:schemeClr>
+      <a:schemeClr val="accent2">
+        <a:tint val="20000"/>
+      </a:schemeClr>
+    </dgm:fillClrLst>
+    <dgm:linClrLst meth="repeat">
+      <a:schemeClr val="lt1"/>
+    </dgm:linClrLst>
+    <dgm:effectClrLst/>
+    <dgm:txLinClrLst/>
+    <dgm:txFillClrLst meth="repeat">
+      <a:schemeClr val="lt1"/>
+    </dgm:txFillClrLst>
+    <dgm:txEffectClrLst/>
+  </dgm:styleLbl>
+  <dgm:styleLbl name="bgImgPlace1">
+    <dgm:fillClrLst>
+      <a:schemeClr val="accent1">
+        <a:tint val="50000"/>
+      </a:schemeClr>
+      <a:schemeClr val="accent2">
+        <a:tint val="20000"/>
+      </a:schemeClr>
+    </dgm:fillClrLst>
+    <dgm:linClrLst meth="repeat">
+      <a:schemeClr val="lt1"/>
+    </dgm:linClrLst>
+    <dgm:effectClrLst/>
+    <dgm:txLinClrLst/>
+    <dgm:txFillClrLst meth="repeat">
+      <a:schemeClr val="lt1"/>
+    </dgm:txFillClrLst>
+    <dgm:txEffectClrLst/>
+  </dgm:styleLbl>
+  <dgm:styleLbl name="sibTrans2D1">
+    <dgm:fillClrLst meth="repeat">
+      <a:schemeClr val="accent2"/>
+      <a:schemeClr val="accent3"/>
+      <a:schemeClr val="accent4"/>
+      <a:schemeClr val="accent5"/>
+      <a:schemeClr val="accent6"/>
+    </dgm:fillClrLst>
+    <dgm:linClrLst meth="cycle">
+      <a:schemeClr val="lt1"/>
+    </dgm:linClrLst>
+    <dgm:effectClrLst/>
+    <dgm:txLinClrLst/>
+    <dgm:txFillClrLst/>
+    <dgm:txEffectClrLst/>
+  </dgm:styleLbl>
+  <dgm:styleLbl name="fgSibTrans2D1">
+    <dgm:fillClrLst meth="repeat">
+      <a:schemeClr val="accent2"/>
+      <a:schemeClr val="accent3"/>
+      <a:schemeClr val="accent4"/>
+      <a:schemeClr val="accent5"/>
+      <a:schemeClr val="accent6"/>
+    </dgm:fillClrLst>
+    <dgm:linClrLst meth="cycle">
+      <a:schemeClr val="lt1"/>
+    </dgm:linClrLst>
+    <dgm:effectClrLst/>
+    <dgm:txLinClrLst/>
+    <dgm:txFillClrLst meth="repeat">
+      <a:schemeClr val="lt1"/>
+    </dgm:txFillClrLst>
+    <dgm:txEffectClrLst/>
+  </dgm:styleLbl>
+  <dgm:styleLbl name="bgSibTrans2D1">
+    <dgm:fillClrLst meth="repeat">
+      <a:schemeClr val="accent2"/>
+      <a:schemeClr val="accent3"/>
+      <a:schemeClr val="accent4"/>
+      <a:schemeClr val="accent5"/>
+      <a:schemeClr val="accent6"/>
+    </dgm:fillClrLst>
+    <dgm:linClrLst meth="cycle">
+      <a:schemeClr val="lt1"/>
+    </dgm:linClrLst>
+    <dgm:effectClrLst/>
+    <dgm:txLinClrLst/>
+    <dgm:txFillClrLst meth="repeat">
+      <a:schemeClr val="lt1"/>
+    </dgm:txFillClrLst>
+    <dgm:txEffectClrLst/>
+  </dgm:styleLbl>
+  <dgm:styleLbl name="sibTrans1D1">
+    <dgm:fillClrLst meth="repeat">
+      <a:schemeClr val="accent2"/>
+      <a:schemeClr val="accent3"/>
+      <a:schemeClr val="accent4"/>
+      <a:schemeClr val="accent5"/>
+      <a:schemeClr val="accent6"/>
+    </dgm:fillClrLst>
+    <dgm:linClrLst meth="repeat">
+      <a:schemeClr val="accent2"/>
+      <a:schemeClr val="accent3"/>
+      <a:schemeClr val="accent4"/>
+      <a:schemeClr val="accent5"/>
+      <a:schemeClr val="accent6"/>
+    </dgm:linClrLst>
+    <dgm:effectClrLst/>
+    <dgm:txLinClrLst/>
+    <dgm:txFillClrLst meth="repeat">
+      <a:schemeClr val="tx1"/>
+    </dgm:txFillClrLst>
+    <dgm:txEffectClrLst/>
+  </dgm:styleLbl>
+  <dgm:styleLbl name="callout">
+    <dgm:fillClrLst meth="repeat">
+      <a:schemeClr val="accent2"/>
+    </dgm:fillClrLst>
+    <dgm:linClrLst meth="repeat">
+      <a:schemeClr val="accent2">
+        <a:tint val="50000"/>
+      </a:schemeClr>
+    </dgm:linClrLst>
+    <dgm:effectClrLst/>
+    <dgm:txLinClrLst/>
+    <dgm:txFillClrLst meth="repeat">
+      <a:schemeClr val="tx1"/>
+    </dgm:txFillClrLst>
+    <dgm:txEffectClrLst/>
+  </dgm:styleLbl>
+  <dgm:styleLbl name="asst0">
+    <dgm:fillClrLst meth="repeat">
+      <a:schemeClr val="accent1"/>
+    </dgm:fillClrLst>
+    <dgm:linClrLst meth="repeat">
+      <a:schemeClr val="lt1"/>
+    </dgm:linClrLst>
+    <dgm:effectClrLst/>
+    <dgm:txLinClrLst/>
+    <dgm:txFillClrLst/>
+    <dgm:txEffectClrLst/>
+  </dgm:styleLbl>
+  <dgm:styleLbl name="asst1">
+    <dgm:fillClrLst meth="repeat">
+      <a:schemeClr val="accent2"/>
+    </dgm:fillClrLst>
+    <dgm:linClrLst meth="repeat">
+      <a:schemeClr val="lt1"/>
+    </dgm:linClrLst>
+    <dgm:effectClrLst/>
+    <dgm:txLinClrLst/>
+    <dgm:txFillClrLst/>
+    <dgm:txEffectClrLst/>
+  </dgm:styleLbl>
+  <dgm:styleLbl name="asst2">
+    <dgm:fillClrLst>
+      <a:schemeClr val="accent3"/>
+    </dgm:fillClrLst>
+    <dgm:linClrLst meth="repeat">
+      <a:schemeClr val="lt1"/>
+    </dgm:linClrLst>
+    <dgm:effectClrLst/>
+    <dgm:txLinClrLst/>
+    <dgm:txFillClrLst/>
+    <dgm:txEffectClrLst/>
+  </dgm:styleLbl>
+  <dgm:styleLbl name="asst3">
+    <dgm:fillClrLst>
+      <a:schemeClr val="accent4"/>
+    </dgm:fillClrLst>
+    <dgm:linClrLst meth="repeat">
+      <a:schemeClr val="lt1"/>
+    </dgm:linClrLst>
+    <dgm:effectClrLst/>
+    <dgm:txLinClrLst/>
+    <dgm:txFillClrLst/>
+    <dgm:txEffectClrLst/>
+  </dgm:styleLbl>
+  <dgm:styleLbl name="asst4">
+    <dgm:fillClrLst>
+      <a:schemeClr val="accent5"/>
+    </dgm:fillClrLst>
+    <dgm:linClrLst meth="repeat">
+      <a:schemeClr val="lt1"/>
+    </dgm:linClrLst>
+    <dgm:effectClrLst/>
+    <dgm:txLinClrLst/>
+    <dgm:txFillClrLst/>
+    <dgm:txEffectClrLst/>
+  </dgm:styleLbl>
+  <dgm:styleLbl name="parChTrans2D1">
+    <dgm:fillClrLst meth="repeat">
+      <a:schemeClr val="accent2"/>
+    </dgm:fillClrLst>
+    <dgm:linClrLst meth="repeat">
+      <a:schemeClr val="lt1"/>
+    </dgm:linClrLst>
+    <dgm:effectClrLst/>
+    <dgm:txLinClrLst/>
+    <dgm:txFillClrLst meth="repeat">
+      <a:schemeClr val="lt1"/>
+    </dgm:txFillClrLst>
+    <dgm:txEffectClrLst/>
+  </dgm:styleLbl>
+  <dgm:styleLbl name="parChTrans2D2">
+    <dgm:fillClrLst meth="repeat">
+      <a:schemeClr val="accent3"/>
+    </dgm:fillClrLst>
+    <dgm:linClrLst meth="repeat">
+      <a:schemeClr val="lt1"/>
+    </dgm:linClrLst>
+    <dgm:effectClrLst/>
+    <dgm:txLinClrLst/>
+    <dgm:txFillClrLst/>
+    <dgm:txEffectClrLst/>
+  </dgm:styleLbl>
+  <dgm:styleLbl name="parChTrans2D3">
+    <dgm:fillClrLst meth="repeat">
+      <a:schemeClr val="accent4"/>
+    </dgm:fillClrLst>
+    <dgm:linClrLst meth="repeat">
+      <a:schemeClr val="lt1"/>
+    </dgm:linClrLst>
+    <dgm:effectClrLst/>
+    <dgm:txLinClrLst/>
+    <dgm:txFillClrLst/>
+    <dgm:txEffectClrLst/>
+  </dgm:styleLbl>
+  <dgm:styleLbl name="parChTrans2D4">
+    <dgm:fillClrLst meth="repeat">
+      <a:schemeClr val="accent5"/>
+    </dgm:fillClrLst>
+    <dgm:linClrLst meth="repeat">
+      <a:schemeClr val="lt1"/>
+    </dgm:linClrLst>
+    <dgm:effectClrLst/>
+    <dgm:txLinClrLst/>
+    <dgm:txFillClrLst meth="repeat">
+      <a:schemeClr val="lt1"/>
+    </dgm:txFillClrLst>
+    <dgm:txEffectClrLst/>
+  </dgm:styleLbl>
+  <dgm:styleLbl name="parChTrans1D1">
+    <dgm:fillClrLst meth="repeat">
+      <a:schemeClr val="accent2"/>
+    </dgm:fillClrLst>
+    <dgm:linClrLst meth="repeat">
+      <a:schemeClr val="accent1"/>
+    </dgm:linClrLst>
+    <dgm:effectClrLst/>
+    <dgm:txLinClrLst/>
+    <dgm:txFillClrLst meth="repeat">
+      <a:schemeClr val="tx1"/>
+    </dgm:txFillClrLst>
+    <dgm:txEffectClrLst/>
+  </dgm:styleLbl>
+  <dgm:styleLbl name="parChTrans1D2">
+    <dgm:fillClrLst meth="repeat">
+      <a:schemeClr val="accent3">
+        <a:tint val="90000"/>
+      </a:schemeClr>
+    </dgm:fillClrLst>
+    <dgm:linClrLst meth="repeat">
+      <a:schemeClr val="accent2"/>
+    </dgm:linClrLst>
+    <dgm:effectClrLst/>
+    <dgm:txLinClrLst/>
+    <dgm:txFillClrLst meth="repeat">
+      <a:schemeClr val="tx1"/>
+    </dgm:txFillClrLst>
+    <dgm:txEffectClrLst/>
+  </dgm:styleLbl>
+  <dgm:styleLbl name="parChTrans1D3">
+    <dgm:fillClrLst meth="repeat">
+      <a:schemeClr val="accent4">
+        <a:tint val="70000"/>
+      </a:schemeClr>
+    </dgm:fillClrLst>
+    <dgm:linClrLst meth="repeat">
+      <a:schemeClr val="accent3"/>
+    </dgm:linClrLst>
+    <dgm:effectClrLst/>
+    <dgm:txLinClrLst/>
+    <dgm:txFillClrLst meth="repeat">
+      <a:schemeClr val="tx1"/>
+    </dgm:txFillClrLst>
+    <dgm:txEffectClrLst/>
+  </dgm:styleLbl>
+  <dgm:styleLbl name="parChTrans1D4">
+    <dgm:fillClrLst meth="repeat">
+      <a:schemeClr val="accent5">
+        <a:tint val="50000"/>
+      </a:schemeClr>
+    </dgm:fillClrLst>
+    <dgm:linClrLst meth="repeat">
+      <a:schemeClr val="accent4"/>
+    </dgm:linClrLst>
+    <dgm:effectClrLst/>
+    <dgm:txLinClrLst/>
+    <dgm:txFillClrLst meth="repeat">
+      <a:schemeClr val="tx1"/>
+    </dgm:txFillClrLst>
+    <dgm:txEffectClrLst/>
+  </dgm:styleLbl>
+  <dgm:styleLbl name="fgAcc1">
+    <dgm:fillClrLst meth="repeat">
+      <a:schemeClr val="lt1">
+        <a:alpha val="90000"/>
+      </a:schemeClr>
+    </dgm:fillClrLst>
+    <dgm:linClrLst meth="repeat">
+      <a:schemeClr val="accent2"/>
+      <a:schemeClr val="accent3"/>
+      <a:schemeClr val="accent4"/>
+      <a:schemeClr val="accent5"/>
+      <a:schemeClr val="accent6"/>
+    </dgm:linClrLst>
+    <dgm:effectClrLst/>
+    <dgm:txLinClrLst/>
+    <dgm:txFillClrLst meth="repeat">
+      <a:schemeClr val="dk1"/>
+    </dgm:txFillClrLst>
+    <dgm:txEffectClrLst/>
+  </dgm:styleLbl>
+  <dgm:styleLbl name="conFgAcc1">
+    <dgm:fillClrLst meth="repeat">
+      <a:schemeClr val="lt1">
+        <a:alpha val="90000"/>
+      </a:schemeClr>
+    </dgm:fillClrLst>
+    <dgm:linClrLst meth="repeat">
+      <a:schemeClr val="accent2"/>
+      <a:schemeClr val="accent3"/>
+      <a:schemeClr val="accent4"/>
+      <a:schemeClr val="accent5"/>
+      <a:schemeClr val="accent6"/>
+    </dgm:linClrLst>
+    <dgm:effectClrLst/>
+    <dgm:txLinClrLst/>
+    <dgm:txFillClrLst meth="repeat">
+      <a:schemeClr val="dk1"/>
+    </dgm:txFillClrLst>
+    <dgm:txEffectClrLst/>
+  </dgm:styleLbl>
+  <dgm:styleLbl name="alignAcc1">
+    <dgm:fillClrLst meth="repeat">
+      <a:schemeClr val="lt1">
+        <a:alpha val="90000"/>
+      </a:schemeClr>
+    </dgm:fillClrLst>
+    <dgm:linClrLst meth="repeat">
+      <a:schemeClr val="accent2"/>
+      <a:schemeClr val="accent3"/>
+      <a:schemeClr val="accent4"/>
+      <a:schemeClr val="accent5"/>
+      <a:schemeClr val="accent6"/>
+    </dgm:linClrLst>
+    <dgm:effectClrLst/>
+    <dgm:txLinClrLst/>
+    <dgm:txFillClrLst meth="repeat">
+      <a:schemeClr val="dk1"/>
+    </dgm:txFillClrLst>
+    <dgm:txEffectClrLst/>
+  </dgm:styleLbl>
+  <dgm:styleLbl name="trAlignAcc1">
+    <dgm:fillClrLst meth="repeat">
+      <a:schemeClr val="lt1">
+        <a:alpha val="40000"/>
+      </a:schemeClr>
+    </dgm:fillClrLst>
+    <dgm:linClrLst meth="repeat">
+      <a:schemeClr val="accent1"/>
+    </dgm:linClrLst>
+    <dgm:effectClrLst/>
+    <dgm:txLinClrLst/>
+    <dgm:txFillClrLst meth="repeat">
+      <a:schemeClr val="dk1"/>
+    </dgm:txFillClrLst>
+    <dgm:txEffectClrLst/>
+  </dgm:styleLbl>
+  <dgm:styleLbl name="bgAcc1">
+    <dgm:fillClrLst meth="repeat">
+      <a:schemeClr val="lt1">
+        <a:alpha val="90000"/>
+      </a:schemeClr>
+    </dgm:fillClrLst>
+    <dgm:linClrLst meth="repeat">
+      <a:schemeClr val="accent2"/>
+      <a:schemeClr val="accent3"/>
+      <a:schemeClr val="accent4"/>
+      <a:schemeClr val="accent5"/>
+      <a:schemeClr val="accent6"/>
+    </dgm:linClrLst>
+    <dgm:effectClrLst/>
+    <dgm:txLinClrLst/>
+    <dgm:txFillClrLst meth="repeat">
+      <a:schemeClr val="dk1"/>
+    </dgm:txFillClrLst>
+    <dgm:txEffectClrLst/>
+  </dgm:styleLbl>
+  <dgm:styleLbl name="solidFgAcc1">
+    <dgm:fillClrLst meth="repeat">
+      <a:schemeClr val="lt1"/>
+    </dgm:fillClrLst>
+    <dgm:linClrLst meth="repeat">
+      <a:schemeClr val="accent2"/>
+      <a:schemeClr val="accent3"/>
+      <a:schemeClr val="accent4"/>
+      <a:schemeClr val="accent5"/>
+      <a:schemeClr val="accent6"/>
+    </dgm:linClrLst>
+    <dgm:effectClrLst/>
+    <dgm:txLinClrLst/>
+    <dgm:txFillClrLst meth="repeat">
+      <a:schemeClr val="dk1"/>
+    </dgm:txFillClrLst>
+    <dgm:txEffectClrLst/>
+  </dgm:styleLbl>
+  <dgm:styleLbl name="solidAlignAcc1">
+    <dgm:fillClrLst meth="repeat">
+      <a:schemeClr val="lt1"/>
+    </dgm:fillClrLst>
+    <dgm:linClrLst meth="repeat">
+      <a:schemeClr val="accent2"/>
+      <a:schemeClr val="accent3"/>
+      <a:schemeClr val="accent4"/>
+      <a:schemeClr val="accent5"/>
+      <a:schemeClr val="accent6"/>
+    </dgm:linClrLst>
+    <dgm:effectClrLst/>
+    <dgm:txLinClrLst/>
+    <dgm:txFillClrLst meth="repeat">
+      <a:schemeClr val="dk1"/>
+    </dgm:txFillClrLst>
+    <dgm:txEffectClrLst/>
+  </dgm:styleLbl>
+  <dgm:styleLbl name="solidBgAcc1">
+    <dgm:fillClrLst meth="repeat">
+      <a:schemeClr val="lt1"/>
+    </dgm:fillClrLst>
+    <dgm:linClrLst meth="repeat">
+      <a:schemeClr val="accent2"/>
+      <a:schemeClr val="accent3"/>
+      <a:schemeClr val="accent4"/>
+      <a:schemeClr val="accent5"/>
+      <a:schemeClr val="accent6"/>
+    </dgm:linClrLst>
+    <dgm:effectClrLst/>
+    <dgm:txLinClrLst/>
+    <dgm:txFillClrLst meth="repeat">
+      <a:schemeClr val="dk1"/>
+    </dgm:txFillClrLst>
+    <dgm:txEffectClrLst/>
+  </dgm:styleLbl>
+  <dgm:styleLbl name="fgAccFollowNode1">
+    <dgm:fillClrLst meth="repeat">
+      <a:schemeClr val="accent2">
+        <a:tint val="40000"/>
+        <a:alpha val="90000"/>
+      </a:schemeClr>
+      <a:schemeClr val="accent3">
+        <a:tint val="40000"/>
+        <a:alpha val="90000"/>
+      </a:schemeClr>
+      <a:schemeClr val="accent4">
+        <a:tint val="40000"/>
+        <a:alpha val="90000"/>
+      </a:schemeClr>
+      <a:schemeClr val="accent5">
+        <a:tint val="40000"/>
+        <a:alpha val="90000"/>
+      </a:schemeClr>
+      <a:schemeClr val="accent6">
+        <a:tint val="40000"/>
+        <a:alpha val="90000"/>
+      </a:schemeClr>
+    </dgm:fillClrLst>
+    <dgm:linClrLst meth="repeat">
+      <a:schemeClr val="accent2">
+        <a:tint val="40000"/>
+        <a:alpha val="90000"/>
+      </a:schemeClr>
+      <a:schemeClr val="accent3">
+        <a:tint val="40000"/>
+        <a:alpha val="90000"/>
+      </a:schemeClr>
+      <a:schemeClr val="accent4">
+        <a:tint val="40000"/>
+        <a:alpha val="90000"/>
+      </a:schemeClr>
+      <a:schemeClr val="accent5">
+        <a:tint val="40000"/>
+        <a:alpha val="90000"/>
+      </a:schemeClr>
+      <a:schemeClr val="accent6">
+        <a:tint val="40000"/>
+        <a:alpha val="90000"/>
+      </a:schemeClr>
+    </dgm:linClrLst>
+    <dgm:effectClrLst/>
+    <dgm:txLinClrLst/>
+    <dgm:txFillClrLst meth="repeat">
+      <a:schemeClr val="dk1"/>
+    </dgm:txFillClrLst>
+    <dgm:txEffectClrLst/>
+  </dgm:styleLbl>
+  <dgm:styleLbl name="alignAccFollowNode1">
+    <dgm:fillClrLst meth="repeat">
+      <a:schemeClr val="accent2">
+        <a:tint val="40000"/>
+        <a:alpha val="90000"/>
+      </a:schemeClr>
+      <a:schemeClr val="accent3">
+        <a:tint val="40000"/>
+        <a:alpha val="90000"/>
+      </a:schemeClr>
+      <a:schemeClr val="accent4">
+        <a:tint val="40000"/>
+        <a:alpha val="90000"/>
+      </a:schemeClr>
+      <a:schemeClr val="accent5">
+        <a:tint val="40000"/>
+        <a:alpha val="90000"/>
+      </a:schemeClr>
+      <a:schemeClr val="accent6">
+        <a:tint val="40000"/>
+        <a:alpha val="90000"/>
+      </a:schemeClr>
+    </dgm:fillClrLst>
+    <dgm:linClrLst meth="repeat">
+      <a:schemeClr val="accent2">
+        <a:tint val="40000"/>
+        <a:alpha val="90000"/>
+      </a:schemeClr>
+      <a:schemeClr val="accent3">
+        <a:tint val="40000"/>
+        <a:alpha val="90000"/>
+      </a:schemeClr>
+      <a:schemeClr val="accent4">
+        <a:tint val="40000"/>
+        <a:alpha val="90000"/>
+      </a:schemeClr>
+      <a:schemeClr val="accent5">
+        <a:tint val="40000"/>
+        <a:alpha val="90000"/>
+      </a:schemeClr>
+      <a:schemeClr val="accent6">
+        <a:tint val="40000"/>
+        <a:alpha val="90000"/>
+      </a:schemeClr>
+    </dgm:linClrLst>
+    <dgm:effectClrLst/>
+    <dgm:txLinClrLst/>
+    <dgm:txFillClrLst meth="repeat">
+      <a:schemeClr val="dk1"/>
+    </dgm:txFillClrLst>
+    <dgm:txEffectClrLst/>
+  </dgm:styleLbl>
+  <dgm:styleLbl name="bgAccFollowNode1">
+    <dgm:fillClrLst meth="repeat">
+      <a:schemeClr val="accent2">
+        <a:tint val="40000"/>
+        <a:alpha val="90000"/>
+      </a:schemeClr>
+      <a:schemeClr val="accent3">
+        <a:tint val="40000"/>
+        <a:alpha val="90000"/>
+      </a:schemeClr>
+      <a:schemeClr val="accent4">
+        <a:tint val="40000"/>
+        <a:alpha val="90000"/>
+      </a:schemeClr>
+      <a:schemeClr val="accent5">
+        <a:tint val="40000"/>
+        <a:alpha val="90000"/>
+      </a:schemeClr>
+      <a:schemeClr val="accent6">
+        <a:tint val="40000"/>
+        <a:alpha val="90000"/>
+      </a:schemeClr>
+    </dgm:fillClrLst>
+    <dgm:linClrLst meth="repeat">
+      <a:schemeClr val="accent2">
+        <a:tint val="40000"/>
+        <a:alpha val="90000"/>
+      </a:schemeClr>
+      <a:schemeClr val="accent3">
+        <a:tint val="40000"/>
+        <a:alpha val="90000"/>
+      </a:schemeClr>
+      <a:schemeClr val="accent4">
+        <a:tint val="40000"/>
+        <a:alpha val="90000"/>
+      </a:schemeClr>
+      <a:schemeClr val="accent5">
+        <a:tint val="40000"/>
+        <a:alpha val="90000"/>
+      </a:schemeClr>
+      <a:schemeClr val="accent6">
+        <a:tint val="40000"/>
+        <a:alpha val="90000"/>
+      </a:schemeClr>
+    </dgm:linClrLst>
+    <dgm:effectClrLst/>
+    <dgm:txLinClrLst/>
+    <dgm:txFillClrLst meth="repeat">
+      <a:schemeClr val="dk1"/>
+    </dgm:txFillClrLst>
+    <dgm:txEffectClrLst/>
+  </dgm:styleLbl>
+  <dgm:styleLbl name="fgAcc0">
+    <dgm:fillClrLst meth="repeat">
+      <a:schemeClr val="lt1">
+        <a:alpha val="90000"/>
+      </a:schemeClr>
+    </dgm:fillClrLst>
+    <dgm:linClrLst>
+      <a:schemeClr val="accent1"/>
+    </dgm:linClrLst>
+    <dgm:effectClrLst/>
+    <dgm:txLinClrLst/>
+    <dgm:txFillClrLst meth="repeat">
+      <a:schemeClr val="dk1"/>
+    </dgm:txFillClrLst>
+    <dgm:txEffectClrLst/>
+  </dgm:styleLbl>
+  <dgm:styleLbl name="fgAcc2">
+    <dgm:fillClrLst meth="repeat">
+      <a:schemeClr val="lt1">
+        <a:alpha val="90000"/>
+      </a:schemeClr>
+    </dgm:fillClrLst>
+    <dgm:linClrLst>
+      <a:schemeClr val="accent2"/>
+    </dgm:linClrLst>
+    <dgm:effectClrLst/>
+    <dgm:txLinClrLst/>
+    <dgm:txFillClrLst meth="repeat">
+      <a:schemeClr val="dk1"/>
+    </dgm:txFillClrLst>
+    <dgm:txEffectClrLst/>
+  </dgm:styleLbl>
+  <dgm:styleLbl name="fgAcc3">
+    <dgm:fillClrLst meth="repeat">
+      <a:schemeClr val="lt1">
+        <a:alpha val="90000"/>
+      </a:schemeClr>
+    </dgm:fillClrLst>
+    <dgm:linClrLst>
+      <a:schemeClr val="accent3"/>
+    </dgm:linClrLst>
+    <dgm:effectClrLst/>
+    <dgm:txLinClrLst/>
+    <dgm:txFillClrLst meth="repeat">
+      <a:schemeClr val="dk1"/>
+    </dgm:txFillClrLst>
+    <dgm:txEffectClrLst/>
+  </dgm:styleLbl>
+  <dgm:styleLbl name="fgAcc4">
+    <dgm:fillClrLst meth="repeat">
+      <a:schemeClr val="lt1">
+        <a:alpha val="90000"/>
+      </a:schemeClr>
+    </dgm:fillClrLst>
+    <dgm:linClrLst>
+      <a:schemeClr val="accent4"/>
+    </dgm:linClrLst>
+    <dgm:effectClrLst/>
+    <dgm:txLinClrLst/>
+    <dgm:txFillClrLst meth="repeat">
+      <a:schemeClr val="dk1"/>
+    </dgm:txFillClrLst>
+    <dgm:txEffectClrLst/>
+  </dgm:styleLbl>
+  <dgm:styleLbl name="bgShp">
+    <dgm:fillClrLst meth="repeat">
+      <a:schemeClr val="accent2"/>
+      <a:schemeClr val="accent3"/>
+      <a:schemeClr val="accent4"/>
+      <a:schemeClr val="accent5"/>
+      <a:schemeClr val="accent6"/>
+    </dgm:fillClrLst>
+    <dgm:linClrLst meth="repeat">
+      <a:schemeClr val="lt1">
+        <a:alpha val="0"/>
+      </a:schemeClr>
+    </dgm:linClrLst>
+    <dgm:effectClrLst/>
+    <dgm:txLinClrLst/>
+    <dgm:txFillClrLst/>
+    <dgm:txEffectClrLst/>
+  </dgm:styleLbl>
+  <dgm:styleLbl name="dkBgShp">
+    <dgm:fillClrLst meth="repeat">
+      <a:schemeClr val="accent2">
+        <a:shade val="90000"/>
+      </a:schemeClr>
+    </dgm:fillClrLst>
+    <dgm:linClrLst meth="repeat">
+      <a:schemeClr val="dk1"/>
+    </dgm:linClrLst>
+    <dgm:effectClrLst/>
+    <dgm:txLinClrLst/>
+    <dgm:txFillClrLst meth="repeat">
+      <a:schemeClr val="lt1"/>
+    </dgm:txFillClrLst>
+    <dgm:txEffectClrLst/>
+  </dgm:styleLbl>
+  <dgm:styleLbl name="trBgShp">
+    <dgm:fillClrLst meth="repeat">
+      <a:schemeClr val="accent1">
+        <a:tint val="50000"/>
+        <a:alpha val="40000"/>
+      </a:schemeClr>
+    </dgm:fillClrLst>
+    <dgm:linClrLst meth="repeat">
+      <a:schemeClr val="accent2"/>
+    </dgm:linClrLst>
+    <dgm:effectClrLst/>
+    <dgm:txLinClrLst/>
+    <dgm:txFillClrLst meth="repeat">
+      <a:schemeClr val="lt1"/>
+    </dgm:txFillClrLst>
+    <dgm:txEffectClrLst/>
+  </dgm:styleLbl>
+  <dgm:styleLbl name="fgShp">
+    <dgm:fillClrLst meth="repeat">
+      <a:schemeClr val="accent2">
+        <a:tint val="40000"/>
+      </a:schemeClr>
+    </dgm:fillClrLst>
+    <dgm:linClrLst meth="repeat">
+      <a:schemeClr val="lt1"/>
+    </dgm:linClrLst>
+    <dgm:effectClrLst/>
+    <dgm:txLinClrLst/>
+    <dgm:txFillClrLst meth="repeat">
+      <a:schemeClr val="dk1"/>
+    </dgm:txFillClrLst>
+    <dgm:txEffectClrLst/>
+  </dgm:styleLbl>
+  <dgm:styleLbl name="revTx">
+    <dgm:fillClrLst meth="repeat">
+      <a:schemeClr val="lt1">
+        <a:alpha val="0"/>
+      </a:schemeClr>
+    </dgm:fillClrLst>
+    <dgm:linClrLst meth="repeat">
+      <a:schemeClr val="dk1">
+        <a:alpha val="0"/>
+      </a:schemeClr>
+    </dgm:linClrLst>
+    <dgm:effectClrLst/>
+    <dgm:txLinClrLst/>
+    <dgm:txFillClrLst meth="repeat">
+      <a:schemeClr val="bg1"/>
+    </dgm:txFillClrLst>
+    <dgm:txEffectClrLst/>
+  </dgm:styleLbl>
+</dgm:colorsDef>
+</file>
+
+<file path=ppt/diagrams/colors3.xml><?xml version="1.0" encoding="utf-8"?>
+<dgm:colorsDef xmlns:dgm="http://schemas.openxmlformats.org/drawingml/2006/diagram" xmlns:a="http://schemas.openxmlformats.org/drawingml/2006/main" uniqueId="urn:microsoft.com/office/officeart/2018/5/colors/Iconchunking_neutralicontext_colorful1">
+  <dgm:title val=""/>
+  <dgm:desc val=""/>
+  <dgm:catLst>
+    <dgm:cat type="colorful" pri="10100"/>
+  </dgm:catLst>
+  <dgm:styleLbl name="node0">
+    <dgm:fillClrLst meth="repeat">
+      <a:schemeClr val="accent1"/>
+    </dgm:fillClrLst>
+    <dgm:linClrLst meth="repeat">
+      <a:schemeClr val="lt1"/>
+    </dgm:linClrLst>
+    <dgm:effectClrLst/>
+    <dgm:txLinClrLst/>
+    <dgm:txFillClrLst/>
+    <dgm:txEffectClrLst/>
+  </dgm:styleLbl>
+  <dgm:styleLbl name="node1">
+    <dgm:fillClrLst meth="repeat">
+      <a:schemeClr val="bg1"/>
+    </dgm:fillClrLst>
+    <dgm:linClrLst meth="repeat">
+      <a:schemeClr val="lt1">
+        <a:alpha val="0"/>
+      </a:schemeClr>
+    </dgm:linClrLst>
+    <dgm:effectClrLst/>
+    <dgm:txLinClrLst/>
+    <dgm:txFillClrLst meth="repeat">
+      <a:schemeClr val="dk1"/>
+    </dgm:txFillClrLst>
+    <dgm:txEffectClrLst/>
+  </dgm:styleLbl>
+  <dgm:styleLbl name="alignNode1">
+    <dgm:fillClrLst meth="repeat">
+      <a:schemeClr val="accent2"/>
+      <a:schemeClr val="accent3"/>
+      <a:schemeClr val="accent4"/>
+      <a:schemeClr val="accent5"/>
+      <a:schemeClr val="accent6"/>
+    </dgm:fillClrLst>
+    <dgm:linClrLst meth="repeat">
+      <a:schemeClr val="accent2"/>
+      <a:schemeClr val="accent3"/>
+      <a:schemeClr val="accent4"/>
+      <a:schemeClr val="accent5"/>
+      <a:schemeClr val="accent6"/>
+    </dgm:linClrLst>
+    <dgm:effectClrLst/>
+    <dgm:txLinClrLst/>
+    <dgm:txFillClrLst/>
+    <dgm:txEffectClrLst/>
+  </dgm:styleLbl>
+  <dgm:styleLbl name="lnNode1">
+    <dgm:fillClrLst meth="repeat">
+      <a:schemeClr val="accent2"/>
+      <a:schemeClr val="accent3"/>
+      <a:schemeClr val="accent4"/>
+      <a:schemeClr val="accent5"/>
+      <a:schemeClr val="accent6"/>
+    </dgm:fillClrLst>
+    <dgm:linClrLst meth="repeat">
+      <a:schemeClr val="lt1"/>
+    </dgm:linClrLst>
+    <dgm:effectClrLst/>
+    <dgm:txLinClrLst/>
+    <dgm:txFillClrLst/>
+    <dgm:txEffectClrLst/>
+  </dgm:styleLbl>
+  <dgm:styleLbl name="vennNode1">
+    <dgm:fillClrLst meth="repeat">
+      <a:schemeClr val="accent2">
+        <a:alpha val="50000"/>
+      </a:schemeClr>
+      <a:schemeClr val="accent3">
+        <a:alpha val="50000"/>
+      </a:schemeClr>
+      <a:schemeClr val="accent4">
+        <a:alpha val="50000"/>
+      </a:schemeClr>
+      <a:schemeClr val="accent5">
+        <a:alpha val="50000"/>
+      </a:schemeClr>
+      <a:schemeClr val="accent6">
+        <a:alpha val="50000"/>
+      </a:schemeClr>
+    </dgm:fillClrLst>
+    <dgm:linClrLst meth="repeat">
+      <a:schemeClr val="lt1"/>
+    </dgm:linClrLst>
+    <dgm:effectClrLst/>
+    <dgm:txLinClrLst/>
+    <dgm:txFillClrLst/>
+    <dgm:txEffectClrLst/>
+  </dgm:styleLbl>
+  <dgm:styleLbl name="node2">
+    <dgm:fillClrLst>
+      <a:schemeClr val="accent2"/>
+    </dgm:fillClrLst>
+    <dgm:linClrLst meth="repeat">
+      <a:schemeClr val="lt1"/>
+    </dgm:linClrLst>
+    <dgm:effectClrLst/>
+    <dgm:txLinClrLst/>
+    <dgm:txFillClrLst/>
+    <dgm:txEffectClrLst/>
+  </dgm:styleLbl>
+  <dgm:styleLbl name="node3">
+    <dgm:fillClrLst>
+      <a:schemeClr val="accent3"/>
+    </dgm:fillClrLst>
+    <dgm:linClrLst meth="repeat">
+      <a:schemeClr val="lt1"/>
+    </dgm:linClrLst>
+    <dgm:effectClrLst/>
+    <dgm:txLinClrLst/>
+    <dgm:txFillClrLst/>
+    <dgm:txEffectClrLst/>
+  </dgm:styleLbl>
+  <dgm:styleLbl name="node4">
+    <dgm:fillClrLst>
+      <a:schemeClr val="accent4"/>
+    </dgm:fillClrLst>
+    <dgm:linClrLst meth="repeat">
+      <a:schemeClr val="lt1"/>
+    </dgm:linClrLst>
+    <dgm:effectClrLst/>
+    <dgm:txLinClrLst/>
+    <dgm:txFillClrLst/>
+    <dgm:txEffectClrLst/>
+  </dgm:styleLbl>
+  <dgm:styleLbl name="fgImgPlace1">
+    <dgm:fillClrLst meth="repeat">
+      <a:schemeClr val="accent2">
+        <a:tint val="50000"/>
+      </a:schemeClr>
+      <a:schemeClr val="accent3">
+        <a:tint val="50000"/>
+      </a:schemeClr>
+      <a:schemeClr val="accent4">
+        <a:tint val="50000"/>
+      </a:schemeClr>
+      <a:schemeClr val="accent5">
+        <a:tint val="50000"/>
+      </a:schemeClr>
+      <a:schemeClr val="accent6">
+        <a:tint val="50000"/>
+      </a:schemeClr>
+    </dgm:fillClrLst>
+    <dgm:linClrLst meth="repeat">
+      <a:schemeClr val="lt1"/>
+    </dgm:linClrLst>
+    <dgm:effectClrLst/>
+    <dgm:txLinClrLst/>
+    <dgm:txFillClrLst meth="repeat">
+      <a:schemeClr val="lt1"/>
+    </dgm:txFillClrLst>
+    <dgm:txEffectClrLst/>
+  </dgm:styleLbl>
+  <dgm:styleLbl name="alignImgPlace1">
+    <dgm:fillClrLst>
+      <a:schemeClr val="accent1">
+        <a:tint val="50000"/>
+      </a:schemeClr>
+      <a:schemeClr val="accent2">
+        <a:tint val="20000"/>
+      </a:schemeClr>
+    </dgm:fillClrLst>
+    <dgm:linClrLst meth="repeat">
+      <a:schemeClr val="lt1"/>
+    </dgm:linClrLst>
+    <dgm:effectClrLst/>
+    <dgm:txLinClrLst/>
+    <dgm:txFillClrLst meth="repeat">
+      <a:schemeClr val="lt1"/>
+    </dgm:txFillClrLst>
+    <dgm:txEffectClrLst/>
+  </dgm:styleLbl>
+  <dgm:styleLbl name="bgImgPlace1">
+    <dgm:fillClrLst>
+      <a:schemeClr val="accent1">
+        <a:tint val="50000"/>
+      </a:schemeClr>
+      <a:schemeClr val="accent2">
+        <a:tint val="20000"/>
+      </a:schemeClr>
+    </dgm:fillClrLst>
+    <dgm:linClrLst meth="repeat">
+      <a:schemeClr val="lt1"/>
+    </dgm:linClrLst>
+    <dgm:effectClrLst/>
+    <dgm:txLinClrLst/>
+    <dgm:txFillClrLst meth="repeat">
+      <a:schemeClr val="lt1"/>
+    </dgm:txFillClrLst>
+    <dgm:txEffectClrLst/>
+  </dgm:styleLbl>
+  <dgm:styleLbl name="sibTrans2D1">
+    <dgm:fillClrLst meth="repeat">
+      <a:schemeClr val="accent2"/>
+      <a:schemeClr val="accent3"/>
+      <a:schemeClr val="accent4"/>
+      <a:schemeClr val="accent5"/>
+      <a:schemeClr val="accent6"/>
+    </dgm:fillClrLst>
+    <dgm:linClrLst meth="cycle">
+      <a:schemeClr val="lt1"/>
+    </dgm:linClrLst>
+    <dgm:effectClrLst/>
+    <dgm:txLinClrLst/>
+    <dgm:txFillClrLst/>
+    <dgm:txEffectClrLst/>
+  </dgm:styleLbl>
+  <dgm:styleLbl name="fgSibTrans2D1">
+    <dgm:fillClrLst meth="repeat">
+      <a:schemeClr val="accent2"/>
+      <a:schemeClr val="accent3"/>
+      <a:schemeClr val="accent4"/>
+      <a:schemeClr val="accent5"/>
+      <a:schemeClr val="accent6"/>
+    </dgm:fillClrLst>
+    <dgm:linClrLst meth="cycle">
+      <a:schemeClr val="lt1"/>
+    </dgm:linClrLst>
+    <dgm:effectClrLst/>
+    <dgm:txLinClrLst/>
+    <dgm:txFillClrLst meth="repeat">
+      <a:schemeClr val="lt1"/>
+    </dgm:txFillClrLst>
+    <dgm:txEffectClrLst/>
+  </dgm:styleLbl>
+  <dgm:styleLbl name="bgSibTrans2D1">
+    <dgm:fillClrLst meth="repeat">
+      <a:schemeClr val="accent2"/>
+      <a:schemeClr val="accent3"/>
+      <a:schemeClr val="accent4"/>
+      <a:schemeClr val="accent5"/>
+      <a:schemeClr val="accent6"/>
+    </dgm:fillClrLst>
+    <dgm:linClrLst meth="cycle">
+      <a:schemeClr val="lt1"/>
+    </dgm:linClrLst>
+    <dgm:effectClrLst/>
+    <dgm:txLinClrLst/>
+    <dgm:txFillClrLst meth="repeat">
+      <a:schemeClr val="lt1"/>
+    </dgm:txFillClrLst>
+    <dgm:txEffectClrLst/>
+  </dgm:styleLbl>
+  <dgm:styleLbl name="sibTrans1D1">
+    <dgm:fillClrLst meth="repeat">
+      <a:schemeClr val="accent2"/>
+      <a:schemeClr val="accent3"/>
+      <a:schemeClr val="accent4"/>
+      <a:schemeClr val="accent5"/>
+      <a:schemeClr val="accent6"/>
+    </dgm:fillClrLst>
+    <dgm:linClrLst meth="repeat">
+      <a:schemeClr val="accent2"/>
+      <a:schemeClr val="accent3"/>
+      <a:schemeClr val="accent4"/>
+      <a:schemeClr val="accent5"/>
+      <a:schemeClr val="accent6"/>
+    </dgm:linClrLst>
+    <dgm:effectClrLst/>
+    <dgm:txLinClrLst/>
+    <dgm:txFillClrLst meth="repeat">
+      <a:schemeClr val="tx1"/>
+    </dgm:txFillClrLst>
+    <dgm:txEffectClrLst/>
+  </dgm:styleLbl>
+  <dgm:styleLbl name="callout">
+    <dgm:fillClrLst meth="repeat">
+      <a:schemeClr val="accent2"/>
+    </dgm:fillClrLst>
+    <dgm:linClrLst meth="repeat">
+      <a:schemeClr val="accent2">
+        <a:tint val="50000"/>
+      </a:schemeClr>
+    </dgm:linClrLst>
+    <dgm:effectClrLst/>
+    <dgm:txLinClrLst/>
+    <dgm:txFillClrLst meth="repeat">
+      <a:schemeClr val="tx1"/>
+    </dgm:txFillClrLst>
+    <dgm:txEffectClrLst/>
+  </dgm:styleLbl>
+  <dgm:styleLbl name="asst0">
+    <dgm:fillClrLst meth="repeat">
+      <a:schemeClr val="accent1"/>
+    </dgm:fillClrLst>
+    <dgm:linClrLst meth="repeat">
+      <a:schemeClr val="lt1"/>
+    </dgm:linClrLst>
+    <dgm:effectClrLst/>
+    <dgm:txLinClrLst/>
+    <dgm:txFillClrLst/>
+    <dgm:txEffectClrLst/>
+  </dgm:styleLbl>
+  <dgm:styleLbl name="asst1">
+    <dgm:fillClrLst meth="repeat">
+      <a:schemeClr val="accent2"/>
+    </dgm:fillClrLst>
+    <dgm:linClrLst meth="repeat">
+      <a:schemeClr val="lt1"/>
+    </dgm:linClrLst>
+    <dgm:effectClrLst/>
+    <dgm:txLinClrLst/>
+    <dgm:txFillClrLst/>
+    <dgm:txEffectClrLst/>
+  </dgm:styleLbl>
+  <dgm:styleLbl name="asst2">
+    <dgm:fillClrLst>
+      <a:schemeClr val="accent3"/>
+    </dgm:fillClrLst>
+    <dgm:linClrLst meth="repeat">
+      <a:schemeClr val="lt1"/>
+    </dgm:linClrLst>
+    <dgm:effectClrLst/>
+    <dgm:txLinClrLst/>
+    <dgm:txFillClrLst/>
+    <dgm:txEffectClrLst/>
+  </dgm:styleLbl>
+  <dgm:styleLbl name="asst3">
+    <dgm:fillClrLst>
+      <a:schemeClr val="accent4"/>
+    </dgm:fillClrLst>
+    <dgm:linClrLst meth="repeat">
+      <a:schemeClr val="lt1"/>
+    </dgm:linClrLst>
+    <dgm:effectClrLst/>
+    <dgm:txLinClrLst/>
+    <dgm:txFillClrLst/>
+    <dgm:txEffectClrLst/>
+  </dgm:styleLbl>
+  <dgm:styleLbl name="asst4">
+    <dgm:fillClrLst>
+      <a:schemeClr val="accent5"/>
+    </dgm:fillClrLst>
+    <dgm:linClrLst meth="repeat">
+      <a:schemeClr val="lt1"/>
+    </dgm:linClrLst>
+    <dgm:effectClrLst/>
+    <dgm:txLinClrLst/>
+    <dgm:txFillClrLst/>
+    <dgm:txEffectClrLst/>
+  </dgm:styleLbl>
+  <dgm:styleLbl name="parChTrans2D1">
+    <dgm:fillClrLst meth="repeat">
+      <a:schemeClr val="accent2"/>
+    </dgm:fillClrLst>
+    <dgm:linClrLst meth="repeat">
+      <a:schemeClr val="lt1"/>
+    </dgm:linClrLst>
+    <dgm:effectClrLst/>
+    <dgm:txLinClrLst/>
+    <dgm:txFillClrLst meth="repeat">
+      <a:schemeClr val="lt1"/>
+    </dgm:txFillClrLst>
+    <dgm:txEffectClrLst/>
+  </dgm:styleLbl>
+  <dgm:styleLbl name="parChTrans2D2">
+    <dgm:fillClrLst meth="repeat">
+      <a:schemeClr val="accent3"/>
+    </dgm:fillClrLst>
+    <dgm:linClrLst meth="repeat">
+      <a:schemeClr val="lt1"/>
+    </dgm:linClrLst>
+    <dgm:effectClrLst/>
+    <dgm:txLinClrLst/>
+    <dgm:txFillClrLst/>
+    <dgm:txEffectClrLst/>
+  </dgm:styleLbl>
+  <dgm:styleLbl name="parChTrans2D3">
+    <dgm:fillClrLst meth="repeat">
+      <a:schemeClr val="accent4"/>
+    </dgm:fillClrLst>
+    <dgm:linClrLst meth="repeat">
+      <a:schemeClr val="lt1"/>
+    </dgm:linClrLst>
+    <dgm:effectClrLst/>
+    <dgm:txLinClrLst/>
+    <dgm:txFillClrLst/>
+    <dgm:txEffectClrLst/>
+  </dgm:styleLbl>
+  <dgm:styleLbl name="parChTrans2D4">
+    <dgm:fillClrLst meth="repeat">
+      <a:schemeClr val="accent5"/>
+    </dgm:fillClrLst>
+    <dgm:linClrLst meth="repeat">
+      <a:schemeClr val="lt1"/>
+    </dgm:linClrLst>
+    <dgm:effectClrLst/>
+    <dgm:txLinClrLst/>
+    <dgm:txFillClrLst meth="repeat">
+      <a:schemeClr val="lt1"/>
+    </dgm:txFillClrLst>
+    <dgm:txEffectClrLst/>
+  </dgm:styleLbl>
+  <dgm:styleLbl name="parChTrans1D1">
+    <dgm:fillClrLst meth="repeat">
+      <a:schemeClr val="accent2"/>
+    </dgm:fillClrLst>
+    <dgm:linClrLst meth="repeat">
+      <a:schemeClr val="accent1"/>
+    </dgm:linClrLst>
+    <dgm:effectClrLst/>
+    <dgm:txLinClrLst/>
+    <dgm:txFillClrLst meth="repeat">
+      <a:schemeClr val="tx1"/>
+    </dgm:txFillClrLst>
+    <dgm:txEffectClrLst/>
+  </dgm:styleLbl>
+  <dgm:styleLbl name="parChTrans1D2">
+    <dgm:fillClrLst meth="repeat">
+      <a:schemeClr val="accent3">
+        <a:tint val="90000"/>
+      </a:schemeClr>
+    </dgm:fillClrLst>
+    <dgm:linClrLst meth="repeat">
+      <a:schemeClr val="accent2"/>
+    </dgm:linClrLst>
+    <dgm:effectClrLst/>
+    <dgm:txLinClrLst/>
+    <dgm:txFillClrLst meth="repeat">
+      <a:schemeClr val="tx1"/>
+    </dgm:txFillClrLst>
+    <dgm:txEffectClrLst/>
+  </dgm:styleLbl>
+  <dgm:styleLbl name="parChTrans1D3">
+    <dgm:fillClrLst meth="repeat">
+      <a:schemeClr val="accent4">
+        <a:tint val="70000"/>
+      </a:schemeClr>
+    </dgm:fillClrLst>
+    <dgm:linClrLst meth="repeat">
+      <a:schemeClr val="accent3"/>
+    </dgm:linClrLst>
+    <dgm:effectClrLst/>
+    <dgm:txLinClrLst/>
+    <dgm:txFillClrLst meth="repeat">
+      <a:schemeClr val="tx1"/>
+    </dgm:txFillClrLst>
+    <dgm:txEffectClrLst/>
+  </dgm:styleLbl>
+  <dgm:styleLbl name="parChTrans1D4">
+    <dgm:fillClrLst meth="repeat">
+      <a:schemeClr val="accent5">
+        <a:tint val="50000"/>
+      </a:schemeClr>
+    </dgm:fillClrLst>
+    <dgm:linClrLst meth="repeat">
+      <a:schemeClr val="accent4"/>
+    </dgm:linClrLst>
+    <dgm:effectClrLst/>
+    <dgm:txLinClrLst/>
+    <dgm:txFillClrLst meth="repeat">
+      <a:schemeClr val="tx1"/>
+    </dgm:txFillClrLst>
+    <dgm:txEffectClrLst/>
+  </dgm:styleLbl>
+  <dgm:styleLbl name="fgAcc1">
+    <dgm:fillClrLst meth="repeat">
+      <a:schemeClr val="lt1">
+        <a:alpha val="90000"/>
+      </a:schemeClr>
+    </dgm:fillClrLst>
+    <dgm:linClrLst meth="repeat">
+      <a:schemeClr val="accent2"/>
+      <a:schemeClr val="accent3"/>
+      <a:schemeClr val="accent4"/>
+      <a:schemeClr val="accent5"/>
+      <a:schemeClr val="accent6"/>
+    </dgm:linClrLst>
+    <dgm:effectClrLst/>
+    <dgm:txLinClrLst/>
+    <dgm:txFillClrLst meth="repeat">
+      <a:schemeClr val="dk1"/>
+    </dgm:txFillClrLst>
+    <dgm:txEffectClrLst/>
+  </dgm:styleLbl>
+  <dgm:styleLbl name="conFgAcc1">
+    <dgm:fillClrLst meth="repeat">
+      <a:schemeClr val="lt1">
+        <a:alpha val="90000"/>
+      </a:schemeClr>
+    </dgm:fillClrLst>
+    <dgm:linClrLst meth="repeat">
+      <a:schemeClr val="accent2"/>
+      <a:schemeClr val="accent3"/>
+      <a:schemeClr val="accent4"/>
+      <a:schemeClr val="accent5"/>
+      <a:schemeClr val="accent6"/>
+    </dgm:linClrLst>
+    <dgm:effectClrLst/>
+    <dgm:txLinClrLst/>
+    <dgm:txFillClrLst meth="repeat">
+      <a:schemeClr val="dk1"/>
+    </dgm:txFillClrLst>
+    <dgm:txEffectClrLst/>
+  </dgm:styleLbl>
+  <dgm:styleLbl name="alignAcc1">
+    <dgm:fillClrLst meth="repeat">
+      <a:schemeClr val="lt1">
+        <a:alpha val="90000"/>
+      </a:schemeClr>
+    </dgm:fillClrLst>
+    <dgm:linClrLst meth="repeat">
+      <a:schemeClr val="accent2"/>
+      <a:schemeClr val="accent3"/>
+      <a:schemeClr val="accent4"/>
+      <a:schemeClr val="accent5"/>
+      <a:schemeClr val="accent6"/>
+    </dgm:linClrLst>
+    <dgm:effectClrLst/>
+    <dgm:txLinClrLst/>
+    <dgm:txFillClrLst meth="repeat">
+      <a:schemeClr val="dk1"/>
+    </dgm:txFillClrLst>
+    <dgm:txEffectClrLst/>
+  </dgm:styleLbl>
+  <dgm:styleLbl name="trAlignAcc1">
+    <dgm:fillClrLst meth="repeat">
+      <a:schemeClr val="lt1">
+        <a:alpha val="40000"/>
+      </a:schemeClr>
+    </dgm:fillClrLst>
+    <dgm:linClrLst meth="repeat">
+      <a:schemeClr val="accent1"/>
+    </dgm:linClrLst>
+    <dgm:effectClrLst/>
+    <dgm:txLinClrLst/>
+    <dgm:txFillClrLst meth="repeat">
+      <a:schemeClr val="dk1"/>
+    </dgm:txFillClrLst>
+    <dgm:txEffectClrLst/>
+  </dgm:styleLbl>
+  <dgm:styleLbl name="bgAcc1">
+    <dgm:fillClrLst meth="repeat">
+      <a:schemeClr val="lt1">
+        <a:alpha val="90000"/>
+      </a:schemeClr>
+    </dgm:fillClrLst>
+    <dgm:linClrLst meth="repeat">
+      <a:schemeClr val="accent2"/>
+      <a:schemeClr val="accent3"/>
+      <a:schemeClr val="accent4"/>
+      <a:schemeClr val="accent5"/>
+      <a:schemeClr val="accent6"/>
+    </dgm:linClrLst>
+    <dgm:effectClrLst/>
+    <dgm:txLinClrLst/>
+    <dgm:txFillClrLst meth="repeat">
+      <a:schemeClr val="dk1"/>
+    </dgm:txFillClrLst>
+    <dgm:txEffectClrLst/>
+  </dgm:styleLbl>
+  <dgm:styleLbl name="solidFgAcc1">
+    <dgm:fillClrLst meth="repeat">
+      <a:schemeClr val="lt1"/>
+    </dgm:fillClrLst>
+    <dgm:linClrLst meth="repeat">
+      <a:schemeClr val="accent2"/>
+      <a:schemeClr val="accent3"/>
+      <a:schemeClr val="accent4"/>
+      <a:schemeClr val="accent5"/>
+      <a:schemeClr val="accent6"/>
+    </dgm:linClrLst>
+    <dgm:effectClrLst/>
+    <dgm:txLinClrLst/>
+    <dgm:txFillClrLst meth="repeat">
+      <a:schemeClr val="dk1"/>
+    </dgm:txFillClrLst>
+    <dgm:txEffectClrLst/>
+  </dgm:styleLbl>
+  <dgm:styleLbl name="solidAlignAcc1">
+    <dgm:fillClrLst meth="repeat">
+      <a:schemeClr val="lt1"/>
+    </dgm:fillClrLst>
+    <dgm:linClrLst meth="repeat">
+      <a:schemeClr val="accent2"/>
+      <a:schemeClr val="accent3"/>
+      <a:schemeClr val="accent4"/>
+      <a:schemeClr val="accent5"/>
+      <a:schemeClr val="accent6"/>
+    </dgm:linClrLst>
+    <dgm:effectClrLst/>
+    <dgm:txLinClrLst/>
+    <dgm:txFillClrLst meth="repeat">
+      <a:schemeClr val="dk1"/>
+    </dgm:txFillClrLst>
+    <dgm:txEffectClrLst/>
+  </dgm:styleLbl>
+  <dgm:styleLbl name="solidBgAcc1">
+    <dgm:fillClrLst meth="repeat">
+      <a:schemeClr val="lt1"/>
+    </dgm:fillClrLst>
+    <dgm:linClrLst meth="repeat">
+      <a:schemeClr val="accent2"/>
+      <a:schemeClr val="accent3"/>
+      <a:schemeClr val="accent4"/>
+      <a:schemeClr val="accent5"/>
+      <a:schemeClr val="accent6"/>
+    </dgm:linClrLst>
+    <dgm:effectClrLst/>
+    <dgm:txLinClrLst/>
+    <dgm:txFillClrLst meth="repeat">
+      <a:schemeClr val="dk1"/>
+    </dgm:txFillClrLst>
+    <dgm:txEffectClrLst/>
+  </dgm:styleLbl>
+  <dgm:styleLbl name="fgAccFollowNode1">
+    <dgm:fillClrLst meth="repeat">
+      <a:schemeClr val="accent2">
+        <a:tint val="40000"/>
+        <a:alpha val="90000"/>
+      </a:schemeClr>
+      <a:schemeClr val="accent3">
+        <a:tint val="40000"/>
+        <a:alpha val="90000"/>
+      </a:schemeClr>
+      <a:schemeClr val="accent4">
+        <a:tint val="40000"/>
+        <a:alpha val="90000"/>
+      </a:schemeClr>
+      <a:schemeClr val="accent5">
+        <a:tint val="40000"/>
+        <a:alpha val="90000"/>
+      </a:schemeClr>
+      <a:schemeClr val="accent6">
+        <a:tint val="40000"/>
+        <a:alpha val="90000"/>
+      </a:schemeClr>
+    </dgm:fillClrLst>
+    <dgm:linClrLst meth="repeat">
+      <a:schemeClr val="accent2">
+        <a:tint val="40000"/>
+        <a:alpha val="90000"/>
+      </a:schemeClr>
+      <a:schemeClr val="accent3">
+        <a:tint val="40000"/>
+        <a:alpha val="90000"/>
+      </a:schemeClr>
+      <a:schemeClr val="accent4">
+        <a:tint val="40000"/>
+        <a:alpha val="90000"/>
+      </a:schemeClr>
+      <a:schemeClr val="accent5">
+        <a:tint val="40000"/>
+        <a:alpha val="90000"/>
+      </a:schemeClr>
+      <a:schemeClr val="accent6">
+        <a:tint val="40000"/>
+        <a:alpha val="90000"/>
+      </a:schemeClr>
+    </dgm:linClrLst>
+    <dgm:effectClrLst/>
+    <dgm:txLinClrLst/>
+    <dgm:txFillClrLst meth="repeat">
+      <a:schemeClr val="dk1"/>
+    </dgm:txFillClrLst>
+    <dgm:txEffectClrLst/>
+  </dgm:styleLbl>
+  <dgm:styleLbl name="alignAccFollowNode1">
+    <dgm:fillClrLst meth="repeat">
+      <a:schemeClr val="accent2">
+        <a:tint val="40000"/>
+        <a:alpha val="90000"/>
+      </a:schemeClr>
+      <a:schemeClr val="accent3">
+        <a:tint val="40000"/>
+        <a:alpha val="90000"/>
+      </a:schemeClr>
+      <a:schemeClr val="accent4">
+        <a:tint val="40000"/>
+        <a:alpha val="90000"/>
+      </a:schemeClr>
+      <a:schemeClr val="accent5">
+        <a:tint val="40000"/>
+        <a:alpha val="90000"/>
+      </a:schemeClr>
+      <a:schemeClr val="accent6">
+        <a:tint val="40000"/>
+        <a:alpha val="90000"/>
+      </a:schemeClr>
+    </dgm:fillClrLst>
+    <dgm:linClrLst meth="repeat">
+      <a:schemeClr val="accent2">
+        <a:tint val="40000"/>
+        <a:alpha val="90000"/>
+      </a:schemeClr>
+      <a:schemeClr val="accent3">
+        <a:tint val="40000"/>
+        <a:alpha val="90000"/>
+      </a:schemeClr>
+      <a:schemeClr val="accent4">
+        <a:tint val="40000"/>
+        <a:alpha val="90000"/>
+      </a:schemeClr>
+      <a:schemeClr val="accent5">
+        <a:tint val="40000"/>
+        <a:alpha val="90000"/>
+      </a:schemeClr>
+      <a:schemeClr val="accent6">
+        <a:tint val="40000"/>
+        <a:alpha val="90000"/>
+      </a:schemeClr>
+    </dgm:linClrLst>
+    <dgm:effectClrLst/>
+    <dgm:txLinClrLst/>
+    <dgm:txFillClrLst meth="repeat">
+      <a:schemeClr val="dk1"/>
+    </dgm:txFillClrLst>
+    <dgm:txEffectClrLst/>
+  </dgm:styleLbl>
+  <dgm:styleLbl name="bgAccFollowNode1">
+    <dgm:fillClrLst meth="repeat">
+      <a:schemeClr val="accent2">
+        <a:tint val="40000"/>
+        <a:alpha val="90000"/>
+      </a:schemeClr>
+      <a:schemeClr val="accent3">
+        <a:tint val="40000"/>
+        <a:alpha val="90000"/>
+      </a:schemeClr>
+      <a:schemeClr val="accent4">
+        <a:tint val="40000"/>
+        <a:alpha val="90000"/>
+      </a:schemeClr>
+      <a:schemeClr val="accent5">
+        <a:tint val="40000"/>
+        <a:alpha val="90000"/>
+      </a:schemeClr>
+      <a:schemeClr val="accent6">
+        <a:tint val="40000"/>
+        <a:alpha val="90000"/>
+      </a:schemeClr>
+    </dgm:fillClrLst>
+    <dgm:linClrLst meth="repeat">
+      <a:schemeClr val="accent2">
+        <a:tint val="40000"/>
+        <a:alpha val="90000"/>
+      </a:schemeClr>
+      <a:schemeClr val="accent3">
+        <a:tint val="40000"/>
+        <a:alpha val="90000"/>
+      </a:schemeClr>
+      <a:schemeClr val="accent4">
+        <a:tint val="40000"/>
+        <a:alpha val="90000"/>
+      </a:schemeClr>
+      <a:schemeClr val="accent5">
+        <a:tint val="40000"/>
+        <a:alpha val="90000"/>
+      </a:schemeClr>
+      <a:schemeClr val="accent6">
+        <a:tint val="40000"/>
+        <a:alpha val="90000"/>
+      </a:schemeClr>
+    </dgm:linClrLst>
+    <dgm:effectClrLst/>
+    <dgm:txLinClrLst/>
+    <dgm:txFillClrLst meth="repeat">
+      <a:schemeClr val="dk1"/>
+    </dgm:txFillClrLst>
+    <dgm:txEffectClrLst/>
+  </dgm:styleLbl>
+  <dgm:styleLbl name="fgAcc0">
+    <dgm:fillClrLst meth="repeat">
+      <a:schemeClr val="lt1">
+        <a:alpha val="90000"/>
+      </a:schemeClr>
+    </dgm:fillClrLst>
+    <dgm:linClrLst>
+      <a:schemeClr val="accent1"/>
+    </dgm:linClrLst>
+    <dgm:effectClrLst/>
+    <dgm:txLinClrLst/>
+    <dgm:txFillClrLst meth="repeat">
+      <a:schemeClr val="dk1"/>
+    </dgm:txFillClrLst>
+    <dgm:txEffectClrLst/>
+  </dgm:styleLbl>
+  <dgm:styleLbl name="fgAcc2">
+    <dgm:fillClrLst meth="repeat">
+      <a:schemeClr val="lt1">
+        <a:alpha val="90000"/>
+      </a:schemeClr>
+    </dgm:fillClrLst>
+    <dgm:linClrLst>
+      <a:schemeClr val="accent2"/>
+    </dgm:linClrLst>
+    <dgm:effectClrLst/>
+    <dgm:txLinClrLst/>
+    <dgm:txFillClrLst meth="repeat">
+      <a:schemeClr val="dk1"/>
+    </dgm:txFillClrLst>
+    <dgm:txEffectClrLst/>
+  </dgm:styleLbl>
+  <dgm:styleLbl name="fgAcc3">
+    <dgm:fillClrLst meth="repeat">
+      <a:schemeClr val="lt1">
+        <a:alpha val="90000"/>
+      </a:schemeClr>
+    </dgm:fillClrLst>
+    <dgm:linClrLst>
+      <a:schemeClr val="accent3"/>
+    </dgm:linClrLst>
+    <dgm:effectClrLst/>
+    <dgm:txLinClrLst/>
+    <dgm:txFillClrLst meth="repeat">
+      <a:schemeClr val="dk1"/>
+    </dgm:txFillClrLst>
+    <dgm:txEffectClrLst/>
+  </dgm:styleLbl>
+  <dgm:styleLbl name="fgAcc4">
+    <dgm:fillClrLst meth="repeat">
+      <a:schemeClr val="lt1">
+        <a:alpha val="90000"/>
+      </a:schemeClr>
+    </dgm:fillClrLst>
+    <dgm:linClrLst>
+      <a:schemeClr val="accent4"/>
+    </dgm:linClrLst>
+    <dgm:effectClrLst/>
+    <dgm:txLinClrLst/>
+    <dgm:txFillClrLst meth="repeat">
+      <a:schemeClr val="dk1"/>
+    </dgm:txFillClrLst>
+    <dgm:txEffectClrLst/>
+  </dgm:styleLbl>
+  <dgm:styleLbl name="bgShp">
+    <dgm:fillClrLst meth="repeat">
+      <a:schemeClr val="accent2"/>
+      <a:schemeClr val="accent3"/>
+      <a:schemeClr val="accent4"/>
+      <a:schemeClr val="accent5"/>
+      <a:schemeClr val="accent6"/>
+    </dgm:fillClrLst>
+    <dgm:linClrLst meth="repeat">
+      <a:schemeClr val="lt1">
+        <a:alpha val="0"/>
+      </a:schemeClr>
+    </dgm:linClrLst>
+    <dgm:effectClrLst/>
+    <dgm:txLinClrLst/>
+    <dgm:txFillClrLst/>
+    <dgm:txEffectClrLst/>
+  </dgm:styleLbl>
+  <dgm:styleLbl name="dkBgShp">
+    <dgm:fillClrLst meth="repeat">
+      <a:schemeClr val="accent2">
+        <a:shade val="90000"/>
+      </a:schemeClr>
+    </dgm:fillClrLst>
+    <dgm:linClrLst meth="repeat">
+      <a:schemeClr val="dk1"/>
+    </dgm:linClrLst>
+    <dgm:effectClrLst/>
+    <dgm:txLinClrLst/>
+    <dgm:txFillClrLst meth="repeat">
+      <a:schemeClr val="lt1"/>
+    </dgm:txFillClrLst>
+    <dgm:txEffectClrLst/>
+  </dgm:styleLbl>
+  <dgm:styleLbl name="trBgShp">
+    <dgm:fillClrLst meth="repeat">
+      <a:schemeClr val="accent1">
+        <a:tint val="50000"/>
+        <a:alpha val="40000"/>
+      </a:schemeClr>
+    </dgm:fillClrLst>
+    <dgm:linClrLst meth="repeat">
+      <a:schemeClr val="accent2"/>
+    </dgm:linClrLst>
+    <dgm:effectClrLst/>
+    <dgm:txLinClrLst/>
+    <dgm:txFillClrLst meth="repeat">
+      <a:schemeClr val="lt1"/>
+    </dgm:txFillClrLst>
+    <dgm:txEffectClrLst/>
+  </dgm:styleLbl>
+  <dgm:styleLbl name="fgShp">
+    <dgm:fillClrLst meth="repeat">
+      <a:schemeClr val="accent2">
+        <a:tint val="40000"/>
+      </a:schemeClr>
+    </dgm:fillClrLst>
+    <dgm:linClrLst meth="repeat">
+      <a:schemeClr val="lt1"/>
+    </dgm:linClrLst>
+    <dgm:effectClrLst/>
+    <dgm:txLinClrLst/>
+    <dgm:txFillClrLst meth="repeat">
+      <a:schemeClr val="dk1"/>
+    </dgm:txFillClrLst>
+    <dgm:txEffectClrLst/>
+  </dgm:styleLbl>
+  <dgm:styleLbl name="revTx">
+    <dgm:fillClrLst meth="repeat">
+      <a:schemeClr val="lt1">
+        <a:alpha val="0"/>
+      </a:schemeClr>
+    </dgm:fillClrLst>
+    <dgm:linClrLst meth="repeat">
+      <a:schemeClr val="dk1">
+        <a:alpha val="0"/>
+      </a:schemeClr>
+    </dgm:linClrLst>
+    <dgm:effectClrLst/>
+    <dgm:txLinClrLst/>
+    <dgm:txFillClrLst meth="repeat">
+      <a:schemeClr val="bg1"/>
+    </dgm:txFillClrLst>
+    <dgm:txEffectClrLst/>
+  </dgm:styleLbl>
+</dgm:colorsDef>
+</file>
+
+<file path=ppt/diagrams/colors4.xml><?xml version="1.0" encoding="utf-8"?>
+<dgm:colorsDef xmlns:dgm="http://schemas.openxmlformats.org/drawingml/2006/diagram" xmlns:a="http://schemas.openxmlformats.org/drawingml/2006/main" uniqueId="urn:microsoft.com/office/officeart/2018/5/colors/Iconchunking_neutralicontext_colorful1">
+  <dgm:title val=""/>
+  <dgm:desc val=""/>
+  <dgm:catLst>
+    <dgm:cat type="colorful" pri="10100"/>
+  </dgm:catLst>
+  <dgm:styleLbl name="node0">
+    <dgm:fillClrLst meth="repeat">
+      <a:schemeClr val="accent1"/>
+    </dgm:fillClrLst>
+    <dgm:linClrLst meth="repeat">
+      <a:schemeClr val="lt1"/>
+    </dgm:linClrLst>
+    <dgm:effectClrLst/>
+    <dgm:txLinClrLst/>
+    <dgm:txFillClrLst/>
+    <dgm:txEffectClrLst/>
+  </dgm:styleLbl>
+  <dgm:styleLbl name="node1">
+    <dgm:fillClrLst meth="repeat">
+      <a:schemeClr val="bg1"/>
+    </dgm:fillClrLst>
+    <dgm:linClrLst meth="repeat">
+      <a:schemeClr val="lt1">
+        <a:alpha val="0"/>
+      </a:schemeClr>
+    </dgm:linClrLst>
+    <dgm:effectClrLst/>
+    <dgm:txLinClrLst/>
+    <dgm:txFillClrLst meth="repeat">
+      <a:schemeClr val="dk1"/>
+    </dgm:txFillClrLst>
+    <dgm:txEffectClrLst/>
+  </dgm:styleLbl>
+  <dgm:styleLbl name="alignNode1">
+    <dgm:fillClrLst meth="repeat">
+      <a:schemeClr val="accent2"/>
+      <a:schemeClr val="accent3"/>
+      <a:schemeClr val="accent4"/>
+      <a:schemeClr val="accent5"/>
+      <a:schemeClr val="accent6"/>
+    </dgm:fillClrLst>
+    <dgm:linClrLst meth="repeat">
+      <a:schemeClr val="accent2"/>
+      <a:schemeClr val="accent3"/>
+      <a:schemeClr val="accent4"/>
+      <a:schemeClr val="accent5"/>
+      <a:schemeClr val="accent6"/>
+    </dgm:linClrLst>
+    <dgm:effectClrLst/>
+    <dgm:txLinClrLst/>
+    <dgm:txFillClrLst/>
+    <dgm:txEffectClrLst/>
+  </dgm:styleLbl>
+  <dgm:styleLbl name="lnNode1">
+    <dgm:fillClrLst meth="repeat">
+      <a:schemeClr val="accent2"/>
+      <a:schemeClr val="accent3"/>
+      <a:schemeClr val="accent4"/>
+      <a:schemeClr val="accent5"/>
+      <a:schemeClr val="accent6"/>
+    </dgm:fillClrLst>
+    <dgm:linClrLst meth="repeat">
+      <a:schemeClr val="lt1"/>
+    </dgm:linClrLst>
+    <dgm:effectClrLst/>
+    <dgm:txLinClrLst/>
+    <dgm:txFillClrLst/>
+    <dgm:txEffectClrLst/>
+  </dgm:styleLbl>
+  <dgm:styleLbl name="vennNode1">
+    <dgm:fillClrLst meth="repeat">
+      <a:schemeClr val="accent2">
+        <a:alpha val="50000"/>
+      </a:schemeClr>
+      <a:schemeClr val="accent3">
+        <a:alpha val="50000"/>
+      </a:schemeClr>
+      <a:schemeClr val="accent4">
+        <a:alpha val="50000"/>
+      </a:schemeClr>
+      <a:schemeClr val="accent5">
+        <a:alpha val="50000"/>
+      </a:schemeClr>
+      <a:schemeClr val="accent6">
+        <a:alpha val="50000"/>
+      </a:schemeClr>
+    </dgm:fillClrLst>
+    <dgm:linClrLst meth="repeat">
+      <a:schemeClr val="lt1"/>
+    </dgm:linClrLst>
+    <dgm:effectClrLst/>
+    <dgm:txLinClrLst/>
+    <dgm:txFillClrLst/>
+    <dgm:txEffectClrLst/>
+  </dgm:styleLbl>
+  <dgm:styleLbl name="node2">
+    <dgm:fillClrLst>
+      <a:schemeClr val="accent2"/>
+    </dgm:fillClrLst>
+    <dgm:linClrLst meth="repeat">
+      <a:schemeClr val="lt1"/>
+    </dgm:linClrLst>
+    <dgm:effectClrLst/>
+    <dgm:txLinClrLst/>
+    <dgm:txFillClrLst/>
+    <dgm:txEffectClrLst/>
+  </dgm:styleLbl>
+  <dgm:styleLbl name="node3">
+    <dgm:fillClrLst>
+      <a:schemeClr val="accent3"/>
+    </dgm:fillClrLst>
+    <dgm:linClrLst meth="repeat">
+      <a:schemeClr val="lt1"/>
+    </dgm:linClrLst>
+    <dgm:effectClrLst/>
+    <dgm:txLinClrLst/>
+    <dgm:txFillClrLst/>
+    <dgm:txEffectClrLst/>
+  </dgm:styleLbl>
+  <dgm:styleLbl name="node4">
+    <dgm:fillClrLst>
+      <a:schemeClr val="accent4"/>
+    </dgm:fillClrLst>
+    <dgm:linClrLst meth="repeat">
+      <a:schemeClr val="lt1"/>
+    </dgm:linClrLst>
+    <dgm:effectClrLst/>
+    <dgm:txLinClrLst/>
+    <dgm:txFillClrLst/>
+    <dgm:txEffectClrLst/>
+  </dgm:styleLbl>
+  <dgm:styleLbl name="fgImgPlace1">
+    <dgm:fillClrLst meth="repeat">
+      <a:schemeClr val="accent2">
+        <a:tint val="50000"/>
+      </a:schemeClr>
+      <a:schemeClr val="accent3">
+        <a:tint val="50000"/>
+      </a:schemeClr>
+      <a:schemeClr val="accent4">
+        <a:tint val="50000"/>
+      </a:schemeClr>
+      <a:schemeClr val="accent5">
+        <a:tint val="50000"/>
+      </a:schemeClr>
+      <a:schemeClr val="accent6">
+        <a:tint val="50000"/>
+      </a:schemeClr>
+    </dgm:fillClrLst>
+    <dgm:linClrLst meth="repeat">
+      <a:schemeClr val="lt1"/>
+    </dgm:linClrLst>
+    <dgm:effectClrLst/>
+    <dgm:txLinClrLst/>
+    <dgm:txFillClrLst meth="repeat">
+      <a:schemeClr val="lt1"/>
+    </dgm:txFillClrLst>
+    <dgm:txEffectClrLst/>
+  </dgm:styleLbl>
+  <dgm:styleLbl name="alignImgPlace1">
+    <dgm:fillClrLst>
+      <a:schemeClr val="accent1">
+        <a:tint val="50000"/>
+      </a:schemeClr>
+      <a:schemeClr val="accent2">
+        <a:tint val="20000"/>
+      </a:schemeClr>
+    </dgm:fillClrLst>
+    <dgm:linClrLst meth="repeat">
+      <a:schemeClr val="lt1"/>
+    </dgm:linClrLst>
+    <dgm:effectClrLst/>
+    <dgm:txLinClrLst/>
+    <dgm:txFillClrLst meth="repeat">
+      <a:schemeClr val="lt1"/>
+    </dgm:txFillClrLst>
+    <dgm:txEffectClrLst/>
+  </dgm:styleLbl>
+  <dgm:styleLbl name="bgImgPlace1">
+    <dgm:fillClrLst>
+      <a:schemeClr val="accent1">
+        <a:tint val="50000"/>
+      </a:schemeClr>
+      <a:schemeClr val="accent2">
+        <a:tint val="20000"/>
+      </a:schemeClr>
+    </dgm:fillClrLst>
+    <dgm:linClrLst meth="repeat">
+      <a:schemeClr val="lt1"/>
+    </dgm:linClrLst>
+    <dgm:effectClrLst/>
+    <dgm:txLinClrLst/>
+    <dgm:txFillClrLst meth="repeat">
+      <a:schemeClr val="lt1"/>
+    </dgm:txFillClrLst>
+    <dgm:txEffectClrLst/>
+  </dgm:styleLbl>
+  <dgm:styleLbl name="sibTrans2D1">
+    <dgm:fillClrLst meth="repeat">
+      <a:schemeClr val="accent2"/>
+      <a:schemeClr val="accent3"/>
+      <a:schemeClr val="accent4"/>
+      <a:schemeClr val="accent5"/>
+      <a:schemeClr val="accent6"/>
+    </dgm:fillClrLst>
+    <dgm:linClrLst meth="cycle">
+      <a:schemeClr val="lt1"/>
+    </dgm:linClrLst>
+    <dgm:effectClrLst/>
+    <dgm:txLinClrLst/>
+    <dgm:txFillClrLst/>
+    <dgm:txEffectClrLst/>
+  </dgm:styleLbl>
+  <dgm:styleLbl name="fgSibTrans2D1">
+    <dgm:fillClrLst meth="repeat">
+      <a:schemeClr val="accent2"/>
+      <a:schemeClr val="accent3"/>
+      <a:schemeClr val="accent4"/>
+      <a:schemeClr val="accent5"/>
+      <a:schemeClr val="accent6"/>
+    </dgm:fillClrLst>
+    <dgm:linClrLst meth="cycle">
+      <a:schemeClr val="lt1"/>
+    </dgm:linClrLst>
+    <dgm:effectClrLst/>
+    <dgm:txLinClrLst/>
+    <dgm:txFillClrLst meth="repeat">
+      <a:schemeClr val="lt1"/>
+    </dgm:txFillClrLst>
+    <dgm:txEffectClrLst/>
+  </dgm:styleLbl>
+  <dgm:styleLbl name="bgSibTrans2D1">
+    <dgm:fillClrLst meth="repeat">
+      <a:schemeClr val="accent2"/>
+      <a:schemeClr val="accent3"/>
+      <a:schemeClr val="accent4"/>
+      <a:schemeClr val="accent5"/>
+      <a:schemeClr val="accent6"/>
+    </dgm:fillClrLst>
+    <dgm:linClrLst meth="cycle">
+      <a:schemeClr val="lt1"/>
+    </dgm:linClrLst>
+    <dgm:effectClrLst/>
+    <dgm:txLinClrLst/>
+    <dgm:txFillClrLst meth="repeat">
+      <a:schemeClr val="lt1"/>
+    </dgm:txFillClrLst>
+    <dgm:txEffectClrLst/>
+  </dgm:styleLbl>
+  <dgm:styleLbl name="sibTrans1D1">
+    <dgm:fillClrLst meth="repeat">
+      <a:schemeClr val="accent2"/>
+      <a:schemeClr val="accent3"/>
+      <a:schemeClr val="accent4"/>
+      <a:schemeClr val="accent5"/>
+      <a:schemeClr val="accent6"/>
+    </dgm:fillClrLst>
+    <dgm:linClrLst meth="repeat">
+      <a:schemeClr val="accent2"/>
+      <a:schemeClr val="accent3"/>
+      <a:schemeClr val="accent4"/>
+      <a:schemeClr val="accent5"/>
+      <a:schemeClr val="accent6"/>
+    </dgm:linClrLst>
+    <dgm:effectClrLst/>
+    <dgm:txLinClrLst/>
+    <dgm:txFillClrLst meth="repeat">
+      <a:schemeClr val="tx1"/>
+    </dgm:txFillClrLst>
+    <dgm:txEffectClrLst/>
+  </dgm:styleLbl>
+  <dgm:styleLbl name="callout">
+    <dgm:fillClrLst meth="repeat">
+      <a:schemeClr val="accent2"/>
+    </dgm:fillClrLst>
+    <dgm:linClrLst meth="repeat">
+      <a:schemeClr val="accent2">
+        <a:tint val="50000"/>
+      </a:schemeClr>
+    </dgm:linClrLst>
+    <dgm:effectClrLst/>
+    <dgm:txLinClrLst/>
+    <dgm:txFillClrLst meth="repeat">
+      <a:schemeClr val="tx1"/>
+    </dgm:txFillClrLst>
+    <dgm:txEffectClrLst/>
+  </dgm:styleLbl>
+  <dgm:styleLbl name="asst0">
+    <dgm:fillClrLst meth="repeat">
+      <a:schemeClr val="accent1"/>
+    </dgm:fillClrLst>
+    <dgm:linClrLst meth="repeat">
+      <a:schemeClr val="lt1"/>
+    </dgm:linClrLst>
+    <dgm:effectClrLst/>
+    <dgm:txLinClrLst/>
+    <dgm:txFillClrLst/>
+    <dgm:txEffectClrLst/>
+  </dgm:styleLbl>
+  <dgm:styleLbl name="asst1">
+    <dgm:fillClrLst meth="repeat">
+      <a:schemeClr val="accent2"/>
+    </dgm:fillClrLst>
+    <dgm:linClrLst meth="repeat">
+      <a:schemeClr val="lt1"/>
+    </dgm:linClrLst>
+    <dgm:effectClrLst/>
+    <dgm:txLinClrLst/>
+    <dgm:txFillClrLst/>
+    <dgm:txEffectClrLst/>
+  </dgm:styleLbl>
+  <dgm:styleLbl name="asst2">
+    <dgm:fillClrLst>
+      <a:schemeClr val="accent3"/>
+    </dgm:fillClrLst>
+    <dgm:linClrLst meth="repeat">
+      <a:schemeClr val="lt1"/>
+    </dgm:linClrLst>
+    <dgm:effectClrLst/>
+    <dgm:txLinClrLst/>
+    <dgm:txFillClrLst/>
+    <dgm:txEffectClrLst/>
+  </dgm:styleLbl>
+  <dgm:styleLbl name="asst3">
+    <dgm:fillClrLst>
+      <a:schemeClr val="accent4"/>
+    </dgm:fillClrLst>
+    <dgm:linClrLst meth="repeat">
+      <a:schemeClr val="lt1"/>
+    </dgm:linClrLst>
+    <dgm:effectClrLst/>
+    <dgm:txLinClrLst/>
+    <dgm:txFillClrLst/>
+    <dgm:txEffectClrLst/>
+  </dgm:styleLbl>
+  <dgm:styleLbl name="asst4">
+    <dgm:fillClrLst>
+      <a:schemeClr val="accent5"/>
+    </dgm:fillClrLst>
+    <dgm:linClrLst meth="repeat">
+      <a:schemeClr val="lt1"/>
+    </dgm:linClrLst>
+    <dgm:effectClrLst/>
+    <dgm:txLinClrLst/>
+    <dgm:txFillClrLst/>
+    <dgm:txEffectClrLst/>
+  </dgm:styleLbl>
+  <dgm:styleLbl name="parChTrans2D1">
+    <dgm:fillClrLst meth="repeat">
+      <a:schemeClr val="accent2"/>
+    </dgm:fillClrLst>
+    <dgm:linClrLst meth="repeat">
+      <a:schemeClr val="lt1"/>
+    </dgm:linClrLst>
+    <dgm:effectClrLst/>
+    <dgm:txLinClrLst/>
+    <dgm:txFillClrLst meth="repeat">
+      <a:schemeClr val="lt1"/>
+    </dgm:txFillClrLst>
+    <dgm:txEffectClrLst/>
+  </dgm:styleLbl>
+  <dgm:styleLbl name="parChTrans2D2">
+    <dgm:fillClrLst meth="repeat">
+      <a:schemeClr val="accent3"/>
+    </dgm:fillClrLst>
+    <dgm:linClrLst meth="repeat">
+      <a:schemeClr val="lt1"/>
+    </dgm:linClrLst>
+    <dgm:effectClrLst/>
+    <dgm:txLinClrLst/>
+    <dgm:txFillClrLst/>
+    <dgm:txEffectClrLst/>
+  </dgm:styleLbl>
+  <dgm:styleLbl name="parChTrans2D3">
+    <dgm:fillClrLst meth="repeat">
+      <a:schemeClr val="accent4"/>
+    </dgm:fillClrLst>
+    <dgm:linClrLst meth="repeat">
+      <a:schemeClr val="lt1"/>
+    </dgm:linClrLst>
+    <dgm:effectClrLst/>
+    <dgm:txLinClrLst/>
+    <dgm:txFillClrLst/>
+    <dgm:txEffectClrLst/>
+  </dgm:styleLbl>
+  <dgm:styleLbl name="parChTrans2D4">
+    <dgm:fillClrLst meth="repeat">
+      <a:schemeClr val="accent5"/>
+    </dgm:fillClrLst>
+    <dgm:linClrLst meth="repeat">
+      <a:schemeClr val="lt1"/>
+    </dgm:linClrLst>
+    <dgm:effectClrLst/>
+    <dgm:txLinClrLst/>
+    <dgm:txFillClrLst meth="repeat">
+      <a:schemeClr val="lt1"/>
+    </dgm:txFillClrLst>
+    <dgm:txEffectClrLst/>
+  </dgm:styleLbl>
+  <dgm:styleLbl name="parChTrans1D1">
+    <dgm:fillClrLst meth="repeat">
+      <a:schemeClr val="accent2"/>
+    </dgm:fillClrLst>
+    <dgm:linClrLst meth="repeat">
+      <a:schemeClr val="accent1"/>
+    </dgm:linClrLst>
+    <dgm:effectClrLst/>
+    <dgm:txLinClrLst/>
+    <dgm:txFillClrLst meth="repeat">
+      <a:schemeClr val="tx1"/>
+    </dgm:txFillClrLst>
+    <dgm:txEffectClrLst/>
+  </dgm:styleLbl>
+  <dgm:styleLbl name="parChTrans1D2">
+    <dgm:fillClrLst meth="repeat">
+      <a:schemeClr val="accent3">
+        <a:tint val="90000"/>
+      </a:schemeClr>
+    </dgm:fillClrLst>
+    <dgm:linClrLst meth="repeat">
+      <a:schemeClr val="accent2"/>
+    </dgm:linClrLst>
+    <dgm:effectClrLst/>
+    <dgm:txLinClrLst/>
+    <dgm:txFillClrLst meth="repeat">
+      <a:schemeClr val="tx1"/>
+    </dgm:txFillClrLst>
+    <dgm:txEffectClrLst/>
+  </dgm:styleLbl>
+  <dgm:styleLbl name="parChTrans1D3">
+    <dgm:fillClrLst meth="repeat">
+      <a:schemeClr val="accent4">
+        <a:tint val="70000"/>
+      </a:schemeClr>
+    </dgm:fillClrLst>
+    <dgm:linClrLst meth="repeat">
+      <a:schemeClr val="accent3"/>
+    </dgm:linClrLst>
+    <dgm:effectClrLst/>
+    <dgm:txLinClrLst/>
+    <dgm:txFillClrLst meth="repeat">
+      <a:schemeClr val="tx1"/>
+    </dgm:txFillClrLst>
+    <dgm:txEffectClrLst/>
+  </dgm:styleLbl>
+  <dgm:styleLbl name="parChTrans1D4">
+    <dgm:fillClrLst meth="repeat">
+      <a:schemeClr val="accent5">
+        <a:tint val="50000"/>
+      </a:schemeClr>
+    </dgm:fillClrLst>
+    <dgm:linClrLst meth="repeat">
+      <a:schemeClr val="accent4"/>
+    </dgm:linClrLst>
+    <dgm:effectClrLst/>
+    <dgm:txLinClrLst/>
+    <dgm:txFillClrLst meth="repeat">
+      <a:schemeClr val="tx1"/>
+    </dgm:txFillClrLst>
+    <dgm:txEffectClrLst/>
+  </dgm:styleLbl>
+  <dgm:styleLbl name="fgAcc1">
+    <dgm:fillClrLst meth="repeat">
+      <a:schemeClr val="lt1">
+        <a:alpha val="90000"/>
+      </a:schemeClr>
+    </dgm:fillClrLst>
+    <dgm:linClrLst meth="repeat">
+      <a:schemeClr val="accent2"/>
+      <a:schemeClr val="accent3"/>
+      <a:schemeClr val="accent4"/>
+      <a:schemeClr val="accent5"/>
+      <a:schemeClr val="accent6"/>
+    </dgm:linClrLst>
+    <dgm:effectClrLst/>
+    <dgm:txLinClrLst/>
+    <dgm:txFillClrLst meth="repeat">
+      <a:schemeClr val="dk1"/>
+    </dgm:txFillClrLst>
+    <dgm:txEffectClrLst/>
+  </dgm:styleLbl>
+  <dgm:styleLbl name="conFgAcc1">
+    <dgm:fillClrLst meth="repeat">
+      <a:schemeClr val="lt1">
+        <a:alpha val="90000"/>
+      </a:schemeClr>
+    </dgm:fillClrLst>
+    <dgm:linClrLst meth="repeat">
+      <a:schemeClr val="accent2"/>
+      <a:schemeClr val="accent3"/>
+      <a:schemeClr val="accent4"/>
+      <a:schemeClr val="accent5"/>
+      <a:schemeClr val="accent6"/>
+    </dgm:linClrLst>
+    <dgm:effectClrLst/>
+    <dgm:txLinClrLst/>
+    <dgm:txFillClrLst meth="repeat">
+      <a:schemeClr val="dk1"/>
+    </dgm:txFillClrLst>
+    <dgm:txEffectClrLst/>
+  </dgm:styleLbl>
+  <dgm:styleLbl name="alignAcc1">
+    <dgm:fillClrLst meth="repeat">
+      <a:schemeClr val="lt1">
+        <a:alpha val="90000"/>
+      </a:schemeClr>
+    </dgm:fillClrLst>
+    <dgm:linClrLst meth="repeat">
+      <a:schemeClr val="accent2"/>
+      <a:schemeClr val="accent3"/>
+      <a:schemeClr val="accent4"/>
+      <a:schemeClr val="accent5"/>
+      <a:schemeClr val="accent6"/>
+    </dgm:linClrLst>
+    <dgm:effectClrLst/>
+    <dgm:txLinClrLst/>
+    <dgm:txFillClrLst meth="repeat">
+      <a:schemeClr val="dk1"/>
+    </dgm:txFillClrLst>
+    <dgm:txEffectClrLst/>
+  </dgm:styleLbl>
+  <dgm:styleLbl name="trAlignAcc1">
+    <dgm:fillClrLst meth="repeat">
+      <a:schemeClr val="lt1">
+        <a:alpha val="40000"/>
+      </a:schemeClr>
+    </dgm:fillClrLst>
+    <dgm:linClrLst meth="repeat">
+      <a:schemeClr val="accent1"/>
+    </dgm:linClrLst>
+    <dgm:effectClrLst/>
+    <dgm:txLinClrLst/>
+    <dgm:txFillClrLst meth="repeat">
+      <a:schemeClr val="dk1"/>
+    </dgm:txFillClrLst>
+    <dgm:txEffectClrLst/>
+  </dgm:styleLbl>
+  <dgm:styleLbl name="bgAcc1">
+    <dgm:fillClrLst meth="repeat">
+      <a:schemeClr val="lt1">
+        <a:alpha val="90000"/>
+      </a:schemeClr>
+    </dgm:fillClrLst>
+    <dgm:linClrLst meth="repeat">
+      <a:schemeClr val="accent2"/>
+      <a:schemeClr val="accent3"/>
+      <a:schemeClr val="accent4"/>
+      <a:schemeClr val="accent5"/>
+      <a:schemeClr val="accent6"/>
+    </dgm:linClrLst>
+    <dgm:effectClrLst/>
+    <dgm:txLinClrLst/>
+    <dgm:txFillClrLst meth="repeat">
+      <a:schemeClr val="dk1"/>
+    </dgm:txFillClrLst>
+    <dgm:txEffectClrLst/>
+  </dgm:styleLbl>
+  <dgm:styleLbl name="solidFgAcc1">
+    <dgm:fillClrLst meth="repeat">
+      <a:schemeClr val="lt1"/>
+    </dgm:fillClrLst>
+    <dgm:linClrLst meth="repeat">
+      <a:schemeClr val="accent2"/>
+      <a:schemeClr val="accent3"/>
+      <a:schemeClr val="accent4"/>
+      <a:schemeClr val="accent5"/>
+      <a:schemeClr val="accent6"/>
+    </dgm:linClrLst>
+    <dgm:effectClrLst/>
+    <dgm:txLinClrLst/>
+    <dgm:txFillClrLst meth="repeat">
+      <a:schemeClr val="dk1"/>
+    </dgm:txFillClrLst>
+    <dgm:txEffectClrLst/>
+  </dgm:styleLbl>
+  <dgm:styleLbl name="solidAlignAcc1">
+    <dgm:fillClrLst meth="repeat">
+      <a:schemeClr val="lt1"/>
+    </dgm:fillClrLst>
+    <dgm:linClrLst meth="repeat">
+      <a:schemeClr val="accent2"/>
+      <a:schemeClr val="accent3"/>
+      <a:schemeClr val="accent4"/>
+      <a:schemeClr val="accent5"/>
+      <a:schemeClr val="accent6"/>
+    </dgm:linClrLst>
+    <dgm:effectClrLst/>
+    <dgm:txLinClrLst/>
+    <dgm:txFillClrLst meth="repeat">
+      <a:schemeClr val="dk1"/>
+    </dgm:txFillClrLst>
+    <dgm:txEffectClrLst/>
+  </dgm:styleLbl>
+  <dgm:styleLbl name="solidBgAcc1">
+    <dgm:fillClrLst meth="repeat">
+      <a:schemeClr val="lt1"/>
+    </dgm:fillClrLst>
+    <dgm:linClrLst meth="repeat">
+      <a:schemeClr val="accent2"/>
+      <a:schemeClr val="accent3"/>
+      <a:schemeClr val="accent4"/>
+      <a:schemeClr val="accent5"/>
+      <a:schemeClr val="accent6"/>
+    </dgm:linClrLst>
+    <dgm:effectClrLst/>
+    <dgm:txLinClrLst/>
+    <dgm:txFillClrLst meth="repeat">
+      <a:schemeClr val="dk1"/>
+    </dgm:txFillClrLst>
+    <dgm:txEffectClrLst/>
+  </dgm:styleLbl>
+  <dgm:styleLbl name="fgAccFollowNode1">
+    <dgm:fillClrLst meth="repeat">
+      <a:schemeClr val="accent2">
+        <a:tint val="40000"/>
+        <a:alpha val="90000"/>
+      </a:schemeClr>
+      <a:schemeClr val="accent3">
+        <a:tint val="40000"/>
+        <a:alpha val="90000"/>
+      </a:schemeClr>
+      <a:schemeClr val="accent4">
+        <a:tint val="40000"/>
+        <a:alpha val="90000"/>
+      </a:schemeClr>
+      <a:schemeClr val="accent5">
+        <a:tint val="40000"/>
+        <a:alpha val="90000"/>
+      </a:schemeClr>
+      <a:schemeClr val="accent6">
+        <a:tint val="40000"/>
+        <a:alpha val="90000"/>
+      </a:schemeClr>
+    </dgm:fillClrLst>
+    <dgm:linClrLst meth="repeat">
+      <a:schemeClr val="accent2">
+        <a:tint val="40000"/>
+        <a:alpha val="90000"/>
+      </a:schemeClr>
+      <a:schemeClr val="accent3">
+        <a:tint val="40000"/>
+        <a:alpha val="90000"/>
+      </a:schemeClr>
+      <a:schemeClr val="accent4">
+        <a:tint val="40000"/>
+        <a:alpha val="90000"/>
+      </a:schemeClr>
+      <a:schemeClr val="accent5">
+        <a:tint val="40000"/>
+        <a:alpha val="90000"/>
+      </a:schemeClr>
+      <a:schemeClr val="accent6">
+        <a:tint val="40000"/>
+        <a:alpha val="90000"/>
+      </a:schemeClr>
+    </dgm:linClrLst>
+    <dgm:effectClrLst/>
+    <dgm:txLinClrLst/>
+    <dgm:txFillClrLst meth="repeat">
+      <a:schemeClr val="dk1"/>
+    </dgm:txFillClrLst>
+    <dgm:txEffectClrLst/>
+  </dgm:styleLbl>
+  <dgm:styleLbl name="alignAccFollowNode1">
+    <dgm:fillClrLst meth="repeat">
+      <a:schemeClr val="accent2">
+        <a:tint val="40000"/>
+        <a:alpha val="90000"/>
+      </a:schemeClr>
+      <a:schemeClr val="accent3">
+        <a:tint val="40000"/>
+        <a:alpha val="90000"/>
+      </a:schemeClr>
+      <a:schemeClr val="accent4">
+        <a:tint val="40000"/>
+        <a:alpha val="90000"/>
+      </a:schemeClr>
+      <a:schemeClr val="accent5">
+        <a:tint val="40000"/>
+        <a:alpha val="90000"/>
+      </a:schemeClr>
+      <a:schemeClr val="accent6">
+        <a:tint val="40000"/>
+        <a:alpha val="90000"/>
+      </a:schemeClr>
+    </dgm:fillClrLst>
+    <dgm:linClrLst meth="repeat">
+      <a:schemeClr val="accent2">
+        <a:tint val="40000"/>
+        <a:alpha val="90000"/>
+      </a:schemeClr>
+      <a:schemeClr val="accent3">
+        <a:tint val="40000"/>
+        <a:alpha val="90000"/>
+      </a:schemeClr>
+      <a:schemeClr val="accent4">
+        <a:tint val="40000"/>
+        <a:alpha val="90000"/>
+      </a:schemeClr>
+      <a:schemeClr val="accent5">
+        <a:tint val="40000"/>
+        <a:alpha val="90000"/>
+      </a:schemeClr>
+      <a:schemeClr val="accent6">
+        <a:tint val="40000"/>
+        <a:alpha val="90000"/>
+      </a:schemeClr>
+    </dgm:linClrLst>
+    <dgm:effectClrLst/>
+    <dgm:txLinClrLst/>
+    <dgm:txFillClrLst meth="repeat">
+      <a:schemeClr val="dk1"/>
+    </dgm:txFillClrLst>
+    <dgm:txEffectClrLst/>
+  </dgm:styleLbl>
+  <dgm:styleLbl name="bgAccFollowNode1">
+    <dgm:fillClrLst meth="repeat">
+      <a:schemeClr val="accent2">
+        <a:tint val="40000"/>
+        <a:alpha val="90000"/>
+      </a:schemeClr>
+      <a:schemeClr val="accent3">
+        <a:tint val="40000"/>
+        <a:alpha val="90000"/>
+      </a:schemeClr>
+      <a:schemeClr val="accent4">
+        <a:tint val="40000"/>
+        <a:alpha val="90000"/>
+      </a:schemeClr>
+      <a:schemeClr val="accent5">
+        <a:tint val="40000"/>
+        <a:alpha val="90000"/>
+      </a:schemeClr>
+      <a:schemeClr val="accent6">
+        <a:tint val="40000"/>
+        <a:alpha val="90000"/>
+      </a:schemeClr>
+    </dgm:fillClrLst>
+    <dgm:linClrLst meth="repeat">
+      <a:schemeClr val="accent2">
+        <a:tint val="40000"/>
+        <a:alpha val="90000"/>
+      </a:schemeClr>
+      <a:schemeClr val="accent3">
+        <a:tint val="40000"/>
+        <a:alpha val="90000"/>
+      </a:schemeClr>
+      <a:schemeClr val="accent4">
+        <a:tint val="40000"/>
+        <a:alpha val="90000"/>
+      </a:schemeClr>
+      <a:schemeClr val="accent5">
+        <a:tint val="40000"/>
+        <a:alpha val="90000"/>
+      </a:schemeClr>
+      <a:schemeClr val="accent6">
+        <a:tint val="40000"/>
+        <a:alpha val="90000"/>
+      </a:schemeClr>
+    </dgm:linClrLst>
+    <dgm:effectClrLst/>
+    <dgm:txLinClrLst/>
+    <dgm:txFillClrLst meth="repeat">
+      <a:schemeClr val="dk1"/>
+    </dgm:txFillClrLst>
+    <dgm:txEffectClrLst/>
+  </dgm:styleLbl>
+  <dgm:styleLbl name="fgAcc0">
+    <dgm:fillClrLst meth="repeat">
+      <a:schemeClr val="lt1">
+        <a:alpha val="90000"/>
+      </a:schemeClr>
+    </dgm:fillClrLst>
+    <dgm:linClrLst>
+      <a:schemeClr val="accent1"/>
+    </dgm:linClrLst>
+    <dgm:effectClrLst/>
+    <dgm:txLinClrLst/>
+    <dgm:txFillClrLst meth="repeat">
+      <a:schemeClr val="dk1"/>
+    </dgm:txFillClrLst>
+    <dgm:txEffectClrLst/>
+  </dgm:styleLbl>
+  <dgm:styleLbl name="fgAcc2">
+    <dgm:fillClrLst meth="repeat">
+      <a:schemeClr val="lt1">
+        <a:alpha val="90000"/>
+      </a:schemeClr>
+    </dgm:fillClrLst>
+    <dgm:linClrLst>
+      <a:schemeClr val="accent2"/>
+    </dgm:linClrLst>
+    <dgm:effectClrLst/>
+    <dgm:txLinClrLst/>
+    <dgm:txFillClrLst meth="repeat">
+      <a:schemeClr val="dk1"/>
+    </dgm:txFillClrLst>
+    <dgm:txEffectClrLst/>
+  </dgm:styleLbl>
+  <dgm:styleLbl name="fgAcc3">
+    <dgm:fillClrLst meth="repeat">
+      <a:schemeClr val="lt1">
+        <a:alpha val="90000"/>
+      </a:schemeClr>
+    </dgm:fillClrLst>
+    <dgm:linClrLst>
+      <a:schemeClr val="accent3"/>
+    </dgm:linClrLst>
+    <dgm:effectClrLst/>
+    <dgm:txLinClrLst/>
+    <dgm:txFillClrLst meth="repeat">
+      <a:schemeClr val="dk1"/>
+    </dgm:txFillClrLst>
+    <dgm:txEffectClrLst/>
+  </dgm:styleLbl>
+  <dgm:styleLbl name="fgAcc4">
+    <dgm:fillClrLst meth="repeat">
+      <a:schemeClr val="lt1">
+        <a:alpha val="90000"/>
+      </a:schemeClr>
+    </dgm:fillClrLst>
+    <dgm:linClrLst>
+      <a:schemeClr val="accent4"/>
+    </dgm:linClrLst>
+    <dgm:effectClrLst/>
+    <dgm:txLinClrLst/>
+    <dgm:txFillClrLst meth="repeat">
+      <a:schemeClr val="dk1"/>
+    </dgm:txFillClrLst>
+    <dgm:txEffectClrLst/>
+  </dgm:styleLbl>
+  <dgm:styleLbl name="bgShp">
+    <dgm:fillClrLst meth="repeat">
+      <a:schemeClr val="accent2"/>
+      <a:schemeClr val="accent3"/>
+      <a:schemeClr val="accent4"/>
+      <a:schemeClr val="accent5"/>
+      <a:schemeClr val="accent6"/>
+    </dgm:fillClrLst>
+    <dgm:linClrLst meth="repeat">
+      <a:schemeClr val="lt1">
+        <a:alpha val="0"/>
+      </a:schemeClr>
+    </dgm:linClrLst>
+    <dgm:effectClrLst/>
+    <dgm:txLinClrLst/>
+    <dgm:txFillClrLst/>
+    <dgm:txEffectClrLst/>
+  </dgm:styleLbl>
+  <dgm:styleLbl name="dkBgShp">
+    <dgm:fillClrLst meth="repeat">
+      <a:schemeClr val="accent2">
+        <a:shade val="90000"/>
+      </a:schemeClr>
+    </dgm:fillClrLst>
+    <dgm:linClrLst meth="repeat">
+      <a:schemeClr val="dk1"/>
+    </dgm:linClrLst>
+    <dgm:effectClrLst/>
+    <dgm:txLinClrLst/>
+    <dgm:txFillClrLst meth="repeat">
+      <a:schemeClr val="lt1"/>
+    </dgm:txFillClrLst>
+    <dgm:txEffectClrLst/>
+  </dgm:styleLbl>
+  <dgm:styleLbl name="trBgShp">
+    <dgm:fillClrLst meth="repeat">
+      <a:schemeClr val="accent1">
+        <a:tint val="50000"/>
+        <a:alpha val="40000"/>
+      </a:schemeClr>
+    </dgm:fillClrLst>
+    <dgm:linClrLst meth="repeat">
+      <a:schemeClr val="accent2"/>
+    </dgm:linClrLst>
+    <dgm:effectClrLst/>
+    <dgm:txLinClrLst/>
+    <dgm:txFillClrLst meth="repeat">
+      <a:schemeClr val="lt1"/>
+    </dgm:txFillClrLst>
+    <dgm:txEffectClrLst/>
+  </dgm:styleLbl>
+  <dgm:styleLbl name="fgShp">
+    <dgm:fillClrLst meth="repeat">
+      <a:schemeClr val="accent2">
+        <a:tint val="40000"/>
+      </a:schemeClr>
+    </dgm:fillClrLst>
+    <dgm:linClrLst meth="repeat">
+      <a:schemeClr val="lt1"/>
+    </dgm:linClrLst>
+    <dgm:effectClrLst/>
+    <dgm:txLinClrLst/>
+    <dgm:txFillClrLst meth="repeat">
+      <a:schemeClr val="dk1"/>
+    </dgm:txFillClrLst>
+    <dgm:txEffectClrLst/>
+  </dgm:styleLbl>
+  <dgm:styleLbl name="revTx">
+    <dgm:fillClrLst meth="repeat">
+      <a:schemeClr val="lt1">
+        <a:alpha val="0"/>
+      </a:schemeClr>
+    </dgm:fillClrLst>
+    <dgm:linClrLst meth="repeat">
+      <a:schemeClr val="dk1">
+        <a:alpha val="0"/>
+      </a:schemeClr>
+    </dgm:linClrLst>
+    <dgm:effectClrLst/>
+    <dgm:txLinClrLst/>
+    <dgm:txFillClrLst meth="repeat">
+      <a:schemeClr val="bg1"/>
+    </dgm:txFillClrLst>
+    <dgm:txEffectClrLst/>
+  </dgm:styleLbl>
+</dgm:colorsDef>
+</file>
+
+<file path=ppt/diagrams/colors5.xml><?xml version="1.0" encoding="utf-8"?>
 <dgm:colorsDef xmlns:dgm="http://schemas.openxmlformats.org/drawingml/2006/diagram" xmlns:a="http://schemas.openxmlformats.org/drawingml/2006/main" uniqueId="urn:microsoft.com/office/officeart/2018/5/colors/Iconchunking_neutralicontext_colorful1">
   <dgm:title val=""/>
   <dgm:desc val=""/>
@@ -2348,6 +5119,712 @@
               </a:ext>
               <a:ext uri="{96DAC541-7B7A-43D3-8B79-37D633B846F1}">
                 <asvg:svgBlip xmlns:asvg="http://schemas.microsoft.com/office/drawing/2016/SVG/main" r:embed="rId4"/>
+              </a:ext>
+            </a:extLst>
+          </a:blip>
+          <a:stretch>
+            <a:fillRect/>
+          </a:stretch>
+        </a:blipFill>
+        <a:ln>
+          <a:noFill/>
+        </a:ln>
+      </dgm:spPr>
+      <dgm:extLst>
+        <a:ext uri="{E40237B7-FDA0-4F09-8148-C483321AD2D9}">
+          <dgm14:cNvPr xmlns:dgm14="http://schemas.microsoft.com/office/drawing/2010/diagram" id="0" name="" descr="Bitcoin"/>
+        </a:ext>
+      </dgm:extLst>
+    </dgm:pt>
+    <dgm:pt modelId="{0363527B-66B6-4B67-B3D6-F58CE584258A}" type="pres">
+      <dgm:prSet presAssocID="{E658F815-5504-45C3-A09F-CCE2D28C941D}" presName="spaceRect" presStyleCnt="0"/>
+      <dgm:spPr/>
+    </dgm:pt>
+    <dgm:pt modelId="{DE98BCA2-4E47-4BAD-8B42-6E7E2DAEBEA1}" type="pres">
+      <dgm:prSet presAssocID="{E658F815-5504-45C3-A09F-CCE2D28C941D}" presName="parTx" presStyleLbl="revTx" presStyleIdx="1" presStyleCnt="2">
+        <dgm:presLayoutVars>
+          <dgm:chMax val="0"/>
+          <dgm:chPref val="0"/>
+        </dgm:presLayoutVars>
+      </dgm:prSet>
+      <dgm:spPr/>
+    </dgm:pt>
+  </dgm:ptLst>
+  <dgm:cxnLst>
+    <dgm:cxn modelId="{0E781C0F-AB5A-42F6-9340-9815F3C41CE4}" type="presOf" srcId="{BA40029F-D60B-4BBD-B639-761B2B479E51}" destId="{8EA89D81-2658-4302-BEFB-EA56EDE3BBD9}" srcOrd="0" destOrd="0" presId="urn:microsoft.com/office/officeart/2018/2/layout/IconVerticalSolidList"/>
+    <dgm:cxn modelId="{88AB8969-5667-4D5A-B3FB-9CD81395579A}" srcId="{BA40029F-D60B-4BBD-B639-761B2B479E51}" destId="{E658F815-5504-45C3-A09F-CCE2D28C941D}" srcOrd="1" destOrd="0" parTransId="{2E5D69FC-C71D-46F2-85B4-4CF9FCD3C9F2}" sibTransId="{202FA01D-2236-433B-AA93-FCAAC49D13DA}"/>
+    <dgm:cxn modelId="{46922E9D-3570-4ACA-9F3A-A0BB4B83FB4F}" srcId="{BA40029F-D60B-4BBD-B639-761B2B479E51}" destId="{AACF1C13-2356-4B6F-B9CB-959E2383C729}" srcOrd="0" destOrd="0" parTransId="{51AA78CA-D3EF-4698-AB3C-87FC604A74F9}" sibTransId="{0C11EF91-60A0-4A0F-8094-C09A047FCAB4}"/>
+    <dgm:cxn modelId="{5BD135A7-E5E5-4F6E-B847-92A4C414EAC3}" type="presOf" srcId="{AACF1C13-2356-4B6F-B9CB-959E2383C729}" destId="{99E51677-24E6-407E-8865-035882B5F643}" srcOrd="0" destOrd="0" presId="urn:microsoft.com/office/officeart/2018/2/layout/IconVerticalSolidList"/>
+    <dgm:cxn modelId="{F26356F0-ECE8-4179-9DB9-FA1902BF0815}" type="presOf" srcId="{E658F815-5504-45C3-A09F-CCE2D28C941D}" destId="{DE98BCA2-4E47-4BAD-8B42-6E7E2DAEBEA1}" srcOrd="0" destOrd="0" presId="urn:microsoft.com/office/officeart/2018/2/layout/IconVerticalSolidList"/>
+    <dgm:cxn modelId="{42442A53-9A05-474F-A070-AF09450D4DED}" type="presParOf" srcId="{8EA89D81-2658-4302-BEFB-EA56EDE3BBD9}" destId="{8E507C54-5C6D-4053-9DC0-0A917A354695}" srcOrd="0" destOrd="0" presId="urn:microsoft.com/office/officeart/2018/2/layout/IconVerticalSolidList"/>
+    <dgm:cxn modelId="{10D0C6B0-B3DF-4FA6-8B62-FB49DBB49E37}" type="presParOf" srcId="{8E507C54-5C6D-4053-9DC0-0A917A354695}" destId="{C1242F4D-26AD-4069-B5C6-F04120EDE77B}" srcOrd="0" destOrd="0" presId="urn:microsoft.com/office/officeart/2018/2/layout/IconVerticalSolidList"/>
+    <dgm:cxn modelId="{50BC8704-964D-4833-B306-A901508D1843}" type="presParOf" srcId="{8E507C54-5C6D-4053-9DC0-0A917A354695}" destId="{350441A4-AE61-4A01-90C7-1233D4CDABBB}" srcOrd="1" destOrd="0" presId="urn:microsoft.com/office/officeart/2018/2/layout/IconVerticalSolidList"/>
+    <dgm:cxn modelId="{E0EED7F0-894A-45B0-AFFA-210D67C65412}" type="presParOf" srcId="{8E507C54-5C6D-4053-9DC0-0A917A354695}" destId="{301E89CA-321A-4B9E-84F9-6398B97C4351}" srcOrd="2" destOrd="0" presId="urn:microsoft.com/office/officeart/2018/2/layout/IconVerticalSolidList"/>
+    <dgm:cxn modelId="{559A8678-9EBF-4058-80D8-316291831ECE}" type="presParOf" srcId="{8E507C54-5C6D-4053-9DC0-0A917A354695}" destId="{99E51677-24E6-407E-8865-035882B5F643}" srcOrd="3" destOrd="0" presId="urn:microsoft.com/office/officeart/2018/2/layout/IconVerticalSolidList"/>
+    <dgm:cxn modelId="{74C3CC2F-D704-4CEF-A9BC-2AB0198D676D}" type="presParOf" srcId="{8EA89D81-2658-4302-BEFB-EA56EDE3BBD9}" destId="{496205CF-0F72-497D-A963-5486C5462138}" srcOrd="1" destOrd="0" presId="urn:microsoft.com/office/officeart/2018/2/layout/IconVerticalSolidList"/>
+    <dgm:cxn modelId="{F95DE6A4-3D8F-46F6-82C3-16400DC127DE}" type="presParOf" srcId="{8EA89D81-2658-4302-BEFB-EA56EDE3BBD9}" destId="{A98970BF-496F-4D87-9A7A-45610BCEE5B2}" srcOrd="2" destOrd="0" presId="urn:microsoft.com/office/officeart/2018/2/layout/IconVerticalSolidList"/>
+    <dgm:cxn modelId="{256BC29F-64E5-4F99-B9D0-E4844DAF02C6}" type="presParOf" srcId="{A98970BF-496F-4D87-9A7A-45610BCEE5B2}" destId="{74F33050-46D6-401E-AD2F-45241B935559}" srcOrd="0" destOrd="0" presId="urn:microsoft.com/office/officeart/2018/2/layout/IconVerticalSolidList"/>
+    <dgm:cxn modelId="{707041E3-82BB-4A79-9EA2-4B94BAE59677}" type="presParOf" srcId="{A98970BF-496F-4D87-9A7A-45610BCEE5B2}" destId="{1E21A490-450A-451C-83F0-EE6DDA9224A3}" srcOrd="1" destOrd="0" presId="urn:microsoft.com/office/officeart/2018/2/layout/IconVerticalSolidList"/>
+    <dgm:cxn modelId="{D4E045F0-1730-4171-9AAF-A327EF805D4E}" type="presParOf" srcId="{A98970BF-496F-4D87-9A7A-45610BCEE5B2}" destId="{0363527B-66B6-4B67-B3D6-F58CE584258A}" srcOrd="2" destOrd="0" presId="urn:microsoft.com/office/officeart/2018/2/layout/IconVerticalSolidList"/>
+    <dgm:cxn modelId="{6BD008EB-5237-4E6E-A959-CC64E40D806E}" type="presParOf" srcId="{A98970BF-496F-4D87-9A7A-45610BCEE5B2}" destId="{DE98BCA2-4E47-4BAD-8B42-6E7E2DAEBEA1}" srcOrd="3" destOrd="0" presId="urn:microsoft.com/office/officeart/2018/2/layout/IconVerticalSolidList"/>
+  </dgm:cxnLst>
+  <dgm:bg/>
+  <dgm:whole/>
+  <dgm:extLst>
+    <a:ext uri="http://schemas.microsoft.com/office/drawing/2008/diagram">
+      <dsp:dataModelExt xmlns:dsp="http://schemas.microsoft.com/office/drawing/2008/diagram" relId="rId6" minVer="http://schemas.openxmlformats.org/drawingml/2006/diagram"/>
+    </a:ext>
+  </dgm:extLst>
+</dgm:dataModel>
+</file>
+
+<file path=ppt/diagrams/data3.xml><?xml version="1.0" encoding="utf-8"?>
+<dgm:dataModel xmlns:dgm="http://schemas.openxmlformats.org/drawingml/2006/diagram" xmlns:a="http://schemas.openxmlformats.org/drawingml/2006/main">
+  <dgm:ptLst>
+    <dgm:pt modelId="{BA40029F-D60B-4BBD-B639-761B2B479E51}" type="doc">
+      <dgm:prSet loTypeId="urn:microsoft.com/office/officeart/2018/2/layout/IconVerticalSolidList" loCatId="icon" qsTypeId="urn:microsoft.com/office/officeart/2005/8/quickstyle/simple1" qsCatId="simple" csTypeId="urn:microsoft.com/office/officeart/2018/5/colors/Iconchunking_neutralicontext_colorful1" csCatId="colorful" phldr="1"/>
+      <dgm:spPr/>
+      <dgm:t>
+        <a:bodyPr/>
+        <a:lstStyle/>
+        <a:p>
+          <a:endParaRPr lang="en-US"/>
+        </a:p>
+      </dgm:t>
+    </dgm:pt>
+    <dgm:pt modelId="{AACF1C13-2356-4B6F-B9CB-959E2383C729}">
+      <dgm:prSet/>
+      <dgm:spPr/>
+      <dgm:t>
+        <a:bodyPr/>
+        <a:lstStyle/>
+        <a:p>
+          <a:r>
+            <a:rPr lang="en-US" b="1" dirty="0"/>
+            <a:t>440 islands had price information, and 244 had no price.</a:t>
+          </a:r>
+          <a:endParaRPr lang="en-US" dirty="0"/>
+        </a:p>
+      </dgm:t>
+    </dgm:pt>
+    <dgm:pt modelId="{51AA78CA-D3EF-4698-AB3C-87FC604A74F9}" type="parTrans" cxnId="{46922E9D-3570-4ACA-9F3A-A0BB4B83FB4F}">
+      <dgm:prSet/>
+      <dgm:spPr/>
+      <dgm:t>
+        <a:bodyPr/>
+        <a:lstStyle/>
+        <a:p>
+          <a:endParaRPr lang="en-US"/>
+        </a:p>
+      </dgm:t>
+    </dgm:pt>
+    <dgm:pt modelId="{0C11EF91-60A0-4A0F-8094-C09A047FCAB4}" type="sibTrans" cxnId="{46922E9D-3570-4ACA-9F3A-A0BB4B83FB4F}">
+      <dgm:prSet/>
+      <dgm:spPr/>
+      <dgm:t>
+        <a:bodyPr/>
+        <a:lstStyle/>
+        <a:p>
+          <a:endParaRPr lang="en-US"/>
+        </a:p>
+      </dgm:t>
+    </dgm:pt>
+    <dgm:pt modelId="{E658F815-5504-45C3-A09F-CCE2D28C941D}">
+      <dgm:prSet/>
+      <dgm:spPr/>
+      <dgm:t>
+        <a:bodyPr/>
+        <a:lstStyle/>
+        <a:p>
+          <a:r>
+            <a:rPr lang="en-US" b="1" dirty="0"/>
+            <a:t>Trained model on islands with price. Tested on islands without price.</a:t>
+          </a:r>
+          <a:endParaRPr lang="en-US" dirty="0"/>
+        </a:p>
+      </dgm:t>
+    </dgm:pt>
+    <dgm:pt modelId="{2E5D69FC-C71D-46F2-85B4-4CF9FCD3C9F2}" type="parTrans" cxnId="{88AB8969-5667-4D5A-B3FB-9CD81395579A}">
+      <dgm:prSet/>
+      <dgm:spPr/>
+      <dgm:t>
+        <a:bodyPr/>
+        <a:lstStyle/>
+        <a:p>
+          <a:endParaRPr lang="en-US"/>
+        </a:p>
+      </dgm:t>
+    </dgm:pt>
+    <dgm:pt modelId="{202FA01D-2236-433B-AA93-FCAAC49D13DA}" type="sibTrans" cxnId="{88AB8969-5667-4D5A-B3FB-9CD81395579A}">
+      <dgm:prSet/>
+      <dgm:spPr/>
+      <dgm:t>
+        <a:bodyPr/>
+        <a:lstStyle/>
+        <a:p>
+          <a:endParaRPr lang="en-US"/>
+        </a:p>
+      </dgm:t>
+    </dgm:pt>
+    <dgm:pt modelId="{8EA89D81-2658-4302-BEFB-EA56EDE3BBD9}" type="pres">
+      <dgm:prSet presAssocID="{BA40029F-D60B-4BBD-B639-761B2B479E51}" presName="root" presStyleCnt="0">
+        <dgm:presLayoutVars>
+          <dgm:dir/>
+          <dgm:resizeHandles val="exact"/>
+        </dgm:presLayoutVars>
+      </dgm:prSet>
+      <dgm:spPr/>
+    </dgm:pt>
+    <dgm:pt modelId="{8E507C54-5C6D-4053-9DC0-0A917A354695}" type="pres">
+      <dgm:prSet presAssocID="{AACF1C13-2356-4B6F-B9CB-959E2383C729}" presName="compNode" presStyleCnt="0"/>
+      <dgm:spPr/>
+    </dgm:pt>
+    <dgm:pt modelId="{C1242F4D-26AD-4069-B5C6-F04120EDE77B}" type="pres">
+      <dgm:prSet presAssocID="{AACF1C13-2356-4B6F-B9CB-959E2383C729}" presName="bgRect" presStyleLbl="bgShp" presStyleIdx="0" presStyleCnt="2"/>
+      <dgm:spPr/>
+    </dgm:pt>
+    <dgm:pt modelId="{350441A4-AE61-4A01-90C7-1233D4CDABBB}" type="pres">
+      <dgm:prSet presAssocID="{AACF1C13-2356-4B6F-B9CB-959E2383C729}" presName="iconRect" presStyleLbl="node1" presStyleIdx="0" presStyleCnt="2"/>
+      <dgm:spPr>
+        <a:blipFill>
+          <a:blip xmlns:r="http://schemas.openxmlformats.org/officeDocument/2006/relationships" r:embed="rId1">
+            <a:extLst>
+              <a:ext uri="{28A0092B-C50C-407E-A947-70E740481C1C}">
+                <a14:useLocalDpi xmlns:a14="http://schemas.microsoft.com/office/drawing/2010/main" val="0"/>
+              </a:ext>
+              <a:ext uri="{96DAC541-7B7A-43D3-8B79-37D633B846F1}">
+                <asvg:svgBlip xmlns:asvg="http://schemas.microsoft.com/office/drawing/2016/SVG/main" r:embed="rId2"/>
+              </a:ext>
+            </a:extLst>
+          </a:blip>
+          <a:stretch>
+            <a:fillRect/>
+          </a:stretch>
+        </a:blipFill>
+        <a:ln>
+          <a:noFill/>
+        </a:ln>
+      </dgm:spPr>
+      <dgm:extLst>
+        <a:ext uri="{E40237B7-FDA0-4F09-8148-C483321AD2D9}">
+          <dgm14:cNvPr xmlns:dgm14="http://schemas.microsoft.com/office/drawing/2010/diagram" id="0" name="" descr="Dollar"/>
+        </a:ext>
+      </dgm:extLst>
+    </dgm:pt>
+    <dgm:pt modelId="{301E89CA-321A-4B9E-84F9-6398B97C4351}" type="pres">
+      <dgm:prSet presAssocID="{AACF1C13-2356-4B6F-B9CB-959E2383C729}" presName="spaceRect" presStyleCnt="0"/>
+      <dgm:spPr/>
+    </dgm:pt>
+    <dgm:pt modelId="{99E51677-24E6-407E-8865-035882B5F643}" type="pres">
+      <dgm:prSet presAssocID="{AACF1C13-2356-4B6F-B9CB-959E2383C729}" presName="parTx" presStyleLbl="revTx" presStyleIdx="0" presStyleCnt="2">
+        <dgm:presLayoutVars>
+          <dgm:chMax val="0"/>
+          <dgm:chPref val="0"/>
+        </dgm:presLayoutVars>
+      </dgm:prSet>
+      <dgm:spPr/>
+    </dgm:pt>
+    <dgm:pt modelId="{496205CF-0F72-497D-A963-5486C5462138}" type="pres">
+      <dgm:prSet presAssocID="{0C11EF91-60A0-4A0F-8094-C09A047FCAB4}" presName="sibTrans" presStyleCnt="0"/>
+      <dgm:spPr/>
+    </dgm:pt>
+    <dgm:pt modelId="{A98970BF-496F-4D87-9A7A-45610BCEE5B2}" type="pres">
+      <dgm:prSet presAssocID="{E658F815-5504-45C3-A09F-CCE2D28C941D}" presName="compNode" presStyleCnt="0"/>
+      <dgm:spPr/>
+    </dgm:pt>
+    <dgm:pt modelId="{74F33050-46D6-401E-AD2F-45241B935559}" type="pres">
+      <dgm:prSet presAssocID="{E658F815-5504-45C3-A09F-CCE2D28C941D}" presName="bgRect" presStyleLbl="bgShp" presStyleIdx="1" presStyleCnt="2"/>
+      <dgm:spPr/>
+    </dgm:pt>
+    <dgm:pt modelId="{1E21A490-450A-451C-83F0-EE6DDA9224A3}" type="pres">
+      <dgm:prSet presAssocID="{E658F815-5504-45C3-A09F-CCE2D28C941D}" presName="iconRect" presStyleLbl="node1" presStyleIdx="1" presStyleCnt="2"/>
+      <dgm:spPr>
+        <a:blipFill>
+          <a:blip xmlns:r="http://schemas.openxmlformats.org/officeDocument/2006/relationships" r:embed="rId3">
+            <a:extLst>
+              <a:ext uri="{28A0092B-C50C-407E-A947-70E740481C1C}">
+                <a14:useLocalDpi xmlns:a14="http://schemas.microsoft.com/office/drawing/2010/main" val="0"/>
+              </a:ext>
+              <a:ext uri="{96DAC541-7B7A-43D3-8B79-37D633B846F1}">
+                <asvg:svgBlip xmlns:asvg="http://schemas.microsoft.com/office/drawing/2016/SVG/main" r:embed="rId4"/>
+              </a:ext>
+            </a:extLst>
+          </a:blip>
+          <a:stretch>
+            <a:fillRect/>
+          </a:stretch>
+        </a:blipFill>
+        <a:ln>
+          <a:noFill/>
+        </a:ln>
+      </dgm:spPr>
+      <dgm:extLst>
+        <a:ext uri="{E40237B7-FDA0-4F09-8148-C483321AD2D9}">
+          <dgm14:cNvPr xmlns:dgm14="http://schemas.microsoft.com/office/drawing/2010/diagram" id="0" name="" descr="Bitcoin"/>
+        </a:ext>
+      </dgm:extLst>
+    </dgm:pt>
+    <dgm:pt modelId="{0363527B-66B6-4B67-B3D6-F58CE584258A}" type="pres">
+      <dgm:prSet presAssocID="{E658F815-5504-45C3-A09F-CCE2D28C941D}" presName="spaceRect" presStyleCnt="0"/>
+      <dgm:spPr/>
+    </dgm:pt>
+    <dgm:pt modelId="{DE98BCA2-4E47-4BAD-8B42-6E7E2DAEBEA1}" type="pres">
+      <dgm:prSet presAssocID="{E658F815-5504-45C3-A09F-CCE2D28C941D}" presName="parTx" presStyleLbl="revTx" presStyleIdx="1" presStyleCnt="2">
+        <dgm:presLayoutVars>
+          <dgm:chMax val="0"/>
+          <dgm:chPref val="0"/>
+        </dgm:presLayoutVars>
+      </dgm:prSet>
+      <dgm:spPr/>
+    </dgm:pt>
+  </dgm:ptLst>
+  <dgm:cxnLst>
+    <dgm:cxn modelId="{0E781C0F-AB5A-42F6-9340-9815F3C41CE4}" type="presOf" srcId="{BA40029F-D60B-4BBD-B639-761B2B479E51}" destId="{8EA89D81-2658-4302-BEFB-EA56EDE3BBD9}" srcOrd="0" destOrd="0" presId="urn:microsoft.com/office/officeart/2018/2/layout/IconVerticalSolidList"/>
+    <dgm:cxn modelId="{88AB8969-5667-4D5A-B3FB-9CD81395579A}" srcId="{BA40029F-D60B-4BBD-B639-761B2B479E51}" destId="{E658F815-5504-45C3-A09F-CCE2D28C941D}" srcOrd="1" destOrd="0" parTransId="{2E5D69FC-C71D-46F2-85B4-4CF9FCD3C9F2}" sibTransId="{202FA01D-2236-433B-AA93-FCAAC49D13DA}"/>
+    <dgm:cxn modelId="{46922E9D-3570-4ACA-9F3A-A0BB4B83FB4F}" srcId="{BA40029F-D60B-4BBD-B639-761B2B479E51}" destId="{AACF1C13-2356-4B6F-B9CB-959E2383C729}" srcOrd="0" destOrd="0" parTransId="{51AA78CA-D3EF-4698-AB3C-87FC604A74F9}" sibTransId="{0C11EF91-60A0-4A0F-8094-C09A047FCAB4}"/>
+    <dgm:cxn modelId="{5BD135A7-E5E5-4F6E-B847-92A4C414EAC3}" type="presOf" srcId="{AACF1C13-2356-4B6F-B9CB-959E2383C729}" destId="{99E51677-24E6-407E-8865-035882B5F643}" srcOrd="0" destOrd="0" presId="urn:microsoft.com/office/officeart/2018/2/layout/IconVerticalSolidList"/>
+    <dgm:cxn modelId="{F26356F0-ECE8-4179-9DB9-FA1902BF0815}" type="presOf" srcId="{E658F815-5504-45C3-A09F-CCE2D28C941D}" destId="{DE98BCA2-4E47-4BAD-8B42-6E7E2DAEBEA1}" srcOrd="0" destOrd="0" presId="urn:microsoft.com/office/officeart/2018/2/layout/IconVerticalSolidList"/>
+    <dgm:cxn modelId="{42442A53-9A05-474F-A070-AF09450D4DED}" type="presParOf" srcId="{8EA89D81-2658-4302-BEFB-EA56EDE3BBD9}" destId="{8E507C54-5C6D-4053-9DC0-0A917A354695}" srcOrd="0" destOrd="0" presId="urn:microsoft.com/office/officeart/2018/2/layout/IconVerticalSolidList"/>
+    <dgm:cxn modelId="{10D0C6B0-B3DF-4FA6-8B62-FB49DBB49E37}" type="presParOf" srcId="{8E507C54-5C6D-4053-9DC0-0A917A354695}" destId="{C1242F4D-26AD-4069-B5C6-F04120EDE77B}" srcOrd="0" destOrd="0" presId="urn:microsoft.com/office/officeart/2018/2/layout/IconVerticalSolidList"/>
+    <dgm:cxn modelId="{50BC8704-964D-4833-B306-A901508D1843}" type="presParOf" srcId="{8E507C54-5C6D-4053-9DC0-0A917A354695}" destId="{350441A4-AE61-4A01-90C7-1233D4CDABBB}" srcOrd="1" destOrd="0" presId="urn:microsoft.com/office/officeart/2018/2/layout/IconVerticalSolidList"/>
+    <dgm:cxn modelId="{E0EED7F0-894A-45B0-AFFA-210D67C65412}" type="presParOf" srcId="{8E507C54-5C6D-4053-9DC0-0A917A354695}" destId="{301E89CA-321A-4B9E-84F9-6398B97C4351}" srcOrd="2" destOrd="0" presId="urn:microsoft.com/office/officeart/2018/2/layout/IconVerticalSolidList"/>
+    <dgm:cxn modelId="{559A8678-9EBF-4058-80D8-316291831ECE}" type="presParOf" srcId="{8E507C54-5C6D-4053-9DC0-0A917A354695}" destId="{99E51677-24E6-407E-8865-035882B5F643}" srcOrd="3" destOrd="0" presId="urn:microsoft.com/office/officeart/2018/2/layout/IconVerticalSolidList"/>
+    <dgm:cxn modelId="{74C3CC2F-D704-4CEF-A9BC-2AB0198D676D}" type="presParOf" srcId="{8EA89D81-2658-4302-BEFB-EA56EDE3BBD9}" destId="{496205CF-0F72-497D-A963-5486C5462138}" srcOrd="1" destOrd="0" presId="urn:microsoft.com/office/officeart/2018/2/layout/IconVerticalSolidList"/>
+    <dgm:cxn modelId="{F95DE6A4-3D8F-46F6-82C3-16400DC127DE}" type="presParOf" srcId="{8EA89D81-2658-4302-BEFB-EA56EDE3BBD9}" destId="{A98970BF-496F-4D87-9A7A-45610BCEE5B2}" srcOrd="2" destOrd="0" presId="urn:microsoft.com/office/officeart/2018/2/layout/IconVerticalSolidList"/>
+    <dgm:cxn modelId="{256BC29F-64E5-4F99-B9D0-E4844DAF02C6}" type="presParOf" srcId="{A98970BF-496F-4D87-9A7A-45610BCEE5B2}" destId="{74F33050-46D6-401E-AD2F-45241B935559}" srcOrd="0" destOrd="0" presId="urn:microsoft.com/office/officeart/2018/2/layout/IconVerticalSolidList"/>
+    <dgm:cxn modelId="{707041E3-82BB-4A79-9EA2-4B94BAE59677}" type="presParOf" srcId="{A98970BF-496F-4D87-9A7A-45610BCEE5B2}" destId="{1E21A490-450A-451C-83F0-EE6DDA9224A3}" srcOrd="1" destOrd="0" presId="urn:microsoft.com/office/officeart/2018/2/layout/IconVerticalSolidList"/>
+    <dgm:cxn modelId="{D4E045F0-1730-4171-9AAF-A327EF805D4E}" type="presParOf" srcId="{A98970BF-496F-4D87-9A7A-45610BCEE5B2}" destId="{0363527B-66B6-4B67-B3D6-F58CE584258A}" srcOrd="2" destOrd="0" presId="urn:microsoft.com/office/officeart/2018/2/layout/IconVerticalSolidList"/>
+    <dgm:cxn modelId="{6BD008EB-5237-4E6E-A959-CC64E40D806E}" type="presParOf" srcId="{A98970BF-496F-4D87-9A7A-45610BCEE5B2}" destId="{DE98BCA2-4E47-4BAD-8B42-6E7E2DAEBEA1}" srcOrd="3" destOrd="0" presId="urn:microsoft.com/office/officeart/2018/2/layout/IconVerticalSolidList"/>
+  </dgm:cxnLst>
+  <dgm:bg/>
+  <dgm:whole/>
+  <dgm:extLst>
+    <a:ext uri="http://schemas.microsoft.com/office/drawing/2008/diagram">
+      <dsp:dataModelExt xmlns:dsp="http://schemas.microsoft.com/office/drawing/2008/diagram" relId="rId6" minVer="http://schemas.openxmlformats.org/drawingml/2006/diagram"/>
+    </a:ext>
+  </dgm:extLst>
+</dgm:dataModel>
+</file>
+
+<file path=ppt/diagrams/data4.xml><?xml version="1.0" encoding="utf-8"?>
+<dgm:dataModel xmlns:dgm="http://schemas.openxmlformats.org/drawingml/2006/diagram" xmlns:a="http://schemas.openxmlformats.org/drawingml/2006/main">
+  <dgm:ptLst>
+    <dgm:pt modelId="{BA40029F-D60B-4BBD-B639-761B2B479E51}" type="doc">
+      <dgm:prSet loTypeId="urn:microsoft.com/office/officeart/2018/2/layout/IconVerticalSolidList" loCatId="icon" qsTypeId="urn:microsoft.com/office/officeart/2005/8/quickstyle/simple1" qsCatId="simple" csTypeId="urn:microsoft.com/office/officeart/2018/5/colors/Iconchunking_neutralicontext_colorful1" csCatId="colorful" phldr="1"/>
+      <dgm:spPr/>
+      <dgm:t>
+        <a:bodyPr/>
+        <a:lstStyle/>
+        <a:p>
+          <a:endParaRPr lang="en-US"/>
+        </a:p>
+      </dgm:t>
+    </dgm:pt>
+    <dgm:pt modelId="{AACF1C13-2356-4B6F-B9CB-959E2383C729}">
+      <dgm:prSet/>
+      <dgm:spPr/>
+      <dgm:t>
+        <a:bodyPr/>
+        <a:lstStyle/>
+        <a:p>
+          <a:r>
+            <a:rPr lang="en-US" b="1" dirty="0"/>
+            <a:t>440 islands had price information, and 244 had no price.</a:t>
+          </a:r>
+          <a:endParaRPr lang="en-US" dirty="0"/>
+        </a:p>
+      </dgm:t>
+    </dgm:pt>
+    <dgm:pt modelId="{51AA78CA-D3EF-4698-AB3C-87FC604A74F9}" type="parTrans" cxnId="{46922E9D-3570-4ACA-9F3A-A0BB4B83FB4F}">
+      <dgm:prSet/>
+      <dgm:spPr/>
+      <dgm:t>
+        <a:bodyPr/>
+        <a:lstStyle/>
+        <a:p>
+          <a:endParaRPr lang="en-US"/>
+        </a:p>
+      </dgm:t>
+    </dgm:pt>
+    <dgm:pt modelId="{0C11EF91-60A0-4A0F-8094-C09A047FCAB4}" type="sibTrans" cxnId="{46922E9D-3570-4ACA-9F3A-A0BB4B83FB4F}">
+      <dgm:prSet/>
+      <dgm:spPr/>
+      <dgm:t>
+        <a:bodyPr/>
+        <a:lstStyle/>
+        <a:p>
+          <a:endParaRPr lang="en-US"/>
+        </a:p>
+      </dgm:t>
+    </dgm:pt>
+    <dgm:pt modelId="{E658F815-5504-45C3-A09F-CCE2D28C941D}">
+      <dgm:prSet/>
+      <dgm:spPr/>
+      <dgm:t>
+        <a:bodyPr/>
+        <a:lstStyle/>
+        <a:p>
+          <a:r>
+            <a:rPr lang="en-US" b="1" dirty="0"/>
+            <a:t>Trained model on islands with price. Tested on islands without price.</a:t>
+          </a:r>
+          <a:endParaRPr lang="en-US" dirty="0"/>
+        </a:p>
+      </dgm:t>
+    </dgm:pt>
+    <dgm:pt modelId="{2E5D69FC-C71D-46F2-85B4-4CF9FCD3C9F2}" type="parTrans" cxnId="{88AB8969-5667-4D5A-B3FB-9CD81395579A}">
+      <dgm:prSet/>
+      <dgm:spPr/>
+      <dgm:t>
+        <a:bodyPr/>
+        <a:lstStyle/>
+        <a:p>
+          <a:endParaRPr lang="en-US"/>
+        </a:p>
+      </dgm:t>
+    </dgm:pt>
+    <dgm:pt modelId="{202FA01D-2236-433B-AA93-FCAAC49D13DA}" type="sibTrans" cxnId="{88AB8969-5667-4D5A-B3FB-9CD81395579A}">
+      <dgm:prSet/>
+      <dgm:spPr/>
+      <dgm:t>
+        <a:bodyPr/>
+        <a:lstStyle/>
+        <a:p>
+          <a:endParaRPr lang="en-US"/>
+        </a:p>
+      </dgm:t>
+    </dgm:pt>
+    <dgm:pt modelId="{8EA89D81-2658-4302-BEFB-EA56EDE3BBD9}" type="pres">
+      <dgm:prSet presAssocID="{BA40029F-D60B-4BBD-B639-761B2B479E51}" presName="root" presStyleCnt="0">
+        <dgm:presLayoutVars>
+          <dgm:dir/>
+          <dgm:resizeHandles val="exact"/>
+        </dgm:presLayoutVars>
+      </dgm:prSet>
+      <dgm:spPr/>
+    </dgm:pt>
+    <dgm:pt modelId="{8E507C54-5C6D-4053-9DC0-0A917A354695}" type="pres">
+      <dgm:prSet presAssocID="{AACF1C13-2356-4B6F-B9CB-959E2383C729}" presName="compNode" presStyleCnt="0"/>
+      <dgm:spPr/>
+    </dgm:pt>
+    <dgm:pt modelId="{C1242F4D-26AD-4069-B5C6-F04120EDE77B}" type="pres">
+      <dgm:prSet presAssocID="{AACF1C13-2356-4B6F-B9CB-959E2383C729}" presName="bgRect" presStyleLbl="bgShp" presStyleIdx="0" presStyleCnt="2"/>
+      <dgm:spPr/>
+    </dgm:pt>
+    <dgm:pt modelId="{350441A4-AE61-4A01-90C7-1233D4CDABBB}" type="pres">
+      <dgm:prSet presAssocID="{AACF1C13-2356-4B6F-B9CB-959E2383C729}" presName="iconRect" presStyleLbl="node1" presStyleIdx="0" presStyleCnt="2"/>
+      <dgm:spPr>
+        <a:blipFill>
+          <a:blip xmlns:r="http://schemas.openxmlformats.org/officeDocument/2006/relationships" r:embed="rId1">
+            <a:extLst>
+              <a:ext uri="{28A0092B-C50C-407E-A947-70E740481C1C}">
+                <a14:useLocalDpi xmlns:a14="http://schemas.microsoft.com/office/drawing/2010/main" val="0"/>
+              </a:ext>
+              <a:ext uri="{96DAC541-7B7A-43D3-8B79-37D633B846F1}">
+                <asvg:svgBlip xmlns:asvg="http://schemas.microsoft.com/office/drawing/2016/SVG/main" r:embed="rId2"/>
+              </a:ext>
+            </a:extLst>
+          </a:blip>
+          <a:stretch>
+            <a:fillRect/>
+          </a:stretch>
+        </a:blipFill>
+        <a:ln>
+          <a:noFill/>
+        </a:ln>
+      </dgm:spPr>
+      <dgm:extLst>
+        <a:ext uri="{E40237B7-FDA0-4F09-8148-C483321AD2D9}">
+          <dgm14:cNvPr xmlns:dgm14="http://schemas.microsoft.com/office/drawing/2010/diagram" id="0" name="" descr="Dollar"/>
+        </a:ext>
+      </dgm:extLst>
+    </dgm:pt>
+    <dgm:pt modelId="{301E89CA-321A-4B9E-84F9-6398B97C4351}" type="pres">
+      <dgm:prSet presAssocID="{AACF1C13-2356-4B6F-B9CB-959E2383C729}" presName="spaceRect" presStyleCnt="0"/>
+      <dgm:spPr/>
+    </dgm:pt>
+    <dgm:pt modelId="{99E51677-24E6-407E-8865-035882B5F643}" type="pres">
+      <dgm:prSet presAssocID="{AACF1C13-2356-4B6F-B9CB-959E2383C729}" presName="parTx" presStyleLbl="revTx" presStyleIdx="0" presStyleCnt="2">
+        <dgm:presLayoutVars>
+          <dgm:chMax val="0"/>
+          <dgm:chPref val="0"/>
+        </dgm:presLayoutVars>
+      </dgm:prSet>
+      <dgm:spPr/>
+    </dgm:pt>
+    <dgm:pt modelId="{496205CF-0F72-497D-A963-5486C5462138}" type="pres">
+      <dgm:prSet presAssocID="{0C11EF91-60A0-4A0F-8094-C09A047FCAB4}" presName="sibTrans" presStyleCnt="0"/>
+      <dgm:spPr/>
+    </dgm:pt>
+    <dgm:pt modelId="{A98970BF-496F-4D87-9A7A-45610BCEE5B2}" type="pres">
+      <dgm:prSet presAssocID="{E658F815-5504-45C3-A09F-CCE2D28C941D}" presName="compNode" presStyleCnt="0"/>
+      <dgm:spPr/>
+    </dgm:pt>
+    <dgm:pt modelId="{74F33050-46D6-401E-AD2F-45241B935559}" type="pres">
+      <dgm:prSet presAssocID="{E658F815-5504-45C3-A09F-CCE2D28C941D}" presName="bgRect" presStyleLbl="bgShp" presStyleIdx="1" presStyleCnt="2"/>
+      <dgm:spPr/>
+    </dgm:pt>
+    <dgm:pt modelId="{1E21A490-450A-451C-83F0-EE6DDA9224A3}" type="pres">
+      <dgm:prSet presAssocID="{E658F815-5504-45C3-A09F-CCE2D28C941D}" presName="iconRect" presStyleLbl="node1" presStyleIdx="1" presStyleCnt="2"/>
+      <dgm:spPr>
+        <a:blipFill>
+          <a:blip xmlns:r="http://schemas.openxmlformats.org/officeDocument/2006/relationships" r:embed="rId3">
+            <a:extLst>
+              <a:ext uri="{28A0092B-C50C-407E-A947-70E740481C1C}">
+                <a14:useLocalDpi xmlns:a14="http://schemas.microsoft.com/office/drawing/2010/main" val="0"/>
+              </a:ext>
+              <a:ext uri="{96DAC541-7B7A-43D3-8B79-37D633B846F1}">
+                <asvg:svgBlip xmlns:asvg="http://schemas.microsoft.com/office/drawing/2016/SVG/main" r:embed="rId4"/>
+              </a:ext>
+            </a:extLst>
+          </a:blip>
+          <a:stretch>
+            <a:fillRect/>
+          </a:stretch>
+        </a:blipFill>
+        <a:ln>
+          <a:noFill/>
+        </a:ln>
+      </dgm:spPr>
+      <dgm:extLst>
+        <a:ext uri="{E40237B7-FDA0-4F09-8148-C483321AD2D9}">
+          <dgm14:cNvPr xmlns:dgm14="http://schemas.microsoft.com/office/drawing/2010/diagram" id="0" name="" descr="Bitcoin"/>
+        </a:ext>
+      </dgm:extLst>
+    </dgm:pt>
+    <dgm:pt modelId="{0363527B-66B6-4B67-B3D6-F58CE584258A}" type="pres">
+      <dgm:prSet presAssocID="{E658F815-5504-45C3-A09F-CCE2D28C941D}" presName="spaceRect" presStyleCnt="0"/>
+      <dgm:spPr/>
+    </dgm:pt>
+    <dgm:pt modelId="{DE98BCA2-4E47-4BAD-8B42-6E7E2DAEBEA1}" type="pres">
+      <dgm:prSet presAssocID="{E658F815-5504-45C3-A09F-CCE2D28C941D}" presName="parTx" presStyleLbl="revTx" presStyleIdx="1" presStyleCnt="2">
+        <dgm:presLayoutVars>
+          <dgm:chMax val="0"/>
+          <dgm:chPref val="0"/>
+        </dgm:presLayoutVars>
+      </dgm:prSet>
+      <dgm:spPr/>
+    </dgm:pt>
+  </dgm:ptLst>
+  <dgm:cxnLst>
+    <dgm:cxn modelId="{0E781C0F-AB5A-42F6-9340-9815F3C41CE4}" type="presOf" srcId="{BA40029F-D60B-4BBD-B639-761B2B479E51}" destId="{8EA89D81-2658-4302-BEFB-EA56EDE3BBD9}" srcOrd="0" destOrd="0" presId="urn:microsoft.com/office/officeart/2018/2/layout/IconVerticalSolidList"/>
+    <dgm:cxn modelId="{88AB8969-5667-4D5A-B3FB-9CD81395579A}" srcId="{BA40029F-D60B-4BBD-B639-761B2B479E51}" destId="{E658F815-5504-45C3-A09F-CCE2D28C941D}" srcOrd="1" destOrd="0" parTransId="{2E5D69FC-C71D-46F2-85B4-4CF9FCD3C9F2}" sibTransId="{202FA01D-2236-433B-AA93-FCAAC49D13DA}"/>
+    <dgm:cxn modelId="{46922E9D-3570-4ACA-9F3A-A0BB4B83FB4F}" srcId="{BA40029F-D60B-4BBD-B639-761B2B479E51}" destId="{AACF1C13-2356-4B6F-B9CB-959E2383C729}" srcOrd="0" destOrd="0" parTransId="{51AA78CA-D3EF-4698-AB3C-87FC604A74F9}" sibTransId="{0C11EF91-60A0-4A0F-8094-C09A047FCAB4}"/>
+    <dgm:cxn modelId="{5BD135A7-E5E5-4F6E-B847-92A4C414EAC3}" type="presOf" srcId="{AACF1C13-2356-4B6F-B9CB-959E2383C729}" destId="{99E51677-24E6-407E-8865-035882B5F643}" srcOrd="0" destOrd="0" presId="urn:microsoft.com/office/officeart/2018/2/layout/IconVerticalSolidList"/>
+    <dgm:cxn modelId="{F26356F0-ECE8-4179-9DB9-FA1902BF0815}" type="presOf" srcId="{E658F815-5504-45C3-A09F-CCE2D28C941D}" destId="{DE98BCA2-4E47-4BAD-8B42-6E7E2DAEBEA1}" srcOrd="0" destOrd="0" presId="urn:microsoft.com/office/officeart/2018/2/layout/IconVerticalSolidList"/>
+    <dgm:cxn modelId="{42442A53-9A05-474F-A070-AF09450D4DED}" type="presParOf" srcId="{8EA89D81-2658-4302-BEFB-EA56EDE3BBD9}" destId="{8E507C54-5C6D-4053-9DC0-0A917A354695}" srcOrd="0" destOrd="0" presId="urn:microsoft.com/office/officeart/2018/2/layout/IconVerticalSolidList"/>
+    <dgm:cxn modelId="{10D0C6B0-B3DF-4FA6-8B62-FB49DBB49E37}" type="presParOf" srcId="{8E507C54-5C6D-4053-9DC0-0A917A354695}" destId="{C1242F4D-26AD-4069-B5C6-F04120EDE77B}" srcOrd="0" destOrd="0" presId="urn:microsoft.com/office/officeart/2018/2/layout/IconVerticalSolidList"/>
+    <dgm:cxn modelId="{50BC8704-964D-4833-B306-A901508D1843}" type="presParOf" srcId="{8E507C54-5C6D-4053-9DC0-0A917A354695}" destId="{350441A4-AE61-4A01-90C7-1233D4CDABBB}" srcOrd="1" destOrd="0" presId="urn:microsoft.com/office/officeart/2018/2/layout/IconVerticalSolidList"/>
+    <dgm:cxn modelId="{E0EED7F0-894A-45B0-AFFA-210D67C65412}" type="presParOf" srcId="{8E507C54-5C6D-4053-9DC0-0A917A354695}" destId="{301E89CA-321A-4B9E-84F9-6398B97C4351}" srcOrd="2" destOrd="0" presId="urn:microsoft.com/office/officeart/2018/2/layout/IconVerticalSolidList"/>
+    <dgm:cxn modelId="{559A8678-9EBF-4058-80D8-316291831ECE}" type="presParOf" srcId="{8E507C54-5C6D-4053-9DC0-0A917A354695}" destId="{99E51677-24E6-407E-8865-035882B5F643}" srcOrd="3" destOrd="0" presId="urn:microsoft.com/office/officeart/2018/2/layout/IconVerticalSolidList"/>
+    <dgm:cxn modelId="{74C3CC2F-D704-4CEF-A9BC-2AB0198D676D}" type="presParOf" srcId="{8EA89D81-2658-4302-BEFB-EA56EDE3BBD9}" destId="{496205CF-0F72-497D-A963-5486C5462138}" srcOrd="1" destOrd="0" presId="urn:microsoft.com/office/officeart/2018/2/layout/IconVerticalSolidList"/>
+    <dgm:cxn modelId="{F95DE6A4-3D8F-46F6-82C3-16400DC127DE}" type="presParOf" srcId="{8EA89D81-2658-4302-BEFB-EA56EDE3BBD9}" destId="{A98970BF-496F-4D87-9A7A-45610BCEE5B2}" srcOrd="2" destOrd="0" presId="urn:microsoft.com/office/officeart/2018/2/layout/IconVerticalSolidList"/>
+    <dgm:cxn modelId="{256BC29F-64E5-4F99-B9D0-E4844DAF02C6}" type="presParOf" srcId="{A98970BF-496F-4D87-9A7A-45610BCEE5B2}" destId="{74F33050-46D6-401E-AD2F-45241B935559}" srcOrd="0" destOrd="0" presId="urn:microsoft.com/office/officeart/2018/2/layout/IconVerticalSolidList"/>
+    <dgm:cxn modelId="{707041E3-82BB-4A79-9EA2-4B94BAE59677}" type="presParOf" srcId="{A98970BF-496F-4D87-9A7A-45610BCEE5B2}" destId="{1E21A490-450A-451C-83F0-EE6DDA9224A3}" srcOrd="1" destOrd="0" presId="urn:microsoft.com/office/officeart/2018/2/layout/IconVerticalSolidList"/>
+    <dgm:cxn modelId="{D4E045F0-1730-4171-9AAF-A327EF805D4E}" type="presParOf" srcId="{A98970BF-496F-4D87-9A7A-45610BCEE5B2}" destId="{0363527B-66B6-4B67-B3D6-F58CE584258A}" srcOrd="2" destOrd="0" presId="urn:microsoft.com/office/officeart/2018/2/layout/IconVerticalSolidList"/>
+    <dgm:cxn modelId="{6BD008EB-5237-4E6E-A959-CC64E40D806E}" type="presParOf" srcId="{A98970BF-496F-4D87-9A7A-45610BCEE5B2}" destId="{DE98BCA2-4E47-4BAD-8B42-6E7E2DAEBEA1}" srcOrd="3" destOrd="0" presId="urn:microsoft.com/office/officeart/2018/2/layout/IconVerticalSolidList"/>
+  </dgm:cxnLst>
+  <dgm:bg/>
+  <dgm:whole/>
+  <dgm:extLst>
+    <a:ext uri="http://schemas.microsoft.com/office/drawing/2008/diagram">
+      <dsp:dataModelExt xmlns:dsp="http://schemas.microsoft.com/office/drawing/2008/diagram" relId="rId6" minVer="http://schemas.openxmlformats.org/drawingml/2006/diagram"/>
+    </a:ext>
+  </dgm:extLst>
+</dgm:dataModel>
+</file>
+
+<file path=ppt/diagrams/data5.xml><?xml version="1.0" encoding="utf-8"?>
+<dgm:dataModel xmlns:dgm="http://schemas.openxmlformats.org/drawingml/2006/diagram" xmlns:a="http://schemas.openxmlformats.org/drawingml/2006/main">
+  <dgm:ptLst>
+    <dgm:pt modelId="{BA40029F-D60B-4BBD-B639-761B2B479E51}" type="doc">
+      <dgm:prSet loTypeId="urn:microsoft.com/office/officeart/2018/2/layout/IconVerticalSolidList" loCatId="icon" qsTypeId="urn:microsoft.com/office/officeart/2005/8/quickstyle/simple1" qsCatId="simple" csTypeId="urn:microsoft.com/office/officeart/2018/5/colors/Iconchunking_neutralicontext_colorful1" csCatId="colorful" phldr="1"/>
+      <dgm:spPr/>
+      <dgm:t>
+        <a:bodyPr/>
+        <a:lstStyle/>
+        <a:p>
+          <a:endParaRPr lang="en-US"/>
+        </a:p>
+      </dgm:t>
+    </dgm:pt>
+    <dgm:pt modelId="{AACF1C13-2356-4B6F-B9CB-959E2383C729}">
+      <dgm:prSet/>
+      <dgm:spPr/>
+      <dgm:t>
+        <a:bodyPr/>
+        <a:lstStyle/>
+        <a:p>
+          <a:r>
+            <a:rPr lang="en-US" b="1" dirty="0"/>
+            <a:t>Website has been updated to reflect new information</a:t>
+          </a:r>
+          <a:endParaRPr lang="en-US" dirty="0"/>
+        </a:p>
+      </dgm:t>
+    </dgm:pt>
+    <dgm:pt modelId="{51AA78CA-D3EF-4698-AB3C-87FC604A74F9}" type="parTrans" cxnId="{46922E9D-3570-4ACA-9F3A-A0BB4B83FB4F}">
+      <dgm:prSet/>
+      <dgm:spPr/>
+      <dgm:t>
+        <a:bodyPr/>
+        <a:lstStyle/>
+        <a:p>
+          <a:endParaRPr lang="en-US"/>
+        </a:p>
+      </dgm:t>
+    </dgm:pt>
+    <dgm:pt modelId="{0C11EF91-60A0-4A0F-8094-C09A047FCAB4}" type="sibTrans" cxnId="{46922E9D-3570-4ACA-9F3A-A0BB4B83FB4F}">
+      <dgm:prSet/>
+      <dgm:spPr/>
+      <dgm:t>
+        <a:bodyPr/>
+        <a:lstStyle/>
+        <a:p>
+          <a:endParaRPr lang="en-US"/>
+        </a:p>
+      </dgm:t>
+    </dgm:pt>
+    <dgm:pt modelId="{E658F815-5504-45C3-A09F-CCE2D28C941D}">
+      <dgm:prSet/>
+      <dgm:spPr/>
+      <dgm:t>
+        <a:bodyPr/>
+        <a:lstStyle/>
+        <a:p>
+          <a:r>
+            <a:rPr lang="en-US" b="1" dirty="0"/>
+            <a:t>Just visit the link below:</a:t>
+          </a:r>
+          <a:br>
+            <a:rPr lang="en-US" b="1" dirty="0"/>
+          </a:br>
+          <a:r>
+            <a:rPr lang="en-US" b="1" dirty="0">
+              <a:solidFill>
+                <a:schemeClr val="bg1"/>
+              </a:solidFill>
+              <a:hlinkClick xmlns:r="http://schemas.openxmlformats.org/officeDocument/2006/relationships" r:id="rId1" action="ppaction://hlinkfile">
+                <a:extLst>
+                  <a:ext uri="{A12FA001-AC4F-418D-AE19-62706E023703}">
+                    <ahyp:hlinkClr xmlns:ahyp="http://schemas.microsoft.com/office/drawing/2018/hyperlinkcolor" val="tx"/>
+                  </a:ext>
+                </a:extLst>
+              </a:hlinkClick>
+            </a:rPr>
+            <a:t>islandlair.herokuapp.com</a:t>
+          </a:r>
+          <a:endParaRPr lang="en-US" dirty="0">
+            <a:solidFill>
+              <a:schemeClr val="bg1"/>
+            </a:solidFill>
+          </a:endParaRPr>
+        </a:p>
+      </dgm:t>
+    </dgm:pt>
+    <dgm:pt modelId="{2E5D69FC-C71D-46F2-85B4-4CF9FCD3C9F2}" type="parTrans" cxnId="{88AB8969-5667-4D5A-B3FB-9CD81395579A}">
+      <dgm:prSet/>
+      <dgm:spPr/>
+      <dgm:t>
+        <a:bodyPr/>
+        <a:lstStyle/>
+        <a:p>
+          <a:endParaRPr lang="en-US"/>
+        </a:p>
+      </dgm:t>
+    </dgm:pt>
+    <dgm:pt modelId="{202FA01D-2236-433B-AA93-FCAAC49D13DA}" type="sibTrans" cxnId="{88AB8969-5667-4D5A-B3FB-9CD81395579A}">
+      <dgm:prSet/>
+      <dgm:spPr/>
+      <dgm:t>
+        <a:bodyPr/>
+        <a:lstStyle/>
+        <a:p>
+          <a:endParaRPr lang="en-US"/>
+        </a:p>
+      </dgm:t>
+    </dgm:pt>
+    <dgm:pt modelId="{8EA89D81-2658-4302-BEFB-EA56EDE3BBD9}" type="pres">
+      <dgm:prSet presAssocID="{BA40029F-D60B-4BBD-B639-761B2B479E51}" presName="root" presStyleCnt="0">
+        <dgm:presLayoutVars>
+          <dgm:dir/>
+          <dgm:resizeHandles val="exact"/>
+        </dgm:presLayoutVars>
+      </dgm:prSet>
+      <dgm:spPr/>
+    </dgm:pt>
+    <dgm:pt modelId="{8E507C54-5C6D-4053-9DC0-0A917A354695}" type="pres">
+      <dgm:prSet presAssocID="{AACF1C13-2356-4B6F-B9CB-959E2383C729}" presName="compNode" presStyleCnt="0"/>
+      <dgm:spPr/>
+    </dgm:pt>
+    <dgm:pt modelId="{C1242F4D-26AD-4069-B5C6-F04120EDE77B}" type="pres">
+      <dgm:prSet presAssocID="{AACF1C13-2356-4B6F-B9CB-959E2383C729}" presName="bgRect" presStyleLbl="bgShp" presStyleIdx="0" presStyleCnt="2"/>
+      <dgm:spPr/>
+    </dgm:pt>
+    <dgm:pt modelId="{350441A4-AE61-4A01-90C7-1233D4CDABBB}" type="pres">
+      <dgm:prSet presAssocID="{AACF1C13-2356-4B6F-B9CB-959E2383C729}" presName="iconRect" presStyleLbl="node1" presStyleIdx="0" presStyleCnt="2"/>
+      <dgm:spPr>
+        <a:blipFill>
+          <a:blip xmlns:r="http://schemas.openxmlformats.org/officeDocument/2006/relationships" r:embed="rId2">
+            <a:extLst>
+              <a:ext uri="{28A0092B-C50C-407E-A947-70E740481C1C}">
+                <a14:useLocalDpi xmlns:a14="http://schemas.microsoft.com/office/drawing/2010/main" val="0"/>
+              </a:ext>
+              <a:ext uri="{96DAC541-7B7A-43D3-8B79-37D633B846F1}">
+                <asvg:svgBlip xmlns:asvg="http://schemas.microsoft.com/office/drawing/2016/SVG/main" r:embed="rId3"/>
+              </a:ext>
+            </a:extLst>
+          </a:blip>
+          <a:stretch>
+            <a:fillRect/>
+          </a:stretch>
+        </a:blipFill>
+        <a:ln>
+          <a:noFill/>
+        </a:ln>
+      </dgm:spPr>
+      <dgm:extLst>
+        <a:ext uri="{E40237B7-FDA0-4F09-8148-C483321AD2D9}">
+          <dgm14:cNvPr xmlns:dgm14="http://schemas.microsoft.com/office/drawing/2010/diagram" id="0" name="" descr="Dollar"/>
+        </a:ext>
+      </dgm:extLst>
+    </dgm:pt>
+    <dgm:pt modelId="{301E89CA-321A-4B9E-84F9-6398B97C4351}" type="pres">
+      <dgm:prSet presAssocID="{AACF1C13-2356-4B6F-B9CB-959E2383C729}" presName="spaceRect" presStyleCnt="0"/>
+      <dgm:spPr/>
+    </dgm:pt>
+    <dgm:pt modelId="{99E51677-24E6-407E-8865-035882B5F643}" type="pres">
+      <dgm:prSet presAssocID="{AACF1C13-2356-4B6F-B9CB-959E2383C729}" presName="parTx" presStyleLbl="revTx" presStyleIdx="0" presStyleCnt="2">
+        <dgm:presLayoutVars>
+          <dgm:chMax val="0"/>
+          <dgm:chPref val="0"/>
+        </dgm:presLayoutVars>
+      </dgm:prSet>
+      <dgm:spPr/>
+    </dgm:pt>
+    <dgm:pt modelId="{496205CF-0F72-497D-A963-5486C5462138}" type="pres">
+      <dgm:prSet presAssocID="{0C11EF91-60A0-4A0F-8094-C09A047FCAB4}" presName="sibTrans" presStyleCnt="0"/>
+      <dgm:spPr/>
+    </dgm:pt>
+    <dgm:pt modelId="{A98970BF-496F-4D87-9A7A-45610BCEE5B2}" type="pres">
+      <dgm:prSet presAssocID="{E658F815-5504-45C3-A09F-CCE2D28C941D}" presName="compNode" presStyleCnt="0"/>
+      <dgm:spPr/>
+    </dgm:pt>
+    <dgm:pt modelId="{74F33050-46D6-401E-AD2F-45241B935559}" type="pres">
+      <dgm:prSet presAssocID="{E658F815-5504-45C3-A09F-CCE2D28C941D}" presName="bgRect" presStyleLbl="bgShp" presStyleIdx="1" presStyleCnt="2"/>
+      <dgm:spPr/>
+    </dgm:pt>
+    <dgm:pt modelId="{1E21A490-450A-451C-83F0-EE6DDA9224A3}" type="pres">
+      <dgm:prSet presAssocID="{E658F815-5504-45C3-A09F-CCE2D28C941D}" presName="iconRect" presStyleLbl="node1" presStyleIdx="1" presStyleCnt="2"/>
+      <dgm:spPr>
+        <a:blipFill>
+          <a:blip xmlns:r="http://schemas.openxmlformats.org/officeDocument/2006/relationships" r:embed="rId4">
+            <a:extLst>
+              <a:ext uri="{28A0092B-C50C-407E-A947-70E740481C1C}">
+                <a14:useLocalDpi xmlns:a14="http://schemas.microsoft.com/office/drawing/2010/main" val="0"/>
+              </a:ext>
+              <a:ext uri="{96DAC541-7B7A-43D3-8B79-37D633B846F1}">
+                <asvg:svgBlip xmlns:asvg="http://schemas.microsoft.com/office/drawing/2016/SVG/main" r:embed="rId5"/>
               </a:ext>
             </a:extLst>
           </a:blip>
@@ -3035,6 +6512,970 @@
 </dsp:drawing>
 </file>
 
+<file path=ppt/diagrams/drawing3.xml><?xml version="1.0" encoding="utf-8"?>
+<dsp:drawing xmlns:dgm="http://schemas.openxmlformats.org/drawingml/2006/diagram" xmlns:dsp="http://schemas.microsoft.com/office/drawing/2008/diagram" xmlns:a="http://schemas.openxmlformats.org/drawingml/2006/main">
+  <dsp:spTree>
+    <dsp:nvGrpSpPr>
+      <dsp:cNvPr id="0" name=""/>
+      <dsp:cNvGrpSpPr/>
+    </dsp:nvGrpSpPr>
+    <dsp:grpSpPr/>
+    <dsp:sp modelId="{C1242F4D-26AD-4069-B5C6-F04120EDE77B}">
+      <dsp:nvSpPr>
+        <dsp:cNvPr id="0" name=""/>
+        <dsp:cNvSpPr/>
+      </dsp:nvSpPr>
+      <dsp:spPr>
+        <a:xfrm>
+          <a:off x="0" y="820856"/>
+          <a:ext cx="6910387" cy="1515427"/>
+        </a:xfrm>
+        <a:prstGeom prst="roundRect">
+          <a:avLst>
+            <a:gd name="adj" fmla="val 10000"/>
+          </a:avLst>
+        </a:prstGeom>
+        <a:solidFill>
+          <a:schemeClr val="accent2">
+            <a:hueOff val="0"/>
+            <a:satOff val="0"/>
+            <a:lumOff val="0"/>
+            <a:alphaOff val="0"/>
+          </a:schemeClr>
+        </a:solidFill>
+        <a:ln>
+          <a:noFill/>
+        </a:ln>
+        <a:effectLst/>
+      </dsp:spPr>
+      <dsp:style>
+        <a:lnRef idx="0">
+          <a:scrgbClr r="0" g="0" b="0"/>
+        </a:lnRef>
+        <a:fillRef idx="1">
+          <a:scrgbClr r="0" g="0" b="0"/>
+        </a:fillRef>
+        <a:effectRef idx="0">
+          <a:scrgbClr r="0" g="0" b="0"/>
+        </a:effectRef>
+        <a:fontRef idx="minor"/>
+      </dsp:style>
+    </dsp:sp>
+    <dsp:sp modelId="{350441A4-AE61-4A01-90C7-1233D4CDABBB}">
+      <dsp:nvSpPr>
+        <dsp:cNvPr id="0" name=""/>
+        <dsp:cNvSpPr/>
+      </dsp:nvSpPr>
+      <dsp:spPr>
+        <a:xfrm>
+          <a:off x="458416" y="1161827"/>
+          <a:ext cx="833485" cy="833485"/>
+        </a:xfrm>
+        <a:prstGeom prst="rect">
+          <a:avLst/>
+        </a:prstGeom>
+        <a:blipFill>
+          <a:blip xmlns:r="http://schemas.openxmlformats.org/officeDocument/2006/relationships" r:embed="rId1">
+            <a:extLst>
+              <a:ext uri="{28A0092B-C50C-407E-A947-70E740481C1C}">
+                <a14:useLocalDpi xmlns:a14="http://schemas.microsoft.com/office/drawing/2010/main" val="0"/>
+              </a:ext>
+              <a:ext uri="{96DAC541-7B7A-43D3-8B79-37D633B846F1}">
+                <asvg:svgBlip xmlns:asvg="http://schemas.microsoft.com/office/drawing/2016/SVG/main" r:embed="rId2"/>
+              </a:ext>
+            </a:extLst>
+          </a:blip>
+          <a:stretch>
+            <a:fillRect/>
+          </a:stretch>
+        </a:blipFill>
+        <a:ln w="15875" cap="flat" cmpd="sng" algn="ctr">
+          <a:noFill/>
+          <a:prstDash val="solid"/>
+        </a:ln>
+        <a:effectLst/>
+      </dsp:spPr>
+      <dsp:style>
+        <a:lnRef idx="2">
+          <a:scrgbClr r="0" g="0" b="0"/>
+        </a:lnRef>
+        <a:fillRef idx="1">
+          <a:scrgbClr r="0" g="0" b="0"/>
+        </a:fillRef>
+        <a:effectRef idx="0">
+          <a:scrgbClr r="0" g="0" b="0"/>
+        </a:effectRef>
+        <a:fontRef idx="minor">
+          <a:schemeClr val="lt1"/>
+        </a:fontRef>
+      </dsp:style>
+    </dsp:sp>
+    <dsp:sp modelId="{99E51677-24E6-407E-8865-035882B5F643}">
+      <dsp:nvSpPr>
+        <dsp:cNvPr id="0" name=""/>
+        <dsp:cNvSpPr/>
+      </dsp:nvSpPr>
+      <dsp:spPr>
+        <a:xfrm>
+          <a:off x="1750318" y="820856"/>
+          <a:ext cx="5160068" cy="1515427"/>
+        </a:xfrm>
+        <a:prstGeom prst="rect">
+          <a:avLst/>
+        </a:prstGeom>
+        <a:noFill/>
+        <a:ln>
+          <a:noFill/>
+        </a:ln>
+        <a:effectLst/>
+      </dsp:spPr>
+      <dsp:style>
+        <a:lnRef idx="0">
+          <a:scrgbClr r="0" g="0" b="0"/>
+        </a:lnRef>
+        <a:fillRef idx="0">
+          <a:scrgbClr r="0" g="0" b="0"/>
+        </a:fillRef>
+        <a:effectRef idx="0">
+          <a:scrgbClr r="0" g="0" b="0"/>
+        </a:effectRef>
+        <a:fontRef idx="minor"/>
+      </dsp:style>
+      <dsp:txBody>
+        <a:bodyPr spcFirstLastPara="0" vert="horz" wrap="square" lIns="160383" tIns="160383" rIns="160383" bIns="160383" numCol="1" spcCol="1270" anchor="ctr" anchorCtr="0">
+          <a:noAutofit/>
+        </a:bodyPr>
+        <a:lstStyle/>
+        <a:p>
+          <a:pPr marL="0" lvl="0" indent="0" algn="l" defTabSz="1111250">
+            <a:lnSpc>
+              <a:spcPct val="90000"/>
+            </a:lnSpc>
+            <a:spcBef>
+              <a:spcPct val="0"/>
+            </a:spcBef>
+            <a:spcAft>
+              <a:spcPct val="35000"/>
+            </a:spcAft>
+            <a:buNone/>
+          </a:pPr>
+          <a:r>
+            <a:rPr lang="en-US" sz="2500" b="1" kern="1200" dirty="0"/>
+            <a:t>440 islands had price information, and 244 had no price.</a:t>
+          </a:r>
+          <a:endParaRPr lang="en-US" sz="2500" kern="1200" dirty="0"/>
+        </a:p>
+      </dsp:txBody>
+      <dsp:txXfrm>
+        <a:off x="1750318" y="820856"/>
+        <a:ext cx="5160068" cy="1515427"/>
+      </dsp:txXfrm>
+    </dsp:sp>
+    <dsp:sp modelId="{74F33050-46D6-401E-AD2F-45241B935559}">
+      <dsp:nvSpPr>
+        <dsp:cNvPr id="0" name=""/>
+        <dsp:cNvSpPr/>
+      </dsp:nvSpPr>
+      <dsp:spPr>
+        <a:xfrm>
+          <a:off x="0" y="2715140"/>
+          <a:ext cx="6910387" cy="1515427"/>
+        </a:xfrm>
+        <a:prstGeom prst="roundRect">
+          <a:avLst>
+            <a:gd name="adj" fmla="val 10000"/>
+          </a:avLst>
+        </a:prstGeom>
+        <a:solidFill>
+          <a:schemeClr val="accent3">
+            <a:hueOff val="0"/>
+            <a:satOff val="0"/>
+            <a:lumOff val="0"/>
+            <a:alphaOff val="0"/>
+          </a:schemeClr>
+        </a:solidFill>
+        <a:ln>
+          <a:noFill/>
+        </a:ln>
+        <a:effectLst/>
+      </dsp:spPr>
+      <dsp:style>
+        <a:lnRef idx="0">
+          <a:scrgbClr r="0" g="0" b="0"/>
+        </a:lnRef>
+        <a:fillRef idx="1">
+          <a:scrgbClr r="0" g="0" b="0"/>
+        </a:fillRef>
+        <a:effectRef idx="0">
+          <a:scrgbClr r="0" g="0" b="0"/>
+        </a:effectRef>
+        <a:fontRef idx="minor"/>
+      </dsp:style>
+    </dsp:sp>
+    <dsp:sp modelId="{1E21A490-450A-451C-83F0-EE6DDA9224A3}">
+      <dsp:nvSpPr>
+        <dsp:cNvPr id="0" name=""/>
+        <dsp:cNvSpPr/>
+      </dsp:nvSpPr>
+      <dsp:spPr>
+        <a:xfrm>
+          <a:off x="458416" y="3056112"/>
+          <a:ext cx="833485" cy="833485"/>
+        </a:xfrm>
+        <a:prstGeom prst="rect">
+          <a:avLst/>
+        </a:prstGeom>
+        <a:blipFill>
+          <a:blip xmlns:r="http://schemas.openxmlformats.org/officeDocument/2006/relationships" r:embed="rId3">
+            <a:extLst>
+              <a:ext uri="{28A0092B-C50C-407E-A947-70E740481C1C}">
+                <a14:useLocalDpi xmlns:a14="http://schemas.microsoft.com/office/drawing/2010/main" val="0"/>
+              </a:ext>
+              <a:ext uri="{96DAC541-7B7A-43D3-8B79-37D633B846F1}">
+                <asvg:svgBlip xmlns:asvg="http://schemas.microsoft.com/office/drawing/2016/SVG/main" r:embed="rId4"/>
+              </a:ext>
+            </a:extLst>
+          </a:blip>
+          <a:stretch>
+            <a:fillRect/>
+          </a:stretch>
+        </a:blipFill>
+        <a:ln w="15875" cap="flat" cmpd="sng" algn="ctr">
+          <a:noFill/>
+          <a:prstDash val="solid"/>
+        </a:ln>
+        <a:effectLst/>
+      </dsp:spPr>
+      <dsp:style>
+        <a:lnRef idx="2">
+          <a:scrgbClr r="0" g="0" b="0"/>
+        </a:lnRef>
+        <a:fillRef idx="1">
+          <a:scrgbClr r="0" g="0" b="0"/>
+        </a:fillRef>
+        <a:effectRef idx="0">
+          <a:scrgbClr r="0" g="0" b="0"/>
+        </a:effectRef>
+        <a:fontRef idx="minor">
+          <a:schemeClr val="lt1"/>
+        </a:fontRef>
+      </dsp:style>
+    </dsp:sp>
+    <dsp:sp modelId="{DE98BCA2-4E47-4BAD-8B42-6E7E2DAEBEA1}">
+      <dsp:nvSpPr>
+        <dsp:cNvPr id="0" name=""/>
+        <dsp:cNvSpPr/>
+      </dsp:nvSpPr>
+      <dsp:spPr>
+        <a:xfrm>
+          <a:off x="1750318" y="2715140"/>
+          <a:ext cx="5160068" cy="1515427"/>
+        </a:xfrm>
+        <a:prstGeom prst="rect">
+          <a:avLst/>
+        </a:prstGeom>
+        <a:noFill/>
+        <a:ln>
+          <a:noFill/>
+        </a:ln>
+        <a:effectLst/>
+      </dsp:spPr>
+      <dsp:style>
+        <a:lnRef idx="0">
+          <a:scrgbClr r="0" g="0" b="0"/>
+        </a:lnRef>
+        <a:fillRef idx="0">
+          <a:scrgbClr r="0" g="0" b="0"/>
+        </a:fillRef>
+        <a:effectRef idx="0">
+          <a:scrgbClr r="0" g="0" b="0"/>
+        </a:effectRef>
+        <a:fontRef idx="minor"/>
+      </dsp:style>
+      <dsp:txBody>
+        <a:bodyPr spcFirstLastPara="0" vert="horz" wrap="square" lIns="160383" tIns="160383" rIns="160383" bIns="160383" numCol="1" spcCol="1270" anchor="ctr" anchorCtr="0">
+          <a:noAutofit/>
+        </a:bodyPr>
+        <a:lstStyle/>
+        <a:p>
+          <a:pPr marL="0" lvl="0" indent="0" algn="l" defTabSz="1111250">
+            <a:lnSpc>
+              <a:spcPct val="90000"/>
+            </a:lnSpc>
+            <a:spcBef>
+              <a:spcPct val="0"/>
+            </a:spcBef>
+            <a:spcAft>
+              <a:spcPct val="35000"/>
+            </a:spcAft>
+            <a:buNone/>
+          </a:pPr>
+          <a:r>
+            <a:rPr lang="en-US" sz="2500" b="1" kern="1200" dirty="0"/>
+            <a:t>Trained model on islands with price. Tested on islands without price.</a:t>
+          </a:r>
+          <a:endParaRPr lang="en-US" sz="2500" kern="1200" dirty="0"/>
+        </a:p>
+      </dsp:txBody>
+      <dsp:txXfrm>
+        <a:off x="1750318" y="2715140"/>
+        <a:ext cx="5160068" cy="1515427"/>
+      </dsp:txXfrm>
+    </dsp:sp>
+  </dsp:spTree>
+</dsp:drawing>
+</file>
+
+<file path=ppt/diagrams/drawing4.xml><?xml version="1.0" encoding="utf-8"?>
+<dsp:drawing xmlns:dgm="http://schemas.openxmlformats.org/drawingml/2006/diagram" xmlns:dsp="http://schemas.microsoft.com/office/drawing/2008/diagram" xmlns:a="http://schemas.openxmlformats.org/drawingml/2006/main">
+  <dsp:spTree>
+    <dsp:nvGrpSpPr>
+      <dsp:cNvPr id="0" name=""/>
+      <dsp:cNvGrpSpPr/>
+    </dsp:nvGrpSpPr>
+    <dsp:grpSpPr/>
+    <dsp:sp modelId="{C1242F4D-26AD-4069-B5C6-F04120EDE77B}">
+      <dsp:nvSpPr>
+        <dsp:cNvPr id="0" name=""/>
+        <dsp:cNvSpPr/>
+      </dsp:nvSpPr>
+      <dsp:spPr>
+        <a:xfrm>
+          <a:off x="0" y="820856"/>
+          <a:ext cx="6910387" cy="1515427"/>
+        </a:xfrm>
+        <a:prstGeom prst="roundRect">
+          <a:avLst>
+            <a:gd name="adj" fmla="val 10000"/>
+          </a:avLst>
+        </a:prstGeom>
+        <a:solidFill>
+          <a:schemeClr val="accent2">
+            <a:hueOff val="0"/>
+            <a:satOff val="0"/>
+            <a:lumOff val="0"/>
+            <a:alphaOff val="0"/>
+          </a:schemeClr>
+        </a:solidFill>
+        <a:ln>
+          <a:noFill/>
+        </a:ln>
+        <a:effectLst/>
+      </dsp:spPr>
+      <dsp:style>
+        <a:lnRef idx="0">
+          <a:scrgbClr r="0" g="0" b="0"/>
+        </a:lnRef>
+        <a:fillRef idx="1">
+          <a:scrgbClr r="0" g="0" b="0"/>
+        </a:fillRef>
+        <a:effectRef idx="0">
+          <a:scrgbClr r="0" g="0" b="0"/>
+        </a:effectRef>
+        <a:fontRef idx="minor"/>
+      </dsp:style>
+    </dsp:sp>
+    <dsp:sp modelId="{350441A4-AE61-4A01-90C7-1233D4CDABBB}">
+      <dsp:nvSpPr>
+        <dsp:cNvPr id="0" name=""/>
+        <dsp:cNvSpPr/>
+      </dsp:nvSpPr>
+      <dsp:spPr>
+        <a:xfrm>
+          <a:off x="458416" y="1161827"/>
+          <a:ext cx="833485" cy="833485"/>
+        </a:xfrm>
+        <a:prstGeom prst="rect">
+          <a:avLst/>
+        </a:prstGeom>
+        <a:blipFill>
+          <a:blip xmlns:r="http://schemas.openxmlformats.org/officeDocument/2006/relationships" r:embed="rId1">
+            <a:extLst>
+              <a:ext uri="{28A0092B-C50C-407E-A947-70E740481C1C}">
+                <a14:useLocalDpi xmlns:a14="http://schemas.microsoft.com/office/drawing/2010/main" val="0"/>
+              </a:ext>
+              <a:ext uri="{96DAC541-7B7A-43D3-8B79-37D633B846F1}">
+                <asvg:svgBlip xmlns:asvg="http://schemas.microsoft.com/office/drawing/2016/SVG/main" r:embed="rId2"/>
+              </a:ext>
+            </a:extLst>
+          </a:blip>
+          <a:stretch>
+            <a:fillRect/>
+          </a:stretch>
+        </a:blipFill>
+        <a:ln w="15875" cap="flat" cmpd="sng" algn="ctr">
+          <a:noFill/>
+          <a:prstDash val="solid"/>
+        </a:ln>
+        <a:effectLst/>
+      </dsp:spPr>
+      <dsp:style>
+        <a:lnRef idx="2">
+          <a:scrgbClr r="0" g="0" b="0"/>
+        </a:lnRef>
+        <a:fillRef idx="1">
+          <a:scrgbClr r="0" g="0" b="0"/>
+        </a:fillRef>
+        <a:effectRef idx="0">
+          <a:scrgbClr r="0" g="0" b="0"/>
+        </a:effectRef>
+        <a:fontRef idx="minor">
+          <a:schemeClr val="lt1"/>
+        </a:fontRef>
+      </dsp:style>
+    </dsp:sp>
+    <dsp:sp modelId="{99E51677-24E6-407E-8865-035882B5F643}">
+      <dsp:nvSpPr>
+        <dsp:cNvPr id="0" name=""/>
+        <dsp:cNvSpPr/>
+      </dsp:nvSpPr>
+      <dsp:spPr>
+        <a:xfrm>
+          <a:off x="1750318" y="820856"/>
+          <a:ext cx="5160068" cy="1515427"/>
+        </a:xfrm>
+        <a:prstGeom prst="rect">
+          <a:avLst/>
+        </a:prstGeom>
+        <a:noFill/>
+        <a:ln>
+          <a:noFill/>
+        </a:ln>
+        <a:effectLst/>
+      </dsp:spPr>
+      <dsp:style>
+        <a:lnRef idx="0">
+          <a:scrgbClr r="0" g="0" b="0"/>
+        </a:lnRef>
+        <a:fillRef idx="0">
+          <a:scrgbClr r="0" g="0" b="0"/>
+        </a:fillRef>
+        <a:effectRef idx="0">
+          <a:scrgbClr r="0" g="0" b="0"/>
+        </a:effectRef>
+        <a:fontRef idx="minor"/>
+      </dsp:style>
+      <dsp:txBody>
+        <a:bodyPr spcFirstLastPara="0" vert="horz" wrap="square" lIns="160383" tIns="160383" rIns="160383" bIns="160383" numCol="1" spcCol="1270" anchor="ctr" anchorCtr="0">
+          <a:noAutofit/>
+        </a:bodyPr>
+        <a:lstStyle/>
+        <a:p>
+          <a:pPr marL="0" lvl="0" indent="0" algn="l" defTabSz="1111250">
+            <a:lnSpc>
+              <a:spcPct val="90000"/>
+            </a:lnSpc>
+            <a:spcBef>
+              <a:spcPct val="0"/>
+            </a:spcBef>
+            <a:spcAft>
+              <a:spcPct val="35000"/>
+            </a:spcAft>
+            <a:buNone/>
+          </a:pPr>
+          <a:r>
+            <a:rPr lang="en-US" sz="2500" b="1" kern="1200" dirty="0"/>
+            <a:t>440 islands had price information, and 244 had no price.</a:t>
+          </a:r>
+          <a:endParaRPr lang="en-US" sz="2500" kern="1200" dirty="0"/>
+        </a:p>
+      </dsp:txBody>
+      <dsp:txXfrm>
+        <a:off x="1750318" y="820856"/>
+        <a:ext cx="5160068" cy="1515427"/>
+      </dsp:txXfrm>
+    </dsp:sp>
+    <dsp:sp modelId="{74F33050-46D6-401E-AD2F-45241B935559}">
+      <dsp:nvSpPr>
+        <dsp:cNvPr id="0" name=""/>
+        <dsp:cNvSpPr/>
+      </dsp:nvSpPr>
+      <dsp:spPr>
+        <a:xfrm>
+          <a:off x="0" y="2715140"/>
+          <a:ext cx="6910387" cy="1515427"/>
+        </a:xfrm>
+        <a:prstGeom prst="roundRect">
+          <a:avLst>
+            <a:gd name="adj" fmla="val 10000"/>
+          </a:avLst>
+        </a:prstGeom>
+        <a:solidFill>
+          <a:schemeClr val="accent3">
+            <a:hueOff val="0"/>
+            <a:satOff val="0"/>
+            <a:lumOff val="0"/>
+            <a:alphaOff val="0"/>
+          </a:schemeClr>
+        </a:solidFill>
+        <a:ln>
+          <a:noFill/>
+        </a:ln>
+        <a:effectLst/>
+      </dsp:spPr>
+      <dsp:style>
+        <a:lnRef idx="0">
+          <a:scrgbClr r="0" g="0" b="0"/>
+        </a:lnRef>
+        <a:fillRef idx="1">
+          <a:scrgbClr r="0" g="0" b="0"/>
+        </a:fillRef>
+        <a:effectRef idx="0">
+          <a:scrgbClr r="0" g="0" b="0"/>
+        </a:effectRef>
+        <a:fontRef idx="minor"/>
+      </dsp:style>
+    </dsp:sp>
+    <dsp:sp modelId="{1E21A490-450A-451C-83F0-EE6DDA9224A3}">
+      <dsp:nvSpPr>
+        <dsp:cNvPr id="0" name=""/>
+        <dsp:cNvSpPr/>
+      </dsp:nvSpPr>
+      <dsp:spPr>
+        <a:xfrm>
+          <a:off x="458416" y="3056112"/>
+          <a:ext cx="833485" cy="833485"/>
+        </a:xfrm>
+        <a:prstGeom prst="rect">
+          <a:avLst/>
+        </a:prstGeom>
+        <a:blipFill>
+          <a:blip xmlns:r="http://schemas.openxmlformats.org/officeDocument/2006/relationships" r:embed="rId3">
+            <a:extLst>
+              <a:ext uri="{28A0092B-C50C-407E-A947-70E740481C1C}">
+                <a14:useLocalDpi xmlns:a14="http://schemas.microsoft.com/office/drawing/2010/main" val="0"/>
+              </a:ext>
+              <a:ext uri="{96DAC541-7B7A-43D3-8B79-37D633B846F1}">
+                <asvg:svgBlip xmlns:asvg="http://schemas.microsoft.com/office/drawing/2016/SVG/main" r:embed="rId4"/>
+              </a:ext>
+            </a:extLst>
+          </a:blip>
+          <a:stretch>
+            <a:fillRect/>
+          </a:stretch>
+        </a:blipFill>
+        <a:ln w="15875" cap="flat" cmpd="sng" algn="ctr">
+          <a:noFill/>
+          <a:prstDash val="solid"/>
+        </a:ln>
+        <a:effectLst/>
+      </dsp:spPr>
+      <dsp:style>
+        <a:lnRef idx="2">
+          <a:scrgbClr r="0" g="0" b="0"/>
+        </a:lnRef>
+        <a:fillRef idx="1">
+          <a:scrgbClr r="0" g="0" b="0"/>
+        </a:fillRef>
+        <a:effectRef idx="0">
+          <a:scrgbClr r="0" g="0" b="0"/>
+        </a:effectRef>
+        <a:fontRef idx="minor">
+          <a:schemeClr val="lt1"/>
+        </a:fontRef>
+      </dsp:style>
+    </dsp:sp>
+    <dsp:sp modelId="{DE98BCA2-4E47-4BAD-8B42-6E7E2DAEBEA1}">
+      <dsp:nvSpPr>
+        <dsp:cNvPr id="0" name=""/>
+        <dsp:cNvSpPr/>
+      </dsp:nvSpPr>
+      <dsp:spPr>
+        <a:xfrm>
+          <a:off x="1750318" y="2715140"/>
+          <a:ext cx="5160068" cy="1515427"/>
+        </a:xfrm>
+        <a:prstGeom prst="rect">
+          <a:avLst/>
+        </a:prstGeom>
+        <a:noFill/>
+        <a:ln>
+          <a:noFill/>
+        </a:ln>
+        <a:effectLst/>
+      </dsp:spPr>
+      <dsp:style>
+        <a:lnRef idx="0">
+          <a:scrgbClr r="0" g="0" b="0"/>
+        </a:lnRef>
+        <a:fillRef idx="0">
+          <a:scrgbClr r="0" g="0" b="0"/>
+        </a:fillRef>
+        <a:effectRef idx="0">
+          <a:scrgbClr r="0" g="0" b="0"/>
+        </a:effectRef>
+        <a:fontRef idx="minor"/>
+      </dsp:style>
+      <dsp:txBody>
+        <a:bodyPr spcFirstLastPara="0" vert="horz" wrap="square" lIns="160383" tIns="160383" rIns="160383" bIns="160383" numCol="1" spcCol="1270" anchor="ctr" anchorCtr="0">
+          <a:noAutofit/>
+        </a:bodyPr>
+        <a:lstStyle/>
+        <a:p>
+          <a:pPr marL="0" lvl="0" indent="0" algn="l" defTabSz="1111250">
+            <a:lnSpc>
+              <a:spcPct val="90000"/>
+            </a:lnSpc>
+            <a:spcBef>
+              <a:spcPct val="0"/>
+            </a:spcBef>
+            <a:spcAft>
+              <a:spcPct val="35000"/>
+            </a:spcAft>
+            <a:buNone/>
+          </a:pPr>
+          <a:r>
+            <a:rPr lang="en-US" sz="2500" b="1" kern="1200" dirty="0"/>
+            <a:t>Trained model on islands with price. Tested on islands without price.</a:t>
+          </a:r>
+          <a:endParaRPr lang="en-US" sz="2500" kern="1200" dirty="0"/>
+        </a:p>
+      </dsp:txBody>
+      <dsp:txXfrm>
+        <a:off x="1750318" y="2715140"/>
+        <a:ext cx="5160068" cy="1515427"/>
+      </dsp:txXfrm>
+    </dsp:sp>
+  </dsp:spTree>
+</dsp:drawing>
+</file>
+
+<file path=ppt/diagrams/drawing5.xml><?xml version="1.0" encoding="utf-8"?>
+<dsp:drawing xmlns:dgm="http://schemas.openxmlformats.org/drawingml/2006/diagram" xmlns:dsp="http://schemas.microsoft.com/office/drawing/2008/diagram" xmlns:a="http://schemas.openxmlformats.org/drawingml/2006/main">
+  <dsp:spTree>
+    <dsp:nvGrpSpPr>
+      <dsp:cNvPr id="0" name=""/>
+      <dsp:cNvGrpSpPr/>
+    </dsp:nvGrpSpPr>
+    <dsp:grpSpPr/>
+    <dsp:sp modelId="{C1242F4D-26AD-4069-B5C6-F04120EDE77B}">
+      <dsp:nvSpPr>
+        <dsp:cNvPr id="0" name=""/>
+        <dsp:cNvSpPr/>
+      </dsp:nvSpPr>
+      <dsp:spPr>
+        <a:xfrm>
+          <a:off x="0" y="820856"/>
+          <a:ext cx="6910387" cy="1515427"/>
+        </a:xfrm>
+        <a:prstGeom prst="roundRect">
+          <a:avLst>
+            <a:gd name="adj" fmla="val 10000"/>
+          </a:avLst>
+        </a:prstGeom>
+        <a:solidFill>
+          <a:schemeClr val="accent2">
+            <a:hueOff val="0"/>
+            <a:satOff val="0"/>
+            <a:lumOff val="0"/>
+            <a:alphaOff val="0"/>
+          </a:schemeClr>
+        </a:solidFill>
+        <a:ln>
+          <a:noFill/>
+        </a:ln>
+        <a:effectLst/>
+      </dsp:spPr>
+      <dsp:style>
+        <a:lnRef idx="0">
+          <a:scrgbClr r="0" g="0" b="0"/>
+        </a:lnRef>
+        <a:fillRef idx="1">
+          <a:scrgbClr r="0" g="0" b="0"/>
+        </a:fillRef>
+        <a:effectRef idx="0">
+          <a:scrgbClr r="0" g="0" b="0"/>
+        </a:effectRef>
+        <a:fontRef idx="minor"/>
+      </dsp:style>
+    </dsp:sp>
+    <dsp:sp modelId="{350441A4-AE61-4A01-90C7-1233D4CDABBB}">
+      <dsp:nvSpPr>
+        <dsp:cNvPr id="0" name=""/>
+        <dsp:cNvSpPr/>
+      </dsp:nvSpPr>
+      <dsp:spPr>
+        <a:xfrm>
+          <a:off x="458416" y="1161827"/>
+          <a:ext cx="833485" cy="833485"/>
+        </a:xfrm>
+        <a:prstGeom prst="rect">
+          <a:avLst/>
+        </a:prstGeom>
+        <a:blipFill>
+          <a:blip xmlns:r="http://schemas.openxmlformats.org/officeDocument/2006/relationships" r:embed="rId1">
+            <a:extLst>
+              <a:ext uri="{28A0092B-C50C-407E-A947-70E740481C1C}">
+                <a14:useLocalDpi xmlns:a14="http://schemas.microsoft.com/office/drawing/2010/main" val="0"/>
+              </a:ext>
+              <a:ext uri="{96DAC541-7B7A-43D3-8B79-37D633B846F1}">
+                <asvg:svgBlip xmlns:asvg="http://schemas.microsoft.com/office/drawing/2016/SVG/main" r:embed="rId2"/>
+              </a:ext>
+            </a:extLst>
+          </a:blip>
+          <a:stretch>
+            <a:fillRect/>
+          </a:stretch>
+        </a:blipFill>
+        <a:ln w="15875" cap="flat" cmpd="sng" algn="ctr">
+          <a:noFill/>
+          <a:prstDash val="solid"/>
+        </a:ln>
+        <a:effectLst/>
+      </dsp:spPr>
+      <dsp:style>
+        <a:lnRef idx="2">
+          <a:scrgbClr r="0" g="0" b="0"/>
+        </a:lnRef>
+        <a:fillRef idx="1">
+          <a:scrgbClr r="0" g="0" b="0"/>
+        </a:fillRef>
+        <a:effectRef idx="0">
+          <a:scrgbClr r="0" g="0" b="0"/>
+        </a:effectRef>
+        <a:fontRef idx="minor">
+          <a:schemeClr val="lt1"/>
+        </a:fontRef>
+      </dsp:style>
+    </dsp:sp>
+    <dsp:sp modelId="{99E51677-24E6-407E-8865-035882B5F643}">
+      <dsp:nvSpPr>
+        <dsp:cNvPr id="0" name=""/>
+        <dsp:cNvSpPr/>
+      </dsp:nvSpPr>
+      <dsp:spPr>
+        <a:xfrm>
+          <a:off x="1750318" y="820856"/>
+          <a:ext cx="5160068" cy="1515427"/>
+        </a:xfrm>
+        <a:prstGeom prst="rect">
+          <a:avLst/>
+        </a:prstGeom>
+        <a:noFill/>
+        <a:ln>
+          <a:noFill/>
+        </a:ln>
+        <a:effectLst/>
+      </dsp:spPr>
+      <dsp:style>
+        <a:lnRef idx="0">
+          <a:scrgbClr r="0" g="0" b="0"/>
+        </a:lnRef>
+        <a:fillRef idx="0">
+          <a:scrgbClr r="0" g="0" b="0"/>
+        </a:fillRef>
+        <a:effectRef idx="0">
+          <a:scrgbClr r="0" g="0" b="0"/>
+        </a:effectRef>
+        <a:fontRef idx="minor"/>
+      </dsp:style>
+      <dsp:txBody>
+        <a:bodyPr spcFirstLastPara="0" vert="horz" wrap="square" lIns="160383" tIns="160383" rIns="160383" bIns="160383" numCol="1" spcCol="1270" anchor="ctr" anchorCtr="0">
+          <a:noAutofit/>
+        </a:bodyPr>
+        <a:lstStyle/>
+        <a:p>
+          <a:pPr marL="0" lvl="0" indent="0" algn="l" defTabSz="1111250">
+            <a:lnSpc>
+              <a:spcPct val="90000"/>
+            </a:lnSpc>
+            <a:spcBef>
+              <a:spcPct val="0"/>
+            </a:spcBef>
+            <a:spcAft>
+              <a:spcPct val="35000"/>
+            </a:spcAft>
+            <a:buNone/>
+          </a:pPr>
+          <a:r>
+            <a:rPr lang="en-US" sz="2500" b="1" kern="1200" dirty="0"/>
+            <a:t>Website has been updated to reflect new information</a:t>
+          </a:r>
+          <a:endParaRPr lang="en-US" sz="2500" kern="1200" dirty="0"/>
+        </a:p>
+      </dsp:txBody>
+      <dsp:txXfrm>
+        <a:off x="1750318" y="820856"/>
+        <a:ext cx="5160068" cy="1515427"/>
+      </dsp:txXfrm>
+    </dsp:sp>
+    <dsp:sp modelId="{74F33050-46D6-401E-AD2F-45241B935559}">
+      <dsp:nvSpPr>
+        <dsp:cNvPr id="0" name=""/>
+        <dsp:cNvSpPr/>
+      </dsp:nvSpPr>
+      <dsp:spPr>
+        <a:xfrm>
+          <a:off x="0" y="2715140"/>
+          <a:ext cx="6910387" cy="1515427"/>
+        </a:xfrm>
+        <a:prstGeom prst="roundRect">
+          <a:avLst>
+            <a:gd name="adj" fmla="val 10000"/>
+          </a:avLst>
+        </a:prstGeom>
+        <a:solidFill>
+          <a:schemeClr val="accent3">
+            <a:hueOff val="0"/>
+            <a:satOff val="0"/>
+            <a:lumOff val="0"/>
+            <a:alphaOff val="0"/>
+          </a:schemeClr>
+        </a:solidFill>
+        <a:ln>
+          <a:noFill/>
+        </a:ln>
+        <a:effectLst/>
+      </dsp:spPr>
+      <dsp:style>
+        <a:lnRef idx="0">
+          <a:scrgbClr r="0" g="0" b="0"/>
+        </a:lnRef>
+        <a:fillRef idx="1">
+          <a:scrgbClr r="0" g="0" b="0"/>
+        </a:fillRef>
+        <a:effectRef idx="0">
+          <a:scrgbClr r="0" g="0" b="0"/>
+        </a:effectRef>
+        <a:fontRef idx="minor"/>
+      </dsp:style>
+    </dsp:sp>
+    <dsp:sp modelId="{1E21A490-450A-451C-83F0-EE6DDA9224A3}">
+      <dsp:nvSpPr>
+        <dsp:cNvPr id="0" name=""/>
+        <dsp:cNvSpPr/>
+      </dsp:nvSpPr>
+      <dsp:spPr>
+        <a:xfrm>
+          <a:off x="458416" y="3056112"/>
+          <a:ext cx="833485" cy="833485"/>
+        </a:xfrm>
+        <a:prstGeom prst="rect">
+          <a:avLst/>
+        </a:prstGeom>
+        <a:blipFill>
+          <a:blip xmlns:r="http://schemas.openxmlformats.org/officeDocument/2006/relationships" r:embed="rId3">
+            <a:extLst>
+              <a:ext uri="{28A0092B-C50C-407E-A947-70E740481C1C}">
+                <a14:useLocalDpi xmlns:a14="http://schemas.microsoft.com/office/drawing/2010/main" val="0"/>
+              </a:ext>
+              <a:ext uri="{96DAC541-7B7A-43D3-8B79-37D633B846F1}">
+                <asvg:svgBlip xmlns:asvg="http://schemas.microsoft.com/office/drawing/2016/SVG/main" r:embed="rId4"/>
+              </a:ext>
+            </a:extLst>
+          </a:blip>
+          <a:stretch>
+            <a:fillRect/>
+          </a:stretch>
+        </a:blipFill>
+        <a:ln w="15875" cap="flat" cmpd="sng" algn="ctr">
+          <a:noFill/>
+          <a:prstDash val="solid"/>
+        </a:ln>
+        <a:effectLst/>
+      </dsp:spPr>
+      <dsp:style>
+        <a:lnRef idx="2">
+          <a:scrgbClr r="0" g="0" b="0"/>
+        </a:lnRef>
+        <a:fillRef idx="1">
+          <a:scrgbClr r="0" g="0" b="0"/>
+        </a:fillRef>
+        <a:effectRef idx="0">
+          <a:scrgbClr r="0" g="0" b="0"/>
+        </a:effectRef>
+        <a:fontRef idx="minor">
+          <a:schemeClr val="lt1"/>
+        </a:fontRef>
+      </dsp:style>
+    </dsp:sp>
+    <dsp:sp modelId="{DE98BCA2-4E47-4BAD-8B42-6E7E2DAEBEA1}">
+      <dsp:nvSpPr>
+        <dsp:cNvPr id="0" name=""/>
+        <dsp:cNvSpPr/>
+      </dsp:nvSpPr>
+      <dsp:spPr>
+        <a:xfrm>
+          <a:off x="1750318" y="2715140"/>
+          <a:ext cx="5160068" cy="1515427"/>
+        </a:xfrm>
+        <a:prstGeom prst="rect">
+          <a:avLst/>
+        </a:prstGeom>
+        <a:noFill/>
+        <a:ln>
+          <a:noFill/>
+        </a:ln>
+        <a:effectLst/>
+      </dsp:spPr>
+      <dsp:style>
+        <a:lnRef idx="0">
+          <a:scrgbClr r="0" g="0" b="0"/>
+        </a:lnRef>
+        <a:fillRef idx="0">
+          <a:scrgbClr r="0" g="0" b="0"/>
+        </a:fillRef>
+        <a:effectRef idx="0">
+          <a:scrgbClr r="0" g="0" b="0"/>
+        </a:effectRef>
+        <a:fontRef idx="minor"/>
+      </dsp:style>
+      <dsp:txBody>
+        <a:bodyPr spcFirstLastPara="0" vert="horz" wrap="square" lIns="160383" tIns="160383" rIns="160383" bIns="160383" numCol="1" spcCol="1270" anchor="ctr" anchorCtr="0">
+          <a:noAutofit/>
+        </a:bodyPr>
+        <a:lstStyle/>
+        <a:p>
+          <a:pPr marL="0" lvl="0" indent="0" algn="l" defTabSz="1111250">
+            <a:lnSpc>
+              <a:spcPct val="90000"/>
+            </a:lnSpc>
+            <a:spcBef>
+              <a:spcPct val="0"/>
+            </a:spcBef>
+            <a:spcAft>
+              <a:spcPct val="35000"/>
+            </a:spcAft>
+            <a:buNone/>
+          </a:pPr>
+          <a:r>
+            <a:rPr lang="en-US" sz="2500" b="1" kern="1200" dirty="0"/>
+            <a:t>Just visit the link below:</a:t>
+          </a:r>
+          <a:br>
+            <a:rPr lang="en-US" sz="2500" b="1" kern="1200" dirty="0"/>
+          </a:br>
+          <a:r>
+            <a:rPr lang="en-US" sz="2500" b="1" kern="1200" dirty="0">
+              <a:solidFill>
+                <a:schemeClr val="bg1"/>
+              </a:solidFill>
+              <a:hlinkClick xmlns:r="http://schemas.openxmlformats.org/officeDocument/2006/relationships" r:id="rId5">
+                <a:extLst>
+                  <a:ext uri="{A12FA001-AC4F-418D-AE19-62706E023703}">
+                    <ahyp:hlinkClr xmlns:ahyp="http://schemas.microsoft.com/office/drawing/2018/hyperlinkcolor" val="tx"/>
+                  </a:ext>
+                </a:extLst>
+              </a:hlinkClick>
+            </a:rPr>
+            <a:t>islandlair.herokuapp.com</a:t>
+          </a:r>
+          <a:endParaRPr lang="en-US" sz="2500" kern="1200" dirty="0">
+            <a:solidFill>
+              <a:schemeClr val="bg1"/>
+            </a:solidFill>
+          </a:endParaRPr>
+        </a:p>
+      </dsp:txBody>
+      <dsp:txXfrm>
+        <a:off x="1750318" y="2715140"/>
+        <a:ext cx="5160068" cy="1515427"/>
+      </dsp:txXfrm>
+    </dsp:sp>
+  </dsp:spTree>
+</dsp:drawing>
+</file>
+
 <file path=ppt/diagrams/layout1.xml><?xml version="1.0" encoding="utf-8"?>
 <dgm:layoutDef xmlns:dgm="http://schemas.openxmlformats.org/drawingml/2006/diagram" xmlns:a="http://schemas.openxmlformats.org/drawingml/2006/main" uniqueId="urn:microsoft.com/office/officeart/2018/2/layout/IconVerticalSolidList">
   <dgm:title val="Icon Vertical Solid List"/>
@@ -3623,6 +8064,888 @@
 </dgm:layoutDef>
 </file>
 
+<file path=ppt/diagrams/layout3.xml><?xml version="1.0" encoding="utf-8"?>
+<dgm:layoutDef xmlns:dgm="http://schemas.openxmlformats.org/drawingml/2006/diagram" xmlns:a="http://schemas.openxmlformats.org/drawingml/2006/main" uniqueId="urn:microsoft.com/office/officeart/2018/2/layout/IconVerticalSolidList">
+  <dgm:title val="Icon Vertical Solid List"/>
+  <dgm:desc val="Use to show a series of visuals from top to bottom with Level 1 or Level 1 and Level 2 text grouped in a shape. Works best with icons or small pictures with lengthier descriptions."/>
+  <dgm:catLst>
+    <dgm:cat type="icon" pri="500"/>
+  </dgm:catLst>
+  <dgm:sampData useDef="1">
+    <dgm:dataModel>
+      <dgm:ptLst/>
+      <dgm:bg/>
+      <dgm:whole/>
+    </dgm:dataModel>
+  </dgm:sampData>
+  <dgm:styleData useDef="1">
+    <dgm:dataModel>
+      <dgm:ptLst/>
+      <dgm:bg/>
+      <dgm:whole/>
+    </dgm:dataModel>
+  </dgm:styleData>
+  <dgm:clrData useDef="1">
+    <dgm:dataModel>
+      <dgm:ptLst/>
+      <dgm:bg/>
+      <dgm:whole/>
+    </dgm:dataModel>
+  </dgm:clrData>
+  <dgm:layoutNode name="root">
+    <dgm:varLst>
+      <dgm:dir/>
+      <dgm:resizeHandles val="exact"/>
+    </dgm:varLst>
+    <dgm:choose name="Name0">
+      <dgm:if name="Name1" axis="self" func="var" arg="dir" op="equ" val="norm">
+        <dgm:alg type="lin">
+          <dgm:param type="linDir" val="fromT"/>
+          <dgm:param type="nodeHorzAlign" val="l"/>
+        </dgm:alg>
+      </dgm:if>
+      <dgm:else name="Name2">
+        <dgm:alg type="lin">
+          <dgm:param type="linDir" val="fromT"/>
+          <dgm:param type="nodeHorzAlign" val="r"/>
+        </dgm:alg>
+      </dgm:else>
+    </dgm:choose>
+    <dgm:shape xmlns:r="http://schemas.openxmlformats.org/officeDocument/2006/relationships" r:blip="">
+      <dgm:adjLst/>
+    </dgm:shape>
+    <dgm:presOf/>
+    <dgm:choose name="Name3">
+      <dgm:if name="Name4" axis="ch" ptType="node" func="cnt" op="lte" val="3">
+        <dgm:constrLst>
+          <dgm:constr type="h" for="ch" forName="compNode" refType="h" fact="0.3"/>
+          <dgm:constr type="w" for="ch" forName="compNode" refType="w"/>
+          <dgm:constr type="h" for="ch" forName="sibTrans" refType="h" refFor="ch" refForName="compNode" fact="0.25"/>
+          <dgm:constr type="primFontSz" for="des" forName="parTx" val="25"/>
+          <dgm:constr type="primFontSz" for="des" forName="desTx" refType="primFontSz" refFor="des" refForName="parTx" op="lte" fact="0.75"/>
+          <dgm:constr type="h" for="des" forName="compNode" op="equ"/>
+          <dgm:constr type="h" for="des" forName="bgRect" op="equ"/>
+          <dgm:constr type="h" for="des" forName="iconRect" op="equ"/>
+          <dgm:constr type="w" for="des" forName="iconRect" op="equ"/>
+          <dgm:constr type="h" for="des" forName="spaceRect" op="equ"/>
+          <dgm:constr type="h" for="des" forName="parTx" op="equ"/>
+          <dgm:constr type="h" for="des" forName="desTx" op="equ"/>
+        </dgm:constrLst>
+      </dgm:if>
+      <dgm:if name="Name5" axis="ch" ptType="node" func="cnt" op="lte" val="4">
+        <dgm:constrLst>
+          <dgm:constr type="h" for="ch" forName="compNode" refType="h" fact="0.3"/>
+          <dgm:constr type="w" for="ch" forName="compNode" refType="w"/>
+          <dgm:constr type="h" for="ch" forName="sibTrans" refType="h" refFor="ch" refForName="compNode" fact="0.25"/>
+          <dgm:constr type="primFontSz" for="des" forName="parTx" val="22"/>
+          <dgm:constr type="primFontSz" for="des" forName="desTx" refType="primFontSz" refFor="des" refForName="parTx" op="lte" fact="0.75"/>
+          <dgm:constr type="h" for="des" forName="compNode" op="equ"/>
+          <dgm:constr type="h" for="des" forName="bgRect" op="equ"/>
+          <dgm:constr type="h" for="des" forName="iconRect" op="equ"/>
+          <dgm:constr type="w" for="des" forName="iconRect" op="equ"/>
+          <dgm:constr type="h" for="des" forName="spaceRect" op="equ"/>
+          <dgm:constr type="h" for="des" forName="parTx" op="equ"/>
+          <dgm:constr type="h" for="des" forName="desTx" op="equ"/>
+        </dgm:constrLst>
+      </dgm:if>
+      <dgm:if name="Name6" axis="ch" ptType="node" func="cnt" op="lte" val="6">
+        <dgm:constrLst>
+          <dgm:constr type="h" for="ch" forName="compNode" refType="h" fact="0.3"/>
+          <dgm:constr type="w" for="ch" forName="compNode" refType="w"/>
+          <dgm:constr type="h" for="ch" forName="sibTrans" refType="h" refFor="ch" refForName="compNode" fact="0.25"/>
+          <dgm:constr type="primFontSz" for="des" forName="parTx" val="19"/>
+          <dgm:constr type="primFontSz" for="des" forName="desTx" refType="primFontSz" refFor="des" refForName="parTx" op="lte" fact="0.75"/>
+          <dgm:constr type="h" for="des" forName="compNode" op="equ"/>
+          <dgm:constr type="h" for="des" forName="bgRect" op="equ"/>
+          <dgm:constr type="h" for="des" forName="iconRect" op="equ"/>
+          <dgm:constr type="w" for="des" forName="iconRect" op="equ"/>
+          <dgm:constr type="h" for="des" forName="spaceRect" op="equ"/>
+          <dgm:constr type="h" for="des" forName="parTx" op="equ"/>
+          <dgm:constr type="h" for="des" forName="desTx" op="equ"/>
+        </dgm:constrLst>
+      </dgm:if>
+      <dgm:else name="Name7">
+        <dgm:constrLst>
+          <dgm:constr type="h" for="ch" forName="compNode" refType="h" fact="0.3"/>
+          <dgm:constr type="w" for="ch" forName="compNode" refType="w"/>
+          <dgm:constr type="h" for="ch" forName="sibTrans" refType="h" refFor="ch" refForName="compNode" fact="0.25"/>
+          <dgm:constr type="primFontSz" for="des" forName="parTx" val="16"/>
+          <dgm:constr type="primFontSz" for="des" forName="desTx" refType="primFontSz" refFor="des" refForName="parTx" op="lte" fact="0.75"/>
+          <dgm:constr type="h" for="des" forName="compNode" op="equ"/>
+          <dgm:constr type="h" for="des" forName="bgRect" op="equ"/>
+          <dgm:constr type="h" for="des" forName="iconRect" op="equ"/>
+          <dgm:constr type="w" for="des" forName="iconRect" op="equ"/>
+          <dgm:constr type="h" for="des" forName="spaceRect" op="equ"/>
+          <dgm:constr type="h" for="des" forName="parTx" op="equ"/>
+          <dgm:constr type="h" for="des" forName="desTx" op="equ"/>
+        </dgm:constrLst>
+      </dgm:else>
+    </dgm:choose>
+    <dgm:ruleLst>
+      <dgm:rule type="h" for="ch" forName="compNode" val="0" fact="NaN" max="NaN"/>
+    </dgm:ruleLst>
+    <dgm:forEach name="Name8" axis="ch" ptType="node">
+      <dgm:layoutNode name="compNode">
+        <dgm:alg type="composite"/>
+        <dgm:shape xmlns:r="http://schemas.openxmlformats.org/officeDocument/2006/relationships" r:blip="">
+          <dgm:adjLst/>
+        </dgm:shape>
+        <dgm:presOf axis="self"/>
+        <dgm:choose name="Name9">
+          <dgm:if name="Name10" axis="ch" ptType="node" func="cnt" op="gte" val="1">
+            <dgm:constrLst>
+              <dgm:constr type="w" for="ch" forName="bgRect" refType="w"/>
+              <dgm:constr type="h" for="ch" forName="bgRect" refType="h"/>
+              <dgm:constr type="l" for="ch" forName="bgRect"/>
+              <dgm:constr type="t" for="ch" forName="bgRect"/>
+              <dgm:constr type="h" for="ch" forName="iconRect" refType="h" fact="0.55"/>
+              <dgm:constr type="w" for="ch" forName="iconRect" refType="h" refFor="ch" refForName="iconRect"/>
+              <dgm:constr type="l" for="ch" forName="iconRect" refType="h" refFor="ch" refForName="iconRect" fact="0.55"/>
+              <dgm:constr type="ctrY" for="ch" forName="iconRect" refType="ctrY" refFor="ch" refForName="bgRect"/>
+              <dgm:constr type="w" for="ch" forName="spaceRect" refType="l" refFor="ch" refForName="iconRect"/>
+              <dgm:constr type="h" for="ch" forName="spaceRect" refType="h"/>
+              <dgm:constr type="l" for="ch" forName="spaceRect" refType="r" refFor="ch" refForName="iconRect"/>
+              <dgm:constr type="t" for="ch" forName="spaceRect"/>
+              <dgm:constr type="w" for="ch" forName="parTx" refType="w" fact="0.45"/>
+              <dgm:constr type="h" for="ch" forName="parTx" refType="h"/>
+              <dgm:constr type="l" for="ch" forName="parTx" refType="r" refFor="ch" refForName="spaceRect"/>
+              <dgm:constr type="t" for="ch" forName="parTx"/>
+              <dgm:constr type="h" for="ch" forName="desTx" refType="h"/>
+              <dgm:constr type="l" for="ch" forName="desTx" refType="r" refFor="ch" refForName="parTx"/>
+              <dgm:constr type="t" for="ch" forName="desTx"/>
+            </dgm:constrLst>
+          </dgm:if>
+          <dgm:else name="Name11">
+            <dgm:constrLst>
+              <dgm:constr type="w" for="ch" forName="bgRect" refType="w"/>
+              <dgm:constr type="h" for="ch" forName="bgRect" refType="h"/>
+              <dgm:constr type="l" for="ch" forName="bgRect"/>
+              <dgm:constr type="t" for="ch" forName="bgRect"/>
+              <dgm:constr type="h" for="ch" forName="iconRect" refType="h" fact="0.55"/>
+              <dgm:constr type="w" for="ch" forName="iconRect" refType="h" refFor="ch" refForName="iconRect"/>
+              <dgm:constr type="l" for="ch" forName="iconRect" refType="h" refFor="ch" refForName="iconRect" fact="0.55"/>
+              <dgm:constr type="ctrY" for="ch" forName="iconRect" refType="ctrY" refFor="ch" refForName="bgRect"/>
+              <dgm:constr type="w" for="ch" forName="spaceRect" refType="l" refFor="ch" refForName="iconRect"/>
+              <dgm:constr type="h" for="ch" forName="spaceRect" refType="h"/>
+              <dgm:constr type="l" for="ch" forName="spaceRect" refType="r" refFor="ch" refForName="iconRect"/>
+              <dgm:constr type="t" for="ch" forName="spaceRect"/>
+              <dgm:constr type="h" for="ch" forName="parTx" refType="h"/>
+              <dgm:constr type="l" for="ch" forName="parTx" refType="r" refFor="ch" refForName="spaceRect"/>
+              <dgm:constr type="t" for="ch" forName="parTx"/>
+            </dgm:constrLst>
+          </dgm:else>
+        </dgm:choose>
+        <dgm:ruleLst>
+          <dgm:rule type="h" val="INF" fact="NaN" max="NaN"/>
+        </dgm:ruleLst>
+        <dgm:layoutNode name="bgRect" styleLbl="bgShp">
+          <dgm:alg type="sp"/>
+          <dgm:shape xmlns:r="http://schemas.openxmlformats.org/officeDocument/2006/relationships" type="roundRect" r:blip="">
+            <dgm:adjLst>
+              <dgm:adj idx="1" val="0.1"/>
+            </dgm:adjLst>
+          </dgm:shape>
+          <dgm:presOf/>
+          <dgm:constrLst/>
+          <dgm:ruleLst/>
+        </dgm:layoutNode>
+        <dgm:layoutNode name="iconRect" styleLbl="node1">
+          <dgm:alg type="sp"/>
+          <dgm:shape xmlns:r="http://schemas.openxmlformats.org/officeDocument/2006/relationships" type="rect" r:blip="" blipPhldr="1">
+            <dgm:adjLst/>
+          </dgm:shape>
+          <dgm:presOf/>
+          <dgm:constrLst/>
+          <dgm:ruleLst/>
+        </dgm:layoutNode>
+        <dgm:layoutNode name="spaceRect">
+          <dgm:alg type="sp"/>
+          <dgm:shape xmlns:r="http://schemas.openxmlformats.org/officeDocument/2006/relationships" r:blip="">
+            <dgm:adjLst/>
+          </dgm:shape>
+          <dgm:presOf/>
+          <dgm:constrLst/>
+          <dgm:ruleLst/>
+        </dgm:layoutNode>
+        <dgm:layoutNode name="parTx" styleLbl="revTx">
+          <dgm:varLst>
+            <dgm:chMax val="0"/>
+            <dgm:chPref val="0"/>
+          </dgm:varLst>
+          <dgm:alg type="tx">
+            <dgm:param type="txAnchorVert" val="mid"/>
+            <dgm:param type="parTxLTRAlign" val="l"/>
+            <dgm:param type="shpTxLTRAlignCh" val="l"/>
+            <dgm:param type="parTxRTLAlign" val="r"/>
+            <dgm:param type="shpTxRTLAlignCh" val="r"/>
+          </dgm:alg>
+          <dgm:shape xmlns:r="http://schemas.openxmlformats.org/officeDocument/2006/relationships" type="rect" r:blip="">
+            <dgm:adjLst/>
+          </dgm:shape>
+          <dgm:presOf axis="self" ptType="node"/>
+          <dgm:constrLst>
+            <dgm:constr type="lMarg" refType="h" fact="0.3"/>
+            <dgm:constr type="rMarg" refType="h" fact="0.3"/>
+            <dgm:constr type="tMarg" refType="h" fact="0.3"/>
+            <dgm:constr type="bMarg" refType="h" fact="0.3"/>
+          </dgm:constrLst>
+          <dgm:ruleLst>
+            <dgm:rule type="primFontSz" val="14" fact="NaN" max="NaN"/>
+            <dgm:rule type="h" val="INF" fact="NaN" max="NaN"/>
+          </dgm:ruleLst>
+        </dgm:layoutNode>
+        <dgm:choose name="Name12">
+          <dgm:if name="Name13" axis="ch" ptType="node" func="cnt" op="gte" val="1">
+            <dgm:layoutNode name="desTx" styleLbl="revTx">
+              <dgm:varLst/>
+              <dgm:alg type="tx">
+                <dgm:param type="txAnchorVertCh" val="mid"/>
+                <dgm:param type="parTxLTRAlign" val="l"/>
+                <dgm:param type="shpTxLTRAlignCh" val="l"/>
+                <dgm:param type="parTxRTLAlign" val="r"/>
+                <dgm:param type="shpTxRTLAlignCh" val="r"/>
+                <dgm:param type="stBulletLvl" val="0"/>
+              </dgm:alg>
+              <dgm:shape xmlns:r="http://schemas.openxmlformats.org/officeDocument/2006/relationships" type="rect" r:blip="">
+                <dgm:adjLst/>
+              </dgm:shape>
+              <dgm:presOf axis="des" ptType="node"/>
+              <dgm:constrLst>
+                <dgm:constr type="primFontSz" val="18"/>
+                <dgm:constr type="secFontSz" refType="primFontSz"/>
+                <dgm:constr type="lMarg" refType="h" fact="0.3"/>
+                <dgm:constr type="rMarg" refType="h" fact="0.3"/>
+                <dgm:constr type="tMarg" refType="h" fact="0.3"/>
+                <dgm:constr type="bMarg" refType="h" fact="0.3"/>
+              </dgm:constrLst>
+              <dgm:ruleLst>
+                <dgm:rule type="primFontSz" val="11" fact="NaN" max="NaN"/>
+              </dgm:ruleLst>
+            </dgm:layoutNode>
+          </dgm:if>
+          <dgm:else name="Name14"/>
+        </dgm:choose>
+      </dgm:layoutNode>
+      <dgm:forEach name="Name15" axis="followSib" ptType="sibTrans" cnt="1">
+        <dgm:layoutNode name="sibTrans">
+          <dgm:alg type="sp"/>
+          <dgm:shape xmlns:r="http://schemas.openxmlformats.org/officeDocument/2006/relationships" r:blip="">
+            <dgm:adjLst/>
+          </dgm:shape>
+          <dgm:presOf axis="self"/>
+          <dgm:constrLst/>
+          <dgm:ruleLst/>
+        </dgm:layoutNode>
+      </dgm:forEach>
+    </dgm:forEach>
+  </dgm:layoutNode>
+  <dgm:extLst>
+    <a:ext uri="{68A01E43-0DF5-4B5B-8FA6-DAF915123BFB}">
+      <dgm1612:lstStyle xmlns:dgm1612="http://schemas.microsoft.com/office/drawing/2016/12/diagram">
+        <a:lvl1pPr>
+          <a:lnSpc>
+            <a:spcPct val="100000"/>
+          </a:lnSpc>
+        </a:lvl1pPr>
+        <a:lvl2pPr>
+          <a:lnSpc>
+            <a:spcPct val="100000"/>
+          </a:lnSpc>
+        </a:lvl2pPr>
+      </dgm1612:lstStyle>
+    </a:ext>
+  </dgm:extLst>
+</dgm:layoutDef>
+</file>
+
+<file path=ppt/diagrams/layout4.xml><?xml version="1.0" encoding="utf-8"?>
+<dgm:layoutDef xmlns:dgm="http://schemas.openxmlformats.org/drawingml/2006/diagram" xmlns:a="http://schemas.openxmlformats.org/drawingml/2006/main" uniqueId="urn:microsoft.com/office/officeart/2018/2/layout/IconVerticalSolidList">
+  <dgm:title val="Icon Vertical Solid List"/>
+  <dgm:desc val="Use to show a series of visuals from top to bottom with Level 1 or Level 1 and Level 2 text grouped in a shape. Works best with icons or small pictures with lengthier descriptions."/>
+  <dgm:catLst>
+    <dgm:cat type="icon" pri="500"/>
+  </dgm:catLst>
+  <dgm:sampData useDef="1">
+    <dgm:dataModel>
+      <dgm:ptLst/>
+      <dgm:bg/>
+      <dgm:whole/>
+    </dgm:dataModel>
+  </dgm:sampData>
+  <dgm:styleData useDef="1">
+    <dgm:dataModel>
+      <dgm:ptLst/>
+      <dgm:bg/>
+      <dgm:whole/>
+    </dgm:dataModel>
+  </dgm:styleData>
+  <dgm:clrData useDef="1">
+    <dgm:dataModel>
+      <dgm:ptLst/>
+      <dgm:bg/>
+      <dgm:whole/>
+    </dgm:dataModel>
+  </dgm:clrData>
+  <dgm:layoutNode name="root">
+    <dgm:varLst>
+      <dgm:dir/>
+      <dgm:resizeHandles val="exact"/>
+    </dgm:varLst>
+    <dgm:choose name="Name0">
+      <dgm:if name="Name1" axis="self" func="var" arg="dir" op="equ" val="norm">
+        <dgm:alg type="lin">
+          <dgm:param type="linDir" val="fromT"/>
+          <dgm:param type="nodeHorzAlign" val="l"/>
+        </dgm:alg>
+      </dgm:if>
+      <dgm:else name="Name2">
+        <dgm:alg type="lin">
+          <dgm:param type="linDir" val="fromT"/>
+          <dgm:param type="nodeHorzAlign" val="r"/>
+        </dgm:alg>
+      </dgm:else>
+    </dgm:choose>
+    <dgm:shape xmlns:r="http://schemas.openxmlformats.org/officeDocument/2006/relationships" r:blip="">
+      <dgm:adjLst/>
+    </dgm:shape>
+    <dgm:presOf/>
+    <dgm:choose name="Name3">
+      <dgm:if name="Name4" axis="ch" ptType="node" func="cnt" op="lte" val="3">
+        <dgm:constrLst>
+          <dgm:constr type="h" for="ch" forName="compNode" refType="h" fact="0.3"/>
+          <dgm:constr type="w" for="ch" forName="compNode" refType="w"/>
+          <dgm:constr type="h" for="ch" forName="sibTrans" refType="h" refFor="ch" refForName="compNode" fact="0.25"/>
+          <dgm:constr type="primFontSz" for="des" forName="parTx" val="25"/>
+          <dgm:constr type="primFontSz" for="des" forName="desTx" refType="primFontSz" refFor="des" refForName="parTx" op="lte" fact="0.75"/>
+          <dgm:constr type="h" for="des" forName="compNode" op="equ"/>
+          <dgm:constr type="h" for="des" forName="bgRect" op="equ"/>
+          <dgm:constr type="h" for="des" forName="iconRect" op="equ"/>
+          <dgm:constr type="w" for="des" forName="iconRect" op="equ"/>
+          <dgm:constr type="h" for="des" forName="spaceRect" op="equ"/>
+          <dgm:constr type="h" for="des" forName="parTx" op="equ"/>
+          <dgm:constr type="h" for="des" forName="desTx" op="equ"/>
+        </dgm:constrLst>
+      </dgm:if>
+      <dgm:if name="Name5" axis="ch" ptType="node" func="cnt" op="lte" val="4">
+        <dgm:constrLst>
+          <dgm:constr type="h" for="ch" forName="compNode" refType="h" fact="0.3"/>
+          <dgm:constr type="w" for="ch" forName="compNode" refType="w"/>
+          <dgm:constr type="h" for="ch" forName="sibTrans" refType="h" refFor="ch" refForName="compNode" fact="0.25"/>
+          <dgm:constr type="primFontSz" for="des" forName="parTx" val="22"/>
+          <dgm:constr type="primFontSz" for="des" forName="desTx" refType="primFontSz" refFor="des" refForName="parTx" op="lte" fact="0.75"/>
+          <dgm:constr type="h" for="des" forName="compNode" op="equ"/>
+          <dgm:constr type="h" for="des" forName="bgRect" op="equ"/>
+          <dgm:constr type="h" for="des" forName="iconRect" op="equ"/>
+          <dgm:constr type="w" for="des" forName="iconRect" op="equ"/>
+          <dgm:constr type="h" for="des" forName="spaceRect" op="equ"/>
+          <dgm:constr type="h" for="des" forName="parTx" op="equ"/>
+          <dgm:constr type="h" for="des" forName="desTx" op="equ"/>
+        </dgm:constrLst>
+      </dgm:if>
+      <dgm:if name="Name6" axis="ch" ptType="node" func="cnt" op="lte" val="6">
+        <dgm:constrLst>
+          <dgm:constr type="h" for="ch" forName="compNode" refType="h" fact="0.3"/>
+          <dgm:constr type="w" for="ch" forName="compNode" refType="w"/>
+          <dgm:constr type="h" for="ch" forName="sibTrans" refType="h" refFor="ch" refForName="compNode" fact="0.25"/>
+          <dgm:constr type="primFontSz" for="des" forName="parTx" val="19"/>
+          <dgm:constr type="primFontSz" for="des" forName="desTx" refType="primFontSz" refFor="des" refForName="parTx" op="lte" fact="0.75"/>
+          <dgm:constr type="h" for="des" forName="compNode" op="equ"/>
+          <dgm:constr type="h" for="des" forName="bgRect" op="equ"/>
+          <dgm:constr type="h" for="des" forName="iconRect" op="equ"/>
+          <dgm:constr type="w" for="des" forName="iconRect" op="equ"/>
+          <dgm:constr type="h" for="des" forName="spaceRect" op="equ"/>
+          <dgm:constr type="h" for="des" forName="parTx" op="equ"/>
+          <dgm:constr type="h" for="des" forName="desTx" op="equ"/>
+        </dgm:constrLst>
+      </dgm:if>
+      <dgm:else name="Name7">
+        <dgm:constrLst>
+          <dgm:constr type="h" for="ch" forName="compNode" refType="h" fact="0.3"/>
+          <dgm:constr type="w" for="ch" forName="compNode" refType="w"/>
+          <dgm:constr type="h" for="ch" forName="sibTrans" refType="h" refFor="ch" refForName="compNode" fact="0.25"/>
+          <dgm:constr type="primFontSz" for="des" forName="parTx" val="16"/>
+          <dgm:constr type="primFontSz" for="des" forName="desTx" refType="primFontSz" refFor="des" refForName="parTx" op="lte" fact="0.75"/>
+          <dgm:constr type="h" for="des" forName="compNode" op="equ"/>
+          <dgm:constr type="h" for="des" forName="bgRect" op="equ"/>
+          <dgm:constr type="h" for="des" forName="iconRect" op="equ"/>
+          <dgm:constr type="w" for="des" forName="iconRect" op="equ"/>
+          <dgm:constr type="h" for="des" forName="spaceRect" op="equ"/>
+          <dgm:constr type="h" for="des" forName="parTx" op="equ"/>
+          <dgm:constr type="h" for="des" forName="desTx" op="equ"/>
+        </dgm:constrLst>
+      </dgm:else>
+    </dgm:choose>
+    <dgm:ruleLst>
+      <dgm:rule type="h" for="ch" forName="compNode" val="0" fact="NaN" max="NaN"/>
+    </dgm:ruleLst>
+    <dgm:forEach name="Name8" axis="ch" ptType="node">
+      <dgm:layoutNode name="compNode">
+        <dgm:alg type="composite"/>
+        <dgm:shape xmlns:r="http://schemas.openxmlformats.org/officeDocument/2006/relationships" r:blip="">
+          <dgm:adjLst/>
+        </dgm:shape>
+        <dgm:presOf axis="self"/>
+        <dgm:choose name="Name9">
+          <dgm:if name="Name10" axis="ch" ptType="node" func="cnt" op="gte" val="1">
+            <dgm:constrLst>
+              <dgm:constr type="w" for="ch" forName="bgRect" refType="w"/>
+              <dgm:constr type="h" for="ch" forName="bgRect" refType="h"/>
+              <dgm:constr type="l" for="ch" forName="bgRect"/>
+              <dgm:constr type="t" for="ch" forName="bgRect"/>
+              <dgm:constr type="h" for="ch" forName="iconRect" refType="h" fact="0.55"/>
+              <dgm:constr type="w" for="ch" forName="iconRect" refType="h" refFor="ch" refForName="iconRect"/>
+              <dgm:constr type="l" for="ch" forName="iconRect" refType="h" refFor="ch" refForName="iconRect" fact="0.55"/>
+              <dgm:constr type="ctrY" for="ch" forName="iconRect" refType="ctrY" refFor="ch" refForName="bgRect"/>
+              <dgm:constr type="w" for="ch" forName="spaceRect" refType="l" refFor="ch" refForName="iconRect"/>
+              <dgm:constr type="h" for="ch" forName="spaceRect" refType="h"/>
+              <dgm:constr type="l" for="ch" forName="spaceRect" refType="r" refFor="ch" refForName="iconRect"/>
+              <dgm:constr type="t" for="ch" forName="spaceRect"/>
+              <dgm:constr type="w" for="ch" forName="parTx" refType="w" fact="0.45"/>
+              <dgm:constr type="h" for="ch" forName="parTx" refType="h"/>
+              <dgm:constr type="l" for="ch" forName="parTx" refType="r" refFor="ch" refForName="spaceRect"/>
+              <dgm:constr type="t" for="ch" forName="parTx"/>
+              <dgm:constr type="h" for="ch" forName="desTx" refType="h"/>
+              <dgm:constr type="l" for="ch" forName="desTx" refType="r" refFor="ch" refForName="parTx"/>
+              <dgm:constr type="t" for="ch" forName="desTx"/>
+            </dgm:constrLst>
+          </dgm:if>
+          <dgm:else name="Name11">
+            <dgm:constrLst>
+              <dgm:constr type="w" for="ch" forName="bgRect" refType="w"/>
+              <dgm:constr type="h" for="ch" forName="bgRect" refType="h"/>
+              <dgm:constr type="l" for="ch" forName="bgRect"/>
+              <dgm:constr type="t" for="ch" forName="bgRect"/>
+              <dgm:constr type="h" for="ch" forName="iconRect" refType="h" fact="0.55"/>
+              <dgm:constr type="w" for="ch" forName="iconRect" refType="h" refFor="ch" refForName="iconRect"/>
+              <dgm:constr type="l" for="ch" forName="iconRect" refType="h" refFor="ch" refForName="iconRect" fact="0.55"/>
+              <dgm:constr type="ctrY" for="ch" forName="iconRect" refType="ctrY" refFor="ch" refForName="bgRect"/>
+              <dgm:constr type="w" for="ch" forName="spaceRect" refType="l" refFor="ch" refForName="iconRect"/>
+              <dgm:constr type="h" for="ch" forName="spaceRect" refType="h"/>
+              <dgm:constr type="l" for="ch" forName="spaceRect" refType="r" refFor="ch" refForName="iconRect"/>
+              <dgm:constr type="t" for="ch" forName="spaceRect"/>
+              <dgm:constr type="h" for="ch" forName="parTx" refType="h"/>
+              <dgm:constr type="l" for="ch" forName="parTx" refType="r" refFor="ch" refForName="spaceRect"/>
+              <dgm:constr type="t" for="ch" forName="parTx"/>
+            </dgm:constrLst>
+          </dgm:else>
+        </dgm:choose>
+        <dgm:ruleLst>
+          <dgm:rule type="h" val="INF" fact="NaN" max="NaN"/>
+        </dgm:ruleLst>
+        <dgm:layoutNode name="bgRect" styleLbl="bgShp">
+          <dgm:alg type="sp"/>
+          <dgm:shape xmlns:r="http://schemas.openxmlformats.org/officeDocument/2006/relationships" type="roundRect" r:blip="">
+            <dgm:adjLst>
+              <dgm:adj idx="1" val="0.1"/>
+            </dgm:adjLst>
+          </dgm:shape>
+          <dgm:presOf/>
+          <dgm:constrLst/>
+          <dgm:ruleLst/>
+        </dgm:layoutNode>
+        <dgm:layoutNode name="iconRect" styleLbl="node1">
+          <dgm:alg type="sp"/>
+          <dgm:shape xmlns:r="http://schemas.openxmlformats.org/officeDocument/2006/relationships" type="rect" r:blip="" blipPhldr="1">
+            <dgm:adjLst/>
+          </dgm:shape>
+          <dgm:presOf/>
+          <dgm:constrLst/>
+          <dgm:ruleLst/>
+        </dgm:layoutNode>
+        <dgm:layoutNode name="spaceRect">
+          <dgm:alg type="sp"/>
+          <dgm:shape xmlns:r="http://schemas.openxmlformats.org/officeDocument/2006/relationships" r:blip="">
+            <dgm:adjLst/>
+          </dgm:shape>
+          <dgm:presOf/>
+          <dgm:constrLst/>
+          <dgm:ruleLst/>
+        </dgm:layoutNode>
+        <dgm:layoutNode name="parTx" styleLbl="revTx">
+          <dgm:varLst>
+            <dgm:chMax val="0"/>
+            <dgm:chPref val="0"/>
+          </dgm:varLst>
+          <dgm:alg type="tx">
+            <dgm:param type="txAnchorVert" val="mid"/>
+            <dgm:param type="parTxLTRAlign" val="l"/>
+            <dgm:param type="shpTxLTRAlignCh" val="l"/>
+            <dgm:param type="parTxRTLAlign" val="r"/>
+            <dgm:param type="shpTxRTLAlignCh" val="r"/>
+          </dgm:alg>
+          <dgm:shape xmlns:r="http://schemas.openxmlformats.org/officeDocument/2006/relationships" type="rect" r:blip="">
+            <dgm:adjLst/>
+          </dgm:shape>
+          <dgm:presOf axis="self" ptType="node"/>
+          <dgm:constrLst>
+            <dgm:constr type="lMarg" refType="h" fact="0.3"/>
+            <dgm:constr type="rMarg" refType="h" fact="0.3"/>
+            <dgm:constr type="tMarg" refType="h" fact="0.3"/>
+            <dgm:constr type="bMarg" refType="h" fact="0.3"/>
+          </dgm:constrLst>
+          <dgm:ruleLst>
+            <dgm:rule type="primFontSz" val="14" fact="NaN" max="NaN"/>
+            <dgm:rule type="h" val="INF" fact="NaN" max="NaN"/>
+          </dgm:ruleLst>
+        </dgm:layoutNode>
+        <dgm:choose name="Name12">
+          <dgm:if name="Name13" axis="ch" ptType="node" func="cnt" op="gte" val="1">
+            <dgm:layoutNode name="desTx" styleLbl="revTx">
+              <dgm:varLst/>
+              <dgm:alg type="tx">
+                <dgm:param type="txAnchorVertCh" val="mid"/>
+                <dgm:param type="parTxLTRAlign" val="l"/>
+                <dgm:param type="shpTxLTRAlignCh" val="l"/>
+                <dgm:param type="parTxRTLAlign" val="r"/>
+                <dgm:param type="shpTxRTLAlignCh" val="r"/>
+                <dgm:param type="stBulletLvl" val="0"/>
+              </dgm:alg>
+              <dgm:shape xmlns:r="http://schemas.openxmlformats.org/officeDocument/2006/relationships" type="rect" r:blip="">
+                <dgm:adjLst/>
+              </dgm:shape>
+              <dgm:presOf axis="des" ptType="node"/>
+              <dgm:constrLst>
+                <dgm:constr type="primFontSz" val="18"/>
+                <dgm:constr type="secFontSz" refType="primFontSz"/>
+                <dgm:constr type="lMarg" refType="h" fact="0.3"/>
+                <dgm:constr type="rMarg" refType="h" fact="0.3"/>
+                <dgm:constr type="tMarg" refType="h" fact="0.3"/>
+                <dgm:constr type="bMarg" refType="h" fact="0.3"/>
+              </dgm:constrLst>
+              <dgm:ruleLst>
+                <dgm:rule type="primFontSz" val="11" fact="NaN" max="NaN"/>
+              </dgm:ruleLst>
+            </dgm:layoutNode>
+          </dgm:if>
+          <dgm:else name="Name14"/>
+        </dgm:choose>
+      </dgm:layoutNode>
+      <dgm:forEach name="Name15" axis="followSib" ptType="sibTrans" cnt="1">
+        <dgm:layoutNode name="sibTrans">
+          <dgm:alg type="sp"/>
+          <dgm:shape xmlns:r="http://schemas.openxmlformats.org/officeDocument/2006/relationships" r:blip="">
+            <dgm:adjLst/>
+          </dgm:shape>
+          <dgm:presOf axis="self"/>
+          <dgm:constrLst/>
+          <dgm:ruleLst/>
+        </dgm:layoutNode>
+      </dgm:forEach>
+    </dgm:forEach>
+  </dgm:layoutNode>
+  <dgm:extLst>
+    <a:ext uri="{68A01E43-0DF5-4B5B-8FA6-DAF915123BFB}">
+      <dgm1612:lstStyle xmlns:dgm1612="http://schemas.microsoft.com/office/drawing/2016/12/diagram">
+        <a:lvl1pPr>
+          <a:lnSpc>
+            <a:spcPct val="100000"/>
+          </a:lnSpc>
+        </a:lvl1pPr>
+        <a:lvl2pPr>
+          <a:lnSpc>
+            <a:spcPct val="100000"/>
+          </a:lnSpc>
+        </a:lvl2pPr>
+      </dgm1612:lstStyle>
+    </a:ext>
+  </dgm:extLst>
+</dgm:layoutDef>
+</file>
+
+<file path=ppt/diagrams/layout5.xml><?xml version="1.0" encoding="utf-8"?>
+<dgm:layoutDef xmlns:dgm="http://schemas.openxmlformats.org/drawingml/2006/diagram" xmlns:a="http://schemas.openxmlformats.org/drawingml/2006/main" uniqueId="urn:microsoft.com/office/officeart/2018/2/layout/IconVerticalSolidList">
+  <dgm:title val="Icon Vertical Solid List"/>
+  <dgm:desc val="Use to show a series of visuals from top to bottom with Level 1 or Level 1 and Level 2 text grouped in a shape. Works best with icons or small pictures with lengthier descriptions."/>
+  <dgm:catLst>
+    <dgm:cat type="icon" pri="500"/>
+  </dgm:catLst>
+  <dgm:sampData useDef="1">
+    <dgm:dataModel>
+      <dgm:ptLst/>
+      <dgm:bg/>
+      <dgm:whole/>
+    </dgm:dataModel>
+  </dgm:sampData>
+  <dgm:styleData useDef="1">
+    <dgm:dataModel>
+      <dgm:ptLst/>
+      <dgm:bg/>
+      <dgm:whole/>
+    </dgm:dataModel>
+  </dgm:styleData>
+  <dgm:clrData useDef="1">
+    <dgm:dataModel>
+      <dgm:ptLst/>
+      <dgm:bg/>
+      <dgm:whole/>
+    </dgm:dataModel>
+  </dgm:clrData>
+  <dgm:layoutNode name="root">
+    <dgm:varLst>
+      <dgm:dir/>
+      <dgm:resizeHandles val="exact"/>
+    </dgm:varLst>
+    <dgm:choose name="Name0">
+      <dgm:if name="Name1" axis="self" func="var" arg="dir" op="equ" val="norm">
+        <dgm:alg type="lin">
+          <dgm:param type="linDir" val="fromT"/>
+          <dgm:param type="nodeHorzAlign" val="l"/>
+        </dgm:alg>
+      </dgm:if>
+      <dgm:else name="Name2">
+        <dgm:alg type="lin">
+          <dgm:param type="linDir" val="fromT"/>
+          <dgm:param type="nodeHorzAlign" val="r"/>
+        </dgm:alg>
+      </dgm:else>
+    </dgm:choose>
+    <dgm:shape xmlns:r="http://schemas.openxmlformats.org/officeDocument/2006/relationships" r:blip="">
+      <dgm:adjLst/>
+    </dgm:shape>
+    <dgm:presOf/>
+    <dgm:choose name="Name3">
+      <dgm:if name="Name4" axis="ch" ptType="node" func="cnt" op="lte" val="3">
+        <dgm:constrLst>
+          <dgm:constr type="h" for="ch" forName="compNode" refType="h" fact="0.3"/>
+          <dgm:constr type="w" for="ch" forName="compNode" refType="w"/>
+          <dgm:constr type="h" for="ch" forName="sibTrans" refType="h" refFor="ch" refForName="compNode" fact="0.25"/>
+          <dgm:constr type="primFontSz" for="des" forName="parTx" val="25"/>
+          <dgm:constr type="primFontSz" for="des" forName="desTx" refType="primFontSz" refFor="des" refForName="parTx" op="lte" fact="0.75"/>
+          <dgm:constr type="h" for="des" forName="compNode" op="equ"/>
+          <dgm:constr type="h" for="des" forName="bgRect" op="equ"/>
+          <dgm:constr type="h" for="des" forName="iconRect" op="equ"/>
+          <dgm:constr type="w" for="des" forName="iconRect" op="equ"/>
+          <dgm:constr type="h" for="des" forName="spaceRect" op="equ"/>
+          <dgm:constr type="h" for="des" forName="parTx" op="equ"/>
+          <dgm:constr type="h" for="des" forName="desTx" op="equ"/>
+        </dgm:constrLst>
+      </dgm:if>
+      <dgm:if name="Name5" axis="ch" ptType="node" func="cnt" op="lte" val="4">
+        <dgm:constrLst>
+          <dgm:constr type="h" for="ch" forName="compNode" refType="h" fact="0.3"/>
+          <dgm:constr type="w" for="ch" forName="compNode" refType="w"/>
+          <dgm:constr type="h" for="ch" forName="sibTrans" refType="h" refFor="ch" refForName="compNode" fact="0.25"/>
+          <dgm:constr type="primFontSz" for="des" forName="parTx" val="22"/>
+          <dgm:constr type="primFontSz" for="des" forName="desTx" refType="primFontSz" refFor="des" refForName="parTx" op="lte" fact="0.75"/>
+          <dgm:constr type="h" for="des" forName="compNode" op="equ"/>
+          <dgm:constr type="h" for="des" forName="bgRect" op="equ"/>
+          <dgm:constr type="h" for="des" forName="iconRect" op="equ"/>
+          <dgm:constr type="w" for="des" forName="iconRect" op="equ"/>
+          <dgm:constr type="h" for="des" forName="spaceRect" op="equ"/>
+          <dgm:constr type="h" for="des" forName="parTx" op="equ"/>
+          <dgm:constr type="h" for="des" forName="desTx" op="equ"/>
+        </dgm:constrLst>
+      </dgm:if>
+      <dgm:if name="Name6" axis="ch" ptType="node" func="cnt" op="lte" val="6">
+        <dgm:constrLst>
+          <dgm:constr type="h" for="ch" forName="compNode" refType="h" fact="0.3"/>
+          <dgm:constr type="w" for="ch" forName="compNode" refType="w"/>
+          <dgm:constr type="h" for="ch" forName="sibTrans" refType="h" refFor="ch" refForName="compNode" fact="0.25"/>
+          <dgm:constr type="primFontSz" for="des" forName="parTx" val="19"/>
+          <dgm:constr type="primFontSz" for="des" forName="desTx" refType="primFontSz" refFor="des" refForName="parTx" op="lte" fact="0.75"/>
+          <dgm:constr type="h" for="des" forName="compNode" op="equ"/>
+          <dgm:constr type="h" for="des" forName="bgRect" op="equ"/>
+          <dgm:constr type="h" for="des" forName="iconRect" op="equ"/>
+          <dgm:constr type="w" for="des" forName="iconRect" op="equ"/>
+          <dgm:constr type="h" for="des" forName="spaceRect" op="equ"/>
+          <dgm:constr type="h" for="des" forName="parTx" op="equ"/>
+          <dgm:constr type="h" for="des" forName="desTx" op="equ"/>
+        </dgm:constrLst>
+      </dgm:if>
+      <dgm:else name="Name7">
+        <dgm:constrLst>
+          <dgm:constr type="h" for="ch" forName="compNode" refType="h" fact="0.3"/>
+          <dgm:constr type="w" for="ch" forName="compNode" refType="w"/>
+          <dgm:constr type="h" for="ch" forName="sibTrans" refType="h" refFor="ch" refForName="compNode" fact="0.25"/>
+          <dgm:constr type="primFontSz" for="des" forName="parTx" val="16"/>
+          <dgm:constr type="primFontSz" for="des" forName="desTx" refType="primFontSz" refFor="des" refForName="parTx" op="lte" fact="0.75"/>
+          <dgm:constr type="h" for="des" forName="compNode" op="equ"/>
+          <dgm:constr type="h" for="des" forName="bgRect" op="equ"/>
+          <dgm:constr type="h" for="des" forName="iconRect" op="equ"/>
+          <dgm:constr type="w" for="des" forName="iconRect" op="equ"/>
+          <dgm:constr type="h" for="des" forName="spaceRect" op="equ"/>
+          <dgm:constr type="h" for="des" forName="parTx" op="equ"/>
+          <dgm:constr type="h" for="des" forName="desTx" op="equ"/>
+        </dgm:constrLst>
+      </dgm:else>
+    </dgm:choose>
+    <dgm:ruleLst>
+      <dgm:rule type="h" for="ch" forName="compNode" val="0" fact="NaN" max="NaN"/>
+    </dgm:ruleLst>
+    <dgm:forEach name="Name8" axis="ch" ptType="node">
+      <dgm:layoutNode name="compNode">
+        <dgm:alg type="composite"/>
+        <dgm:shape xmlns:r="http://schemas.openxmlformats.org/officeDocument/2006/relationships" r:blip="">
+          <dgm:adjLst/>
+        </dgm:shape>
+        <dgm:presOf axis="self"/>
+        <dgm:choose name="Name9">
+          <dgm:if name="Name10" axis="ch" ptType="node" func="cnt" op="gte" val="1">
+            <dgm:constrLst>
+              <dgm:constr type="w" for="ch" forName="bgRect" refType="w"/>
+              <dgm:constr type="h" for="ch" forName="bgRect" refType="h"/>
+              <dgm:constr type="l" for="ch" forName="bgRect"/>
+              <dgm:constr type="t" for="ch" forName="bgRect"/>
+              <dgm:constr type="h" for="ch" forName="iconRect" refType="h" fact="0.55"/>
+              <dgm:constr type="w" for="ch" forName="iconRect" refType="h" refFor="ch" refForName="iconRect"/>
+              <dgm:constr type="l" for="ch" forName="iconRect" refType="h" refFor="ch" refForName="iconRect" fact="0.55"/>
+              <dgm:constr type="ctrY" for="ch" forName="iconRect" refType="ctrY" refFor="ch" refForName="bgRect"/>
+              <dgm:constr type="w" for="ch" forName="spaceRect" refType="l" refFor="ch" refForName="iconRect"/>
+              <dgm:constr type="h" for="ch" forName="spaceRect" refType="h"/>
+              <dgm:constr type="l" for="ch" forName="spaceRect" refType="r" refFor="ch" refForName="iconRect"/>
+              <dgm:constr type="t" for="ch" forName="spaceRect"/>
+              <dgm:constr type="w" for="ch" forName="parTx" refType="w" fact="0.45"/>
+              <dgm:constr type="h" for="ch" forName="parTx" refType="h"/>
+              <dgm:constr type="l" for="ch" forName="parTx" refType="r" refFor="ch" refForName="spaceRect"/>
+              <dgm:constr type="t" for="ch" forName="parTx"/>
+              <dgm:constr type="h" for="ch" forName="desTx" refType="h"/>
+              <dgm:constr type="l" for="ch" forName="desTx" refType="r" refFor="ch" refForName="parTx"/>
+              <dgm:constr type="t" for="ch" forName="desTx"/>
+            </dgm:constrLst>
+          </dgm:if>
+          <dgm:else name="Name11">
+            <dgm:constrLst>
+              <dgm:constr type="w" for="ch" forName="bgRect" refType="w"/>
+              <dgm:constr type="h" for="ch" forName="bgRect" refType="h"/>
+              <dgm:constr type="l" for="ch" forName="bgRect"/>
+              <dgm:constr type="t" for="ch" forName="bgRect"/>
+              <dgm:constr type="h" for="ch" forName="iconRect" refType="h" fact="0.55"/>
+              <dgm:constr type="w" for="ch" forName="iconRect" refType="h" refFor="ch" refForName="iconRect"/>
+              <dgm:constr type="l" for="ch" forName="iconRect" refType="h" refFor="ch" refForName="iconRect" fact="0.55"/>
+              <dgm:constr type="ctrY" for="ch" forName="iconRect" refType="ctrY" refFor="ch" refForName="bgRect"/>
+              <dgm:constr type="w" for="ch" forName="spaceRect" refType="l" refFor="ch" refForName="iconRect"/>
+              <dgm:constr type="h" for="ch" forName="spaceRect" refType="h"/>
+              <dgm:constr type="l" for="ch" forName="spaceRect" refType="r" refFor="ch" refForName="iconRect"/>
+              <dgm:constr type="t" for="ch" forName="spaceRect"/>
+              <dgm:constr type="h" for="ch" forName="parTx" refType="h"/>
+              <dgm:constr type="l" for="ch" forName="parTx" refType="r" refFor="ch" refForName="spaceRect"/>
+              <dgm:constr type="t" for="ch" forName="parTx"/>
+            </dgm:constrLst>
+          </dgm:else>
+        </dgm:choose>
+        <dgm:ruleLst>
+          <dgm:rule type="h" val="INF" fact="NaN" max="NaN"/>
+        </dgm:ruleLst>
+        <dgm:layoutNode name="bgRect" styleLbl="bgShp">
+          <dgm:alg type="sp"/>
+          <dgm:shape xmlns:r="http://schemas.openxmlformats.org/officeDocument/2006/relationships" type="roundRect" r:blip="">
+            <dgm:adjLst>
+              <dgm:adj idx="1" val="0.1"/>
+            </dgm:adjLst>
+          </dgm:shape>
+          <dgm:presOf/>
+          <dgm:constrLst/>
+          <dgm:ruleLst/>
+        </dgm:layoutNode>
+        <dgm:layoutNode name="iconRect" styleLbl="node1">
+          <dgm:alg type="sp"/>
+          <dgm:shape xmlns:r="http://schemas.openxmlformats.org/officeDocument/2006/relationships" type="rect" r:blip="" blipPhldr="1">
+            <dgm:adjLst/>
+          </dgm:shape>
+          <dgm:presOf/>
+          <dgm:constrLst/>
+          <dgm:ruleLst/>
+        </dgm:layoutNode>
+        <dgm:layoutNode name="spaceRect">
+          <dgm:alg type="sp"/>
+          <dgm:shape xmlns:r="http://schemas.openxmlformats.org/officeDocument/2006/relationships" r:blip="">
+            <dgm:adjLst/>
+          </dgm:shape>
+          <dgm:presOf/>
+          <dgm:constrLst/>
+          <dgm:ruleLst/>
+        </dgm:layoutNode>
+        <dgm:layoutNode name="parTx" styleLbl="revTx">
+          <dgm:varLst>
+            <dgm:chMax val="0"/>
+            <dgm:chPref val="0"/>
+          </dgm:varLst>
+          <dgm:alg type="tx">
+            <dgm:param type="txAnchorVert" val="mid"/>
+            <dgm:param type="parTxLTRAlign" val="l"/>
+            <dgm:param type="shpTxLTRAlignCh" val="l"/>
+            <dgm:param type="parTxRTLAlign" val="r"/>
+            <dgm:param type="shpTxRTLAlignCh" val="r"/>
+          </dgm:alg>
+          <dgm:shape xmlns:r="http://schemas.openxmlformats.org/officeDocument/2006/relationships" type="rect" r:blip="">
+            <dgm:adjLst/>
+          </dgm:shape>
+          <dgm:presOf axis="self" ptType="node"/>
+          <dgm:constrLst>
+            <dgm:constr type="lMarg" refType="h" fact="0.3"/>
+            <dgm:constr type="rMarg" refType="h" fact="0.3"/>
+            <dgm:constr type="tMarg" refType="h" fact="0.3"/>
+            <dgm:constr type="bMarg" refType="h" fact="0.3"/>
+          </dgm:constrLst>
+          <dgm:ruleLst>
+            <dgm:rule type="primFontSz" val="14" fact="NaN" max="NaN"/>
+            <dgm:rule type="h" val="INF" fact="NaN" max="NaN"/>
+          </dgm:ruleLst>
+        </dgm:layoutNode>
+        <dgm:choose name="Name12">
+          <dgm:if name="Name13" axis="ch" ptType="node" func="cnt" op="gte" val="1">
+            <dgm:layoutNode name="desTx" styleLbl="revTx">
+              <dgm:varLst/>
+              <dgm:alg type="tx">
+                <dgm:param type="txAnchorVertCh" val="mid"/>
+                <dgm:param type="parTxLTRAlign" val="l"/>
+                <dgm:param type="shpTxLTRAlignCh" val="l"/>
+                <dgm:param type="parTxRTLAlign" val="r"/>
+                <dgm:param type="shpTxRTLAlignCh" val="r"/>
+                <dgm:param type="stBulletLvl" val="0"/>
+              </dgm:alg>
+              <dgm:shape xmlns:r="http://schemas.openxmlformats.org/officeDocument/2006/relationships" type="rect" r:blip="">
+                <dgm:adjLst/>
+              </dgm:shape>
+              <dgm:presOf axis="des" ptType="node"/>
+              <dgm:constrLst>
+                <dgm:constr type="primFontSz" val="18"/>
+                <dgm:constr type="secFontSz" refType="primFontSz"/>
+                <dgm:constr type="lMarg" refType="h" fact="0.3"/>
+                <dgm:constr type="rMarg" refType="h" fact="0.3"/>
+                <dgm:constr type="tMarg" refType="h" fact="0.3"/>
+                <dgm:constr type="bMarg" refType="h" fact="0.3"/>
+              </dgm:constrLst>
+              <dgm:ruleLst>
+                <dgm:rule type="primFontSz" val="11" fact="NaN" max="NaN"/>
+              </dgm:ruleLst>
+            </dgm:layoutNode>
+          </dgm:if>
+          <dgm:else name="Name14"/>
+        </dgm:choose>
+      </dgm:layoutNode>
+      <dgm:forEach name="Name15" axis="followSib" ptType="sibTrans" cnt="1">
+        <dgm:layoutNode name="sibTrans">
+          <dgm:alg type="sp"/>
+          <dgm:shape xmlns:r="http://schemas.openxmlformats.org/officeDocument/2006/relationships" r:blip="">
+            <dgm:adjLst/>
+          </dgm:shape>
+          <dgm:presOf axis="self"/>
+          <dgm:constrLst/>
+          <dgm:ruleLst/>
+        </dgm:layoutNode>
+      </dgm:forEach>
+    </dgm:forEach>
+  </dgm:layoutNode>
+  <dgm:extLst>
+    <a:ext uri="{68A01E43-0DF5-4B5B-8FA6-DAF915123BFB}">
+      <dgm1612:lstStyle xmlns:dgm1612="http://schemas.microsoft.com/office/drawing/2016/12/diagram">
+        <a:lvl1pPr>
+          <a:lnSpc>
+            <a:spcPct val="100000"/>
+          </a:lnSpc>
+        </a:lvl1pPr>
+        <a:lvl2pPr>
+          <a:lnSpc>
+            <a:spcPct val="100000"/>
+          </a:lnSpc>
+        </a:lvl2pPr>
+      </dgm1612:lstStyle>
+    </a:ext>
+  </dgm:extLst>
+</dgm:layoutDef>
+</file>
+
 <file path=ppt/diagrams/quickStyle1.xml><?xml version="1.0" encoding="utf-8"?>
 <dgm:styleDef xmlns:dgm="http://schemas.openxmlformats.org/drawingml/2006/diagram" xmlns:a="http://schemas.openxmlformats.org/drawingml/2006/main" uniqueId="urn:microsoft.com/office/officeart/2005/8/quickstyle/simple1">
   <dgm:title val=""/>
@@ -4658,6 +9981,3108 @@
 </file>
 
 <file path=ppt/diagrams/quickStyle2.xml><?xml version="1.0" encoding="utf-8"?>
+<dgm:styleDef xmlns:dgm="http://schemas.openxmlformats.org/drawingml/2006/diagram" xmlns:a="http://schemas.openxmlformats.org/drawingml/2006/main" uniqueId="urn:microsoft.com/office/officeart/2005/8/quickstyle/simple1">
+  <dgm:title val=""/>
+  <dgm:desc val=""/>
+  <dgm:catLst>
+    <dgm:cat type="simple" pri="10100"/>
+  </dgm:catLst>
+  <dgm:scene3d>
+    <a:camera prst="orthographicFront"/>
+    <a:lightRig rig="threePt" dir="t"/>
+  </dgm:scene3d>
+  <dgm:styleLbl name="node0">
+    <dgm:scene3d>
+      <a:camera prst="orthographicFront"/>
+      <a:lightRig rig="threePt" dir="t"/>
+    </dgm:scene3d>
+    <dgm:sp3d/>
+    <dgm:txPr/>
+    <dgm:style>
+      <a:lnRef idx="2">
+        <a:scrgbClr r="0" g="0" b="0"/>
+      </a:lnRef>
+      <a:fillRef idx="1">
+        <a:scrgbClr r="0" g="0" b="0"/>
+      </a:fillRef>
+      <a:effectRef idx="0">
+        <a:scrgbClr r="0" g="0" b="0"/>
+      </a:effectRef>
+      <a:fontRef idx="minor">
+        <a:schemeClr val="lt1"/>
+      </a:fontRef>
+    </dgm:style>
+  </dgm:styleLbl>
+  <dgm:styleLbl name="lnNode1">
+    <dgm:scene3d>
+      <a:camera prst="orthographicFront"/>
+      <a:lightRig rig="threePt" dir="t"/>
+    </dgm:scene3d>
+    <dgm:sp3d/>
+    <dgm:txPr/>
+    <dgm:style>
+      <a:lnRef idx="2">
+        <a:scrgbClr r="0" g="0" b="0"/>
+      </a:lnRef>
+      <a:fillRef idx="1">
+        <a:scrgbClr r="0" g="0" b="0"/>
+      </a:fillRef>
+      <a:effectRef idx="0">
+        <a:scrgbClr r="0" g="0" b="0"/>
+      </a:effectRef>
+      <a:fontRef idx="minor">
+        <a:schemeClr val="lt1"/>
+      </a:fontRef>
+    </dgm:style>
+  </dgm:styleLbl>
+  <dgm:styleLbl name="vennNode1">
+    <dgm:scene3d>
+      <a:camera prst="orthographicFront"/>
+      <a:lightRig rig="threePt" dir="t"/>
+    </dgm:scene3d>
+    <dgm:sp3d/>
+    <dgm:txPr/>
+    <dgm:style>
+      <a:lnRef idx="2">
+        <a:scrgbClr r="0" g="0" b="0"/>
+      </a:lnRef>
+      <a:fillRef idx="1">
+        <a:scrgbClr r="0" g="0" b="0"/>
+      </a:fillRef>
+      <a:effectRef idx="0">
+        <a:scrgbClr r="0" g="0" b="0"/>
+      </a:effectRef>
+      <a:fontRef idx="minor">
+        <a:schemeClr val="tx1"/>
+      </a:fontRef>
+    </dgm:style>
+  </dgm:styleLbl>
+  <dgm:styleLbl name="alignNode1">
+    <dgm:scene3d>
+      <a:camera prst="orthographicFront"/>
+      <a:lightRig rig="threePt" dir="t"/>
+    </dgm:scene3d>
+    <dgm:sp3d/>
+    <dgm:txPr/>
+    <dgm:style>
+      <a:lnRef idx="2">
+        <a:scrgbClr r="0" g="0" b="0"/>
+      </a:lnRef>
+      <a:fillRef idx="1">
+        <a:scrgbClr r="0" g="0" b="0"/>
+      </a:fillRef>
+      <a:effectRef idx="0">
+        <a:scrgbClr r="0" g="0" b="0"/>
+      </a:effectRef>
+      <a:fontRef idx="minor">
+        <a:schemeClr val="lt1"/>
+      </a:fontRef>
+    </dgm:style>
+  </dgm:styleLbl>
+  <dgm:styleLbl name="node1">
+    <dgm:scene3d>
+      <a:camera prst="orthographicFront"/>
+      <a:lightRig rig="threePt" dir="t"/>
+    </dgm:scene3d>
+    <dgm:sp3d/>
+    <dgm:txPr/>
+    <dgm:style>
+      <a:lnRef idx="2">
+        <a:scrgbClr r="0" g="0" b="0"/>
+      </a:lnRef>
+      <a:fillRef idx="1">
+        <a:scrgbClr r="0" g="0" b="0"/>
+      </a:fillRef>
+      <a:effectRef idx="0">
+        <a:scrgbClr r="0" g="0" b="0"/>
+      </a:effectRef>
+      <a:fontRef idx="minor">
+        <a:schemeClr val="lt1"/>
+      </a:fontRef>
+    </dgm:style>
+  </dgm:styleLbl>
+  <dgm:styleLbl name="node2">
+    <dgm:scene3d>
+      <a:camera prst="orthographicFront"/>
+      <a:lightRig rig="threePt" dir="t"/>
+    </dgm:scene3d>
+    <dgm:sp3d/>
+    <dgm:txPr/>
+    <dgm:style>
+      <a:lnRef idx="2">
+        <a:scrgbClr r="0" g="0" b="0"/>
+      </a:lnRef>
+      <a:fillRef idx="1">
+        <a:scrgbClr r="0" g="0" b="0"/>
+      </a:fillRef>
+      <a:effectRef idx="0">
+        <a:scrgbClr r="0" g="0" b="0"/>
+      </a:effectRef>
+      <a:fontRef idx="minor">
+        <a:schemeClr val="lt1"/>
+      </a:fontRef>
+    </dgm:style>
+  </dgm:styleLbl>
+  <dgm:styleLbl name="node3">
+    <dgm:scene3d>
+      <a:camera prst="orthographicFront"/>
+      <a:lightRig rig="threePt" dir="t"/>
+    </dgm:scene3d>
+    <dgm:sp3d/>
+    <dgm:txPr/>
+    <dgm:style>
+      <a:lnRef idx="2">
+        <a:scrgbClr r="0" g="0" b="0"/>
+      </a:lnRef>
+      <a:fillRef idx="1">
+        <a:scrgbClr r="0" g="0" b="0"/>
+      </a:fillRef>
+      <a:effectRef idx="0">
+        <a:scrgbClr r="0" g="0" b="0"/>
+      </a:effectRef>
+      <a:fontRef idx="minor">
+        <a:schemeClr val="lt1"/>
+      </a:fontRef>
+    </dgm:style>
+  </dgm:styleLbl>
+  <dgm:styleLbl name="node4">
+    <dgm:scene3d>
+      <a:camera prst="orthographicFront"/>
+      <a:lightRig rig="threePt" dir="t"/>
+    </dgm:scene3d>
+    <dgm:sp3d/>
+    <dgm:txPr/>
+    <dgm:style>
+      <a:lnRef idx="2">
+        <a:scrgbClr r="0" g="0" b="0"/>
+      </a:lnRef>
+      <a:fillRef idx="1">
+        <a:scrgbClr r="0" g="0" b="0"/>
+      </a:fillRef>
+      <a:effectRef idx="0">
+        <a:scrgbClr r="0" g="0" b="0"/>
+      </a:effectRef>
+      <a:fontRef idx="minor">
+        <a:schemeClr val="lt1"/>
+      </a:fontRef>
+    </dgm:style>
+  </dgm:styleLbl>
+  <dgm:styleLbl name="fgImgPlace1">
+    <dgm:scene3d>
+      <a:camera prst="orthographicFront"/>
+      <a:lightRig rig="threePt" dir="t"/>
+    </dgm:scene3d>
+    <dgm:sp3d/>
+    <dgm:txPr/>
+    <dgm:style>
+      <a:lnRef idx="2">
+        <a:scrgbClr r="0" g="0" b="0"/>
+      </a:lnRef>
+      <a:fillRef idx="1">
+        <a:scrgbClr r="0" g="0" b="0"/>
+      </a:fillRef>
+      <a:effectRef idx="0">
+        <a:scrgbClr r="0" g="0" b="0"/>
+      </a:effectRef>
+      <a:fontRef idx="minor"/>
+    </dgm:style>
+  </dgm:styleLbl>
+  <dgm:styleLbl name="alignImgPlace1">
+    <dgm:scene3d>
+      <a:camera prst="orthographicFront"/>
+      <a:lightRig rig="threePt" dir="t"/>
+    </dgm:scene3d>
+    <dgm:sp3d/>
+    <dgm:txPr/>
+    <dgm:style>
+      <a:lnRef idx="2">
+        <a:scrgbClr r="0" g="0" b="0"/>
+      </a:lnRef>
+      <a:fillRef idx="1">
+        <a:scrgbClr r="0" g="0" b="0"/>
+      </a:fillRef>
+      <a:effectRef idx="0">
+        <a:scrgbClr r="0" g="0" b="0"/>
+      </a:effectRef>
+      <a:fontRef idx="minor"/>
+    </dgm:style>
+  </dgm:styleLbl>
+  <dgm:styleLbl name="bgImgPlace1">
+    <dgm:scene3d>
+      <a:camera prst="orthographicFront"/>
+      <a:lightRig rig="threePt" dir="t"/>
+    </dgm:scene3d>
+    <dgm:sp3d/>
+    <dgm:txPr/>
+    <dgm:style>
+      <a:lnRef idx="2">
+        <a:scrgbClr r="0" g="0" b="0"/>
+      </a:lnRef>
+      <a:fillRef idx="1">
+        <a:scrgbClr r="0" g="0" b="0"/>
+      </a:fillRef>
+      <a:effectRef idx="0">
+        <a:scrgbClr r="0" g="0" b="0"/>
+      </a:effectRef>
+      <a:fontRef idx="minor"/>
+    </dgm:style>
+  </dgm:styleLbl>
+  <dgm:styleLbl name="sibTrans2D1">
+    <dgm:scene3d>
+      <a:camera prst="orthographicFront"/>
+      <a:lightRig rig="threePt" dir="t"/>
+    </dgm:scene3d>
+    <dgm:sp3d/>
+    <dgm:txPr/>
+    <dgm:style>
+      <a:lnRef idx="0">
+        <a:scrgbClr r="0" g="0" b="0"/>
+      </a:lnRef>
+      <a:fillRef idx="1">
+        <a:scrgbClr r="0" g="0" b="0"/>
+      </a:fillRef>
+      <a:effectRef idx="0">
+        <a:scrgbClr r="0" g="0" b="0"/>
+      </a:effectRef>
+      <a:fontRef idx="minor">
+        <a:schemeClr val="lt1"/>
+      </a:fontRef>
+    </dgm:style>
+  </dgm:styleLbl>
+  <dgm:styleLbl name="fgSibTrans2D1">
+    <dgm:scene3d>
+      <a:camera prst="orthographicFront"/>
+      <a:lightRig rig="threePt" dir="t"/>
+    </dgm:scene3d>
+    <dgm:sp3d/>
+    <dgm:txPr/>
+    <dgm:style>
+      <a:lnRef idx="0">
+        <a:scrgbClr r="0" g="0" b="0"/>
+      </a:lnRef>
+      <a:fillRef idx="1">
+        <a:scrgbClr r="0" g="0" b="0"/>
+      </a:fillRef>
+      <a:effectRef idx="0">
+        <a:scrgbClr r="0" g="0" b="0"/>
+      </a:effectRef>
+      <a:fontRef idx="minor">
+        <a:schemeClr val="lt1"/>
+      </a:fontRef>
+    </dgm:style>
+  </dgm:styleLbl>
+  <dgm:styleLbl name="bgSibTrans2D1">
+    <dgm:scene3d>
+      <a:camera prst="orthographicFront"/>
+      <a:lightRig rig="threePt" dir="t"/>
+    </dgm:scene3d>
+    <dgm:sp3d/>
+    <dgm:txPr/>
+    <dgm:style>
+      <a:lnRef idx="0">
+        <a:scrgbClr r="0" g="0" b="0"/>
+      </a:lnRef>
+      <a:fillRef idx="1">
+        <a:scrgbClr r="0" g="0" b="0"/>
+      </a:fillRef>
+      <a:effectRef idx="0">
+        <a:scrgbClr r="0" g="0" b="0"/>
+      </a:effectRef>
+      <a:fontRef idx="minor">
+        <a:schemeClr val="lt1"/>
+      </a:fontRef>
+    </dgm:style>
+  </dgm:styleLbl>
+  <dgm:styleLbl name="sibTrans1D1">
+    <dgm:scene3d>
+      <a:camera prst="orthographicFront"/>
+      <a:lightRig rig="threePt" dir="t"/>
+    </dgm:scene3d>
+    <dgm:sp3d/>
+    <dgm:txPr/>
+    <dgm:style>
+      <a:lnRef idx="1">
+        <a:scrgbClr r="0" g="0" b="0"/>
+      </a:lnRef>
+      <a:fillRef idx="0">
+        <a:scrgbClr r="0" g="0" b="0"/>
+      </a:fillRef>
+      <a:effectRef idx="0">
+        <a:scrgbClr r="0" g="0" b="0"/>
+      </a:effectRef>
+      <a:fontRef idx="minor"/>
+    </dgm:style>
+  </dgm:styleLbl>
+  <dgm:styleLbl name="callout">
+    <dgm:scene3d>
+      <a:camera prst="orthographicFront"/>
+      <a:lightRig rig="threePt" dir="t"/>
+    </dgm:scene3d>
+    <dgm:sp3d/>
+    <dgm:txPr/>
+    <dgm:style>
+      <a:lnRef idx="2">
+        <a:scrgbClr r="0" g="0" b="0"/>
+      </a:lnRef>
+      <a:fillRef idx="1">
+        <a:scrgbClr r="0" g="0" b="0"/>
+      </a:fillRef>
+      <a:effectRef idx="0">
+        <a:scrgbClr r="0" g="0" b="0"/>
+      </a:effectRef>
+      <a:fontRef idx="minor"/>
+    </dgm:style>
+  </dgm:styleLbl>
+  <dgm:styleLbl name="asst0">
+    <dgm:scene3d>
+      <a:camera prst="orthographicFront"/>
+      <a:lightRig rig="threePt" dir="t"/>
+    </dgm:scene3d>
+    <dgm:sp3d/>
+    <dgm:txPr/>
+    <dgm:style>
+      <a:lnRef idx="2">
+        <a:scrgbClr r="0" g="0" b="0"/>
+      </a:lnRef>
+      <a:fillRef idx="1">
+        <a:scrgbClr r="0" g="0" b="0"/>
+      </a:fillRef>
+      <a:effectRef idx="0">
+        <a:scrgbClr r="0" g="0" b="0"/>
+      </a:effectRef>
+      <a:fontRef idx="minor">
+        <a:schemeClr val="lt1"/>
+      </a:fontRef>
+    </dgm:style>
+  </dgm:styleLbl>
+  <dgm:styleLbl name="asst1">
+    <dgm:scene3d>
+      <a:camera prst="orthographicFront"/>
+      <a:lightRig rig="threePt" dir="t"/>
+    </dgm:scene3d>
+    <dgm:sp3d/>
+    <dgm:txPr/>
+    <dgm:style>
+      <a:lnRef idx="2">
+        <a:scrgbClr r="0" g="0" b="0"/>
+      </a:lnRef>
+      <a:fillRef idx="1">
+        <a:scrgbClr r="0" g="0" b="0"/>
+      </a:fillRef>
+      <a:effectRef idx="0">
+        <a:scrgbClr r="0" g="0" b="0"/>
+      </a:effectRef>
+      <a:fontRef idx="minor">
+        <a:schemeClr val="lt1"/>
+      </a:fontRef>
+    </dgm:style>
+  </dgm:styleLbl>
+  <dgm:styleLbl name="asst2">
+    <dgm:scene3d>
+      <a:camera prst="orthographicFront"/>
+      <a:lightRig rig="threePt" dir="t"/>
+    </dgm:scene3d>
+    <dgm:sp3d/>
+    <dgm:txPr/>
+    <dgm:style>
+      <a:lnRef idx="2">
+        <a:scrgbClr r="0" g="0" b="0"/>
+      </a:lnRef>
+      <a:fillRef idx="1">
+        <a:scrgbClr r="0" g="0" b="0"/>
+      </a:fillRef>
+      <a:effectRef idx="0">
+        <a:scrgbClr r="0" g="0" b="0"/>
+      </a:effectRef>
+      <a:fontRef idx="minor">
+        <a:schemeClr val="lt1"/>
+      </a:fontRef>
+    </dgm:style>
+  </dgm:styleLbl>
+  <dgm:styleLbl name="asst3">
+    <dgm:scene3d>
+      <a:camera prst="orthographicFront"/>
+      <a:lightRig rig="threePt" dir="t"/>
+    </dgm:scene3d>
+    <dgm:sp3d/>
+    <dgm:txPr/>
+    <dgm:style>
+      <a:lnRef idx="2">
+        <a:scrgbClr r="0" g="0" b="0"/>
+      </a:lnRef>
+      <a:fillRef idx="1">
+        <a:scrgbClr r="0" g="0" b="0"/>
+      </a:fillRef>
+      <a:effectRef idx="0">
+        <a:scrgbClr r="0" g="0" b="0"/>
+      </a:effectRef>
+      <a:fontRef idx="minor">
+        <a:schemeClr val="lt1"/>
+      </a:fontRef>
+    </dgm:style>
+  </dgm:styleLbl>
+  <dgm:styleLbl name="asst4">
+    <dgm:scene3d>
+      <a:camera prst="orthographicFront"/>
+      <a:lightRig rig="threePt" dir="t"/>
+    </dgm:scene3d>
+    <dgm:sp3d/>
+    <dgm:txPr/>
+    <dgm:style>
+      <a:lnRef idx="2">
+        <a:scrgbClr r="0" g="0" b="0"/>
+      </a:lnRef>
+      <a:fillRef idx="1">
+        <a:scrgbClr r="0" g="0" b="0"/>
+      </a:fillRef>
+      <a:effectRef idx="0">
+        <a:scrgbClr r="0" g="0" b="0"/>
+      </a:effectRef>
+      <a:fontRef idx="minor">
+        <a:schemeClr val="lt1"/>
+      </a:fontRef>
+    </dgm:style>
+  </dgm:styleLbl>
+  <dgm:styleLbl name="parChTrans2D1">
+    <dgm:scene3d>
+      <a:camera prst="orthographicFront"/>
+      <a:lightRig rig="threePt" dir="t"/>
+    </dgm:scene3d>
+    <dgm:sp3d/>
+    <dgm:txPr/>
+    <dgm:style>
+      <a:lnRef idx="2">
+        <a:scrgbClr r="0" g="0" b="0"/>
+      </a:lnRef>
+      <a:fillRef idx="1">
+        <a:scrgbClr r="0" g="0" b="0"/>
+      </a:fillRef>
+      <a:effectRef idx="0">
+        <a:scrgbClr r="0" g="0" b="0"/>
+      </a:effectRef>
+      <a:fontRef idx="minor">
+        <a:schemeClr val="lt1"/>
+      </a:fontRef>
+    </dgm:style>
+  </dgm:styleLbl>
+  <dgm:styleLbl name="parChTrans2D2">
+    <dgm:scene3d>
+      <a:camera prst="orthographicFront"/>
+      <a:lightRig rig="threePt" dir="t"/>
+    </dgm:scene3d>
+    <dgm:sp3d/>
+    <dgm:txPr/>
+    <dgm:style>
+      <a:lnRef idx="2">
+        <a:scrgbClr r="0" g="0" b="0"/>
+      </a:lnRef>
+      <a:fillRef idx="1">
+        <a:scrgbClr r="0" g="0" b="0"/>
+      </a:fillRef>
+      <a:effectRef idx="0">
+        <a:scrgbClr r="0" g="0" b="0"/>
+      </a:effectRef>
+      <a:fontRef idx="minor">
+        <a:schemeClr val="lt1"/>
+      </a:fontRef>
+    </dgm:style>
+  </dgm:styleLbl>
+  <dgm:styleLbl name="parChTrans2D3">
+    <dgm:scene3d>
+      <a:camera prst="orthographicFront"/>
+      <a:lightRig rig="threePt" dir="t"/>
+    </dgm:scene3d>
+    <dgm:sp3d/>
+    <dgm:txPr/>
+    <dgm:style>
+      <a:lnRef idx="2">
+        <a:scrgbClr r="0" g="0" b="0"/>
+      </a:lnRef>
+      <a:fillRef idx="1">
+        <a:scrgbClr r="0" g="0" b="0"/>
+      </a:fillRef>
+      <a:effectRef idx="0">
+        <a:scrgbClr r="0" g="0" b="0"/>
+      </a:effectRef>
+      <a:fontRef idx="minor">
+        <a:schemeClr val="lt1"/>
+      </a:fontRef>
+    </dgm:style>
+  </dgm:styleLbl>
+  <dgm:styleLbl name="parChTrans2D4">
+    <dgm:scene3d>
+      <a:camera prst="orthographicFront"/>
+      <a:lightRig rig="threePt" dir="t"/>
+    </dgm:scene3d>
+    <dgm:sp3d/>
+    <dgm:txPr/>
+    <dgm:style>
+      <a:lnRef idx="2">
+        <a:scrgbClr r="0" g="0" b="0"/>
+      </a:lnRef>
+      <a:fillRef idx="1">
+        <a:scrgbClr r="0" g="0" b="0"/>
+      </a:fillRef>
+      <a:effectRef idx="0">
+        <a:scrgbClr r="0" g="0" b="0"/>
+      </a:effectRef>
+      <a:fontRef idx="minor">
+        <a:schemeClr val="lt1"/>
+      </a:fontRef>
+    </dgm:style>
+  </dgm:styleLbl>
+  <dgm:styleLbl name="parChTrans1D1">
+    <dgm:scene3d>
+      <a:camera prst="orthographicFront"/>
+      <a:lightRig rig="threePt" dir="t"/>
+    </dgm:scene3d>
+    <dgm:sp3d/>
+    <dgm:txPr/>
+    <dgm:style>
+      <a:lnRef idx="2">
+        <a:scrgbClr r="0" g="0" b="0"/>
+      </a:lnRef>
+      <a:fillRef idx="0">
+        <a:scrgbClr r="0" g="0" b="0"/>
+      </a:fillRef>
+      <a:effectRef idx="0">
+        <a:scrgbClr r="0" g="0" b="0"/>
+      </a:effectRef>
+      <a:fontRef idx="minor"/>
+    </dgm:style>
+  </dgm:styleLbl>
+  <dgm:styleLbl name="parChTrans1D2">
+    <dgm:scene3d>
+      <a:camera prst="orthographicFront"/>
+      <a:lightRig rig="threePt" dir="t"/>
+    </dgm:scene3d>
+    <dgm:sp3d/>
+    <dgm:txPr/>
+    <dgm:style>
+      <a:lnRef idx="2">
+        <a:scrgbClr r="0" g="0" b="0"/>
+      </a:lnRef>
+      <a:fillRef idx="0">
+        <a:scrgbClr r="0" g="0" b="0"/>
+      </a:fillRef>
+      <a:effectRef idx="0">
+        <a:scrgbClr r="0" g="0" b="0"/>
+      </a:effectRef>
+      <a:fontRef idx="minor"/>
+    </dgm:style>
+  </dgm:styleLbl>
+  <dgm:styleLbl name="parChTrans1D3">
+    <dgm:scene3d>
+      <a:camera prst="orthographicFront"/>
+      <a:lightRig rig="threePt" dir="t"/>
+    </dgm:scene3d>
+    <dgm:sp3d/>
+    <dgm:txPr/>
+    <dgm:style>
+      <a:lnRef idx="2">
+        <a:scrgbClr r="0" g="0" b="0"/>
+      </a:lnRef>
+      <a:fillRef idx="0">
+        <a:scrgbClr r="0" g="0" b="0"/>
+      </a:fillRef>
+      <a:effectRef idx="0">
+        <a:scrgbClr r="0" g="0" b="0"/>
+      </a:effectRef>
+      <a:fontRef idx="minor"/>
+    </dgm:style>
+  </dgm:styleLbl>
+  <dgm:styleLbl name="parChTrans1D4">
+    <dgm:scene3d>
+      <a:camera prst="orthographicFront"/>
+      <a:lightRig rig="threePt" dir="t"/>
+    </dgm:scene3d>
+    <dgm:sp3d/>
+    <dgm:txPr/>
+    <dgm:style>
+      <a:lnRef idx="2">
+        <a:scrgbClr r="0" g="0" b="0"/>
+      </a:lnRef>
+      <a:fillRef idx="0">
+        <a:scrgbClr r="0" g="0" b="0"/>
+      </a:fillRef>
+      <a:effectRef idx="0">
+        <a:scrgbClr r="0" g="0" b="0"/>
+      </a:effectRef>
+      <a:fontRef idx="minor"/>
+    </dgm:style>
+  </dgm:styleLbl>
+  <dgm:styleLbl name="fgAcc1">
+    <dgm:scene3d>
+      <a:camera prst="orthographicFront"/>
+      <a:lightRig rig="threePt" dir="t"/>
+    </dgm:scene3d>
+    <dgm:sp3d/>
+    <dgm:txPr/>
+    <dgm:style>
+      <a:lnRef idx="2">
+        <a:scrgbClr r="0" g="0" b="0"/>
+      </a:lnRef>
+      <a:fillRef idx="1">
+        <a:scrgbClr r="0" g="0" b="0"/>
+      </a:fillRef>
+      <a:effectRef idx="0">
+        <a:scrgbClr r="0" g="0" b="0"/>
+      </a:effectRef>
+      <a:fontRef idx="minor"/>
+    </dgm:style>
+  </dgm:styleLbl>
+  <dgm:styleLbl name="conFgAcc1">
+    <dgm:scene3d>
+      <a:camera prst="orthographicFront"/>
+      <a:lightRig rig="threePt" dir="t"/>
+    </dgm:scene3d>
+    <dgm:sp3d/>
+    <dgm:txPr/>
+    <dgm:style>
+      <a:lnRef idx="2">
+        <a:scrgbClr r="0" g="0" b="0"/>
+      </a:lnRef>
+      <a:fillRef idx="1">
+        <a:scrgbClr r="0" g="0" b="0"/>
+      </a:fillRef>
+      <a:effectRef idx="0">
+        <a:scrgbClr r="0" g="0" b="0"/>
+      </a:effectRef>
+      <a:fontRef idx="minor"/>
+    </dgm:style>
+  </dgm:styleLbl>
+  <dgm:styleLbl name="alignAcc1">
+    <dgm:scene3d>
+      <a:camera prst="orthographicFront"/>
+      <a:lightRig rig="threePt" dir="t"/>
+    </dgm:scene3d>
+    <dgm:sp3d/>
+    <dgm:txPr/>
+    <dgm:style>
+      <a:lnRef idx="2">
+        <a:scrgbClr r="0" g="0" b="0"/>
+      </a:lnRef>
+      <a:fillRef idx="1">
+        <a:scrgbClr r="0" g="0" b="0"/>
+      </a:fillRef>
+      <a:effectRef idx="0">
+        <a:scrgbClr r="0" g="0" b="0"/>
+      </a:effectRef>
+      <a:fontRef idx="minor"/>
+    </dgm:style>
+  </dgm:styleLbl>
+  <dgm:styleLbl name="trAlignAcc1">
+    <dgm:scene3d>
+      <a:camera prst="orthographicFront"/>
+      <a:lightRig rig="threePt" dir="t"/>
+    </dgm:scene3d>
+    <dgm:sp3d/>
+    <dgm:txPr/>
+    <dgm:style>
+      <a:lnRef idx="1">
+        <a:scrgbClr r="0" g="0" b="0"/>
+      </a:lnRef>
+      <a:fillRef idx="1">
+        <a:scrgbClr r="0" g="0" b="0"/>
+      </a:fillRef>
+      <a:effectRef idx="0">
+        <a:scrgbClr r="0" g="0" b="0"/>
+      </a:effectRef>
+      <a:fontRef idx="minor"/>
+    </dgm:style>
+  </dgm:styleLbl>
+  <dgm:styleLbl name="bgAcc1">
+    <dgm:scene3d>
+      <a:camera prst="orthographicFront"/>
+      <a:lightRig rig="threePt" dir="t"/>
+    </dgm:scene3d>
+    <dgm:sp3d/>
+    <dgm:txPr/>
+    <dgm:style>
+      <a:lnRef idx="2">
+        <a:scrgbClr r="0" g="0" b="0"/>
+      </a:lnRef>
+      <a:fillRef idx="1">
+        <a:scrgbClr r="0" g="0" b="0"/>
+      </a:fillRef>
+      <a:effectRef idx="0">
+        <a:scrgbClr r="0" g="0" b="0"/>
+      </a:effectRef>
+      <a:fontRef idx="minor"/>
+    </dgm:style>
+  </dgm:styleLbl>
+  <dgm:styleLbl name="solidFgAcc1">
+    <dgm:scene3d>
+      <a:camera prst="orthographicFront"/>
+      <a:lightRig rig="threePt" dir="t"/>
+    </dgm:scene3d>
+    <dgm:sp3d/>
+    <dgm:txPr/>
+    <dgm:style>
+      <a:lnRef idx="2">
+        <a:scrgbClr r="0" g="0" b="0"/>
+      </a:lnRef>
+      <a:fillRef idx="1">
+        <a:scrgbClr r="0" g="0" b="0"/>
+      </a:fillRef>
+      <a:effectRef idx="0">
+        <a:scrgbClr r="0" g="0" b="0"/>
+      </a:effectRef>
+      <a:fontRef idx="minor"/>
+    </dgm:style>
+  </dgm:styleLbl>
+  <dgm:styleLbl name="solidAlignAcc1">
+    <dgm:scene3d>
+      <a:camera prst="orthographicFront"/>
+      <a:lightRig rig="threePt" dir="t"/>
+    </dgm:scene3d>
+    <dgm:sp3d/>
+    <dgm:txPr/>
+    <dgm:style>
+      <a:lnRef idx="2">
+        <a:scrgbClr r="0" g="0" b="0"/>
+      </a:lnRef>
+      <a:fillRef idx="1">
+        <a:scrgbClr r="0" g="0" b="0"/>
+      </a:fillRef>
+      <a:effectRef idx="0">
+        <a:scrgbClr r="0" g="0" b="0"/>
+      </a:effectRef>
+      <a:fontRef idx="minor"/>
+    </dgm:style>
+  </dgm:styleLbl>
+  <dgm:styleLbl name="solidBgAcc1">
+    <dgm:scene3d>
+      <a:camera prst="orthographicFront"/>
+      <a:lightRig rig="threePt" dir="t"/>
+    </dgm:scene3d>
+    <dgm:sp3d/>
+    <dgm:txPr/>
+    <dgm:style>
+      <a:lnRef idx="2">
+        <a:scrgbClr r="0" g="0" b="0"/>
+      </a:lnRef>
+      <a:fillRef idx="1">
+        <a:scrgbClr r="0" g="0" b="0"/>
+      </a:fillRef>
+      <a:effectRef idx="0">
+        <a:scrgbClr r="0" g="0" b="0"/>
+      </a:effectRef>
+      <a:fontRef idx="minor"/>
+    </dgm:style>
+  </dgm:styleLbl>
+  <dgm:styleLbl name="fgAccFollowNode1">
+    <dgm:scene3d>
+      <a:camera prst="orthographicFront"/>
+      <a:lightRig rig="threePt" dir="t"/>
+    </dgm:scene3d>
+    <dgm:sp3d/>
+    <dgm:txPr/>
+    <dgm:style>
+      <a:lnRef idx="2">
+        <a:scrgbClr r="0" g="0" b="0"/>
+      </a:lnRef>
+      <a:fillRef idx="1">
+        <a:scrgbClr r="0" g="0" b="0"/>
+      </a:fillRef>
+      <a:effectRef idx="0">
+        <a:scrgbClr r="0" g="0" b="0"/>
+      </a:effectRef>
+      <a:fontRef idx="minor"/>
+    </dgm:style>
+  </dgm:styleLbl>
+  <dgm:styleLbl name="alignAccFollowNode1">
+    <dgm:scene3d>
+      <a:camera prst="orthographicFront"/>
+      <a:lightRig rig="threePt" dir="t"/>
+    </dgm:scene3d>
+    <dgm:sp3d/>
+    <dgm:txPr/>
+    <dgm:style>
+      <a:lnRef idx="2">
+        <a:scrgbClr r="0" g="0" b="0"/>
+      </a:lnRef>
+      <a:fillRef idx="1">
+        <a:scrgbClr r="0" g="0" b="0"/>
+      </a:fillRef>
+      <a:effectRef idx="0">
+        <a:scrgbClr r="0" g="0" b="0"/>
+      </a:effectRef>
+      <a:fontRef idx="minor"/>
+    </dgm:style>
+  </dgm:styleLbl>
+  <dgm:styleLbl name="bgAccFollowNode1">
+    <dgm:scene3d>
+      <a:camera prst="orthographicFront"/>
+      <a:lightRig rig="threePt" dir="t"/>
+    </dgm:scene3d>
+    <dgm:sp3d/>
+    <dgm:txPr/>
+    <dgm:style>
+      <a:lnRef idx="2">
+        <a:scrgbClr r="0" g="0" b="0"/>
+      </a:lnRef>
+      <a:fillRef idx="1">
+        <a:scrgbClr r="0" g="0" b="0"/>
+      </a:fillRef>
+      <a:effectRef idx="0">
+        <a:scrgbClr r="0" g="0" b="0"/>
+      </a:effectRef>
+      <a:fontRef idx="minor"/>
+    </dgm:style>
+  </dgm:styleLbl>
+  <dgm:styleLbl name="fgAcc0">
+    <dgm:scene3d>
+      <a:camera prst="orthographicFront"/>
+      <a:lightRig rig="threePt" dir="t"/>
+    </dgm:scene3d>
+    <dgm:sp3d/>
+    <dgm:txPr/>
+    <dgm:style>
+      <a:lnRef idx="2">
+        <a:scrgbClr r="0" g="0" b="0"/>
+      </a:lnRef>
+      <a:fillRef idx="1">
+        <a:scrgbClr r="0" g="0" b="0"/>
+      </a:fillRef>
+      <a:effectRef idx="0">
+        <a:scrgbClr r="0" g="0" b="0"/>
+      </a:effectRef>
+      <a:fontRef idx="minor"/>
+    </dgm:style>
+  </dgm:styleLbl>
+  <dgm:styleLbl name="fgAcc2">
+    <dgm:scene3d>
+      <a:camera prst="orthographicFront"/>
+      <a:lightRig rig="threePt" dir="t"/>
+    </dgm:scene3d>
+    <dgm:sp3d/>
+    <dgm:txPr/>
+    <dgm:style>
+      <a:lnRef idx="2">
+        <a:scrgbClr r="0" g="0" b="0"/>
+      </a:lnRef>
+      <a:fillRef idx="1">
+        <a:scrgbClr r="0" g="0" b="0"/>
+      </a:fillRef>
+      <a:effectRef idx="0">
+        <a:scrgbClr r="0" g="0" b="0"/>
+      </a:effectRef>
+      <a:fontRef idx="minor"/>
+    </dgm:style>
+  </dgm:styleLbl>
+  <dgm:styleLbl name="fgAcc3">
+    <dgm:scene3d>
+      <a:camera prst="orthographicFront"/>
+      <a:lightRig rig="threePt" dir="t"/>
+    </dgm:scene3d>
+    <dgm:sp3d/>
+    <dgm:txPr/>
+    <dgm:style>
+      <a:lnRef idx="2">
+        <a:scrgbClr r="0" g="0" b="0"/>
+      </a:lnRef>
+      <a:fillRef idx="1">
+        <a:scrgbClr r="0" g="0" b="0"/>
+      </a:fillRef>
+      <a:effectRef idx="0">
+        <a:scrgbClr r="0" g="0" b="0"/>
+      </a:effectRef>
+      <a:fontRef idx="minor"/>
+    </dgm:style>
+  </dgm:styleLbl>
+  <dgm:styleLbl name="fgAcc4">
+    <dgm:scene3d>
+      <a:camera prst="orthographicFront"/>
+      <a:lightRig rig="threePt" dir="t"/>
+    </dgm:scene3d>
+    <dgm:sp3d/>
+    <dgm:txPr/>
+    <dgm:style>
+      <a:lnRef idx="2">
+        <a:scrgbClr r="0" g="0" b="0"/>
+      </a:lnRef>
+      <a:fillRef idx="1">
+        <a:scrgbClr r="0" g="0" b="0"/>
+      </a:fillRef>
+      <a:effectRef idx="0">
+        <a:scrgbClr r="0" g="0" b="0"/>
+      </a:effectRef>
+      <a:fontRef idx="minor"/>
+    </dgm:style>
+  </dgm:styleLbl>
+  <dgm:styleLbl name="bgShp">
+    <dgm:scene3d>
+      <a:camera prst="orthographicFront"/>
+      <a:lightRig rig="threePt" dir="t"/>
+    </dgm:scene3d>
+    <dgm:sp3d/>
+    <dgm:txPr/>
+    <dgm:style>
+      <a:lnRef idx="0">
+        <a:scrgbClr r="0" g="0" b="0"/>
+      </a:lnRef>
+      <a:fillRef idx="1">
+        <a:scrgbClr r="0" g="0" b="0"/>
+      </a:fillRef>
+      <a:effectRef idx="0">
+        <a:scrgbClr r="0" g="0" b="0"/>
+      </a:effectRef>
+      <a:fontRef idx="minor"/>
+    </dgm:style>
+  </dgm:styleLbl>
+  <dgm:styleLbl name="dkBgShp">
+    <dgm:scene3d>
+      <a:camera prst="orthographicFront"/>
+      <a:lightRig rig="threePt" dir="t"/>
+    </dgm:scene3d>
+    <dgm:sp3d/>
+    <dgm:txPr/>
+    <dgm:style>
+      <a:lnRef idx="0">
+        <a:scrgbClr r="0" g="0" b="0"/>
+      </a:lnRef>
+      <a:fillRef idx="1">
+        <a:scrgbClr r="0" g="0" b="0"/>
+      </a:fillRef>
+      <a:effectRef idx="0">
+        <a:scrgbClr r="0" g="0" b="0"/>
+      </a:effectRef>
+      <a:fontRef idx="minor"/>
+    </dgm:style>
+  </dgm:styleLbl>
+  <dgm:styleLbl name="trBgShp">
+    <dgm:scene3d>
+      <a:camera prst="orthographicFront"/>
+      <a:lightRig rig="threePt" dir="t"/>
+    </dgm:scene3d>
+    <dgm:sp3d/>
+    <dgm:txPr/>
+    <dgm:style>
+      <a:lnRef idx="0">
+        <a:scrgbClr r="0" g="0" b="0"/>
+      </a:lnRef>
+      <a:fillRef idx="1">
+        <a:scrgbClr r="0" g="0" b="0"/>
+      </a:fillRef>
+      <a:effectRef idx="0">
+        <a:scrgbClr r="0" g="0" b="0"/>
+      </a:effectRef>
+      <a:fontRef idx="minor"/>
+    </dgm:style>
+  </dgm:styleLbl>
+  <dgm:styleLbl name="fgShp">
+    <dgm:scene3d>
+      <a:camera prst="orthographicFront"/>
+      <a:lightRig rig="threePt" dir="t"/>
+    </dgm:scene3d>
+    <dgm:sp3d/>
+    <dgm:txPr/>
+    <dgm:style>
+      <a:lnRef idx="2">
+        <a:scrgbClr r="0" g="0" b="0"/>
+      </a:lnRef>
+      <a:fillRef idx="1">
+        <a:scrgbClr r="0" g="0" b="0"/>
+      </a:fillRef>
+      <a:effectRef idx="0">
+        <a:scrgbClr r="0" g="0" b="0"/>
+      </a:effectRef>
+      <a:fontRef idx="minor"/>
+    </dgm:style>
+  </dgm:styleLbl>
+  <dgm:styleLbl name="revTx">
+    <dgm:scene3d>
+      <a:camera prst="orthographicFront"/>
+      <a:lightRig rig="threePt" dir="t"/>
+    </dgm:scene3d>
+    <dgm:sp3d/>
+    <dgm:txPr/>
+    <dgm:style>
+      <a:lnRef idx="0">
+        <a:scrgbClr r="0" g="0" b="0"/>
+      </a:lnRef>
+      <a:fillRef idx="0">
+        <a:scrgbClr r="0" g="0" b="0"/>
+      </a:fillRef>
+      <a:effectRef idx="0">
+        <a:scrgbClr r="0" g="0" b="0"/>
+      </a:effectRef>
+      <a:fontRef idx="minor"/>
+    </dgm:style>
+  </dgm:styleLbl>
+</dgm:styleDef>
+</file>
+
+<file path=ppt/diagrams/quickStyle3.xml><?xml version="1.0" encoding="utf-8"?>
+<dgm:styleDef xmlns:dgm="http://schemas.openxmlformats.org/drawingml/2006/diagram" xmlns:a="http://schemas.openxmlformats.org/drawingml/2006/main" uniqueId="urn:microsoft.com/office/officeart/2005/8/quickstyle/simple1">
+  <dgm:title val=""/>
+  <dgm:desc val=""/>
+  <dgm:catLst>
+    <dgm:cat type="simple" pri="10100"/>
+  </dgm:catLst>
+  <dgm:scene3d>
+    <a:camera prst="orthographicFront"/>
+    <a:lightRig rig="threePt" dir="t"/>
+  </dgm:scene3d>
+  <dgm:styleLbl name="node0">
+    <dgm:scene3d>
+      <a:camera prst="orthographicFront"/>
+      <a:lightRig rig="threePt" dir="t"/>
+    </dgm:scene3d>
+    <dgm:sp3d/>
+    <dgm:txPr/>
+    <dgm:style>
+      <a:lnRef idx="2">
+        <a:scrgbClr r="0" g="0" b="0"/>
+      </a:lnRef>
+      <a:fillRef idx="1">
+        <a:scrgbClr r="0" g="0" b="0"/>
+      </a:fillRef>
+      <a:effectRef idx="0">
+        <a:scrgbClr r="0" g="0" b="0"/>
+      </a:effectRef>
+      <a:fontRef idx="minor">
+        <a:schemeClr val="lt1"/>
+      </a:fontRef>
+    </dgm:style>
+  </dgm:styleLbl>
+  <dgm:styleLbl name="lnNode1">
+    <dgm:scene3d>
+      <a:camera prst="orthographicFront"/>
+      <a:lightRig rig="threePt" dir="t"/>
+    </dgm:scene3d>
+    <dgm:sp3d/>
+    <dgm:txPr/>
+    <dgm:style>
+      <a:lnRef idx="2">
+        <a:scrgbClr r="0" g="0" b="0"/>
+      </a:lnRef>
+      <a:fillRef idx="1">
+        <a:scrgbClr r="0" g="0" b="0"/>
+      </a:fillRef>
+      <a:effectRef idx="0">
+        <a:scrgbClr r="0" g="0" b="0"/>
+      </a:effectRef>
+      <a:fontRef idx="minor">
+        <a:schemeClr val="lt1"/>
+      </a:fontRef>
+    </dgm:style>
+  </dgm:styleLbl>
+  <dgm:styleLbl name="vennNode1">
+    <dgm:scene3d>
+      <a:camera prst="orthographicFront"/>
+      <a:lightRig rig="threePt" dir="t"/>
+    </dgm:scene3d>
+    <dgm:sp3d/>
+    <dgm:txPr/>
+    <dgm:style>
+      <a:lnRef idx="2">
+        <a:scrgbClr r="0" g="0" b="0"/>
+      </a:lnRef>
+      <a:fillRef idx="1">
+        <a:scrgbClr r="0" g="0" b="0"/>
+      </a:fillRef>
+      <a:effectRef idx="0">
+        <a:scrgbClr r="0" g="0" b="0"/>
+      </a:effectRef>
+      <a:fontRef idx="minor">
+        <a:schemeClr val="tx1"/>
+      </a:fontRef>
+    </dgm:style>
+  </dgm:styleLbl>
+  <dgm:styleLbl name="alignNode1">
+    <dgm:scene3d>
+      <a:camera prst="orthographicFront"/>
+      <a:lightRig rig="threePt" dir="t"/>
+    </dgm:scene3d>
+    <dgm:sp3d/>
+    <dgm:txPr/>
+    <dgm:style>
+      <a:lnRef idx="2">
+        <a:scrgbClr r="0" g="0" b="0"/>
+      </a:lnRef>
+      <a:fillRef idx="1">
+        <a:scrgbClr r="0" g="0" b="0"/>
+      </a:fillRef>
+      <a:effectRef idx="0">
+        <a:scrgbClr r="0" g="0" b="0"/>
+      </a:effectRef>
+      <a:fontRef idx="minor">
+        <a:schemeClr val="lt1"/>
+      </a:fontRef>
+    </dgm:style>
+  </dgm:styleLbl>
+  <dgm:styleLbl name="node1">
+    <dgm:scene3d>
+      <a:camera prst="orthographicFront"/>
+      <a:lightRig rig="threePt" dir="t"/>
+    </dgm:scene3d>
+    <dgm:sp3d/>
+    <dgm:txPr/>
+    <dgm:style>
+      <a:lnRef idx="2">
+        <a:scrgbClr r="0" g="0" b="0"/>
+      </a:lnRef>
+      <a:fillRef idx="1">
+        <a:scrgbClr r="0" g="0" b="0"/>
+      </a:fillRef>
+      <a:effectRef idx="0">
+        <a:scrgbClr r="0" g="0" b="0"/>
+      </a:effectRef>
+      <a:fontRef idx="minor">
+        <a:schemeClr val="lt1"/>
+      </a:fontRef>
+    </dgm:style>
+  </dgm:styleLbl>
+  <dgm:styleLbl name="node2">
+    <dgm:scene3d>
+      <a:camera prst="orthographicFront"/>
+      <a:lightRig rig="threePt" dir="t"/>
+    </dgm:scene3d>
+    <dgm:sp3d/>
+    <dgm:txPr/>
+    <dgm:style>
+      <a:lnRef idx="2">
+        <a:scrgbClr r="0" g="0" b="0"/>
+      </a:lnRef>
+      <a:fillRef idx="1">
+        <a:scrgbClr r="0" g="0" b="0"/>
+      </a:fillRef>
+      <a:effectRef idx="0">
+        <a:scrgbClr r="0" g="0" b="0"/>
+      </a:effectRef>
+      <a:fontRef idx="minor">
+        <a:schemeClr val="lt1"/>
+      </a:fontRef>
+    </dgm:style>
+  </dgm:styleLbl>
+  <dgm:styleLbl name="node3">
+    <dgm:scene3d>
+      <a:camera prst="orthographicFront"/>
+      <a:lightRig rig="threePt" dir="t"/>
+    </dgm:scene3d>
+    <dgm:sp3d/>
+    <dgm:txPr/>
+    <dgm:style>
+      <a:lnRef idx="2">
+        <a:scrgbClr r="0" g="0" b="0"/>
+      </a:lnRef>
+      <a:fillRef idx="1">
+        <a:scrgbClr r="0" g="0" b="0"/>
+      </a:fillRef>
+      <a:effectRef idx="0">
+        <a:scrgbClr r="0" g="0" b="0"/>
+      </a:effectRef>
+      <a:fontRef idx="minor">
+        <a:schemeClr val="lt1"/>
+      </a:fontRef>
+    </dgm:style>
+  </dgm:styleLbl>
+  <dgm:styleLbl name="node4">
+    <dgm:scene3d>
+      <a:camera prst="orthographicFront"/>
+      <a:lightRig rig="threePt" dir="t"/>
+    </dgm:scene3d>
+    <dgm:sp3d/>
+    <dgm:txPr/>
+    <dgm:style>
+      <a:lnRef idx="2">
+        <a:scrgbClr r="0" g="0" b="0"/>
+      </a:lnRef>
+      <a:fillRef idx="1">
+        <a:scrgbClr r="0" g="0" b="0"/>
+      </a:fillRef>
+      <a:effectRef idx="0">
+        <a:scrgbClr r="0" g="0" b="0"/>
+      </a:effectRef>
+      <a:fontRef idx="minor">
+        <a:schemeClr val="lt1"/>
+      </a:fontRef>
+    </dgm:style>
+  </dgm:styleLbl>
+  <dgm:styleLbl name="fgImgPlace1">
+    <dgm:scene3d>
+      <a:camera prst="orthographicFront"/>
+      <a:lightRig rig="threePt" dir="t"/>
+    </dgm:scene3d>
+    <dgm:sp3d/>
+    <dgm:txPr/>
+    <dgm:style>
+      <a:lnRef idx="2">
+        <a:scrgbClr r="0" g="0" b="0"/>
+      </a:lnRef>
+      <a:fillRef idx="1">
+        <a:scrgbClr r="0" g="0" b="0"/>
+      </a:fillRef>
+      <a:effectRef idx="0">
+        <a:scrgbClr r="0" g="0" b="0"/>
+      </a:effectRef>
+      <a:fontRef idx="minor"/>
+    </dgm:style>
+  </dgm:styleLbl>
+  <dgm:styleLbl name="alignImgPlace1">
+    <dgm:scene3d>
+      <a:camera prst="orthographicFront"/>
+      <a:lightRig rig="threePt" dir="t"/>
+    </dgm:scene3d>
+    <dgm:sp3d/>
+    <dgm:txPr/>
+    <dgm:style>
+      <a:lnRef idx="2">
+        <a:scrgbClr r="0" g="0" b="0"/>
+      </a:lnRef>
+      <a:fillRef idx="1">
+        <a:scrgbClr r="0" g="0" b="0"/>
+      </a:fillRef>
+      <a:effectRef idx="0">
+        <a:scrgbClr r="0" g="0" b="0"/>
+      </a:effectRef>
+      <a:fontRef idx="minor"/>
+    </dgm:style>
+  </dgm:styleLbl>
+  <dgm:styleLbl name="bgImgPlace1">
+    <dgm:scene3d>
+      <a:camera prst="orthographicFront"/>
+      <a:lightRig rig="threePt" dir="t"/>
+    </dgm:scene3d>
+    <dgm:sp3d/>
+    <dgm:txPr/>
+    <dgm:style>
+      <a:lnRef idx="2">
+        <a:scrgbClr r="0" g="0" b="0"/>
+      </a:lnRef>
+      <a:fillRef idx="1">
+        <a:scrgbClr r="0" g="0" b="0"/>
+      </a:fillRef>
+      <a:effectRef idx="0">
+        <a:scrgbClr r="0" g="0" b="0"/>
+      </a:effectRef>
+      <a:fontRef idx="minor"/>
+    </dgm:style>
+  </dgm:styleLbl>
+  <dgm:styleLbl name="sibTrans2D1">
+    <dgm:scene3d>
+      <a:camera prst="orthographicFront"/>
+      <a:lightRig rig="threePt" dir="t"/>
+    </dgm:scene3d>
+    <dgm:sp3d/>
+    <dgm:txPr/>
+    <dgm:style>
+      <a:lnRef idx="0">
+        <a:scrgbClr r="0" g="0" b="0"/>
+      </a:lnRef>
+      <a:fillRef idx="1">
+        <a:scrgbClr r="0" g="0" b="0"/>
+      </a:fillRef>
+      <a:effectRef idx="0">
+        <a:scrgbClr r="0" g="0" b="0"/>
+      </a:effectRef>
+      <a:fontRef idx="minor">
+        <a:schemeClr val="lt1"/>
+      </a:fontRef>
+    </dgm:style>
+  </dgm:styleLbl>
+  <dgm:styleLbl name="fgSibTrans2D1">
+    <dgm:scene3d>
+      <a:camera prst="orthographicFront"/>
+      <a:lightRig rig="threePt" dir="t"/>
+    </dgm:scene3d>
+    <dgm:sp3d/>
+    <dgm:txPr/>
+    <dgm:style>
+      <a:lnRef idx="0">
+        <a:scrgbClr r="0" g="0" b="0"/>
+      </a:lnRef>
+      <a:fillRef idx="1">
+        <a:scrgbClr r="0" g="0" b="0"/>
+      </a:fillRef>
+      <a:effectRef idx="0">
+        <a:scrgbClr r="0" g="0" b="0"/>
+      </a:effectRef>
+      <a:fontRef idx="minor">
+        <a:schemeClr val="lt1"/>
+      </a:fontRef>
+    </dgm:style>
+  </dgm:styleLbl>
+  <dgm:styleLbl name="bgSibTrans2D1">
+    <dgm:scene3d>
+      <a:camera prst="orthographicFront"/>
+      <a:lightRig rig="threePt" dir="t"/>
+    </dgm:scene3d>
+    <dgm:sp3d/>
+    <dgm:txPr/>
+    <dgm:style>
+      <a:lnRef idx="0">
+        <a:scrgbClr r="0" g="0" b="0"/>
+      </a:lnRef>
+      <a:fillRef idx="1">
+        <a:scrgbClr r="0" g="0" b="0"/>
+      </a:fillRef>
+      <a:effectRef idx="0">
+        <a:scrgbClr r="0" g="0" b="0"/>
+      </a:effectRef>
+      <a:fontRef idx="minor">
+        <a:schemeClr val="lt1"/>
+      </a:fontRef>
+    </dgm:style>
+  </dgm:styleLbl>
+  <dgm:styleLbl name="sibTrans1D1">
+    <dgm:scene3d>
+      <a:camera prst="orthographicFront"/>
+      <a:lightRig rig="threePt" dir="t"/>
+    </dgm:scene3d>
+    <dgm:sp3d/>
+    <dgm:txPr/>
+    <dgm:style>
+      <a:lnRef idx="1">
+        <a:scrgbClr r="0" g="0" b="0"/>
+      </a:lnRef>
+      <a:fillRef idx="0">
+        <a:scrgbClr r="0" g="0" b="0"/>
+      </a:fillRef>
+      <a:effectRef idx="0">
+        <a:scrgbClr r="0" g="0" b="0"/>
+      </a:effectRef>
+      <a:fontRef idx="minor"/>
+    </dgm:style>
+  </dgm:styleLbl>
+  <dgm:styleLbl name="callout">
+    <dgm:scene3d>
+      <a:camera prst="orthographicFront"/>
+      <a:lightRig rig="threePt" dir="t"/>
+    </dgm:scene3d>
+    <dgm:sp3d/>
+    <dgm:txPr/>
+    <dgm:style>
+      <a:lnRef idx="2">
+        <a:scrgbClr r="0" g="0" b="0"/>
+      </a:lnRef>
+      <a:fillRef idx="1">
+        <a:scrgbClr r="0" g="0" b="0"/>
+      </a:fillRef>
+      <a:effectRef idx="0">
+        <a:scrgbClr r="0" g="0" b="0"/>
+      </a:effectRef>
+      <a:fontRef idx="minor"/>
+    </dgm:style>
+  </dgm:styleLbl>
+  <dgm:styleLbl name="asst0">
+    <dgm:scene3d>
+      <a:camera prst="orthographicFront"/>
+      <a:lightRig rig="threePt" dir="t"/>
+    </dgm:scene3d>
+    <dgm:sp3d/>
+    <dgm:txPr/>
+    <dgm:style>
+      <a:lnRef idx="2">
+        <a:scrgbClr r="0" g="0" b="0"/>
+      </a:lnRef>
+      <a:fillRef idx="1">
+        <a:scrgbClr r="0" g="0" b="0"/>
+      </a:fillRef>
+      <a:effectRef idx="0">
+        <a:scrgbClr r="0" g="0" b="0"/>
+      </a:effectRef>
+      <a:fontRef idx="minor">
+        <a:schemeClr val="lt1"/>
+      </a:fontRef>
+    </dgm:style>
+  </dgm:styleLbl>
+  <dgm:styleLbl name="asst1">
+    <dgm:scene3d>
+      <a:camera prst="orthographicFront"/>
+      <a:lightRig rig="threePt" dir="t"/>
+    </dgm:scene3d>
+    <dgm:sp3d/>
+    <dgm:txPr/>
+    <dgm:style>
+      <a:lnRef idx="2">
+        <a:scrgbClr r="0" g="0" b="0"/>
+      </a:lnRef>
+      <a:fillRef idx="1">
+        <a:scrgbClr r="0" g="0" b="0"/>
+      </a:fillRef>
+      <a:effectRef idx="0">
+        <a:scrgbClr r="0" g="0" b="0"/>
+      </a:effectRef>
+      <a:fontRef idx="minor">
+        <a:schemeClr val="lt1"/>
+      </a:fontRef>
+    </dgm:style>
+  </dgm:styleLbl>
+  <dgm:styleLbl name="asst2">
+    <dgm:scene3d>
+      <a:camera prst="orthographicFront"/>
+      <a:lightRig rig="threePt" dir="t"/>
+    </dgm:scene3d>
+    <dgm:sp3d/>
+    <dgm:txPr/>
+    <dgm:style>
+      <a:lnRef idx="2">
+        <a:scrgbClr r="0" g="0" b="0"/>
+      </a:lnRef>
+      <a:fillRef idx="1">
+        <a:scrgbClr r="0" g="0" b="0"/>
+      </a:fillRef>
+      <a:effectRef idx="0">
+        <a:scrgbClr r="0" g="0" b="0"/>
+      </a:effectRef>
+      <a:fontRef idx="minor">
+        <a:schemeClr val="lt1"/>
+      </a:fontRef>
+    </dgm:style>
+  </dgm:styleLbl>
+  <dgm:styleLbl name="asst3">
+    <dgm:scene3d>
+      <a:camera prst="orthographicFront"/>
+      <a:lightRig rig="threePt" dir="t"/>
+    </dgm:scene3d>
+    <dgm:sp3d/>
+    <dgm:txPr/>
+    <dgm:style>
+      <a:lnRef idx="2">
+        <a:scrgbClr r="0" g="0" b="0"/>
+      </a:lnRef>
+      <a:fillRef idx="1">
+        <a:scrgbClr r="0" g="0" b="0"/>
+      </a:fillRef>
+      <a:effectRef idx="0">
+        <a:scrgbClr r="0" g="0" b="0"/>
+      </a:effectRef>
+      <a:fontRef idx="minor">
+        <a:schemeClr val="lt1"/>
+      </a:fontRef>
+    </dgm:style>
+  </dgm:styleLbl>
+  <dgm:styleLbl name="asst4">
+    <dgm:scene3d>
+      <a:camera prst="orthographicFront"/>
+      <a:lightRig rig="threePt" dir="t"/>
+    </dgm:scene3d>
+    <dgm:sp3d/>
+    <dgm:txPr/>
+    <dgm:style>
+      <a:lnRef idx="2">
+        <a:scrgbClr r="0" g="0" b="0"/>
+      </a:lnRef>
+      <a:fillRef idx="1">
+        <a:scrgbClr r="0" g="0" b="0"/>
+      </a:fillRef>
+      <a:effectRef idx="0">
+        <a:scrgbClr r="0" g="0" b="0"/>
+      </a:effectRef>
+      <a:fontRef idx="minor">
+        <a:schemeClr val="lt1"/>
+      </a:fontRef>
+    </dgm:style>
+  </dgm:styleLbl>
+  <dgm:styleLbl name="parChTrans2D1">
+    <dgm:scene3d>
+      <a:camera prst="orthographicFront"/>
+      <a:lightRig rig="threePt" dir="t"/>
+    </dgm:scene3d>
+    <dgm:sp3d/>
+    <dgm:txPr/>
+    <dgm:style>
+      <a:lnRef idx="2">
+        <a:scrgbClr r="0" g="0" b="0"/>
+      </a:lnRef>
+      <a:fillRef idx="1">
+        <a:scrgbClr r="0" g="0" b="0"/>
+      </a:fillRef>
+      <a:effectRef idx="0">
+        <a:scrgbClr r="0" g="0" b="0"/>
+      </a:effectRef>
+      <a:fontRef idx="minor">
+        <a:schemeClr val="lt1"/>
+      </a:fontRef>
+    </dgm:style>
+  </dgm:styleLbl>
+  <dgm:styleLbl name="parChTrans2D2">
+    <dgm:scene3d>
+      <a:camera prst="orthographicFront"/>
+      <a:lightRig rig="threePt" dir="t"/>
+    </dgm:scene3d>
+    <dgm:sp3d/>
+    <dgm:txPr/>
+    <dgm:style>
+      <a:lnRef idx="2">
+        <a:scrgbClr r="0" g="0" b="0"/>
+      </a:lnRef>
+      <a:fillRef idx="1">
+        <a:scrgbClr r="0" g="0" b="0"/>
+      </a:fillRef>
+      <a:effectRef idx="0">
+        <a:scrgbClr r="0" g="0" b="0"/>
+      </a:effectRef>
+      <a:fontRef idx="minor">
+        <a:schemeClr val="lt1"/>
+      </a:fontRef>
+    </dgm:style>
+  </dgm:styleLbl>
+  <dgm:styleLbl name="parChTrans2D3">
+    <dgm:scene3d>
+      <a:camera prst="orthographicFront"/>
+      <a:lightRig rig="threePt" dir="t"/>
+    </dgm:scene3d>
+    <dgm:sp3d/>
+    <dgm:txPr/>
+    <dgm:style>
+      <a:lnRef idx="2">
+        <a:scrgbClr r="0" g="0" b="0"/>
+      </a:lnRef>
+      <a:fillRef idx="1">
+        <a:scrgbClr r="0" g="0" b="0"/>
+      </a:fillRef>
+      <a:effectRef idx="0">
+        <a:scrgbClr r="0" g="0" b="0"/>
+      </a:effectRef>
+      <a:fontRef idx="minor">
+        <a:schemeClr val="lt1"/>
+      </a:fontRef>
+    </dgm:style>
+  </dgm:styleLbl>
+  <dgm:styleLbl name="parChTrans2D4">
+    <dgm:scene3d>
+      <a:camera prst="orthographicFront"/>
+      <a:lightRig rig="threePt" dir="t"/>
+    </dgm:scene3d>
+    <dgm:sp3d/>
+    <dgm:txPr/>
+    <dgm:style>
+      <a:lnRef idx="2">
+        <a:scrgbClr r="0" g="0" b="0"/>
+      </a:lnRef>
+      <a:fillRef idx="1">
+        <a:scrgbClr r="0" g="0" b="0"/>
+      </a:fillRef>
+      <a:effectRef idx="0">
+        <a:scrgbClr r="0" g="0" b="0"/>
+      </a:effectRef>
+      <a:fontRef idx="minor">
+        <a:schemeClr val="lt1"/>
+      </a:fontRef>
+    </dgm:style>
+  </dgm:styleLbl>
+  <dgm:styleLbl name="parChTrans1D1">
+    <dgm:scene3d>
+      <a:camera prst="orthographicFront"/>
+      <a:lightRig rig="threePt" dir="t"/>
+    </dgm:scene3d>
+    <dgm:sp3d/>
+    <dgm:txPr/>
+    <dgm:style>
+      <a:lnRef idx="2">
+        <a:scrgbClr r="0" g="0" b="0"/>
+      </a:lnRef>
+      <a:fillRef idx="0">
+        <a:scrgbClr r="0" g="0" b="0"/>
+      </a:fillRef>
+      <a:effectRef idx="0">
+        <a:scrgbClr r="0" g="0" b="0"/>
+      </a:effectRef>
+      <a:fontRef idx="minor"/>
+    </dgm:style>
+  </dgm:styleLbl>
+  <dgm:styleLbl name="parChTrans1D2">
+    <dgm:scene3d>
+      <a:camera prst="orthographicFront"/>
+      <a:lightRig rig="threePt" dir="t"/>
+    </dgm:scene3d>
+    <dgm:sp3d/>
+    <dgm:txPr/>
+    <dgm:style>
+      <a:lnRef idx="2">
+        <a:scrgbClr r="0" g="0" b="0"/>
+      </a:lnRef>
+      <a:fillRef idx="0">
+        <a:scrgbClr r="0" g="0" b="0"/>
+      </a:fillRef>
+      <a:effectRef idx="0">
+        <a:scrgbClr r="0" g="0" b="0"/>
+      </a:effectRef>
+      <a:fontRef idx="minor"/>
+    </dgm:style>
+  </dgm:styleLbl>
+  <dgm:styleLbl name="parChTrans1D3">
+    <dgm:scene3d>
+      <a:camera prst="orthographicFront"/>
+      <a:lightRig rig="threePt" dir="t"/>
+    </dgm:scene3d>
+    <dgm:sp3d/>
+    <dgm:txPr/>
+    <dgm:style>
+      <a:lnRef idx="2">
+        <a:scrgbClr r="0" g="0" b="0"/>
+      </a:lnRef>
+      <a:fillRef idx="0">
+        <a:scrgbClr r="0" g="0" b="0"/>
+      </a:fillRef>
+      <a:effectRef idx="0">
+        <a:scrgbClr r="0" g="0" b="0"/>
+      </a:effectRef>
+      <a:fontRef idx="minor"/>
+    </dgm:style>
+  </dgm:styleLbl>
+  <dgm:styleLbl name="parChTrans1D4">
+    <dgm:scene3d>
+      <a:camera prst="orthographicFront"/>
+      <a:lightRig rig="threePt" dir="t"/>
+    </dgm:scene3d>
+    <dgm:sp3d/>
+    <dgm:txPr/>
+    <dgm:style>
+      <a:lnRef idx="2">
+        <a:scrgbClr r="0" g="0" b="0"/>
+      </a:lnRef>
+      <a:fillRef idx="0">
+        <a:scrgbClr r="0" g="0" b="0"/>
+      </a:fillRef>
+      <a:effectRef idx="0">
+        <a:scrgbClr r="0" g="0" b="0"/>
+      </a:effectRef>
+      <a:fontRef idx="minor"/>
+    </dgm:style>
+  </dgm:styleLbl>
+  <dgm:styleLbl name="fgAcc1">
+    <dgm:scene3d>
+      <a:camera prst="orthographicFront"/>
+      <a:lightRig rig="threePt" dir="t"/>
+    </dgm:scene3d>
+    <dgm:sp3d/>
+    <dgm:txPr/>
+    <dgm:style>
+      <a:lnRef idx="2">
+        <a:scrgbClr r="0" g="0" b="0"/>
+      </a:lnRef>
+      <a:fillRef idx="1">
+        <a:scrgbClr r="0" g="0" b="0"/>
+      </a:fillRef>
+      <a:effectRef idx="0">
+        <a:scrgbClr r="0" g="0" b="0"/>
+      </a:effectRef>
+      <a:fontRef idx="minor"/>
+    </dgm:style>
+  </dgm:styleLbl>
+  <dgm:styleLbl name="conFgAcc1">
+    <dgm:scene3d>
+      <a:camera prst="orthographicFront"/>
+      <a:lightRig rig="threePt" dir="t"/>
+    </dgm:scene3d>
+    <dgm:sp3d/>
+    <dgm:txPr/>
+    <dgm:style>
+      <a:lnRef idx="2">
+        <a:scrgbClr r="0" g="0" b="0"/>
+      </a:lnRef>
+      <a:fillRef idx="1">
+        <a:scrgbClr r="0" g="0" b="0"/>
+      </a:fillRef>
+      <a:effectRef idx="0">
+        <a:scrgbClr r="0" g="0" b="0"/>
+      </a:effectRef>
+      <a:fontRef idx="minor"/>
+    </dgm:style>
+  </dgm:styleLbl>
+  <dgm:styleLbl name="alignAcc1">
+    <dgm:scene3d>
+      <a:camera prst="orthographicFront"/>
+      <a:lightRig rig="threePt" dir="t"/>
+    </dgm:scene3d>
+    <dgm:sp3d/>
+    <dgm:txPr/>
+    <dgm:style>
+      <a:lnRef idx="2">
+        <a:scrgbClr r="0" g="0" b="0"/>
+      </a:lnRef>
+      <a:fillRef idx="1">
+        <a:scrgbClr r="0" g="0" b="0"/>
+      </a:fillRef>
+      <a:effectRef idx="0">
+        <a:scrgbClr r="0" g="0" b="0"/>
+      </a:effectRef>
+      <a:fontRef idx="minor"/>
+    </dgm:style>
+  </dgm:styleLbl>
+  <dgm:styleLbl name="trAlignAcc1">
+    <dgm:scene3d>
+      <a:camera prst="orthographicFront"/>
+      <a:lightRig rig="threePt" dir="t"/>
+    </dgm:scene3d>
+    <dgm:sp3d/>
+    <dgm:txPr/>
+    <dgm:style>
+      <a:lnRef idx="1">
+        <a:scrgbClr r="0" g="0" b="0"/>
+      </a:lnRef>
+      <a:fillRef idx="1">
+        <a:scrgbClr r="0" g="0" b="0"/>
+      </a:fillRef>
+      <a:effectRef idx="0">
+        <a:scrgbClr r="0" g="0" b="0"/>
+      </a:effectRef>
+      <a:fontRef idx="minor"/>
+    </dgm:style>
+  </dgm:styleLbl>
+  <dgm:styleLbl name="bgAcc1">
+    <dgm:scene3d>
+      <a:camera prst="orthographicFront"/>
+      <a:lightRig rig="threePt" dir="t"/>
+    </dgm:scene3d>
+    <dgm:sp3d/>
+    <dgm:txPr/>
+    <dgm:style>
+      <a:lnRef idx="2">
+        <a:scrgbClr r="0" g="0" b="0"/>
+      </a:lnRef>
+      <a:fillRef idx="1">
+        <a:scrgbClr r="0" g="0" b="0"/>
+      </a:fillRef>
+      <a:effectRef idx="0">
+        <a:scrgbClr r="0" g="0" b="0"/>
+      </a:effectRef>
+      <a:fontRef idx="minor"/>
+    </dgm:style>
+  </dgm:styleLbl>
+  <dgm:styleLbl name="solidFgAcc1">
+    <dgm:scene3d>
+      <a:camera prst="orthographicFront"/>
+      <a:lightRig rig="threePt" dir="t"/>
+    </dgm:scene3d>
+    <dgm:sp3d/>
+    <dgm:txPr/>
+    <dgm:style>
+      <a:lnRef idx="2">
+        <a:scrgbClr r="0" g="0" b="0"/>
+      </a:lnRef>
+      <a:fillRef idx="1">
+        <a:scrgbClr r="0" g="0" b="0"/>
+      </a:fillRef>
+      <a:effectRef idx="0">
+        <a:scrgbClr r="0" g="0" b="0"/>
+      </a:effectRef>
+      <a:fontRef idx="minor"/>
+    </dgm:style>
+  </dgm:styleLbl>
+  <dgm:styleLbl name="solidAlignAcc1">
+    <dgm:scene3d>
+      <a:camera prst="orthographicFront"/>
+      <a:lightRig rig="threePt" dir="t"/>
+    </dgm:scene3d>
+    <dgm:sp3d/>
+    <dgm:txPr/>
+    <dgm:style>
+      <a:lnRef idx="2">
+        <a:scrgbClr r="0" g="0" b="0"/>
+      </a:lnRef>
+      <a:fillRef idx="1">
+        <a:scrgbClr r="0" g="0" b="0"/>
+      </a:fillRef>
+      <a:effectRef idx="0">
+        <a:scrgbClr r="0" g="0" b="0"/>
+      </a:effectRef>
+      <a:fontRef idx="minor"/>
+    </dgm:style>
+  </dgm:styleLbl>
+  <dgm:styleLbl name="solidBgAcc1">
+    <dgm:scene3d>
+      <a:camera prst="orthographicFront"/>
+      <a:lightRig rig="threePt" dir="t"/>
+    </dgm:scene3d>
+    <dgm:sp3d/>
+    <dgm:txPr/>
+    <dgm:style>
+      <a:lnRef idx="2">
+        <a:scrgbClr r="0" g="0" b="0"/>
+      </a:lnRef>
+      <a:fillRef idx="1">
+        <a:scrgbClr r="0" g="0" b="0"/>
+      </a:fillRef>
+      <a:effectRef idx="0">
+        <a:scrgbClr r="0" g="0" b="0"/>
+      </a:effectRef>
+      <a:fontRef idx="minor"/>
+    </dgm:style>
+  </dgm:styleLbl>
+  <dgm:styleLbl name="fgAccFollowNode1">
+    <dgm:scene3d>
+      <a:camera prst="orthographicFront"/>
+      <a:lightRig rig="threePt" dir="t"/>
+    </dgm:scene3d>
+    <dgm:sp3d/>
+    <dgm:txPr/>
+    <dgm:style>
+      <a:lnRef idx="2">
+        <a:scrgbClr r="0" g="0" b="0"/>
+      </a:lnRef>
+      <a:fillRef idx="1">
+        <a:scrgbClr r="0" g="0" b="0"/>
+      </a:fillRef>
+      <a:effectRef idx="0">
+        <a:scrgbClr r="0" g="0" b="0"/>
+      </a:effectRef>
+      <a:fontRef idx="minor"/>
+    </dgm:style>
+  </dgm:styleLbl>
+  <dgm:styleLbl name="alignAccFollowNode1">
+    <dgm:scene3d>
+      <a:camera prst="orthographicFront"/>
+      <a:lightRig rig="threePt" dir="t"/>
+    </dgm:scene3d>
+    <dgm:sp3d/>
+    <dgm:txPr/>
+    <dgm:style>
+      <a:lnRef idx="2">
+        <a:scrgbClr r="0" g="0" b="0"/>
+      </a:lnRef>
+      <a:fillRef idx="1">
+        <a:scrgbClr r="0" g="0" b="0"/>
+      </a:fillRef>
+      <a:effectRef idx="0">
+        <a:scrgbClr r="0" g="0" b="0"/>
+      </a:effectRef>
+      <a:fontRef idx="minor"/>
+    </dgm:style>
+  </dgm:styleLbl>
+  <dgm:styleLbl name="bgAccFollowNode1">
+    <dgm:scene3d>
+      <a:camera prst="orthographicFront"/>
+      <a:lightRig rig="threePt" dir="t"/>
+    </dgm:scene3d>
+    <dgm:sp3d/>
+    <dgm:txPr/>
+    <dgm:style>
+      <a:lnRef idx="2">
+        <a:scrgbClr r="0" g="0" b="0"/>
+      </a:lnRef>
+      <a:fillRef idx="1">
+        <a:scrgbClr r="0" g="0" b="0"/>
+      </a:fillRef>
+      <a:effectRef idx="0">
+        <a:scrgbClr r="0" g="0" b="0"/>
+      </a:effectRef>
+      <a:fontRef idx="minor"/>
+    </dgm:style>
+  </dgm:styleLbl>
+  <dgm:styleLbl name="fgAcc0">
+    <dgm:scene3d>
+      <a:camera prst="orthographicFront"/>
+      <a:lightRig rig="threePt" dir="t"/>
+    </dgm:scene3d>
+    <dgm:sp3d/>
+    <dgm:txPr/>
+    <dgm:style>
+      <a:lnRef idx="2">
+        <a:scrgbClr r="0" g="0" b="0"/>
+      </a:lnRef>
+      <a:fillRef idx="1">
+        <a:scrgbClr r="0" g="0" b="0"/>
+      </a:fillRef>
+      <a:effectRef idx="0">
+        <a:scrgbClr r="0" g="0" b="0"/>
+      </a:effectRef>
+      <a:fontRef idx="minor"/>
+    </dgm:style>
+  </dgm:styleLbl>
+  <dgm:styleLbl name="fgAcc2">
+    <dgm:scene3d>
+      <a:camera prst="orthographicFront"/>
+      <a:lightRig rig="threePt" dir="t"/>
+    </dgm:scene3d>
+    <dgm:sp3d/>
+    <dgm:txPr/>
+    <dgm:style>
+      <a:lnRef idx="2">
+        <a:scrgbClr r="0" g="0" b="0"/>
+      </a:lnRef>
+      <a:fillRef idx="1">
+        <a:scrgbClr r="0" g="0" b="0"/>
+      </a:fillRef>
+      <a:effectRef idx="0">
+        <a:scrgbClr r="0" g="0" b="0"/>
+      </a:effectRef>
+      <a:fontRef idx="minor"/>
+    </dgm:style>
+  </dgm:styleLbl>
+  <dgm:styleLbl name="fgAcc3">
+    <dgm:scene3d>
+      <a:camera prst="orthographicFront"/>
+      <a:lightRig rig="threePt" dir="t"/>
+    </dgm:scene3d>
+    <dgm:sp3d/>
+    <dgm:txPr/>
+    <dgm:style>
+      <a:lnRef idx="2">
+        <a:scrgbClr r="0" g="0" b="0"/>
+      </a:lnRef>
+      <a:fillRef idx="1">
+        <a:scrgbClr r="0" g="0" b="0"/>
+      </a:fillRef>
+      <a:effectRef idx="0">
+        <a:scrgbClr r="0" g="0" b="0"/>
+      </a:effectRef>
+      <a:fontRef idx="minor"/>
+    </dgm:style>
+  </dgm:styleLbl>
+  <dgm:styleLbl name="fgAcc4">
+    <dgm:scene3d>
+      <a:camera prst="orthographicFront"/>
+      <a:lightRig rig="threePt" dir="t"/>
+    </dgm:scene3d>
+    <dgm:sp3d/>
+    <dgm:txPr/>
+    <dgm:style>
+      <a:lnRef idx="2">
+        <a:scrgbClr r="0" g="0" b="0"/>
+      </a:lnRef>
+      <a:fillRef idx="1">
+        <a:scrgbClr r="0" g="0" b="0"/>
+      </a:fillRef>
+      <a:effectRef idx="0">
+        <a:scrgbClr r="0" g="0" b="0"/>
+      </a:effectRef>
+      <a:fontRef idx="minor"/>
+    </dgm:style>
+  </dgm:styleLbl>
+  <dgm:styleLbl name="bgShp">
+    <dgm:scene3d>
+      <a:camera prst="orthographicFront"/>
+      <a:lightRig rig="threePt" dir="t"/>
+    </dgm:scene3d>
+    <dgm:sp3d/>
+    <dgm:txPr/>
+    <dgm:style>
+      <a:lnRef idx="0">
+        <a:scrgbClr r="0" g="0" b="0"/>
+      </a:lnRef>
+      <a:fillRef idx="1">
+        <a:scrgbClr r="0" g="0" b="0"/>
+      </a:fillRef>
+      <a:effectRef idx="0">
+        <a:scrgbClr r="0" g="0" b="0"/>
+      </a:effectRef>
+      <a:fontRef idx="minor"/>
+    </dgm:style>
+  </dgm:styleLbl>
+  <dgm:styleLbl name="dkBgShp">
+    <dgm:scene3d>
+      <a:camera prst="orthographicFront"/>
+      <a:lightRig rig="threePt" dir="t"/>
+    </dgm:scene3d>
+    <dgm:sp3d/>
+    <dgm:txPr/>
+    <dgm:style>
+      <a:lnRef idx="0">
+        <a:scrgbClr r="0" g="0" b="0"/>
+      </a:lnRef>
+      <a:fillRef idx="1">
+        <a:scrgbClr r="0" g="0" b="0"/>
+      </a:fillRef>
+      <a:effectRef idx="0">
+        <a:scrgbClr r="0" g="0" b="0"/>
+      </a:effectRef>
+      <a:fontRef idx="minor"/>
+    </dgm:style>
+  </dgm:styleLbl>
+  <dgm:styleLbl name="trBgShp">
+    <dgm:scene3d>
+      <a:camera prst="orthographicFront"/>
+      <a:lightRig rig="threePt" dir="t"/>
+    </dgm:scene3d>
+    <dgm:sp3d/>
+    <dgm:txPr/>
+    <dgm:style>
+      <a:lnRef idx="0">
+        <a:scrgbClr r="0" g="0" b="0"/>
+      </a:lnRef>
+      <a:fillRef idx="1">
+        <a:scrgbClr r="0" g="0" b="0"/>
+      </a:fillRef>
+      <a:effectRef idx="0">
+        <a:scrgbClr r="0" g="0" b="0"/>
+      </a:effectRef>
+      <a:fontRef idx="minor"/>
+    </dgm:style>
+  </dgm:styleLbl>
+  <dgm:styleLbl name="fgShp">
+    <dgm:scene3d>
+      <a:camera prst="orthographicFront"/>
+      <a:lightRig rig="threePt" dir="t"/>
+    </dgm:scene3d>
+    <dgm:sp3d/>
+    <dgm:txPr/>
+    <dgm:style>
+      <a:lnRef idx="2">
+        <a:scrgbClr r="0" g="0" b="0"/>
+      </a:lnRef>
+      <a:fillRef idx="1">
+        <a:scrgbClr r="0" g="0" b="0"/>
+      </a:fillRef>
+      <a:effectRef idx="0">
+        <a:scrgbClr r="0" g="0" b="0"/>
+      </a:effectRef>
+      <a:fontRef idx="minor"/>
+    </dgm:style>
+  </dgm:styleLbl>
+  <dgm:styleLbl name="revTx">
+    <dgm:scene3d>
+      <a:camera prst="orthographicFront"/>
+      <a:lightRig rig="threePt" dir="t"/>
+    </dgm:scene3d>
+    <dgm:sp3d/>
+    <dgm:txPr/>
+    <dgm:style>
+      <a:lnRef idx="0">
+        <a:scrgbClr r="0" g="0" b="0"/>
+      </a:lnRef>
+      <a:fillRef idx="0">
+        <a:scrgbClr r="0" g="0" b="0"/>
+      </a:fillRef>
+      <a:effectRef idx="0">
+        <a:scrgbClr r="0" g="0" b="0"/>
+      </a:effectRef>
+      <a:fontRef idx="minor"/>
+    </dgm:style>
+  </dgm:styleLbl>
+</dgm:styleDef>
+</file>
+
+<file path=ppt/diagrams/quickStyle4.xml><?xml version="1.0" encoding="utf-8"?>
+<dgm:styleDef xmlns:dgm="http://schemas.openxmlformats.org/drawingml/2006/diagram" xmlns:a="http://schemas.openxmlformats.org/drawingml/2006/main" uniqueId="urn:microsoft.com/office/officeart/2005/8/quickstyle/simple1">
+  <dgm:title val=""/>
+  <dgm:desc val=""/>
+  <dgm:catLst>
+    <dgm:cat type="simple" pri="10100"/>
+  </dgm:catLst>
+  <dgm:scene3d>
+    <a:camera prst="orthographicFront"/>
+    <a:lightRig rig="threePt" dir="t"/>
+  </dgm:scene3d>
+  <dgm:styleLbl name="node0">
+    <dgm:scene3d>
+      <a:camera prst="orthographicFront"/>
+      <a:lightRig rig="threePt" dir="t"/>
+    </dgm:scene3d>
+    <dgm:sp3d/>
+    <dgm:txPr/>
+    <dgm:style>
+      <a:lnRef idx="2">
+        <a:scrgbClr r="0" g="0" b="0"/>
+      </a:lnRef>
+      <a:fillRef idx="1">
+        <a:scrgbClr r="0" g="0" b="0"/>
+      </a:fillRef>
+      <a:effectRef idx="0">
+        <a:scrgbClr r="0" g="0" b="0"/>
+      </a:effectRef>
+      <a:fontRef idx="minor">
+        <a:schemeClr val="lt1"/>
+      </a:fontRef>
+    </dgm:style>
+  </dgm:styleLbl>
+  <dgm:styleLbl name="lnNode1">
+    <dgm:scene3d>
+      <a:camera prst="orthographicFront"/>
+      <a:lightRig rig="threePt" dir="t"/>
+    </dgm:scene3d>
+    <dgm:sp3d/>
+    <dgm:txPr/>
+    <dgm:style>
+      <a:lnRef idx="2">
+        <a:scrgbClr r="0" g="0" b="0"/>
+      </a:lnRef>
+      <a:fillRef idx="1">
+        <a:scrgbClr r="0" g="0" b="0"/>
+      </a:fillRef>
+      <a:effectRef idx="0">
+        <a:scrgbClr r="0" g="0" b="0"/>
+      </a:effectRef>
+      <a:fontRef idx="minor">
+        <a:schemeClr val="lt1"/>
+      </a:fontRef>
+    </dgm:style>
+  </dgm:styleLbl>
+  <dgm:styleLbl name="vennNode1">
+    <dgm:scene3d>
+      <a:camera prst="orthographicFront"/>
+      <a:lightRig rig="threePt" dir="t"/>
+    </dgm:scene3d>
+    <dgm:sp3d/>
+    <dgm:txPr/>
+    <dgm:style>
+      <a:lnRef idx="2">
+        <a:scrgbClr r="0" g="0" b="0"/>
+      </a:lnRef>
+      <a:fillRef idx="1">
+        <a:scrgbClr r="0" g="0" b="0"/>
+      </a:fillRef>
+      <a:effectRef idx="0">
+        <a:scrgbClr r="0" g="0" b="0"/>
+      </a:effectRef>
+      <a:fontRef idx="minor">
+        <a:schemeClr val="tx1"/>
+      </a:fontRef>
+    </dgm:style>
+  </dgm:styleLbl>
+  <dgm:styleLbl name="alignNode1">
+    <dgm:scene3d>
+      <a:camera prst="orthographicFront"/>
+      <a:lightRig rig="threePt" dir="t"/>
+    </dgm:scene3d>
+    <dgm:sp3d/>
+    <dgm:txPr/>
+    <dgm:style>
+      <a:lnRef idx="2">
+        <a:scrgbClr r="0" g="0" b="0"/>
+      </a:lnRef>
+      <a:fillRef idx="1">
+        <a:scrgbClr r="0" g="0" b="0"/>
+      </a:fillRef>
+      <a:effectRef idx="0">
+        <a:scrgbClr r="0" g="0" b="0"/>
+      </a:effectRef>
+      <a:fontRef idx="minor">
+        <a:schemeClr val="lt1"/>
+      </a:fontRef>
+    </dgm:style>
+  </dgm:styleLbl>
+  <dgm:styleLbl name="node1">
+    <dgm:scene3d>
+      <a:camera prst="orthographicFront"/>
+      <a:lightRig rig="threePt" dir="t"/>
+    </dgm:scene3d>
+    <dgm:sp3d/>
+    <dgm:txPr/>
+    <dgm:style>
+      <a:lnRef idx="2">
+        <a:scrgbClr r="0" g="0" b="0"/>
+      </a:lnRef>
+      <a:fillRef idx="1">
+        <a:scrgbClr r="0" g="0" b="0"/>
+      </a:fillRef>
+      <a:effectRef idx="0">
+        <a:scrgbClr r="0" g="0" b="0"/>
+      </a:effectRef>
+      <a:fontRef idx="minor">
+        <a:schemeClr val="lt1"/>
+      </a:fontRef>
+    </dgm:style>
+  </dgm:styleLbl>
+  <dgm:styleLbl name="node2">
+    <dgm:scene3d>
+      <a:camera prst="orthographicFront"/>
+      <a:lightRig rig="threePt" dir="t"/>
+    </dgm:scene3d>
+    <dgm:sp3d/>
+    <dgm:txPr/>
+    <dgm:style>
+      <a:lnRef idx="2">
+        <a:scrgbClr r="0" g="0" b="0"/>
+      </a:lnRef>
+      <a:fillRef idx="1">
+        <a:scrgbClr r="0" g="0" b="0"/>
+      </a:fillRef>
+      <a:effectRef idx="0">
+        <a:scrgbClr r="0" g="0" b="0"/>
+      </a:effectRef>
+      <a:fontRef idx="minor">
+        <a:schemeClr val="lt1"/>
+      </a:fontRef>
+    </dgm:style>
+  </dgm:styleLbl>
+  <dgm:styleLbl name="node3">
+    <dgm:scene3d>
+      <a:camera prst="orthographicFront"/>
+      <a:lightRig rig="threePt" dir="t"/>
+    </dgm:scene3d>
+    <dgm:sp3d/>
+    <dgm:txPr/>
+    <dgm:style>
+      <a:lnRef idx="2">
+        <a:scrgbClr r="0" g="0" b="0"/>
+      </a:lnRef>
+      <a:fillRef idx="1">
+        <a:scrgbClr r="0" g="0" b="0"/>
+      </a:fillRef>
+      <a:effectRef idx="0">
+        <a:scrgbClr r="0" g="0" b="0"/>
+      </a:effectRef>
+      <a:fontRef idx="minor">
+        <a:schemeClr val="lt1"/>
+      </a:fontRef>
+    </dgm:style>
+  </dgm:styleLbl>
+  <dgm:styleLbl name="node4">
+    <dgm:scene3d>
+      <a:camera prst="orthographicFront"/>
+      <a:lightRig rig="threePt" dir="t"/>
+    </dgm:scene3d>
+    <dgm:sp3d/>
+    <dgm:txPr/>
+    <dgm:style>
+      <a:lnRef idx="2">
+        <a:scrgbClr r="0" g="0" b="0"/>
+      </a:lnRef>
+      <a:fillRef idx="1">
+        <a:scrgbClr r="0" g="0" b="0"/>
+      </a:fillRef>
+      <a:effectRef idx="0">
+        <a:scrgbClr r="0" g="0" b="0"/>
+      </a:effectRef>
+      <a:fontRef idx="minor">
+        <a:schemeClr val="lt1"/>
+      </a:fontRef>
+    </dgm:style>
+  </dgm:styleLbl>
+  <dgm:styleLbl name="fgImgPlace1">
+    <dgm:scene3d>
+      <a:camera prst="orthographicFront"/>
+      <a:lightRig rig="threePt" dir="t"/>
+    </dgm:scene3d>
+    <dgm:sp3d/>
+    <dgm:txPr/>
+    <dgm:style>
+      <a:lnRef idx="2">
+        <a:scrgbClr r="0" g="0" b="0"/>
+      </a:lnRef>
+      <a:fillRef idx="1">
+        <a:scrgbClr r="0" g="0" b="0"/>
+      </a:fillRef>
+      <a:effectRef idx="0">
+        <a:scrgbClr r="0" g="0" b="0"/>
+      </a:effectRef>
+      <a:fontRef idx="minor"/>
+    </dgm:style>
+  </dgm:styleLbl>
+  <dgm:styleLbl name="alignImgPlace1">
+    <dgm:scene3d>
+      <a:camera prst="orthographicFront"/>
+      <a:lightRig rig="threePt" dir="t"/>
+    </dgm:scene3d>
+    <dgm:sp3d/>
+    <dgm:txPr/>
+    <dgm:style>
+      <a:lnRef idx="2">
+        <a:scrgbClr r="0" g="0" b="0"/>
+      </a:lnRef>
+      <a:fillRef idx="1">
+        <a:scrgbClr r="0" g="0" b="0"/>
+      </a:fillRef>
+      <a:effectRef idx="0">
+        <a:scrgbClr r="0" g="0" b="0"/>
+      </a:effectRef>
+      <a:fontRef idx="minor"/>
+    </dgm:style>
+  </dgm:styleLbl>
+  <dgm:styleLbl name="bgImgPlace1">
+    <dgm:scene3d>
+      <a:camera prst="orthographicFront"/>
+      <a:lightRig rig="threePt" dir="t"/>
+    </dgm:scene3d>
+    <dgm:sp3d/>
+    <dgm:txPr/>
+    <dgm:style>
+      <a:lnRef idx="2">
+        <a:scrgbClr r="0" g="0" b="0"/>
+      </a:lnRef>
+      <a:fillRef idx="1">
+        <a:scrgbClr r="0" g="0" b="0"/>
+      </a:fillRef>
+      <a:effectRef idx="0">
+        <a:scrgbClr r="0" g="0" b="0"/>
+      </a:effectRef>
+      <a:fontRef idx="minor"/>
+    </dgm:style>
+  </dgm:styleLbl>
+  <dgm:styleLbl name="sibTrans2D1">
+    <dgm:scene3d>
+      <a:camera prst="orthographicFront"/>
+      <a:lightRig rig="threePt" dir="t"/>
+    </dgm:scene3d>
+    <dgm:sp3d/>
+    <dgm:txPr/>
+    <dgm:style>
+      <a:lnRef idx="0">
+        <a:scrgbClr r="0" g="0" b="0"/>
+      </a:lnRef>
+      <a:fillRef idx="1">
+        <a:scrgbClr r="0" g="0" b="0"/>
+      </a:fillRef>
+      <a:effectRef idx="0">
+        <a:scrgbClr r="0" g="0" b="0"/>
+      </a:effectRef>
+      <a:fontRef idx="minor">
+        <a:schemeClr val="lt1"/>
+      </a:fontRef>
+    </dgm:style>
+  </dgm:styleLbl>
+  <dgm:styleLbl name="fgSibTrans2D1">
+    <dgm:scene3d>
+      <a:camera prst="orthographicFront"/>
+      <a:lightRig rig="threePt" dir="t"/>
+    </dgm:scene3d>
+    <dgm:sp3d/>
+    <dgm:txPr/>
+    <dgm:style>
+      <a:lnRef idx="0">
+        <a:scrgbClr r="0" g="0" b="0"/>
+      </a:lnRef>
+      <a:fillRef idx="1">
+        <a:scrgbClr r="0" g="0" b="0"/>
+      </a:fillRef>
+      <a:effectRef idx="0">
+        <a:scrgbClr r="0" g="0" b="0"/>
+      </a:effectRef>
+      <a:fontRef idx="minor">
+        <a:schemeClr val="lt1"/>
+      </a:fontRef>
+    </dgm:style>
+  </dgm:styleLbl>
+  <dgm:styleLbl name="bgSibTrans2D1">
+    <dgm:scene3d>
+      <a:camera prst="orthographicFront"/>
+      <a:lightRig rig="threePt" dir="t"/>
+    </dgm:scene3d>
+    <dgm:sp3d/>
+    <dgm:txPr/>
+    <dgm:style>
+      <a:lnRef idx="0">
+        <a:scrgbClr r="0" g="0" b="0"/>
+      </a:lnRef>
+      <a:fillRef idx="1">
+        <a:scrgbClr r="0" g="0" b="0"/>
+      </a:fillRef>
+      <a:effectRef idx="0">
+        <a:scrgbClr r="0" g="0" b="0"/>
+      </a:effectRef>
+      <a:fontRef idx="minor">
+        <a:schemeClr val="lt1"/>
+      </a:fontRef>
+    </dgm:style>
+  </dgm:styleLbl>
+  <dgm:styleLbl name="sibTrans1D1">
+    <dgm:scene3d>
+      <a:camera prst="orthographicFront"/>
+      <a:lightRig rig="threePt" dir="t"/>
+    </dgm:scene3d>
+    <dgm:sp3d/>
+    <dgm:txPr/>
+    <dgm:style>
+      <a:lnRef idx="1">
+        <a:scrgbClr r="0" g="0" b="0"/>
+      </a:lnRef>
+      <a:fillRef idx="0">
+        <a:scrgbClr r="0" g="0" b="0"/>
+      </a:fillRef>
+      <a:effectRef idx="0">
+        <a:scrgbClr r="0" g="0" b="0"/>
+      </a:effectRef>
+      <a:fontRef idx="minor"/>
+    </dgm:style>
+  </dgm:styleLbl>
+  <dgm:styleLbl name="callout">
+    <dgm:scene3d>
+      <a:camera prst="orthographicFront"/>
+      <a:lightRig rig="threePt" dir="t"/>
+    </dgm:scene3d>
+    <dgm:sp3d/>
+    <dgm:txPr/>
+    <dgm:style>
+      <a:lnRef idx="2">
+        <a:scrgbClr r="0" g="0" b="0"/>
+      </a:lnRef>
+      <a:fillRef idx="1">
+        <a:scrgbClr r="0" g="0" b="0"/>
+      </a:fillRef>
+      <a:effectRef idx="0">
+        <a:scrgbClr r="0" g="0" b="0"/>
+      </a:effectRef>
+      <a:fontRef idx="minor"/>
+    </dgm:style>
+  </dgm:styleLbl>
+  <dgm:styleLbl name="asst0">
+    <dgm:scene3d>
+      <a:camera prst="orthographicFront"/>
+      <a:lightRig rig="threePt" dir="t"/>
+    </dgm:scene3d>
+    <dgm:sp3d/>
+    <dgm:txPr/>
+    <dgm:style>
+      <a:lnRef idx="2">
+        <a:scrgbClr r="0" g="0" b="0"/>
+      </a:lnRef>
+      <a:fillRef idx="1">
+        <a:scrgbClr r="0" g="0" b="0"/>
+      </a:fillRef>
+      <a:effectRef idx="0">
+        <a:scrgbClr r="0" g="0" b="0"/>
+      </a:effectRef>
+      <a:fontRef idx="minor">
+        <a:schemeClr val="lt1"/>
+      </a:fontRef>
+    </dgm:style>
+  </dgm:styleLbl>
+  <dgm:styleLbl name="asst1">
+    <dgm:scene3d>
+      <a:camera prst="orthographicFront"/>
+      <a:lightRig rig="threePt" dir="t"/>
+    </dgm:scene3d>
+    <dgm:sp3d/>
+    <dgm:txPr/>
+    <dgm:style>
+      <a:lnRef idx="2">
+        <a:scrgbClr r="0" g="0" b="0"/>
+      </a:lnRef>
+      <a:fillRef idx="1">
+        <a:scrgbClr r="0" g="0" b="0"/>
+      </a:fillRef>
+      <a:effectRef idx="0">
+        <a:scrgbClr r="0" g="0" b="0"/>
+      </a:effectRef>
+      <a:fontRef idx="minor">
+        <a:schemeClr val="lt1"/>
+      </a:fontRef>
+    </dgm:style>
+  </dgm:styleLbl>
+  <dgm:styleLbl name="asst2">
+    <dgm:scene3d>
+      <a:camera prst="orthographicFront"/>
+      <a:lightRig rig="threePt" dir="t"/>
+    </dgm:scene3d>
+    <dgm:sp3d/>
+    <dgm:txPr/>
+    <dgm:style>
+      <a:lnRef idx="2">
+        <a:scrgbClr r="0" g="0" b="0"/>
+      </a:lnRef>
+      <a:fillRef idx="1">
+        <a:scrgbClr r="0" g="0" b="0"/>
+      </a:fillRef>
+      <a:effectRef idx="0">
+        <a:scrgbClr r="0" g="0" b="0"/>
+      </a:effectRef>
+      <a:fontRef idx="minor">
+        <a:schemeClr val="lt1"/>
+      </a:fontRef>
+    </dgm:style>
+  </dgm:styleLbl>
+  <dgm:styleLbl name="asst3">
+    <dgm:scene3d>
+      <a:camera prst="orthographicFront"/>
+      <a:lightRig rig="threePt" dir="t"/>
+    </dgm:scene3d>
+    <dgm:sp3d/>
+    <dgm:txPr/>
+    <dgm:style>
+      <a:lnRef idx="2">
+        <a:scrgbClr r="0" g="0" b="0"/>
+      </a:lnRef>
+      <a:fillRef idx="1">
+        <a:scrgbClr r="0" g="0" b="0"/>
+      </a:fillRef>
+      <a:effectRef idx="0">
+        <a:scrgbClr r="0" g="0" b="0"/>
+      </a:effectRef>
+      <a:fontRef idx="minor">
+        <a:schemeClr val="lt1"/>
+      </a:fontRef>
+    </dgm:style>
+  </dgm:styleLbl>
+  <dgm:styleLbl name="asst4">
+    <dgm:scene3d>
+      <a:camera prst="orthographicFront"/>
+      <a:lightRig rig="threePt" dir="t"/>
+    </dgm:scene3d>
+    <dgm:sp3d/>
+    <dgm:txPr/>
+    <dgm:style>
+      <a:lnRef idx="2">
+        <a:scrgbClr r="0" g="0" b="0"/>
+      </a:lnRef>
+      <a:fillRef idx="1">
+        <a:scrgbClr r="0" g="0" b="0"/>
+      </a:fillRef>
+      <a:effectRef idx="0">
+        <a:scrgbClr r="0" g="0" b="0"/>
+      </a:effectRef>
+      <a:fontRef idx="minor">
+        <a:schemeClr val="lt1"/>
+      </a:fontRef>
+    </dgm:style>
+  </dgm:styleLbl>
+  <dgm:styleLbl name="parChTrans2D1">
+    <dgm:scene3d>
+      <a:camera prst="orthographicFront"/>
+      <a:lightRig rig="threePt" dir="t"/>
+    </dgm:scene3d>
+    <dgm:sp3d/>
+    <dgm:txPr/>
+    <dgm:style>
+      <a:lnRef idx="2">
+        <a:scrgbClr r="0" g="0" b="0"/>
+      </a:lnRef>
+      <a:fillRef idx="1">
+        <a:scrgbClr r="0" g="0" b="0"/>
+      </a:fillRef>
+      <a:effectRef idx="0">
+        <a:scrgbClr r="0" g="0" b="0"/>
+      </a:effectRef>
+      <a:fontRef idx="minor">
+        <a:schemeClr val="lt1"/>
+      </a:fontRef>
+    </dgm:style>
+  </dgm:styleLbl>
+  <dgm:styleLbl name="parChTrans2D2">
+    <dgm:scene3d>
+      <a:camera prst="orthographicFront"/>
+      <a:lightRig rig="threePt" dir="t"/>
+    </dgm:scene3d>
+    <dgm:sp3d/>
+    <dgm:txPr/>
+    <dgm:style>
+      <a:lnRef idx="2">
+        <a:scrgbClr r="0" g="0" b="0"/>
+      </a:lnRef>
+      <a:fillRef idx="1">
+        <a:scrgbClr r="0" g="0" b="0"/>
+      </a:fillRef>
+      <a:effectRef idx="0">
+        <a:scrgbClr r="0" g="0" b="0"/>
+      </a:effectRef>
+      <a:fontRef idx="minor">
+        <a:schemeClr val="lt1"/>
+      </a:fontRef>
+    </dgm:style>
+  </dgm:styleLbl>
+  <dgm:styleLbl name="parChTrans2D3">
+    <dgm:scene3d>
+      <a:camera prst="orthographicFront"/>
+      <a:lightRig rig="threePt" dir="t"/>
+    </dgm:scene3d>
+    <dgm:sp3d/>
+    <dgm:txPr/>
+    <dgm:style>
+      <a:lnRef idx="2">
+        <a:scrgbClr r="0" g="0" b="0"/>
+      </a:lnRef>
+      <a:fillRef idx="1">
+        <a:scrgbClr r="0" g="0" b="0"/>
+      </a:fillRef>
+      <a:effectRef idx="0">
+        <a:scrgbClr r="0" g="0" b="0"/>
+      </a:effectRef>
+      <a:fontRef idx="minor">
+        <a:schemeClr val="lt1"/>
+      </a:fontRef>
+    </dgm:style>
+  </dgm:styleLbl>
+  <dgm:styleLbl name="parChTrans2D4">
+    <dgm:scene3d>
+      <a:camera prst="orthographicFront"/>
+      <a:lightRig rig="threePt" dir="t"/>
+    </dgm:scene3d>
+    <dgm:sp3d/>
+    <dgm:txPr/>
+    <dgm:style>
+      <a:lnRef idx="2">
+        <a:scrgbClr r="0" g="0" b="0"/>
+      </a:lnRef>
+      <a:fillRef idx="1">
+        <a:scrgbClr r="0" g="0" b="0"/>
+      </a:fillRef>
+      <a:effectRef idx="0">
+        <a:scrgbClr r="0" g="0" b="0"/>
+      </a:effectRef>
+      <a:fontRef idx="minor">
+        <a:schemeClr val="lt1"/>
+      </a:fontRef>
+    </dgm:style>
+  </dgm:styleLbl>
+  <dgm:styleLbl name="parChTrans1D1">
+    <dgm:scene3d>
+      <a:camera prst="orthographicFront"/>
+      <a:lightRig rig="threePt" dir="t"/>
+    </dgm:scene3d>
+    <dgm:sp3d/>
+    <dgm:txPr/>
+    <dgm:style>
+      <a:lnRef idx="2">
+        <a:scrgbClr r="0" g="0" b="0"/>
+      </a:lnRef>
+      <a:fillRef idx="0">
+        <a:scrgbClr r="0" g="0" b="0"/>
+      </a:fillRef>
+      <a:effectRef idx="0">
+        <a:scrgbClr r="0" g="0" b="0"/>
+      </a:effectRef>
+      <a:fontRef idx="minor"/>
+    </dgm:style>
+  </dgm:styleLbl>
+  <dgm:styleLbl name="parChTrans1D2">
+    <dgm:scene3d>
+      <a:camera prst="orthographicFront"/>
+      <a:lightRig rig="threePt" dir="t"/>
+    </dgm:scene3d>
+    <dgm:sp3d/>
+    <dgm:txPr/>
+    <dgm:style>
+      <a:lnRef idx="2">
+        <a:scrgbClr r="0" g="0" b="0"/>
+      </a:lnRef>
+      <a:fillRef idx="0">
+        <a:scrgbClr r="0" g="0" b="0"/>
+      </a:fillRef>
+      <a:effectRef idx="0">
+        <a:scrgbClr r="0" g="0" b="0"/>
+      </a:effectRef>
+      <a:fontRef idx="minor"/>
+    </dgm:style>
+  </dgm:styleLbl>
+  <dgm:styleLbl name="parChTrans1D3">
+    <dgm:scene3d>
+      <a:camera prst="orthographicFront"/>
+      <a:lightRig rig="threePt" dir="t"/>
+    </dgm:scene3d>
+    <dgm:sp3d/>
+    <dgm:txPr/>
+    <dgm:style>
+      <a:lnRef idx="2">
+        <a:scrgbClr r="0" g="0" b="0"/>
+      </a:lnRef>
+      <a:fillRef idx="0">
+        <a:scrgbClr r="0" g="0" b="0"/>
+      </a:fillRef>
+      <a:effectRef idx="0">
+        <a:scrgbClr r="0" g="0" b="0"/>
+      </a:effectRef>
+      <a:fontRef idx="minor"/>
+    </dgm:style>
+  </dgm:styleLbl>
+  <dgm:styleLbl name="parChTrans1D4">
+    <dgm:scene3d>
+      <a:camera prst="orthographicFront"/>
+      <a:lightRig rig="threePt" dir="t"/>
+    </dgm:scene3d>
+    <dgm:sp3d/>
+    <dgm:txPr/>
+    <dgm:style>
+      <a:lnRef idx="2">
+        <a:scrgbClr r="0" g="0" b="0"/>
+      </a:lnRef>
+      <a:fillRef idx="0">
+        <a:scrgbClr r="0" g="0" b="0"/>
+      </a:fillRef>
+      <a:effectRef idx="0">
+        <a:scrgbClr r="0" g="0" b="0"/>
+      </a:effectRef>
+      <a:fontRef idx="minor"/>
+    </dgm:style>
+  </dgm:styleLbl>
+  <dgm:styleLbl name="fgAcc1">
+    <dgm:scene3d>
+      <a:camera prst="orthographicFront"/>
+      <a:lightRig rig="threePt" dir="t"/>
+    </dgm:scene3d>
+    <dgm:sp3d/>
+    <dgm:txPr/>
+    <dgm:style>
+      <a:lnRef idx="2">
+        <a:scrgbClr r="0" g="0" b="0"/>
+      </a:lnRef>
+      <a:fillRef idx="1">
+        <a:scrgbClr r="0" g="0" b="0"/>
+      </a:fillRef>
+      <a:effectRef idx="0">
+        <a:scrgbClr r="0" g="0" b="0"/>
+      </a:effectRef>
+      <a:fontRef idx="minor"/>
+    </dgm:style>
+  </dgm:styleLbl>
+  <dgm:styleLbl name="conFgAcc1">
+    <dgm:scene3d>
+      <a:camera prst="orthographicFront"/>
+      <a:lightRig rig="threePt" dir="t"/>
+    </dgm:scene3d>
+    <dgm:sp3d/>
+    <dgm:txPr/>
+    <dgm:style>
+      <a:lnRef idx="2">
+        <a:scrgbClr r="0" g="0" b="0"/>
+      </a:lnRef>
+      <a:fillRef idx="1">
+        <a:scrgbClr r="0" g="0" b="0"/>
+      </a:fillRef>
+      <a:effectRef idx="0">
+        <a:scrgbClr r="0" g="0" b="0"/>
+      </a:effectRef>
+      <a:fontRef idx="minor"/>
+    </dgm:style>
+  </dgm:styleLbl>
+  <dgm:styleLbl name="alignAcc1">
+    <dgm:scene3d>
+      <a:camera prst="orthographicFront"/>
+      <a:lightRig rig="threePt" dir="t"/>
+    </dgm:scene3d>
+    <dgm:sp3d/>
+    <dgm:txPr/>
+    <dgm:style>
+      <a:lnRef idx="2">
+        <a:scrgbClr r="0" g="0" b="0"/>
+      </a:lnRef>
+      <a:fillRef idx="1">
+        <a:scrgbClr r="0" g="0" b="0"/>
+      </a:fillRef>
+      <a:effectRef idx="0">
+        <a:scrgbClr r="0" g="0" b="0"/>
+      </a:effectRef>
+      <a:fontRef idx="minor"/>
+    </dgm:style>
+  </dgm:styleLbl>
+  <dgm:styleLbl name="trAlignAcc1">
+    <dgm:scene3d>
+      <a:camera prst="orthographicFront"/>
+      <a:lightRig rig="threePt" dir="t"/>
+    </dgm:scene3d>
+    <dgm:sp3d/>
+    <dgm:txPr/>
+    <dgm:style>
+      <a:lnRef idx="1">
+        <a:scrgbClr r="0" g="0" b="0"/>
+      </a:lnRef>
+      <a:fillRef idx="1">
+        <a:scrgbClr r="0" g="0" b="0"/>
+      </a:fillRef>
+      <a:effectRef idx="0">
+        <a:scrgbClr r="0" g="0" b="0"/>
+      </a:effectRef>
+      <a:fontRef idx="minor"/>
+    </dgm:style>
+  </dgm:styleLbl>
+  <dgm:styleLbl name="bgAcc1">
+    <dgm:scene3d>
+      <a:camera prst="orthographicFront"/>
+      <a:lightRig rig="threePt" dir="t"/>
+    </dgm:scene3d>
+    <dgm:sp3d/>
+    <dgm:txPr/>
+    <dgm:style>
+      <a:lnRef idx="2">
+        <a:scrgbClr r="0" g="0" b="0"/>
+      </a:lnRef>
+      <a:fillRef idx="1">
+        <a:scrgbClr r="0" g="0" b="0"/>
+      </a:fillRef>
+      <a:effectRef idx="0">
+        <a:scrgbClr r="0" g="0" b="0"/>
+      </a:effectRef>
+      <a:fontRef idx="minor"/>
+    </dgm:style>
+  </dgm:styleLbl>
+  <dgm:styleLbl name="solidFgAcc1">
+    <dgm:scene3d>
+      <a:camera prst="orthographicFront"/>
+      <a:lightRig rig="threePt" dir="t"/>
+    </dgm:scene3d>
+    <dgm:sp3d/>
+    <dgm:txPr/>
+    <dgm:style>
+      <a:lnRef idx="2">
+        <a:scrgbClr r="0" g="0" b="0"/>
+      </a:lnRef>
+      <a:fillRef idx="1">
+        <a:scrgbClr r="0" g="0" b="0"/>
+      </a:fillRef>
+      <a:effectRef idx="0">
+        <a:scrgbClr r="0" g="0" b="0"/>
+      </a:effectRef>
+      <a:fontRef idx="minor"/>
+    </dgm:style>
+  </dgm:styleLbl>
+  <dgm:styleLbl name="solidAlignAcc1">
+    <dgm:scene3d>
+      <a:camera prst="orthographicFront"/>
+      <a:lightRig rig="threePt" dir="t"/>
+    </dgm:scene3d>
+    <dgm:sp3d/>
+    <dgm:txPr/>
+    <dgm:style>
+      <a:lnRef idx="2">
+        <a:scrgbClr r="0" g="0" b="0"/>
+      </a:lnRef>
+      <a:fillRef idx="1">
+        <a:scrgbClr r="0" g="0" b="0"/>
+      </a:fillRef>
+      <a:effectRef idx="0">
+        <a:scrgbClr r="0" g="0" b="0"/>
+      </a:effectRef>
+      <a:fontRef idx="minor"/>
+    </dgm:style>
+  </dgm:styleLbl>
+  <dgm:styleLbl name="solidBgAcc1">
+    <dgm:scene3d>
+      <a:camera prst="orthographicFront"/>
+      <a:lightRig rig="threePt" dir="t"/>
+    </dgm:scene3d>
+    <dgm:sp3d/>
+    <dgm:txPr/>
+    <dgm:style>
+      <a:lnRef idx="2">
+        <a:scrgbClr r="0" g="0" b="0"/>
+      </a:lnRef>
+      <a:fillRef idx="1">
+        <a:scrgbClr r="0" g="0" b="0"/>
+      </a:fillRef>
+      <a:effectRef idx="0">
+        <a:scrgbClr r="0" g="0" b="0"/>
+      </a:effectRef>
+      <a:fontRef idx="minor"/>
+    </dgm:style>
+  </dgm:styleLbl>
+  <dgm:styleLbl name="fgAccFollowNode1">
+    <dgm:scene3d>
+      <a:camera prst="orthographicFront"/>
+      <a:lightRig rig="threePt" dir="t"/>
+    </dgm:scene3d>
+    <dgm:sp3d/>
+    <dgm:txPr/>
+    <dgm:style>
+      <a:lnRef idx="2">
+        <a:scrgbClr r="0" g="0" b="0"/>
+      </a:lnRef>
+      <a:fillRef idx="1">
+        <a:scrgbClr r="0" g="0" b="0"/>
+      </a:fillRef>
+      <a:effectRef idx="0">
+        <a:scrgbClr r="0" g="0" b="0"/>
+      </a:effectRef>
+      <a:fontRef idx="minor"/>
+    </dgm:style>
+  </dgm:styleLbl>
+  <dgm:styleLbl name="alignAccFollowNode1">
+    <dgm:scene3d>
+      <a:camera prst="orthographicFront"/>
+      <a:lightRig rig="threePt" dir="t"/>
+    </dgm:scene3d>
+    <dgm:sp3d/>
+    <dgm:txPr/>
+    <dgm:style>
+      <a:lnRef idx="2">
+        <a:scrgbClr r="0" g="0" b="0"/>
+      </a:lnRef>
+      <a:fillRef idx="1">
+        <a:scrgbClr r="0" g="0" b="0"/>
+      </a:fillRef>
+      <a:effectRef idx="0">
+        <a:scrgbClr r="0" g="0" b="0"/>
+      </a:effectRef>
+      <a:fontRef idx="minor"/>
+    </dgm:style>
+  </dgm:styleLbl>
+  <dgm:styleLbl name="bgAccFollowNode1">
+    <dgm:scene3d>
+      <a:camera prst="orthographicFront"/>
+      <a:lightRig rig="threePt" dir="t"/>
+    </dgm:scene3d>
+    <dgm:sp3d/>
+    <dgm:txPr/>
+    <dgm:style>
+      <a:lnRef idx="2">
+        <a:scrgbClr r="0" g="0" b="0"/>
+      </a:lnRef>
+      <a:fillRef idx="1">
+        <a:scrgbClr r="0" g="0" b="0"/>
+      </a:fillRef>
+      <a:effectRef idx="0">
+        <a:scrgbClr r="0" g="0" b="0"/>
+      </a:effectRef>
+      <a:fontRef idx="minor"/>
+    </dgm:style>
+  </dgm:styleLbl>
+  <dgm:styleLbl name="fgAcc0">
+    <dgm:scene3d>
+      <a:camera prst="orthographicFront"/>
+      <a:lightRig rig="threePt" dir="t"/>
+    </dgm:scene3d>
+    <dgm:sp3d/>
+    <dgm:txPr/>
+    <dgm:style>
+      <a:lnRef idx="2">
+        <a:scrgbClr r="0" g="0" b="0"/>
+      </a:lnRef>
+      <a:fillRef idx="1">
+        <a:scrgbClr r="0" g="0" b="0"/>
+      </a:fillRef>
+      <a:effectRef idx="0">
+        <a:scrgbClr r="0" g="0" b="0"/>
+      </a:effectRef>
+      <a:fontRef idx="minor"/>
+    </dgm:style>
+  </dgm:styleLbl>
+  <dgm:styleLbl name="fgAcc2">
+    <dgm:scene3d>
+      <a:camera prst="orthographicFront"/>
+      <a:lightRig rig="threePt" dir="t"/>
+    </dgm:scene3d>
+    <dgm:sp3d/>
+    <dgm:txPr/>
+    <dgm:style>
+      <a:lnRef idx="2">
+        <a:scrgbClr r="0" g="0" b="0"/>
+      </a:lnRef>
+      <a:fillRef idx="1">
+        <a:scrgbClr r="0" g="0" b="0"/>
+      </a:fillRef>
+      <a:effectRef idx="0">
+        <a:scrgbClr r="0" g="0" b="0"/>
+      </a:effectRef>
+      <a:fontRef idx="minor"/>
+    </dgm:style>
+  </dgm:styleLbl>
+  <dgm:styleLbl name="fgAcc3">
+    <dgm:scene3d>
+      <a:camera prst="orthographicFront"/>
+      <a:lightRig rig="threePt" dir="t"/>
+    </dgm:scene3d>
+    <dgm:sp3d/>
+    <dgm:txPr/>
+    <dgm:style>
+      <a:lnRef idx="2">
+        <a:scrgbClr r="0" g="0" b="0"/>
+      </a:lnRef>
+      <a:fillRef idx="1">
+        <a:scrgbClr r="0" g="0" b="0"/>
+      </a:fillRef>
+      <a:effectRef idx="0">
+        <a:scrgbClr r="0" g="0" b="0"/>
+      </a:effectRef>
+      <a:fontRef idx="minor"/>
+    </dgm:style>
+  </dgm:styleLbl>
+  <dgm:styleLbl name="fgAcc4">
+    <dgm:scene3d>
+      <a:camera prst="orthographicFront"/>
+      <a:lightRig rig="threePt" dir="t"/>
+    </dgm:scene3d>
+    <dgm:sp3d/>
+    <dgm:txPr/>
+    <dgm:style>
+      <a:lnRef idx="2">
+        <a:scrgbClr r="0" g="0" b="0"/>
+      </a:lnRef>
+      <a:fillRef idx="1">
+        <a:scrgbClr r="0" g="0" b="0"/>
+      </a:fillRef>
+      <a:effectRef idx="0">
+        <a:scrgbClr r="0" g="0" b="0"/>
+      </a:effectRef>
+      <a:fontRef idx="minor"/>
+    </dgm:style>
+  </dgm:styleLbl>
+  <dgm:styleLbl name="bgShp">
+    <dgm:scene3d>
+      <a:camera prst="orthographicFront"/>
+      <a:lightRig rig="threePt" dir="t"/>
+    </dgm:scene3d>
+    <dgm:sp3d/>
+    <dgm:txPr/>
+    <dgm:style>
+      <a:lnRef idx="0">
+        <a:scrgbClr r="0" g="0" b="0"/>
+      </a:lnRef>
+      <a:fillRef idx="1">
+        <a:scrgbClr r="0" g="0" b="0"/>
+      </a:fillRef>
+      <a:effectRef idx="0">
+        <a:scrgbClr r="0" g="0" b="0"/>
+      </a:effectRef>
+      <a:fontRef idx="minor"/>
+    </dgm:style>
+  </dgm:styleLbl>
+  <dgm:styleLbl name="dkBgShp">
+    <dgm:scene3d>
+      <a:camera prst="orthographicFront"/>
+      <a:lightRig rig="threePt" dir="t"/>
+    </dgm:scene3d>
+    <dgm:sp3d/>
+    <dgm:txPr/>
+    <dgm:style>
+      <a:lnRef idx="0">
+        <a:scrgbClr r="0" g="0" b="0"/>
+      </a:lnRef>
+      <a:fillRef idx="1">
+        <a:scrgbClr r="0" g="0" b="0"/>
+      </a:fillRef>
+      <a:effectRef idx="0">
+        <a:scrgbClr r="0" g="0" b="0"/>
+      </a:effectRef>
+      <a:fontRef idx="minor"/>
+    </dgm:style>
+  </dgm:styleLbl>
+  <dgm:styleLbl name="trBgShp">
+    <dgm:scene3d>
+      <a:camera prst="orthographicFront"/>
+      <a:lightRig rig="threePt" dir="t"/>
+    </dgm:scene3d>
+    <dgm:sp3d/>
+    <dgm:txPr/>
+    <dgm:style>
+      <a:lnRef idx="0">
+        <a:scrgbClr r="0" g="0" b="0"/>
+      </a:lnRef>
+      <a:fillRef idx="1">
+        <a:scrgbClr r="0" g="0" b="0"/>
+      </a:fillRef>
+      <a:effectRef idx="0">
+        <a:scrgbClr r="0" g="0" b="0"/>
+      </a:effectRef>
+      <a:fontRef idx="minor"/>
+    </dgm:style>
+  </dgm:styleLbl>
+  <dgm:styleLbl name="fgShp">
+    <dgm:scene3d>
+      <a:camera prst="orthographicFront"/>
+      <a:lightRig rig="threePt" dir="t"/>
+    </dgm:scene3d>
+    <dgm:sp3d/>
+    <dgm:txPr/>
+    <dgm:style>
+      <a:lnRef idx="2">
+        <a:scrgbClr r="0" g="0" b="0"/>
+      </a:lnRef>
+      <a:fillRef idx="1">
+        <a:scrgbClr r="0" g="0" b="0"/>
+      </a:fillRef>
+      <a:effectRef idx="0">
+        <a:scrgbClr r="0" g="0" b="0"/>
+      </a:effectRef>
+      <a:fontRef idx="minor"/>
+    </dgm:style>
+  </dgm:styleLbl>
+  <dgm:styleLbl name="revTx">
+    <dgm:scene3d>
+      <a:camera prst="orthographicFront"/>
+      <a:lightRig rig="threePt" dir="t"/>
+    </dgm:scene3d>
+    <dgm:sp3d/>
+    <dgm:txPr/>
+    <dgm:style>
+      <a:lnRef idx="0">
+        <a:scrgbClr r="0" g="0" b="0"/>
+      </a:lnRef>
+      <a:fillRef idx="0">
+        <a:scrgbClr r="0" g="0" b="0"/>
+      </a:fillRef>
+      <a:effectRef idx="0">
+        <a:scrgbClr r="0" g="0" b="0"/>
+      </a:effectRef>
+      <a:fontRef idx="minor"/>
+    </dgm:style>
+  </dgm:styleLbl>
+</dgm:styleDef>
+</file>
+
+<file path=ppt/diagrams/quickStyle5.xml><?xml version="1.0" encoding="utf-8"?>
 <dgm:styleDef xmlns:dgm="http://schemas.openxmlformats.org/drawingml/2006/diagram" xmlns:a="http://schemas.openxmlformats.org/drawingml/2006/main" uniqueId="urn:microsoft.com/office/officeart/2005/8/quickstyle/simple1">
   <dgm:title val=""/>
   <dgm:desc val=""/>
@@ -5935,7 +14360,7 @@
           <a:p>
             <a:fld id="{9184DA70-C731-4C70-880D-CCD4705E623C}" type="datetime1">
               <a:rPr lang="en-US" smtClean="0"/>
-              <a:t>2/10/2020</a:t>
+              <a:t>2/12/2020</a:t>
             </a:fld>
             <a:endParaRPr lang="en-US" dirty="0"/>
           </a:p>
@@ -6123,7 +14548,7 @@
           <a:p>
             <a:fld id="{B612A279-0833-481D-8C56-F67FD0AC6C50}" type="datetime1">
               <a:rPr lang="en-US" smtClean="0"/>
-              <a:t>2/10/2020</a:t>
+              <a:t>2/12/2020</a:t>
             </a:fld>
             <a:endParaRPr lang="en-US" dirty="0"/>
           </a:p>
@@ -6365,7 +14790,7 @@
           <a:p>
             <a:fld id="{6587DA83-5663-4C9C-B9AA-0B40A3DAFF81}" type="datetime1">
               <a:rPr lang="en-US" smtClean="0"/>
-              <a:t>2/10/2020</a:t>
+              <a:t>2/12/2020</a:t>
             </a:fld>
             <a:endParaRPr lang="en-US" dirty="0"/>
           </a:p>
@@ -6553,7 +14978,7 @@
           <a:p>
             <a:fld id="{4BE1D723-8F53-4F53-90B0-1982A396982E}" type="datetime1">
               <a:rPr lang="en-US" smtClean="0"/>
-              <a:t>2/10/2020</a:t>
+              <a:t>2/12/2020</a:t>
             </a:fld>
             <a:endParaRPr lang="en-US" dirty="0"/>
           </a:p>
@@ -6918,7 +15343,7 @@
           <a:p>
             <a:fld id="{97669AF7-7BEB-44E4-9852-375E34362B5B}" type="datetime1">
               <a:rPr lang="en-US" smtClean="0"/>
-              <a:t>2/10/2020</a:t>
+              <a:t>2/12/2020</a:t>
             </a:fld>
             <a:endParaRPr lang="en-US" dirty="0"/>
           </a:p>
@@ -7173,7 +15598,7 @@
           <a:p>
             <a:fld id="{BAAAC38D-0552-4C82-B593-E6124DFADBE2}" type="datetime1">
               <a:rPr lang="en-US" smtClean="0"/>
-              <a:t>2/10/2020</a:t>
+              <a:t>2/12/2020</a:t>
             </a:fld>
             <a:endParaRPr lang="en-US" dirty="0"/>
           </a:p>
@@ -7570,7 +15995,7 @@
           <a:p>
             <a:fld id="{D9DF0F1C-5577-4ACB-BB62-DF8F3C494C7E}" type="datetime1">
               <a:rPr lang="en-US" smtClean="0"/>
-              <a:t>2/10/2020</a:t>
+              <a:t>2/12/2020</a:t>
             </a:fld>
             <a:endParaRPr lang="en-US" dirty="0"/>
           </a:p>
@@ -7706,7 +16131,7 @@
           <a:p>
             <a:fld id="{1775B394-D9F9-4F0C-B15D-605F45CB9E9F}" type="datetime1">
               <a:rPr lang="en-US" smtClean="0"/>
-              <a:t>2/10/2020</a:t>
+              <a:t>2/12/2020</a:t>
             </a:fld>
             <a:endParaRPr lang="en-US" dirty="0"/>
           </a:p>
@@ -7863,7 +16288,7 @@
           <a:p>
             <a:fld id="{39667345-2558-425A-8533-9BFDBCE15005}" type="datetime1">
               <a:rPr lang="en-US" smtClean="0"/>
-              <a:t>2/10/2020</a:t>
+              <a:t>2/12/2020</a:t>
             </a:fld>
             <a:endParaRPr lang="en-US" dirty="0"/>
           </a:p>
@@ -8192,7 +16617,7 @@
           <a:p>
             <a:fld id="{92BEA474-078D-4E9B-9B14-09A87B19DC46}" type="datetime1">
               <a:rPr lang="en-US" smtClean="0"/>
-              <a:t>2/10/2020</a:t>
+              <a:t>2/12/2020</a:t>
             </a:fld>
             <a:endParaRPr lang="en-US" dirty="0"/>
           </a:p>
@@ -8542,7 +16967,7 @@
           <a:p>
             <a:fld id="{4907D986-8816-4272-A432-0437A28A9828}" type="datetime1">
               <a:rPr lang="en-US" smtClean="0"/>
-              <a:t>2/10/2020</a:t>
+              <a:t>2/12/2020</a:t>
             </a:fld>
             <a:endParaRPr lang="en-US" dirty="0"/>
           </a:p>
@@ -8830,7 +17255,7 @@
           <a:p>
             <a:fld id="{62D6E202-B606-4609-B914-27C9371A1F6D}" type="datetime1">
               <a:rPr lang="en-US" smtClean="0"/>
-              <a:t>2/10/2020</a:t>
+              <a:t>2/12/2020</a:t>
             </a:fld>
             <a:endParaRPr lang="en-US" dirty="0"/>
           </a:p>
@@ -10115,6 +18540,897 @@
 </p:sld>
 </file>
 
+<file path=ppt/slides/slide4.xml><?xml version="1.0" encoding="utf-8"?>
+<p:sld xmlns:a="http://schemas.openxmlformats.org/drawingml/2006/main" xmlns:r="http://schemas.openxmlformats.org/officeDocument/2006/relationships" xmlns:p="http://schemas.openxmlformats.org/presentationml/2006/main">
+  <p:cSld>
+    <p:spTree>
+      <p:nvGrpSpPr>
+        <p:cNvPr id="1" name=""/>
+        <p:cNvGrpSpPr/>
+        <p:nvPr/>
+      </p:nvGrpSpPr>
+      <p:grpSpPr>
+        <a:xfrm>
+          <a:off x="0" y="0"/>
+          <a:ext cx="0" cy="0"/>
+          <a:chOff x="0" y="0"/>
+          <a:chExt cx="0" cy="0"/>
+        </a:xfrm>
+      </p:grpSpPr>
+      <p:sp useBgFill="1">
+        <p:nvSpPr>
+          <p:cNvPr id="10" name="Rectangle 9">
+            <a:extLst>
+              <a:ext uri="{FF2B5EF4-FFF2-40B4-BE49-F238E27FC236}">
+                <a16:creationId xmlns:a16="http://schemas.microsoft.com/office/drawing/2014/main" id="{103E59AE-44F8-4FB9-BF05-C888FE3E1DFA}"/>
+              </a:ext>
+              <a:ext uri="{C183D7F6-B498-43B3-948B-1728B52AA6E4}">
+                <adec:decorative xmlns:adec="http://schemas.microsoft.com/office/drawing/2017/decorative" val="1"/>
+              </a:ext>
+            </a:extLst>
+          </p:cNvPr>
+          <p:cNvSpPr>
+            <a:spLocks noGrp="1" noRot="1" noChangeAspect="1" noMove="1" noResize="1" noEditPoints="1" noAdjustHandles="1" noChangeArrowheads="1" noChangeShapeType="1" noTextEdit="1"/>
+          </p:cNvSpPr>
+          <p:nvPr>
+            <p:extLst>
+              <p:ext uri="{386F3935-93C4-4BCD-93E2-E3B085C9AB24}">
+                <p16:designElem xmlns:p16="http://schemas.microsoft.com/office/powerpoint/2015/main" val="1"/>
+              </p:ext>
+            </p:extLst>
+          </p:nvPr>
+        </p:nvSpPr>
+        <p:spPr>
+          <a:xfrm>
+            <a:off x="-1" y="0"/>
+            <a:ext cx="12192001" cy="6858000"/>
+          </a:xfrm>
+          <a:prstGeom prst="rect">
+            <a:avLst/>
+          </a:prstGeom>
+          <a:ln>
+            <a:noFill/>
+          </a:ln>
+        </p:spPr>
+        <p:style>
+          <a:lnRef idx="2">
+            <a:schemeClr val="accent1">
+              <a:shade val="50000"/>
+            </a:schemeClr>
+          </a:lnRef>
+          <a:fillRef idx="1">
+            <a:schemeClr val="accent1"/>
+          </a:fillRef>
+          <a:effectRef idx="0">
+            <a:schemeClr val="accent1"/>
+          </a:effectRef>
+          <a:fontRef idx="minor">
+            <a:schemeClr val="lt1"/>
+          </a:fontRef>
+        </p:style>
+        <p:txBody>
+          <a:bodyPr rtlCol="0" anchor="ctr"/>
+          <a:lstStyle/>
+          <a:p>
+            <a:pPr marL="0" marR="0" lvl="0" indent="0" algn="ctr" defTabSz="914400" rtl="0" eaLnBrk="1" fontAlgn="auto" latinLnBrk="0" hangingPunct="1">
+              <a:lnSpc>
+                <a:spcPct val="100000"/>
+              </a:lnSpc>
+              <a:spcBef>
+                <a:spcPts val="0"/>
+              </a:spcBef>
+              <a:spcAft>
+                <a:spcPts val="0"/>
+              </a:spcAft>
+              <a:buClrTx/>
+              <a:buSzTx/>
+              <a:buFontTx/>
+              <a:buNone/>
+              <a:tabLst/>
+              <a:defRPr/>
+            </a:pPr>
+            <a:endParaRPr kumimoji="0" lang="en-US" sz="1800" b="0" i="0" u="none" strike="noStrike" kern="1200" cap="none" spc="0" normalizeH="0" baseline="0" noProof="0" dirty="0">
+              <a:ln>
+                <a:noFill/>
+              </a:ln>
+              <a:solidFill>
+                <a:srgbClr val="FFFFFF"/>
+              </a:solidFill>
+              <a:effectLst/>
+              <a:uLnTx/>
+              <a:uFillTx/>
+              <a:latin typeface="Univers" panose="020F0502020204030204"/>
+              <a:ea typeface="+mn-ea"/>
+              <a:cs typeface="+mn-cs"/>
+            </a:endParaRPr>
+          </a:p>
+        </p:txBody>
+      </p:sp>
+      <p:sp>
+        <p:nvSpPr>
+          <p:cNvPr id="2" name="Title 1">
+            <a:extLst>
+              <a:ext uri="{FF2B5EF4-FFF2-40B4-BE49-F238E27FC236}">
+                <a16:creationId xmlns:a16="http://schemas.microsoft.com/office/drawing/2014/main" id="{73454EFA-C3ED-430C-B626-BCBABE4EBBBF}"/>
+              </a:ext>
+            </a:extLst>
+          </p:cNvPr>
+          <p:cNvSpPr>
+            <a:spLocks noGrp="1"/>
+          </p:cNvSpPr>
+          <p:nvPr>
+            <p:ph type="title"/>
+          </p:nvPr>
+        </p:nvSpPr>
+        <p:spPr>
+          <a:xfrm>
+            <a:off x="642259" y="634946"/>
+            <a:ext cx="3372529" cy="5055904"/>
+          </a:xfrm>
+        </p:spPr>
+        <p:txBody>
+          <a:bodyPr anchor="ctr">
+            <a:normAutofit/>
+          </a:bodyPr>
+          <a:lstStyle/>
+          <a:p>
+            <a:r>
+              <a:rPr lang="en-US" b="1" dirty="0"/>
+              <a:t>Machine Learning with </a:t>
+            </a:r>
+            <a:r>
+              <a:rPr lang="en-US" b="1" dirty="0" err="1"/>
+              <a:t>XGBoost</a:t>
+            </a:r>
+            <a:endParaRPr lang="en-US" dirty="0"/>
+          </a:p>
+        </p:txBody>
+      </p:sp>
+      <p:cxnSp>
+        <p:nvCxnSpPr>
+          <p:cNvPr id="12" name="Straight Connector 11">
+            <a:extLst>
+              <a:ext uri="{FF2B5EF4-FFF2-40B4-BE49-F238E27FC236}">
+                <a16:creationId xmlns:a16="http://schemas.microsoft.com/office/drawing/2014/main" id="{2752F38C-F560-47AA-90AD-209F39C04150}"/>
+              </a:ext>
+              <a:ext uri="{C183D7F6-B498-43B3-948B-1728B52AA6E4}">
+                <adec:decorative xmlns:adec="http://schemas.microsoft.com/office/drawing/2017/decorative" val="1"/>
+              </a:ext>
+            </a:extLst>
+          </p:cNvPr>
+          <p:cNvCxnSpPr>
+            <a:cxnSpLocks noGrp="1" noRot="1" noChangeAspect="1" noMove="1" noResize="1" noEditPoints="1" noAdjustHandles="1" noChangeArrowheads="1" noChangeShapeType="1"/>
+          </p:cNvCxnSpPr>
+          <p:nvPr>
+            <p:extLst>
+              <p:ext uri="{386F3935-93C4-4BCD-93E2-E3B085C9AB24}">
+                <p16:designElem xmlns:p16="http://schemas.microsoft.com/office/powerpoint/2015/main" val="1"/>
+              </p:ext>
+            </p:extLst>
+          </p:nvPr>
+        </p:nvCxnSpPr>
+        <p:spPr>
+          <a:xfrm>
+            <a:off x="4335022" y="1791298"/>
+            <a:ext cx="0" cy="2743200"/>
+          </a:xfrm>
+          <a:prstGeom prst="line">
+            <a:avLst/>
+          </a:prstGeom>
+          <a:ln w="12700">
+            <a:solidFill>
+              <a:schemeClr val="tx1">
+                <a:lumMod val="50000"/>
+                <a:lumOff val="50000"/>
+              </a:schemeClr>
+            </a:solidFill>
+          </a:ln>
+        </p:spPr>
+        <p:style>
+          <a:lnRef idx="1">
+            <a:schemeClr val="accent1"/>
+          </a:lnRef>
+          <a:fillRef idx="0">
+            <a:schemeClr val="accent1"/>
+          </a:fillRef>
+          <a:effectRef idx="0">
+            <a:schemeClr val="accent1"/>
+          </a:effectRef>
+          <a:fontRef idx="minor">
+            <a:schemeClr val="tx1"/>
+          </a:fontRef>
+        </p:style>
+      </p:cxnSp>
+      <p:sp>
+        <p:nvSpPr>
+          <p:cNvPr id="14" name="Rectangle 13">
+            <a:extLst>
+              <a:ext uri="{FF2B5EF4-FFF2-40B4-BE49-F238E27FC236}">
+                <a16:creationId xmlns:a16="http://schemas.microsoft.com/office/drawing/2014/main" id="{8B6B14AE-589A-45CC-A30D-41995FC1F8BA}"/>
+              </a:ext>
+              <a:ext uri="{C183D7F6-B498-43B3-948B-1728B52AA6E4}">
+                <adec:decorative xmlns:adec="http://schemas.microsoft.com/office/drawing/2017/decorative" val="1"/>
+              </a:ext>
+            </a:extLst>
+          </p:cNvPr>
+          <p:cNvSpPr>
+            <a:spLocks noGrp="1" noRot="1" noChangeAspect="1" noMove="1" noResize="1" noEditPoints="1" noAdjustHandles="1" noChangeArrowheads="1" noChangeShapeType="1" noTextEdit="1"/>
+          </p:cNvSpPr>
+          <p:nvPr>
+            <p:extLst>
+              <p:ext uri="{386F3935-93C4-4BCD-93E2-E3B085C9AB24}">
+                <p16:designElem xmlns:p16="http://schemas.microsoft.com/office/powerpoint/2015/main" val="1"/>
+              </p:ext>
+            </p:extLst>
+          </p:nvPr>
+        </p:nvSpPr>
+        <p:spPr>
+          <a:xfrm>
+            <a:off x="0" y="6400800"/>
+            <a:ext cx="12188825" cy="457200"/>
+          </a:xfrm>
+          <a:prstGeom prst="rect">
+            <a:avLst/>
+          </a:prstGeom>
+          <a:solidFill>
+            <a:srgbClr val="262626"/>
+          </a:solidFill>
+          <a:ln>
+            <a:noFill/>
+          </a:ln>
+        </p:spPr>
+        <p:style>
+          <a:lnRef idx="2">
+            <a:schemeClr val="accent1">
+              <a:shade val="50000"/>
+            </a:schemeClr>
+          </a:lnRef>
+          <a:fillRef idx="1">
+            <a:schemeClr val="accent1"/>
+          </a:fillRef>
+          <a:effectRef idx="0">
+            <a:schemeClr val="accent1"/>
+          </a:effectRef>
+          <a:fontRef idx="minor">
+            <a:schemeClr val="lt1"/>
+          </a:fontRef>
+        </p:style>
+      </p:sp>
+      <p:graphicFrame>
+        <p:nvGraphicFramePr>
+          <p:cNvPr id="5" name="Content Placeholder 2">
+            <a:extLst>
+              <a:ext uri="{FF2B5EF4-FFF2-40B4-BE49-F238E27FC236}">
+                <a16:creationId xmlns:a16="http://schemas.microsoft.com/office/drawing/2014/main" id="{E05EB0EE-66A0-477A-A16E-277643D24B16}"/>
+              </a:ext>
+            </a:extLst>
+          </p:cNvPr>
+          <p:cNvGraphicFramePr>
+            <a:graphicFrameLocks noGrp="1"/>
+          </p:cNvGraphicFramePr>
+          <p:nvPr>
+            <p:ph idx="1"/>
+            <p:extLst>
+              <p:ext uri="{D42A27DB-BD31-4B8C-83A1-F6EECF244321}">
+                <p14:modId xmlns:p14="http://schemas.microsoft.com/office/powerpoint/2010/main" val="3467870524"/>
+              </p:ext>
+            </p:extLst>
+          </p:nvPr>
+        </p:nvGraphicFramePr>
+        <p:xfrm>
+          <a:off x="4648201" y="639763"/>
+          <a:ext cx="6910387" cy="5051425"/>
+        </p:xfrm>
+        <a:graphic>
+          <a:graphicData uri="http://schemas.openxmlformats.org/drawingml/2006/diagram">
+            <dgm:relIds xmlns:dgm="http://schemas.openxmlformats.org/drawingml/2006/diagram" xmlns:r="http://schemas.openxmlformats.org/officeDocument/2006/relationships" r:dm="rId2" r:lo="rId3" r:qs="rId4" r:cs="rId5"/>
+          </a:graphicData>
+        </a:graphic>
+      </p:graphicFrame>
+    </p:spTree>
+    <p:extLst>
+      <p:ext uri="{BB962C8B-B14F-4D97-AF65-F5344CB8AC3E}">
+        <p14:creationId xmlns:p14="http://schemas.microsoft.com/office/powerpoint/2010/main" val="2138226911"/>
+      </p:ext>
+    </p:extLst>
+  </p:cSld>
+  <p:clrMapOvr>
+    <a:overrideClrMapping bg1="dk1" tx1="lt1" bg2="dk2" tx2="lt2" accent1="accent1" accent2="accent2" accent3="accent3" accent4="accent4" accent5="accent5" accent6="accent6" hlink="hlink" folHlink="folHlink"/>
+  </p:clrMapOvr>
+</p:sld>
+</file>
+
+<file path=ppt/slides/slide5.xml><?xml version="1.0" encoding="utf-8"?>
+<p:sld xmlns:a="http://schemas.openxmlformats.org/drawingml/2006/main" xmlns:r="http://schemas.openxmlformats.org/officeDocument/2006/relationships" xmlns:p="http://schemas.openxmlformats.org/presentationml/2006/main">
+  <p:cSld>
+    <p:spTree>
+      <p:nvGrpSpPr>
+        <p:cNvPr id="1" name=""/>
+        <p:cNvGrpSpPr/>
+        <p:nvPr/>
+      </p:nvGrpSpPr>
+      <p:grpSpPr>
+        <a:xfrm>
+          <a:off x="0" y="0"/>
+          <a:ext cx="0" cy="0"/>
+          <a:chOff x="0" y="0"/>
+          <a:chExt cx="0" cy="0"/>
+        </a:xfrm>
+      </p:grpSpPr>
+      <p:sp useBgFill="1">
+        <p:nvSpPr>
+          <p:cNvPr id="10" name="Rectangle 9">
+            <a:extLst>
+              <a:ext uri="{FF2B5EF4-FFF2-40B4-BE49-F238E27FC236}">
+                <a16:creationId xmlns:a16="http://schemas.microsoft.com/office/drawing/2014/main" id="{103E59AE-44F8-4FB9-BF05-C888FE3E1DFA}"/>
+              </a:ext>
+              <a:ext uri="{C183D7F6-B498-43B3-948B-1728B52AA6E4}">
+                <adec:decorative xmlns:adec="http://schemas.microsoft.com/office/drawing/2017/decorative" val="1"/>
+              </a:ext>
+            </a:extLst>
+          </p:cNvPr>
+          <p:cNvSpPr>
+            <a:spLocks noGrp="1" noRot="1" noChangeAspect="1" noMove="1" noResize="1" noEditPoints="1" noAdjustHandles="1" noChangeArrowheads="1" noChangeShapeType="1" noTextEdit="1"/>
+          </p:cNvSpPr>
+          <p:nvPr>
+            <p:extLst>
+              <p:ext uri="{386F3935-93C4-4BCD-93E2-E3B085C9AB24}">
+                <p16:designElem xmlns:p16="http://schemas.microsoft.com/office/powerpoint/2015/main" val="1"/>
+              </p:ext>
+            </p:extLst>
+          </p:nvPr>
+        </p:nvSpPr>
+        <p:spPr>
+          <a:xfrm>
+            <a:off x="-1" y="0"/>
+            <a:ext cx="12192001" cy="6858000"/>
+          </a:xfrm>
+          <a:prstGeom prst="rect">
+            <a:avLst/>
+          </a:prstGeom>
+          <a:ln>
+            <a:noFill/>
+          </a:ln>
+        </p:spPr>
+        <p:style>
+          <a:lnRef idx="2">
+            <a:schemeClr val="accent1">
+              <a:shade val="50000"/>
+            </a:schemeClr>
+          </a:lnRef>
+          <a:fillRef idx="1">
+            <a:schemeClr val="accent1"/>
+          </a:fillRef>
+          <a:effectRef idx="0">
+            <a:schemeClr val="accent1"/>
+          </a:effectRef>
+          <a:fontRef idx="minor">
+            <a:schemeClr val="lt1"/>
+          </a:fontRef>
+        </p:style>
+        <p:txBody>
+          <a:bodyPr rtlCol="0" anchor="ctr"/>
+          <a:lstStyle/>
+          <a:p>
+            <a:pPr marL="0" marR="0" lvl="0" indent="0" algn="ctr" defTabSz="914400" rtl="0" eaLnBrk="1" fontAlgn="auto" latinLnBrk="0" hangingPunct="1">
+              <a:lnSpc>
+                <a:spcPct val="100000"/>
+              </a:lnSpc>
+              <a:spcBef>
+                <a:spcPts val="0"/>
+              </a:spcBef>
+              <a:spcAft>
+                <a:spcPts val="0"/>
+              </a:spcAft>
+              <a:buClrTx/>
+              <a:buSzTx/>
+              <a:buFontTx/>
+              <a:buNone/>
+              <a:tabLst/>
+              <a:defRPr/>
+            </a:pPr>
+            <a:endParaRPr kumimoji="0" lang="en-US" sz="1800" b="0" i="0" u="none" strike="noStrike" kern="1200" cap="none" spc="0" normalizeH="0" baseline="0" noProof="0" dirty="0">
+              <a:ln>
+                <a:noFill/>
+              </a:ln>
+              <a:solidFill>
+                <a:srgbClr val="FFFFFF"/>
+              </a:solidFill>
+              <a:effectLst/>
+              <a:uLnTx/>
+              <a:uFillTx/>
+              <a:latin typeface="Univers" panose="020F0502020204030204"/>
+              <a:ea typeface="+mn-ea"/>
+              <a:cs typeface="+mn-cs"/>
+            </a:endParaRPr>
+          </a:p>
+        </p:txBody>
+      </p:sp>
+      <p:sp>
+        <p:nvSpPr>
+          <p:cNvPr id="2" name="Title 1">
+            <a:extLst>
+              <a:ext uri="{FF2B5EF4-FFF2-40B4-BE49-F238E27FC236}">
+                <a16:creationId xmlns:a16="http://schemas.microsoft.com/office/drawing/2014/main" id="{73454EFA-C3ED-430C-B626-BCBABE4EBBBF}"/>
+              </a:ext>
+            </a:extLst>
+          </p:cNvPr>
+          <p:cNvSpPr>
+            <a:spLocks noGrp="1"/>
+          </p:cNvSpPr>
+          <p:nvPr>
+            <p:ph type="title"/>
+          </p:nvPr>
+        </p:nvSpPr>
+        <p:spPr>
+          <a:xfrm>
+            <a:off x="642259" y="634946"/>
+            <a:ext cx="3372529" cy="5055904"/>
+          </a:xfrm>
+        </p:spPr>
+        <p:txBody>
+          <a:bodyPr anchor="ctr">
+            <a:normAutofit/>
+          </a:bodyPr>
+          <a:lstStyle/>
+          <a:p>
+            <a:r>
+              <a:rPr lang="en-US" b="1" dirty="0"/>
+              <a:t>Machine Learning with </a:t>
+            </a:r>
+            <a:r>
+              <a:rPr lang="en-US" b="1" dirty="0" err="1"/>
+              <a:t>XGBoost</a:t>
+            </a:r>
+            <a:endParaRPr lang="en-US" dirty="0"/>
+          </a:p>
+        </p:txBody>
+      </p:sp>
+      <p:cxnSp>
+        <p:nvCxnSpPr>
+          <p:cNvPr id="12" name="Straight Connector 11">
+            <a:extLst>
+              <a:ext uri="{FF2B5EF4-FFF2-40B4-BE49-F238E27FC236}">
+                <a16:creationId xmlns:a16="http://schemas.microsoft.com/office/drawing/2014/main" id="{2752F38C-F560-47AA-90AD-209F39C04150}"/>
+              </a:ext>
+              <a:ext uri="{C183D7F6-B498-43B3-948B-1728B52AA6E4}">
+                <adec:decorative xmlns:adec="http://schemas.microsoft.com/office/drawing/2017/decorative" val="1"/>
+              </a:ext>
+            </a:extLst>
+          </p:cNvPr>
+          <p:cNvCxnSpPr>
+            <a:cxnSpLocks noGrp="1" noRot="1" noChangeAspect="1" noMove="1" noResize="1" noEditPoints="1" noAdjustHandles="1" noChangeArrowheads="1" noChangeShapeType="1"/>
+          </p:cNvCxnSpPr>
+          <p:nvPr>
+            <p:extLst>
+              <p:ext uri="{386F3935-93C4-4BCD-93E2-E3B085C9AB24}">
+                <p16:designElem xmlns:p16="http://schemas.microsoft.com/office/powerpoint/2015/main" val="1"/>
+              </p:ext>
+            </p:extLst>
+          </p:nvPr>
+        </p:nvCxnSpPr>
+        <p:spPr>
+          <a:xfrm>
+            <a:off x="4335022" y="1791298"/>
+            <a:ext cx="0" cy="2743200"/>
+          </a:xfrm>
+          <a:prstGeom prst="line">
+            <a:avLst/>
+          </a:prstGeom>
+          <a:ln w="12700">
+            <a:solidFill>
+              <a:schemeClr val="tx1">
+                <a:lumMod val="50000"/>
+                <a:lumOff val="50000"/>
+              </a:schemeClr>
+            </a:solidFill>
+          </a:ln>
+        </p:spPr>
+        <p:style>
+          <a:lnRef idx="1">
+            <a:schemeClr val="accent1"/>
+          </a:lnRef>
+          <a:fillRef idx="0">
+            <a:schemeClr val="accent1"/>
+          </a:fillRef>
+          <a:effectRef idx="0">
+            <a:schemeClr val="accent1"/>
+          </a:effectRef>
+          <a:fontRef idx="minor">
+            <a:schemeClr val="tx1"/>
+          </a:fontRef>
+        </p:style>
+      </p:cxnSp>
+      <p:sp>
+        <p:nvSpPr>
+          <p:cNvPr id="14" name="Rectangle 13">
+            <a:extLst>
+              <a:ext uri="{FF2B5EF4-FFF2-40B4-BE49-F238E27FC236}">
+                <a16:creationId xmlns:a16="http://schemas.microsoft.com/office/drawing/2014/main" id="{8B6B14AE-589A-45CC-A30D-41995FC1F8BA}"/>
+              </a:ext>
+              <a:ext uri="{C183D7F6-B498-43B3-948B-1728B52AA6E4}">
+                <adec:decorative xmlns:adec="http://schemas.microsoft.com/office/drawing/2017/decorative" val="1"/>
+              </a:ext>
+            </a:extLst>
+          </p:cNvPr>
+          <p:cNvSpPr>
+            <a:spLocks noGrp="1" noRot="1" noChangeAspect="1" noMove="1" noResize="1" noEditPoints="1" noAdjustHandles="1" noChangeArrowheads="1" noChangeShapeType="1" noTextEdit="1"/>
+          </p:cNvSpPr>
+          <p:nvPr>
+            <p:extLst>
+              <p:ext uri="{386F3935-93C4-4BCD-93E2-E3B085C9AB24}">
+                <p16:designElem xmlns:p16="http://schemas.microsoft.com/office/powerpoint/2015/main" val="1"/>
+              </p:ext>
+            </p:extLst>
+          </p:nvPr>
+        </p:nvSpPr>
+        <p:spPr>
+          <a:xfrm>
+            <a:off x="0" y="6400800"/>
+            <a:ext cx="12188825" cy="457200"/>
+          </a:xfrm>
+          <a:prstGeom prst="rect">
+            <a:avLst/>
+          </a:prstGeom>
+          <a:solidFill>
+            <a:srgbClr val="262626"/>
+          </a:solidFill>
+          <a:ln>
+            <a:noFill/>
+          </a:ln>
+        </p:spPr>
+        <p:style>
+          <a:lnRef idx="2">
+            <a:schemeClr val="accent1">
+              <a:shade val="50000"/>
+            </a:schemeClr>
+          </a:lnRef>
+          <a:fillRef idx="1">
+            <a:schemeClr val="accent1"/>
+          </a:fillRef>
+          <a:effectRef idx="0">
+            <a:schemeClr val="accent1"/>
+          </a:effectRef>
+          <a:fontRef idx="minor">
+            <a:schemeClr val="lt1"/>
+          </a:fontRef>
+        </p:style>
+      </p:sp>
+      <p:graphicFrame>
+        <p:nvGraphicFramePr>
+          <p:cNvPr id="5" name="Content Placeholder 2">
+            <a:extLst>
+              <a:ext uri="{FF2B5EF4-FFF2-40B4-BE49-F238E27FC236}">
+                <a16:creationId xmlns:a16="http://schemas.microsoft.com/office/drawing/2014/main" id="{E05EB0EE-66A0-477A-A16E-277643D24B16}"/>
+              </a:ext>
+            </a:extLst>
+          </p:cNvPr>
+          <p:cNvGraphicFramePr>
+            <a:graphicFrameLocks noGrp="1"/>
+          </p:cNvGraphicFramePr>
+          <p:nvPr>
+            <p:ph idx="1"/>
+          </p:nvPr>
+        </p:nvGraphicFramePr>
+        <p:xfrm>
+          <a:off x="4648201" y="639763"/>
+          <a:ext cx="6910387" cy="5051425"/>
+        </p:xfrm>
+        <a:graphic>
+          <a:graphicData uri="http://schemas.openxmlformats.org/drawingml/2006/diagram">
+            <dgm:relIds xmlns:dgm="http://schemas.openxmlformats.org/drawingml/2006/diagram" xmlns:r="http://schemas.openxmlformats.org/officeDocument/2006/relationships" r:dm="rId2" r:lo="rId3" r:qs="rId4" r:cs="rId5"/>
+          </a:graphicData>
+        </a:graphic>
+      </p:graphicFrame>
+    </p:spTree>
+    <p:extLst>
+      <p:ext uri="{BB962C8B-B14F-4D97-AF65-F5344CB8AC3E}">
+        <p14:creationId xmlns:p14="http://schemas.microsoft.com/office/powerpoint/2010/main" val="1253910359"/>
+      </p:ext>
+    </p:extLst>
+  </p:cSld>
+  <p:clrMapOvr>
+    <a:overrideClrMapping bg1="dk1" tx1="lt1" bg2="dk2" tx2="lt2" accent1="accent1" accent2="accent2" accent3="accent3" accent4="accent4" accent5="accent5" accent6="accent6" hlink="hlink" folHlink="folHlink"/>
+  </p:clrMapOvr>
+</p:sld>
+</file>
+
+<file path=ppt/slides/slide6.xml><?xml version="1.0" encoding="utf-8"?>
+<p:sld xmlns:a="http://schemas.openxmlformats.org/drawingml/2006/main" xmlns:r="http://schemas.openxmlformats.org/officeDocument/2006/relationships" xmlns:p="http://schemas.openxmlformats.org/presentationml/2006/main">
+  <p:cSld>
+    <p:spTree>
+      <p:nvGrpSpPr>
+        <p:cNvPr id="1" name=""/>
+        <p:cNvGrpSpPr/>
+        <p:nvPr/>
+      </p:nvGrpSpPr>
+      <p:grpSpPr>
+        <a:xfrm>
+          <a:off x="0" y="0"/>
+          <a:ext cx="0" cy="0"/>
+          <a:chOff x="0" y="0"/>
+          <a:chExt cx="0" cy="0"/>
+        </a:xfrm>
+      </p:grpSpPr>
+      <p:sp useBgFill="1">
+        <p:nvSpPr>
+          <p:cNvPr id="10" name="Rectangle 9">
+            <a:extLst>
+              <a:ext uri="{FF2B5EF4-FFF2-40B4-BE49-F238E27FC236}">
+                <a16:creationId xmlns:a16="http://schemas.microsoft.com/office/drawing/2014/main" id="{103E59AE-44F8-4FB9-BF05-C888FE3E1DFA}"/>
+              </a:ext>
+              <a:ext uri="{C183D7F6-B498-43B3-948B-1728B52AA6E4}">
+                <adec:decorative xmlns:adec="http://schemas.microsoft.com/office/drawing/2017/decorative" val="1"/>
+              </a:ext>
+            </a:extLst>
+          </p:cNvPr>
+          <p:cNvSpPr>
+            <a:spLocks noGrp="1" noRot="1" noChangeAspect="1" noMove="1" noResize="1" noEditPoints="1" noAdjustHandles="1" noChangeArrowheads="1" noChangeShapeType="1" noTextEdit="1"/>
+          </p:cNvSpPr>
+          <p:nvPr>
+            <p:extLst>
+              <p:ext uri="{386F3935-93C4-4BCD-93E2-E3B085C9AB24}">
+                <p16:designElem xmlns:p16="http://schemas.microsoft.com/office/powerpoint/2015/main" val="1"/>
+              </p:ext>
+            </p:extLst>
+          </p:nvPr>
+        </p:nvSpPr>
+        <p:spPr>
+          <a:xfrm>
+            <a:off x="-1" y="0"/>
+            <a:ext cx="12192001" cy="6858000"/>
+          </a:xfrm>
+          <a:prstGeom prst="rect">
+            <a:avLst/>
+          </a:prstGeom>
+          <a:ln>
+            <a:noFill/>
+          </a:ln>
+        </p:spPr>
+        <p:style>
+          <a:lnRef idx="2">
+            <a:schemeClr val="accent1">
+              <a:shade val="50000"/>
+            </a:schemeClr>
+          </a:lnRef>
+          <a:fillRef idx="1">
+            <a:schemeClr val="accent1"/>
+          </a:fillRef>
+          <a:effectRef idx="0">
+            <a:schemeClr val="accent1"/>
+          </a:effectRef>
+          <a:fontRef idx="minor">
+            <a:schemeClr val="lt1"/>
+          </a:fontRef>
+        </p:style>
+        <p:txBody>
+          <a:bodyPr rtlCol="0" anchor="ctr"/>
+          <a:lstStyle/>
+          <a:p>
+            <a:pPr marL="0" marR="0" lvl="0" indent="0" algn="ctr" defTabSz="914400" rtl="0" eaLnBrk="1" fontAlgn="auto" latinLnBrk="0" hangingPunct="1">
+              <a:lnSpc>
+                <a:spcPct val="100000"/>
+              </a:lnSpc>
+              <a:spcBef>
+                <a:spcPts val="0"/>
+              </a:spcBef>
+              <a:spcAft>
+                <a:spcPts val="0"/>
+              </a:spcAft>
+              <a:buClrTx/>
+              <a:buSzTx/>
+              <a:buFontTx/>
+              <a:buNone/>
+              <a:tabLst/>
+              <a:defRPr/>
+            </a:pPr>
+            <a:endParaRPr kumimoji="0" lang="en-US" sz="1800" b="0" i="0" u="none" strike="noStrike" kern="1200" cap="none" spc="0" normalizeH="0" baseline="0" noProof="0" dirty="0">
+              <a:ln>
+                <a:noFill/>
+              </a:ln>
+              <a:solidFill>
+                <a:srgbClr val="FFFFFF"/>
+              </a:solidFill>
+              <a:effectLst/>
+              <a:uLnTx/>
+              <a:uFillTx/>
+              <a:latin typeface="Univers" panose="020F0502020204030204"/>
+              <a:ea typeface="+mn-ea"/>
+              <a:cs typeface="+mn-cs"/>
+            </a:endParaRPr>
+          </a:p>
+        </p:txBody>
+      </p:sp>
+      <p:sp>
+        <p:nvSpPr>
+          <p:cNvPr id="2" name="Title 1">
+            <a:extLst>
+              <a:ext uri="{FF2B5EF4-FFF2-40B4-BE49-F238E27FC236}">
+                <a16:creationId xmlns:a16="http://schemas.microsoft.com/office/drawing/2014/main" id="{73454EFA-C3ED-430C-B626-BCBABE4EBBBF}"/>
+              </a:ext>
+            </a:extLst>
+          </p:cNvPr>
+          <p:cNvSpPr>
+            <a:spLocks noGrp="1"/>
+          </p:cNvSpPr>
+          <p:nvPr>
+            <p:ph type="title"/>
+          </p:nvPr>
+        </p:nvSpPr>
+        <p:spPr>
+          <a:xfrm>
+            <a:off x="642259" y="634946"/>
+            <a:ext cx="3372529" cy="5055904"/>
+          </a:xfrm>
+        </p:spPr>
+        <p:txBody>
+          <a:bodyPr anchor="ctr">
+            <a:normAutofit/>
+          </a:bodyPr>
+          <a:lstStyle/>
+          <a:p>
+            <a:r>
+              <a:rPr lang="en-US" b="1" dirty="0"/>
+              <a:t>Visit the Website</a:t>
+            </a:r>
+            <a:endParaRPr lang="en-US" dirty="0"/>
+          </a:p>
+        </p:txBody>
+      </p:sp>
+      <p:cxnSp>
+        <p:nvCxnSpPr>
+          <p:cNvPr id="12" name="Straight Connector 11">
+            <a:extLst>
+              <a:ext uri="{FF2B5EF4-FFF2-40B4-BE49-F238E27FC236}">
+                <a16:creationId xmlns:a16="http://schemas.microsoft.com/office/drawing/2014/main" id="{2752F38C-F560-47AA-90AD-209F39C04150}"/>
+              </a:ext>
+              <a:ext uri="{C183D7F6-B498-43B3-948B-1728B52AA6E4}">
+                <adec:decorative xmlns:adec="http://schemas.microsoft.com/office/drawing/2017/decorative" val="1"/>
+              </a:ext>
+            </a:extLst>
+          </p:cNvPr>
+          <p:cNvCxnSpPr>
+            <a:cxnSpLocks noGrp="1" noRot="1" noChangeAspect="1" noMove="1" noResize="1" noEditPoints="1" noAdjustHandles="1" noChangeArrowheads="1" noChangeShapeType="1"/>
+          </p:cNvCxnSpPr>
+          <p:nvPr>
+            <p:extLst>
+              <p:ext uri="{386F3935-93C4-4BCD-93E2-E3B085C9AB24}">
+                <p16:designElem xmlns:p16="http://schemas.microsoft.com/office/powerpoint/2015/main" val="1"/>
+              </p:ext>
+            </p:extLst>
+          </p:nvPr>
+        </p:nvCxnSpPr>
+        <p:spPr>
+          <a:xfrm>
+            <a:off x="4335022" y="1791298"/>
+            <a:ext cx="0" cy="2743200"/>
+          </a:xfrm>
+          <a:prstGeom prst="line">
+            <a:avLst/>
+          </a:prstGeom>
+          <a:ln w="12700">
+            <a:solidFill>
+              <a:schemeClr val="tx1">
+                <a:lumMod val="50000"/>
+                <a:lumOff val="50000"/>
+              </a:schemeClr>
+            </a:solidFill>
+          </a:ln>
+        </p:spPr>
+        <p:style>
+          <a:lnRef idx="1">
+            <a:schemeClr val="accent1"/>
+          </a:lnRef>
+          <a:fillRef idx="0">
+            <a:schemeClr val="accent1"/>
+          </a:fillRef>
+          <a:effectRef idx="0">
+            <a:schemeClr val="accent1"/>
+          </a:effectRef>
+          <a:fontRef idx="minor">
+            <a:schemeClr val="tx1"/>
+          </a:fontRef>
+        </p:style>
+      </p:cxnSp>
+      <p:sp>
+        <p:nvSpPr>
+          <p:cNvPr id="14" name="Rectangle 13">
+            <a:extLst>
+              <a:ext uri="{FF2B5EF4-FFF2-40B4-BE49-F238E27FC236}">
+                <a16:creationId xmlns:a16="http://schemas.microsoft.com/office/drawing/2014/main" id="{8B6B14AE-589A-45CC-A30D-41995FC1F8BA}"/>
+              </a:ext>
+              <a:ext uri="{C183D7F6-B498-43B3-948B-1728B52AA6E4}">
+                <adec:decorative xmlns:adec="http://schemas.microsoft.com/office/drawing/2017/decorative" val="1"/>
+              </a:ext>
+            </a:extLst>
+          </p:cNvPr>
+          <p:cNvSpPr>
+            <a:spLocks noGrp="1" noRot="1" noChangeAspect="1" noMove="1" noResize="1" noEditPoints="1" noAdjustHandles="1" noChangeArrowheads="1" noChangeShapeType="1" noTextEdit="1"/>
+          </p:cNvSpPr>
+          <p:nvPr>
+            <p:extLst>
+              <p:ext uri="{386F3935-93C4-4BCD-93E2-E3B085C9AB24}">
+                <p16:designElem xmlns:p16="http://schemas.microsoft.com/office/powerpoint/2015/main" val="1"/>
+              </p:ext>
+            </p:extLst>
+          </p:nvPr>
+        </p:nvSpPr>
+        <p:spPr>
+          <a:xfrm>
+            <a:off x="0" y="6400800"/>
+            <a:ext cx="12188825" cy="457200"/>
+          </a:xfrm>
+          <a:prstGeom prst="rect">
+            <a:avLst/>
+          </a:prstGeom>
+          <a:solidFill>
+            <a:srgbClr val="262626"/>
+          </a:solidFill>
+          <a:ln>
+            <a:noFill/>
+          </a:ln>
+        </p:spPr>
+        <p:style>
+          <a:lnRef idx="2">
+            <a:schemeClr val="accent1">
+              <a:shade val="50000"/>
+            </a:schemeClr>
+          </a:lnRef>
+          <a:fillRef idx="1">
+            <a:schemeClr val="accent1"/>
+          </a:fillRef>
+          <a:effectRef idx="0">
+            <a:schemeClr val="accent1"/>
+          </a:effectRef>
+          <a:fontRef idx="minor">
+            <a:schemeClr val="lt1"/>
+          </a:fontRef>
+        </p:style>
+      </p:sp>
+      <p:graphicFrame>
+        <p:nvGraphicFramePr>
+          <p:cNvPr id="5" name="Content Placeholder 2">
+            <a:extLst>
+              <a:ext uri="{FF2B5EF4-FFF2-40B4-BE49-F238E27FC236}">
+                <a16:creationId xmlns:a16="http://schemas.microsoft.com/office/drawing/2014/main" id="{E05EB0EE-66A0-477A-A16E-277643D24B16}"/>
+              </a:ext>
+            </a:extLst>
+          </p:cNvPr>
+          <p:cNvGraphicFramePr>
+            <a:graphicFrameLocks noGrp="1"/>
+          </p:cNvGraphicFramePr>
+          <p:nvPr>
+            <p:ph idx="1"/>
+            <p:extLst>
+              <p:ext uri="{D42A27DB-BD31-4B8C-83A1-F6EECF244321}">
+                <p14:modId xmlns:p14="http://schemas.microsoft.com/office/powerpoint/2010/main" val="3594442327"/>
+              </p:ext>
+            </p:extLst>
+          </p:nvPr>
+        </p:nvGraphicFramePr>
+        <p:xfrm>
+          <a:off x="4648201" y="639763"/>
+          <a:ext cx="6910387" cy="5051425"/>
+        </p:xfrm>
+        <a:graphic>
+          <a:graphicData uri="http://schemas.openxmlformats.org/drawingml/2006/diagram">
+            <dgm:relIds xmlns:dgm="http://schemas.openxmlformats.org/drawingml/2006/diagram" xmlns:r="http://schemas.openxmlformats.org/officeDocument/2006/relationships" r:dm="rId2" r:lo="rId3" r:qs="rId4" r:cs="rId5"/>
+          </a:graphicData>
+        </a:graphic>
+      </p:graphicFrame>
+    </p:spTree>
+    <p:extLst>
+      <p:ext uri="{BB962C8B-B14F-4D97-AF65-F5344CB8AC3E}">
+        <p14:creationId xmlns:p14="http://schemas.microsoft.com/office/powerpoint/2010/main" val="1055925875"/>
+      </p:ext>
+    </p:extLst>
+  </p:cSld>
+  <p:clrMapOvr>
+    <a:overrideClrMapping bg1="dk1" tx1="lt1" bg2="dk2" tx2="lt2" accent1="accent1" accent2="accent2" accent3="accent3" accent4="accent4" accent5="accent5" accent6="accent6" hlink="hlink" folHlink="folHlink"/>
+  </p:clrMapOvr>
+</p:sld>
+</file>
+
 <file path=ppt/theme/theme1.xml><?xml version="1.0" encoding="utf-8"?>
 <a:theme xmlns:a="http://schemas.openxmlformats.org/drawingml/2006/main" name="RetrospectVTI">
   <a:themeElements>

--- a/machine_learning_powerpoint.pptx
+++ b/machine_learning_powerpoint.pptx
@@ -8,9 +8,8 @@
     <p:sldId id="256" r:id="rId2"/>
     <p:sldId id="258" r:id="rId3"/>
     <p:sldId id="259" r:id="rId4"/>
-    <p:sldId id="260" r:id="rId5"/>
-    <p:sldId id="263" r:id="rId6"/>
-    <p:sldId id="262" r:id="rId7"/>
+    <p:sldId id="263" r:id="rId5"/>
+    <p:sldId id="262" r:id="rId6"/>
   </p:sldIdLst>
   <p:sldSz cx="12192000" cy="6858000"/>
   <p:notesSz cx="6858000" cy="9144000"/>
@@ -2881,927 +2880,6 @@
 </file>
 
 <file path=ppt/diagrams/colors4.xml><?xml version="1.0" encoding="utf-8"?>
-<dgm:colorsDef xmlns:dgm="http://schemas.openxmlformats.org/drawingml/2006/diagram" xmlns:a="http://schemas.openxmlformats.org/drawingml/2006/main" uniqueId="urn:microsoft.com/office/officeart/2018/5/colors/Iconchunking_neutralicontext_colorful1">
-  <dgm:title val=""/>
-  <dgm:desc val=""/>
-  <dgm:catLst>
-    <dgm:cat type="colorful" pri="10100"/>
-  </dgm:catLst>
-  <dgm:styleLbl name="node0">
-    <dgm:fillClrLst meth="repeat">
-      <a:schemeClr val="accent1"/>
-    </dgm:fillClrLst>
-    <dgm:linClrLst meth="repeat">
-      <a:schemeClr val="lt1"/>
-    </dgm:linClrLst>
-    <dgm:effectClrLst/>
-    <dgm:txLinClrLst/>
-    <dgm:txFillClrLst/>
-    <dgm:txEffectClrLst/>
-  </dgm:styleLbl>
-  <dgm:styleLbl name="node1">
-    <dgm:fillClrLst meth="repeat">
-      <a:schemeClr val="bg1"/>
-    </dgm:fillClrLst>
-    <dgm:linClrLst meth="repeat">
-      <a:schemeClr val="lt1">
-        <a:alpha val="0"/>
-      </a:schemeClr>
-    </dgm:linClrLst>
-    <dgm:effectClrLst/>
-    <dgm:txLinClrLst/>
-    <dgm:txFillClrLst meth="repeat">
-      <a:schemeClr val="dk1"/>
-    </dgm:txFillClrLst>
-    <dgm:txEffectClrLst/>
-  </dgm:styleLbl>
-  <dgm:styleLbl name="alignNode1">
-    <dgm:fillClrLst meth="repeat">
-      <a:schemeClr val="accent2"/>
-      <a:schemeClr val="accent3"/>
-      <a:schemeClr val="accent4"/>
-      <a:schemeClr val="accent5"/>
-      <a:schemeClr val="accent6"/>
-    </dgm:fillClrLst>
-    <dgm:linClrLst meth="repeat">
-      <a:schemeClr val="accent2"/>
-      <a:schemeClr val="accent3"/>
-      <a:schemeClr val="accent4"/>
-      <a:schemeClr val="accent5"/>
-      <a:schemeClr val="accent6"/>
-    </dgm:linClrLst>
-    <dgm:effectClrLst/>
-    <dgm:txLinClrLst/>
-    <dgm:txFillClrLst/>
-    <dgm:txEffectClrLst/>
-  </dgm:styleLbl>
-  <dgm:styleLbl name="lnNode1">
-    <dgm:fillClrLst meth="repeat">
-      <a:schemeClr val="accent2"/>
-      <a:schemeClr val="accent3"/>
-      <a:schemeClr val="accent4"/>
-      <a:schemeClr val="accent5"/>
-      <a:schemeClr val="accent6"/>
-    </dgm:fillClrLst>
-    <dgm:linClrLst meth="repeat">
-      <a:schemeClr val="lt1"/>
-    </dgm:linClrLst>
-    <dgm:effectClrLst/>
-    <dgm:txLinClrLst/>
-    <dgm:txFillClrLst/>
-    <dgm:txEffectClrLst/>
-  </dgm:styleLbl>
-  <dgm:styleLbl name="vennNode1">
-    <dgm:fillClrLst meth="repeat">
-      <a:schemeClr val="accent2">
-        <a:alpha val="50000"/>
-      </a:schemeClr>
-      <a:schemeClr val="accent3">
-        <a:alpha val="50000"/>
-      </a:schemeClr>
-      <a:schemeClr val="accent4">
-        <a:alpha val="50000"/>
-      </a:schemeClr>
-      <a:schemeClr val="accent5">
-        <a:alpha val="50000"/>
-      </a:schemeClr>
-      <a:schemeClr val="accent6">
-        <a:alpha val="50000"/>
-      </a:schemeClr>
-    </dgm:fillClrLst>
-    <dgm:linClrLst meth="repeat">
-      <a:schemeClr val="lt1"/>
-    </dgm:linClrLst>
-    <dgm:effectClrLst/>
-    <dgm:txLinClrLst/>
-    <dgm:txFillClrLst/>
-    <dgm:txEffectClrLst/>
-  </dgm:styleLbl>
-  <dgm:styleLbl name="node2">
-    <dgm:fillClrLst>
-      <a:schemeClr val="accent2"/>
-    </dgm:fillClrLst>
-    <dgm:linClrLst meth="repeat">
-      <a:schemeClr val="lt1"/>
-    </dgm:linClrLst>
-    <dgm:effectClrLst/>
-    <dgm:txLinClrLst/>
-    <dgm:txFillClrLst/>
-    <dgm:txEffectClrLst/>
-  </dgm:styleLbl>
-  <dgm:styleLbl name="node3">
-    <dgm:fillClrLst>
-      <a:schemeClr val="accent3"/>
-    </dgm:fillClrLst>
-    <dgm:linClrLst meth="repeat">
-      <a:schemeClr val="lt1"/>
-    </dgm:linClrLst>
-    <dgm:effectClrLst/>
-    <dgm:txLinClrLst/>
-    <dgm:txFillClrLst/>
-    <dgm:txEffectClrLst/>
-  </dgm:styleLbl>
-  <dgm:styleLbl name="node4">
-    <dgm:fillClrLst>
-      <a:schemeClr val="accent4"/>
-    </dgm:fillClrLst>
-    <dgm:linClrLst meth="repeat">
-      <a:schemeClr val="lt1"/>
-    </dgm:linClrLst>
-    <dgm:effectClrLst/>
-    <dgm:txLinClrLst/>
-    <dgm:txFillClrLst/>
-    <dgm:txEffectClrLst/>
-  </dgm:styleLbl>
-  <dgm:styleLbl name="fgImgPlace1">
-    <dgm:fillClrLst meth="repeat">
-      <a:schemeClr val="accent2">
-        <a:tint val="50000"/>
-      </a:schemeClr>
-      <a:schemeClr val="accent3">
-        <a:tint val="50000"/>
-      </a:schemeClr>
-      <a:schemeClr val="accent4">
-        <a:tint val="50000"/>
-      </a:schemeClr>
-      <a:schemeClr val="accent5">
-        <a:tint val="50000"/>
-      </a:schemeClr>
-      <a:schemeClr val="accent6">
-        <a:tint val="50000"/>
-      </a:schemeClr>
-    </dgm:fillClrLst>
-    <dgm:linClrLst meth="repeat">
-      <a:schemeClr val="lt1"/>
-    </dgm:linClrLst>
-    <dgm:effectClrLst/>
-    <dgm:txLinClrLst/>
-    <dgm:txFillClrLst meth="repeat">
-      <a:schemeClr val="lt1"/>
-    </dgm:txFillClrLst>
-    <dgm:txEffectClrLst/>
-  </dgm:styleLbl>
-  <dgm:styleLbl name="alignImgPlace1">
-    <dgm:fillClrLst>
-      <a:schemeClr val="accent1">
-        <a:tint val="50000"/>
-      </a:schemeClr>
-      <a:schemeClr val="accent2">
-        <a:tint val="20000"/>
-      </a:schemeClr>
-    </dgm:fillClrLst>
-    <dgm:linClrLst meth="repeat">
-      <a:schemeClr val="lt1"/>
-    </dgm:linClrLst>
-    <dgm:effectClrLst/>
-    <dgm:txLinClrLst/>
-    <dgm:txFillClrLst meth="repeat">
-      <a:schemeClr val="lt1"/>
-    </dgm:txFillClrLst>
-    <dgm:txEffectClrLst/>
-  </dgm:styleLbl>
-  <dgm:styleLbl name="bgImgPlace1">
-    <dgm:fillClrLst>
-      <a:schemeClr val="accent1">
-        <a:tint val="50000"/>
-      </a:schemeClr>
-      <a:schemeClr val="accent2">
-        <a:tint val="20000"/>
-      </a:schemeClr>
-    </dgm:fillClrLst>
-    <dgm:linClrLst meth="repeat">
-      <a:schemeClr val="lt1"/>
-    </dgm:linClrLst>
-    <dgm:effectClrLst/>
-    <dgm:txLinClrLst/>
-    <dgm:txFillClrLst meth="repeat">
-      <a:schemeClr val="lt1"/>
-    </dgm:txFillClrLst>
-    <dgm:txEffectClrLst/>
-  </dgm:styleLbl>
-  <dgm:styleLbl name="sibTrans2D1">
-    <dgm:fillClrLst meth="repeat">
-      <a:schemeClr val="accent2"/>
-      <a:schemeClr val="accent3"/>
-      <a:schemeClr val="accent4"/>
-      <a:schemeClr val="accent5"/>
-      <a:schemeClr val="accent6"/>
-    </dgm:fillClrLst>
-    <dgm:linClrLst meth="cycle">
-      <a:schemeClr val="lt1"/>
-    </dgm:linClrLst>
-    <dgm:effectClrLst/>
-    <dgm:txLinClrLst/>
-    <dgm:txFillClrLst/>
-    <dgm:txEffectClrLst/>
-  </dgm:styleLbl>
-  <dgm:styleLbl name="fgSibTrans2D1">
-    <dgm:fillClrLst meth="repeat">
-      <a:schemeClr val="accent2"/>
-      <a:schemeClr val="accent3"/>
-      <a:schemeClr val="accent4"/>
-      <a:schemeClr val="accent5"/>
-      <a:schemeClr val="accent6"/>
-    </dgm:fillClrLst>
-    <dgm:linClrLst meth="cycle">
-      <a:schemeClr val="lt1"/>
-    </dgm:linClrLst>
-    <dgm:effectClrLst/>
-    <dgm:txLinClrLst/>
-    <dgm:txFillClrLst meth="repeat">
-      <a:schemeClr val="lt1"/>
-    </dgm:txFillClrLst>
-    <dgm:txEffectClrLst/>
-  </dgm:styleLbl>
-  <dgm:styleLbl name="bgSibTrans2D1">
-    <dgm:fillClrLst meth="repeat">
-      <a:schemeClr val="accent2"/>
-      <a:schemeClr val="accent3"/>
-      <a:schemeClr val="accent4"/>
-      <a:schemeClr val="accent5"/>
-      <a:schemeClr val="accent6"/>
-    </dgm:fillClrLst>
-    <dgm:linClrLst meth="cycle">
-      <a:schemeClr val="lt1"/>
-    </dgm:linClrLst>
-    <dgm:effectClrLst/>
-    <dgm:txLinClrLst/>
-    <dgm:txFillClrLst meth="repeat">
-      <a:schemeClr val="lt1"/>
-    </dgm:txFillClrLst>
-    <dgm:txEffectClrLst/>
-  </dgm:styleLbl>
-  <dgm:styleLbl name="sibTrans1D1">
-    <dgm:fillClrLst meth="repeat">
-      <a:schemeClr val="accent2"/>
-      <a:schemeClr val="accent3"/>
-      <a:schemeClr val="accent4"/>
-      <a:schemeClr val="accent5"/>
-      <a:schemeClr val="accent6"/>
-    </dgm:fillClrLst>
-    <dgm:linClrLst meth="repeat">
-      <a:schemeClr val="accent2"/>
-      <a:schemeClr val="accent3"/>
-      <a:schemeClr val="accent4"/>
-      <a:schemeClr val="accent5"/>
-      <a:schemeClr val="accent6"/>
-    </dgm:linClrLst>
-    <dgm:effectClrLst/>
-    <dgm:txLinClrLst/>
-    <dgm:txFillClrLst meth="repeat">
-      <a:schemeClr val="tx1"/>
-    </dgm:txFillClrLst>
-    <dgm:txEffectClrLst/>
-  </dgm:styleLbl>
-  <dgm:styleLbl name="callout">
-    <dgm:fillClrLst meth="repeat">
-      <a:schemeClr val="accent2"/>
-    </dgm:fillClrLst>
-    <dgm:linClrLst meth="repeat">
-      <a:schemeClr val="accent2">
-        <a:tint val="50000"/>
-      </a:schemeClr>
-    </dgm:linClrLst>
-    <dgm:effectClrLst/>
-    <dgm:txLinClrLst/>
-    <dgm:txFillClrLst meth="repeat">
-      <a:schemeClr val="tx1"/>
-    </dgm:txFillClrLst>
-    <dgm:txEffectClrLst/>
-  </dgm:styleLbl>
-  <dgm:styleLbl name="asst0">
-    <dgm:fillClrLst meth="repeat">
-      <a:schemeClr val="accent1"/>
-    </dgm:fillClrLst>
-    <dgm:linClrLst meth="repeat">
-      <a:schemeClr val="lt1"/>
-    </dgm:linClrLst>
-    <dgm:effectClrLst/>
-    <dgm:txLinClrLst/>
-    <dgm:txFillClrLst/>
-    <dgm:txEffectClrLst/>
-  </dgm:styleLbl>
-  <dgm:styleLbl name="asst1">
-    <dgm:fillClrLst meth="repeat">
-      <a:schemeClr val="accent2"/>
-    </dgm:fillClrLst>
-    <dgm:linClrLst meth="repeat">
-      <a:schemeClr val="lt1"/>
-    </dgm:linClrLst>
-    <dgm:effectClrLst/>
-    <dgm:txLinClrLst/>
-    <dgm:txFillClrLst/>
-    <dgm:txEffectClrLst/>
-  </dgm:styleLbl>
-  <dgm:styleLbl name="asst2">
-    <dgm:fillClrLst>
-      <a:schemeClr val="accent3"/>
-    </dgm:fillClrLst>
-    <dgm:linClrLst meth="repeat">
-      <a:schemeClr val="lt1"/>
-    </dgm:linClrLst>
-    <dgm:effectClrLst/>
-    <dgm:txLinClrLst/>
-    <dgm:txFillClrLst/>
-    <dgm:txEffectClrLst/>
-  </dgm:styleLbl>
-  <dgm:styleLbl name="asst3">
-    <dgm:fillClrLst>
-      <a:schemeClr val="accent4"/>
-    </dgm:fillClrLst>
-    <dgm:linClrLst meth="repeat">
-      <a:schemeClr val="lt1"/>
-    </dgm:linClrLst>
-    <dgm:effectClrLst/>
-    <dgm:txLinClrLst/>
-    <dgm:txFillClrLst/>
-    <dgm:txEffectClrLst/>
-  </dgm:styleLbl>
-  <dgm:styleLbl name="asst4">
-    <dgm:fillClrLst>
-      <a:schemeClr val="accent5"/>
-    </dgm:fillClrLst>
-    <dgm:linClrLst meth="repeat">
-      <a:schemeClr val="lt1"/>
-    </dgm:linClrLst>
-    <dgm:effectClrLst/>
-    <dgm:txLinClrLst/>
-    <dgm:txFillClrLst/>
-    <dgm:txEffectClrLst/>
-  </dgm:styleLbl>
-  <dgm:styleLbl name="parChTrans2D1">
-    <dgm:fillClrLst meth="repeat">
-      <a:schemeClr val="accent2"/>
-    </dgm:fillClrLst>
-    <dgm:linClrLst meth="repeat">
-      <a:schemeClr val="lt1"/>
-    </dgm:linClrLst>
-    <dgm:effectClrLst/>
-    <dgm:txLinClrLst/>
-    <dgm:txFillClrLst meth="repeat">
-      <a:schemeClr val="lt1"/>
-    </dgm:txFillClrLst>
-    <dgm:txEffectClrLst/>
-  </dgm:styleLbl>
-  <dgm:styleLbl name="parChTrans2D2">
-    <dgm:fillClrLst meth="repeat">
-      <a:schemeClr val="accent3"/>
-    </dgm:fillClrLst>
-    <dgm:linClrLst meth="repeat">
-      <a:schemeClr val="lt1"/>
-    </dgm:linClrLst>
-    <dgm:effectClrLst/>
-    <dgm:txLinClrLst/>
-    <dgm:txFillClrLst/>
-    <dgm:txEffectClrLst/>
-  </dgm:styleLbl>
-  <dgm:styleLbl name="parChTrans2D3">
-    <dgm:fillClrLst meth="repeat">
-      <a:schemeClr val="accent4"/>
-    </dgm:fillClrLst>
-    <dgm:linClrLst meth="repeat">
-      <a:schemeClr val="lt1"/>
-    </dgm:linClrLst>
-    <dgm:effectClrLst/>
-    <dgm:txLinClrLst/>
-    <dgm:txFillClrLst/>
-    <dgm:txEffectClrLst/>
-  </dgm:styleLbl>
-  <dgm:styleLbl name="parChTrans2D4">
-    <dgm:fillClrLst meth="repeat">
-      <a:schemeClr val="accent5"/>
-    </dgm:fillClrLst>
-    <dgm:linClrLst meth="repeat">
-      <a:schemeClr val="lt1"/>
-    </dgm:linClrLst>
-    <dgm:effectClrLst/>
-    <dgm:txLinClrLst/>
-    <dgm:txFillClrLst meth="repeat">
-      <a:schemeClr val="lt1"/>
-    </dgm:txFillClrLst>
-    <dgm:txEffectClrLst/>
-  </dgm:styleLbl>
-  <dgm:styleLbl name="parChTrans1D1">
-    <dgm:fillClrLst meth="repeat">
-      <a:schemeClr val="accent2"/>
-    </dgm:fillClrLst>
-    <dgm:linClrLst meth="repeat">
-      <a:schemeClr val="accent1"/>
-    </dgm:linClrLst>
-    <dgm:effectClrLst/>
-    <dgm:txLinClrLst/>
-    <dgm:txFillClrLst meth="repeat">
-      <a:schemeClr val="tx1"/>
-    </dgm:txFillClrLst>
-    <dgm:txEffectClrLst/>
-  </dgm:styleLbl>
-  <dgm:styleLbl name="parChTrans1D2">
-    <dgm:fillClrLst meth="repeat">
-      <a:schemeClr val="accent3">
-        <a:tint val="90000"/>
-      </a:schemeClr>
-    </dgm:fillClrLst>
-    <dgm:linClrLst meth="repeat">
-      <a:schemeClr val="accent2"/>
-    </dgm:linClrLst>
-    <dgm:effectClrLst/>
-    <dgm:txLinClrLst/>
-    <dgm:txFillClrLst meth="repeat">
-      <a:schemeClr val="tx1"/>
-    </dgm:txFillClrLst>
-    <dgm:txEffectClrLst/>
-  </dgm:styleLbl>
-  <dgm:styleLbl name="parChTrans1D3">
-    <dgm:fillClrLst meth="repeat">
-      <a:schemeClr val="accent4">
-        <a:tint val="70000"/>
-      </a:schemeClr>
-    </dgm:fillClrLst>
-    <dgm:linClrLst meth="repeat">
-      <a:schemeClr val="accent3"/>
-    </dgm:linClrLst>
-    <dgm:effectClrLst/>
-    <dgm:txLinClrLst/>
-    <dgm:txFillClrLst meth="repeat">
-      <a:schemeClr val="tx1"/>
-    </dgm:txFillClrLst>
-    <dgm:txEffectClrLst/>
-  </dgm:styleLbl>
-  <dgm:styleLbl name="parChTrans1D4">
-    <dgm:fillClrLst meth="repeat">
-      <a:schemeClr val="accent5">
-        <a:tint val="50000"/>
-      </a:schemeClr>
-    </dgm:fillClrLst>
-    <dgm:linClrLst meth="repeat">
-      <a:schemeClr val="accent4"/>
-    </dgm:linClrLst>
-    <dgm:effectClrLst/>
-    <dgm:txLinClrLst/>
-    <dgm:txFillClrLst meth="repeat">
-      <a:schemeClr val="tx1"/>
-    </dgm:txFillClrLst>
-    <dgm:txEffectClrLst/>
-  </dgm:styleLbl>
-  <dgm:styleLbl name="fgAcc1">
-    <dgm:fillClrLst meth="repeat">
-      <a:schemeClr val="lt1">
-        <a:alpha val="90000"/>
-      </a:schemeClr>
-    </dgm:fillClrLst>
-    <dgm:linClrLst meth="repeat">
-      <a:schemeClr val="accent2"/>
-      <a:schemeClr val="accent3"/>
-      <a:schemeClr val="accent4"/>
-      <a:schemeClr val="accent5"/>
-      <a:schemeClr val="accent6"/>
-    </dgm:linClrLst>
-    <dgm:effectClrLst/>
-    <dgm:txLinClrLst/>
-    <dgm:txFillClrLst meth="repeat">
-      <a:schemeClr val="dk1"/>
-    </dgm:txFillClrLst>
-    <dgm:txEffectClrLst/>
-  </dgm:styleLbl>
-  <dgm:styleLbl name="conFgAcc1">
-    <dgm:fillClrLst meth="repeat">
-      <a:schemeClr val="lt1">
-        <a:alpha val="90000"/>
-      </a:schemeClr>
-    </dgm:fillClrLst>
-    <dgm:linClrLst meth="repeat">
-      <a:schemeClr val="accent2"/>
-      <a:schemeClr val="accent3"/>
-      <a:schemeClr val="accent4"/>
-      <a:schemeClr val="accent5"/>
-      <a:schemeClr val="accent6"/>
-    </dgm:linClrLst>
-    <dgm:effectClrLst/>
-    <dgm:txLinClrLst/>
-    <dgm:txFillClrLst meth="repeat">
-      <a:schemeClr val="dk1"/>
-    </dgm:txFillClrLst>
-    <dgm:txEffectClrLst/>
-  </dgm:styleLbl>
-  <dgm:styleLbl name="alignAcc1">
-    <dgm:fillClrLst meth="repeat">
-      <a:schemeClr val="lt1">
-        <a:alpha val="90000"/>
-      </a:schemeClr>
-    </dgm:fillClrLst>
-    <dgm:linClrLst meth="repeat">
-      <a:schemeClr val="accent2"/>
-      <a:schemeClr val="accent3"/>
-      <a:schemeClr val="accent4"/>
-      <a:schemeClr val="accent5"/>
-      <a:schemeClr val="accent6"/>
-    </dgm:linClrLst>
-    <dgm:effectClrLst/>
-    <dgm:txLinClrLst/>
-    <dgm:txFillClrLst meth="repeat">
-      <a:schemeClr val="dk1"/>
-    </dgm:txFillClrLst>
-    <dgm:txEffectClrLst/>
-  </dgm:styleLbl>
-  <dgm:styleLbl name="trAlignAcc1">
-    <dgm:fillClrLst meth="repeat">
-      <a:schemeClr val="lt1">
-        <a:alpha val="40000"/>
-      </a:schemeClr>
-    </dgm:fillClrLst>
-    <dgm:linClrLst meth="repeat">
-      <a:schemeClr val="accent1"/>
-    </dgm:linClrLst>
-    <dgm:effectClrLst/>
-    <dgm:txLinClrLst/>
-    <dgm:txFillClrLst meth="repeat">
-      <a:schemeClr val="dk1"/>
-    </dgm:txFillClrLst>
-    <dgm:txEffectClrLst/>
-  </dgm:styleLbl>
-  <dgm:styleLbl name="bgAcc1">
-    <dgm:fillClrLst meth="repeat">
-      <a:schemeClr val="lt1">
-        <a:alpha val="90000"/>
-      </a:schemeClr>
-    </dgm:fillClrLst>
-    <dgm:linClrLst meth="repeat">
-      <a:schemeClr val="accent2"/>
-      <a:schemeClr val="accent3"/>
-      <a:schemeClr val="accent4"/>
-      <a:schemeClr val="accent5"/>
-      <a:schemeClr val="accent6"/>
-    </dgm:linClrLst>
-    <dgm:effectClrLst/>
-    <dgm:txLinClrLst/>
-    <dgm:txFillClrLst meth="repeat">
-      <a:schemeClr val="dk1"/>
-    </dgm:txFillClrLst>
-    <dgm:txEffectClrLst/>
-  </dgm:styleLbl>
-  <dgm:styleLbl name="solidFgAcc1">
-    <dgm:fillClrLst meth="repeat">
-      <a:schemeClr val="lt1"/>
-    </dgm:fillClrLst>
-    <dgm:linClrLst meth="repeat">
-      <a:schemeClr val="accent2"/>
-      <a:schemeClr val="accent3"/>
-      <a:schemeClr val="accent4"/>
-      <a:schemeClr val="accent5"/>
-      <a:schemeClr val="accent6"/>
-    </dgm:linClrLst>
-    <dgm:effectClrLst/>
-    <dgm:txLinClrLst/>
-    <dgm:txFillClrLst meth="repeat">
-      <a:schemeClr val="dk1"/>
-    </dgm:txFillClrLst>
-    <dgm:txEffectClrLst/>
-  </dgm:styleLbl>
-  <dgm:styleLbl name="solidAlignAcc1">
-    <dgm:fillClrLst meth="repeat">
-      <a:schemeClr val="lt1"/>
-    </dgm:fillClrLst>
-    <dgm:linClrLst meth="repeat">
-      <a:schemeClr val="accent2"/>
-      <a:schemeClr val="accent3"/>
-      <a:schemeClr val="accent4"/>
-      <a:schemeClr val="accent5"/>
-      <a:schemeClr val="accent6"/>
-    </dgm:linClrLst>
-    <dgm:effectClrLst/>
-    <dgm:txLinClrLst/>
-    <dgm:txFillClrLst meth="repeat">
-      <a:schemeClr val="dk1"/>
-    </dgm:txFillClrLst>
-    <dgm:txEffectClrLst/>
-  </dgm:styleLbl>
-  <dgm:styleLbl name="solidBgAcc1">
-    <dgm:fillClrLst meth="repeat">
-      <a:schemeClr val="lt1"/>
-    </dgm:fillClrLst>
-    <dgm:linClrLst meth="repeat">
-      <a:schemeClr val="accent2"/>
-      <a:schemeClr val="accent3"/>
-      <a:schemeClr val="accent4"/>
-      <a:schemeClr val="accent5"/>
-      <a:schemeClr val="accent6"/>
-    </dgm:linClrLst>
-    <dgm:effectClrLst/>
-    <dgm:txLinClrLst/>
-    <dgm:txFillClrLst meth="repeat">
-      <a:schemeClr val="dk1"/>
-    </dgm:txFillClrLst>
-    <dgm:txEffectClrLst/>
-  </dgm:styleLbl>
-  <dgm:styleLbl name="fgAccFollowNode1">
-    <dgm:fillClrLst meth="repeat">
-      <a:schemeClr val="accent2">
-        <a:tint val="40000"/>
-        <a:alpha val="90000"/>
-      </a:schemeClr>
-      <a:schemeClr val="accent3">
-        <a:tint val="40000"/>
-        <a:alpha val="90000"/>
-      </a:schemeClr>
-      <a:schemeClr val="accent4">
-        <a:tint val="40000"/>
-        <a:alpha val="90000"/>
-      </a:schemeClr>
-      <a:schemeClr val="accent5">
-        <a:tint val="40000"/>
-        <a:alpha val="90000"/>
-      </a:schemeClr>
-      <a:schemeClr val="accent6">
-        <a:tint val="40000"/>
-        <a:alpha val="90000"/>
-      </a:schemeClr>
-    </dgm:fillClrLst>
-    <dgm:linClrLst meth="repeat">
-      <a:schemeClr val="accent2">
-        <a:tint val="40000"/>
-        <a:alpha val="90000"/>
-      </a:schemeClr>
-      <a:schemeClr val="accent3">
-        <a:tint val="40000"/>
-        <a:alpha val="90000"/>
-      </a:schemeClr>
-      <a:schemeClr val="accent4">
-        <a:tint val="40000"/>
-        <a:alpha val="90000"/>
-      </a:schemeClr>
-      <a:schemeClr val="accent5">
-        <a:tint val="40000"/>
-        <a:alpha val="90000"/>
-      </a:schemeClr>
-      <a:schemeClr val="accent6">
-        <a:tint val="40000"/>
-        <a:alpha val="90000"/>
-      </a:schemeClr>
-    </dgm:linClrLst>
-    <dgm:effectClrLst/>
-    <dgm:txLinClrLst/>
-    <dgm:txFillClrLst meth="repeat">
-      <a:schemeClr val="dk1"/>
-    </dgm:txFillClrLst>
-    <dgm:txEffectClrLst/>
-  </dgm:styleLbl>
-  <dgm:styleLbl name="alignAccFollowNode1">
-    <dgm:fillClrLst meth="repeat">
-      <a:schemeClr val="accent2">
-        <a:tint val="40000"/>
-        <a:alpha val="90000"/>
-      </a:schemeClr>
-      <a:schemeClr val="accent3">
-        <a:tint val="40000"/>
-        <a:alpha val="90000"/>
-      </a:schemeClr>
-      <a:schemeClr val="accent4">
-        <a:tint val="40000"/>
-        <a:alpha val="90000"/>
-      </a:schemeClr>
-      <a:schemeClr val="accent5">
-        <a:tint val="40000"/>
-        <a:alpha val="90000"/>
-      </a:schemeClr>
-      <a:schemeClr val="accent6">
-        <a:tint val="40000"/>
-        <a:alpha val="90000"/>
-      </a:schemeClr>
-    </dgm:fillClrLst>
-    <dgm:linClrLst meth="repeat">
-      <a:schemeClr val="accent2">
-        <a:tint val="40000"/>
-        <a:alpha val="90000"/>
-      </a:schemeClr>
-      <a:schemeClr val="accent3">
-        <a:tint val="40000"/>
-        <a:alpha val="90000"/>
-      </a:schemeClr>
-      <a:schemeClr val="accent4">
-        <a:tint val="40000"/>
-        <a:alpha val="90000"/>
-      </a:schemeClr>
-      <a:schemeClr val="accent5">
-        <a:tint val="40000"/>
-        <a:alpha val="90000"/>
-      </a:schemeClr>
-      <a:schemeClr val="accent6">
-        <a:tint val="40000"/>
-        <a:alpha val="90000"/>
-      </a:schemeClr>
-    </dgm:linClrLst>
-    <dgm:effectClrLst/>
-    <dgm:txLinClrLst/>
-    <dgm:txFillClrLst meth="repeat">
-      <a:schemeClr val="dk1"/>
-    </dgm:txFillClrLst>
-    <dgm:txEffectClrLst/>
-  </dgm:styleLbl>
-  <dgm:styleLbl name="bgAccFollowNode1">
-    <dgm:fillClrLst meth="repeat">
-      <a:schemeClr val="accent2">
-        <a:tint val="40000"/>
-        <a:alpha val="90000"/>
-      </a:schemeClr>
-      <a:schemeClr val="accent3">
-        <a:tint val="40000"/>
-        <a:alpha val="90000"/>
-      </a:schemeClr>
-      <a:schemeClr val="accent4">
-        <a:tint val="40000"/>
-        <a:alpha val="90000"/>
-      </a:schemeClr>
-      <a:schemeClr val="accent5">
-        <a:tint val="40000"/>
-        <a:alpha val="90000"/>
-      </a:schemeClr>
-      <a:schemeClr val="accent6">
-        <a:tint val="40000"/>
-        <a:alpha val="90000"/>
-      </a:schemeClr>
-    </dgm:fillClrLst>
-    <dgm:linClrLst meth="repeat">
-      <a:schemeClr val="accent2">
-        <a:tint val="40000"/>
-        <a:alpha val="90000"/>
-      </a:schemeClr>
-      <a:schemeClr val="accent3">
-        <a:tint val="40000"/>
-        <a:alpha val="90000"/>
-      </a:schemeClr>
-      <a:schemeClr val="accent4">
-        <a:tint val="40000"/>
-        <a:alpha val="90000"/>
-      </a:schemeClr>
-      <a:schemeClr val="accent5">
-        <a:tint val="40000"/>
-        <a:alpha val="90000"/>
-      </a:schemeClr>
-      <a:schemeClr val="accent6">
-        <a:tint val="40000"/>
-        <a:alpha val="90000"/>
-      </a:schemeClr>
-    </dgm:linClrLst>
-    <dgm:effectClrLst/>
-    <dgm:txLinClrLst/>
-    <dgm:txFillClrLst meth="repeat">
-      <a:schemeClr val="dk1"/>
-    </dgm:txFillClrLst>
-    <dgm:txEffectClrLst/>
-  </dgm:styleLbl>
-  <dgm:styleLbl name="fgAcc0">
-    <dgm:fillClrLst meth="repeat">
-      <a:schemeClr val="lt1">
-        <a:alpha val="90000"/>
-      </a:schemeClr>
-    </dgm:fillClrLst>
-    <dgm:linClrLst>
-      <a:schemeClr val="accent1"/>
-    </dgm:linClrLst>
-    <dgm:effectClrLst/>
-    <dgm:txLinClrLst/>
-    <dgm:txFillClrLst meth="repeat">
-      <a:schemeClr val="dk1"/>
-    </dgm:txFillClrLst>
-    <dgm:txEffectClrLst/>
-  </dgm:styleLbl>
-  <dgm:styleLbl name="fgAcc2">
-    <dgm:fillClrLst meth="repeat">
-      <a:schemeClr val="lt1">
-        <a:alpha val="90000"/>
-      </a:schemeClr>
-    </dgm:fillClrLst>
-    <dgm:linClrLst>
-      <a:schemeClr val="accent2"/>
-    </dgm:linClrLst>
-    <dgm:effectClrLst/>
-    <dgm:txLinClrLst/>
-    <dgm:txFillClrLst meth="repeat">
-      <a:schemeClr val="dk1"/>
-    </dgm:txFillClrLst>
-    <dgm:txEffectClrLst/>
-  </dgm:styleLbl>
-  <dgm:styleLbl name="fgAcc3">
-    <dgm:fillClrLst meth="repeat">
-      <a:schemeClr val="lt1">
-        <a:alpha val="90000"/>
-      </a:schemeClr>
-    </dgm:fillClrLst>
-    <dgm:linClrLst>
-      <a:schemeClr val="accent3"/>
-    </dgm:linClrLst>
-    <dgm:effectClrLst/>
-    <dgm:txLinClrLst/>
-    <dgm:txFillClrLst meth="repeat">
-      <a:schemeClr val="dk1"/>
-    </dgm:txFillClrLst>
-    <dgm:txEffectClrLst/>
-  </dgm:styleLbl>
-  <dgm:styleLbl name="fgAcc4">
-    <dgm:fillClrLst meth="repeat">
-      <a:schemeClr val="lt1">
-        <a:alpha val="90000"/>
-      </a:schemeClr>
-    </dgm:fillClrLst>
-    <dgm:linClrLst>
-      <a:schemeClr val="accent4"/>
-    </dgm:linClrLst>
-    <dgm:effectClrLst/>
-    <dgm:txLinClrLst/>
-    <dgm:txFillClrLst meth="repeat">
-      <a:schemeClr val="dk1"/>
-    </dgm:txFillClrLst>
-    <dgm:txEffectClrLst/>
-  </dgm:styleLbl>
-  <dgm:styleLbl name="bgShp">
-    <dgm:fillClrLst meth="repeat">
-      <a:schemeClr val="accent2"/>
-      <a:schemeClr val="accent3"/>
-      <a:schemeClr val="accent4"/>
-      <a:schemeClr val="accent5"/>
-      <a:schemeClr val="accent6"/>
-    </dgm:fillClrLst>
-    <dgm:linClrLst meth="repeat">
-      <a:schemeClr val="lt1">
-        <a:alpha val="0"/>
-      </a:schemeClr>
-    </dgm:linClrLst>
-    <dgm:effectClrLst/>
-    <dgm:txLinClrLst/>
-    <dgm:txFillClrLst/>
-    <dgm:txEffectClrLst/>
-  </dgm:styleLbl>
-  <dgm:styleLbl name="dkBgShp">
-    <dgm:fillClrLst meth="repeat">
-      <a:schemeClr val="accent2">
-        <a:shade val="90000"/>
-      </a:schemeClr>
-    </dgm:fillClrLst>
-    <dgm:linClrLst meth="repeat">
-      <a:schemeClr val="dk1"/>
-    </dgm:linClrLst>
-    <dgm:effectClrLst/>
-    <dgm:txLinClrLst/>
-    <dgm:txFillClrLst meth="repeat">
-      <a:schemeClr val="lt1"/>
-    </dgm:txFillClrLst>
-    <dgm:txEffectClrLst/>
-  </dgm:styleLbl>
-  <dgm:styleLbl name="trBgShp">
-    <dgm:fillClrLst meth="repeat">
-      <a:schemeClr val="accent1">
-        <a:tint val="50000"/>
-        <a:alpha val="40000"/>
-      </a:schemeClr>
-    </dgm:fillClrLst>
-    <dgm:linClrLst meth="repeat">
-      <a:schemeClr val="accent2"/>
-    </dgm:linClrLst>
-    <dgm:effectClrLst/>
-    <dgm:txLinClrLst/>
-    <dgm:txFillClrLst meth="repeat">
-      <a:schemeClr val="lt1"/>
-    </dgm:txFillClrLst>
-    <dgm:txEffectClrLst/>
-  </dgm:styleLbl>
-  <dgm:styleLbl name="fgShp">
-    <dgm:fillClrLst meth="repeat">
-      <a:schemeClr val="accent2">
-        <a:tint val="40000"/>
-      </a:schemeClr>
-    </dgm:fillClrLst>
-    <dgm:linClrLst meth="repeat">
-      <a:schemeClr val="lt1"/>
-    </dgm:linClrLst>
-    <dgm:effectClrLst/>
-    <dgm:txLinClrLst/>
-    <dgm:txFillClrLst meth="repeat">
-      <a:schemeClr val="dk1"/>
-    </dgm:txFillClrLst>
-    <dgm:txEffectClrLst/>
-  </dgm:styleLbl>
-  <dgm:styleLbl name="revTx">
-    <dgm:fillClrLst meth="repeat">
-      <a:schemeClr val="lt1">
-        <a:alpha val="0"/>
-      </a:schemeClr>
-    </dgm:fillClrLst>
-    <dgm:linClrLst meth="repeat">
-      <a:schemeClr val="dk1">
-        <a:alpha val="0"/>
-      </a:schemeClr>
-    </dgm:linClrLst>
-    <dgm:effectClrLst/>
-    <dgm:txLinClrLst/>
-    <dgm:txFillClrLst meth="repeat">
-      <a:schemeClr val="bg1"/>
-    </dgm:txFillClrLst>
-    <dgm:txEffectClrLst/>
-  </dgm:styleLbl>
-</dgm:colorsDef>
-</file>
-
-<file path=ppt/diagrams/colors5.xml><?xml version="1.0" encoding="utf-8"?>
 <dgm:colorsDef xmlns:dgm="http://schemas.openxmlformats.org/drawingml/2006/diagram" xmlns:a="http://schemas.openxmlformats.org/drawingml/2006/main" uniqueId="urn:microsoft.com/office/officeart/2018/5/colors/Iconchunking_neutralicontext_colorful1">
   <dgm:title val=""/>
   <dgm:desc val=""/>
@@ -4973,7 +4051,7 @@
         <a:p>
           <a:r>
             <a:rPr lang="en-US" b="1" dirty="0"/>
-            <a:t>About a third of our island inventory had a listed price, and consequently, two thirds did not.</a:t>
+            <a:t>About two thirds of our island inventory had a listed price, and consequently, a third did not.</a:t>
           </a:r>
           <a:endParaRPr lang="en-US" dirty="0"/>
         </a:p>
@@ -5201,9 +4279,16 @@
         <a:p>
           <a:r>
             <a:rPr lang="en-US" b="1" dirty="0"/>
-            <a:t>440 islands had price information, and 244 had no price.</a:t>
+            <a:t>Used </a:t>
           </a:r>
-          <a:endParaRPr lang="en-US" dirty="0"/>
+          <a:r>
+            <a:rPr lang="en-US" b="1" dirty="0" err="1"/>
+            <a:t>XGBoost</a:t>
+          </a:r>
+          <a:r>
+            <a:rPr lang="en-US" b="1" dirty="0"/>
+            <a:t> to make our model and predict prices</a:t>
+          </a:r>
         </a:p>
       </dgm:t>
     </dgm:pt>
@@ -5429,234 +4514,6 @@
         <a:p>
           <a:r>
             <a:rPr lang="en-US" b="1" dirty="0"/>
-            <a:t>440 islands had price information, and 244 had no price.</a:t>
-          </a:r>
-          <a:endParaRPr lang="en-US" dirty="0"/>
-        </a:p>
-      </dgm:t>
-    </dgm:pt>
-    <dgm:pt modelId="{51AA78CA-D3EF-4698-AB3C-87FC604A74F9}" type="parTrans" cxnId="{46922E9D-3570-4ACA-9F3A-A0BB4B83FB4F}">
-      <dgm:prSet/>
-      <dgm:spPr/>
-      <dgm:t>
-        <a:bodyPr/>
-        <a:lstStyle/>
-        <a:p>
-          <a:endParaRPr lang="en-US"/>
-        </a:p>
-      </dgm:t>
-    </dgm:pt>
-    <dgm:pt modelId="{0C11EF91-60A0-4A0F-8094-C09A047FCAB4}" type="sibTrans" cxnId="{46922E9D-3570-4ACA-9F3A-A0BB4B83FB4F}">
-      <dgm:prSet/>
-      <dgm:spPr/>
-      <dgm:t>
-        <a:bodyPr/>
-        <a:lstStyle/>
-        <a:p>
-          <a:endParaRPr lang="en-US"/>
-        </a:p>
-      </dgm:t>
-    </dgm:pt>
-    <dgm:pt modelId="{E658F815-5504-45C3-A09F-CCE2D28C941D}">
-      <dgm:prSet/>
-      <dgm:spPr/>
-      <dgm:t>
-        <a:bodyPr/>
-        <a:lstStyle/>
-        <a:p>
-          <a:r>
-            <a:rPr lang="en-US" b="1" dirty="0"/>
-            <a:t>Trained model on islands with price. Tested on islands without price.</a:t>
-          </a:r>
-          <a:endParaRPr lang="en-US" dirty="0"/>
-        </a:p>
-      </dgm:t>
-    </dgm:pt>
-    <dgm:pt modelId="{2E5D69FC-C71D-46F2-85B4-4CF9FCD3C9F2}" type="parTrans" cxnId="{88AB8969-5667-4D5A-B3FB-9CD81395579A}">
-      <dgm:prSet/>
-      <dgm:spPr/>
-      <dgm:t>
-        <a:bodyPr/>
-        <a:lstStyle/>
-        <a:p>
-          <a:endParaRPr lang="en-US"/>
-        </a:p>
-      </dgm:t>
-    </dgm:pt>
-    <dgm:pt modelId="{202FA01D-2236-433B-AA93-FCAAC49D13DA}" type="sibTrans" cxnId="{88AB8969-5667-4D5A-B3FB-9CD81395579A}">
-      <dgm:prSet/>
-      <dgm:spPr/>
-      <dgm:t>
-        <a:bodyPr/>
-        <a:lstStyle/>
-        <a:p>
-          <a:endParaRPr lang="en-US"/>
-        </a:p>
-      </dgm:t>
-    </dgm:pt>
-    <dgm:pt modelId="{8EA89D81-2658-4302-BEFB-EA56EDE3BBD9}" type="pres">
-      <dgm:prSet presAssocID="{BA40029F-D60B-4BBD-B639-761B2B479E51}" presName="root" presStyleCnt="0">
-        <dgm:presLayoutVars>
-          <dgm:dir/>
-          <dgm:resizeHandles val="exact"/>
-        </dgm:presLayoutVars>
-      </dgm:prSet>
-      <dgm:spPr/>
-    </dgm:pt>
-    <dgm:pt modelId="{8E507C54-5C6D-4053-9DC0-0A917A354695}" type="pres">
-      <dgm:prSet presAssocID="{AACF1C13-2356-4B6F-B9CB-959E2383C729}" presName="compNode" presStyleCnt="0"/>
-      <dgm:spPr/>
-    </dgm:pt>
-    <dgm:pt modelId="{C1242F4D-26AD-4069-B5C6-F04120EDE77B}" type="pres">
-      <dgm:prSet presAssocID="{AACF1C13-2356-4B6F-B9CB-959E2383C729}" presName="bgRect" presStyleLbl="bgShp" presStyleIdx="0" presStyleCnt="2"/>
-      <dgm:spPr/>
-    </dgm:pt>
-    <dgm:pt modelId="{350441A4-AE61-4A01-90C7-1233D4CDABBB}" type="pres">
-      <dgm:prSet presAssocID="{AACF1C13-2356-4B6F-B9CB-959E2383C729}" presName="iconRect" presStyleLbl="node1" presStyleIdx="0" presStyleCnt="2"/>
-      <dgm:spPr>
-        <a:blipFill>
-          <a:blip xmlns:r="http://schemas.openxmlformats.org/officeDocument/2006/relationships" r:embed="rId1">
-            <a:extLst>
-              <a:ext uri="{28A0092B-C50C-407E-A947-70E740481C1C}">
-                <a14:useLocalDpi xmlns:a14="http://schemas.microsoft.com/office/drawing/2010/main" val="0"/>
-              </a:ext>
-              <a:ext uri="{96DAC541-7B7A-43D3-8B79-37D633B846F1}">
-                <asvg:svgBlip xmlns:asvg="http://schemas.microsoft.com/office/drawing/2016/SVG/main" r:embed="rId2"/>
-              </a:ext>
-            </a:extLst>
-          </a:blip>
-          <a:stretch>
-            <a:fillRect/>
-          </a:stretch>
-        </a:blipFill>
-        <a:ln>
-          <a:noFill/>
-        </a:ln>
-      </dgm:spPr>
-      <dgm:extLst>
-        <a:ext uri="{E40237B7-FDA0-4F09-8148-C483321AD2D9}">
-          <dgm14:cNvPr xmlns:dgm14="http://schemas.microsoft.com/office/drawing/2010/diagram" id="0" name="" descr="Dollar"/>
-        </a:ext>
-      </dgm:extLst>
-    </dgm:pt>
-    <dgm:pt modelId="{301E89CA-321A-4B9E-84F9-6398B97C4351}" type="pres">
-      <dgm:prSet presAssocID="{AACF1C13-2356-4B6F-B9CB-959E2383C729}" presName="spaceRect" presStyleCnt="0"/>
-      <dgm:spPr/>
-    </dgm:pt>
-    <dgm:pt modelId="{99E51677-24E6-407E-8865-035882B5F643}" type="pres">
-      <dgm:prSet presAssocID="{AACF1C13-2356-4B6F-B9CB-959E2383C729}" presName="parTx" presStyleLbl="revTx" presStyleIdx="0" presStyleCnt="2">
-        <dgm:presLayoutVars>
-          <dgm:chMax val="0"/>
-          <dgm:chPref val="0"/>
-        </dgm:presLayoutVars>
-      </dgm:prSet>
-      <dgm:spPr/>
-    </dgm:pt>
-    <dgm:pt modelId="{496205CF-0F72-497D-A963-5486C5462138}" type="pres">
-      <dgm:prSet presAssocID="{0C11EF91-60A0-4A0F-8094-C09A047FCAB4}" presName="sibTrans" presStyleCnt="0"/>
-      <dgm:spPr/>
-    </dgm:pt>
-    <dgm:pt modelId="{A98970BF-496F-4D87-9A7A-45610BCEE5B2}" type="pres">
-      <dgm:prSet presAssocID="{E658F815-5504-45C3-A09F-CCE2D28C941D}" presName="compNode" presStyleCnt="0"/>
-      <dgm:spPr/>
-    </dgm:pt>
-    <dgm:pt modelId="{74F33050-46D6-401E-AD2F-45241B935559}" type="pres">
-      <dgm:prSet presAssocID="{E658F815-5504-45C3-A09F-CCE2D28C941D}" presName="bgRect" presStyleLbl="bgShp" presStyleIdx="1" presStyleCnt="2"/>
-      <dgm:spPr/>
-    </dgm:pt>
-    <dgm:pt modelId="{1E21A490-450A-451C-83F0-EE6DDA9224A3}" type="pres">
-      <dgm:prSet presAssocID="{E658F815-5504-45C3-A09F-CCE2D28C941D}" presName="iconRect" presStyleLbl="node1" presStyleIdx="1" presStyleCnt="2"/>
-      <dgm:spPr>
-        <a:blipFill>
-          <a:blip xmlns:r="http://schemas.openxmlformats.org/officeDocument/2006/relationships" r:embed="rId3">
-            <a:extLst>
-              <a:ext uri="{28A0092B-C50C-407E-A947-70E740481C1C}">
-                <a14:useLocalDpi xmlns:a14="http://schemas.microsoft.com/office/drawing/2010/main" val="0"/>
-              </a:ext>
-              <a:ext uri="{96DAC541-7B7A-43D3-8B79-37D633B846F1}">
-                <asvg:svgBlip xmlns:asvg="http://schemas.microsoft.com/office/drawing/2016/SVG/main" r:embed="rId4"/>
-              </a:ext>
-            </a:extLst>
-          </a:blip>
-          <a:stretch>
-            <a:fillRect/>
-          </a:stretch>
-        </a:blipFill>
-        <a:ln>
-          <a:noFill/>
-        </a:ln>
-      </dgm:spPr>
-      <dgm:extLst>
-        <a:ext uri="{E40237B7-FDA0-4F09-8148-C483321AD2D9}">
-          <dgm14:cNvPr xmlns:dgm14="http://schemas.microsoft.com/office/drawing/2010/diagram" id="0" name="" descr="Bitcoin"/>
-        </a:ext>
-      </dgm:extLst>
-    </dgm:pt>
-    <dgm:pt modelId="{0363527B-66B6-4B67-B3D6-F58CE584258A}" type="pres">
-      <dgm:prSet presAssocID="{E658F815-5504-45C3-A09F-CCE2D28C941D}" presName="spaceRect" presStyleCnt="0"/>
-      <dgm:spPr/>
-    </dgm:pt>
-    <dgm:pt modelId="{DE98BCA2-4E47-4BAD-8B42-6E7E2DAEBEA1}" type="pres">
-      <dgm:prSet presAssocID="{E658F815-5504-45C3-A09F-CCE2D28C941D}" presName="parTx" presStyleLbl="revTx" presStyleIdx="1" presStyleCnt="2">
-        <dgm:presLayoutVars>
-          <dgm:chMax val="0"/>
-          <dgm:chPref val="0"/>
-        </dgm:presLayoutVars>
-      </dgm:prSet>
-      <dgm:spPr/>
-    </dgm:pt>
-  </dgm:ptLst>
-  <dgm:cxnLst>
-    <dgm:cxn modelId="{0E781C0F-AB5A-42F6-9340-9815F3C41CE4}" type="presOf" srcId="{BA40029F-D60B-4BBD-B639-761B2B479E51}" destId="{8EA89D81-2658-4302-BEFB-EA56EDE3BBD9}" srcOrd="0" destOrd="0" presId="urn:microsoft.com/office/officeart/2018/2/layout/IconVerticalSolidList"/>
-    <dgm:cxn modelId="{88AB8969-5667-4D5A-B3FB-9CD81395579A}" srcId="{BA40029F-D60B-4BBD-B639-761B2B479E51}" destId="{E658F815-5504-45C3-A09F-CCE2D28C941D}" srcOrd="1" destOrd="0" parTransId="{2E5D69FC-C71D-46F2-85B4-4CF9FCD3C9F2}" sibTransId="{202FA01D-2236-433B-AA93-FCAAC49D13DA}"/>
-    <dgm:cxn modelId="{46922E9D-3570-4ACA-9F3A-A0BB4B83FB4F}" srcId="{BA40029F-D60B-4BBD-B639-761B2B479E51}" destId="{AACF1C13-2356-4B6F-B9CB-959E2383C729}" srcOrd="0" destOrd="0" parTransId="{51AA78CA-D3EF-4698-AB3C-87FC604A74F9}" sibTransId="{0C11EF91-60A0-4A0F-8094-C09A047FCAB4}"/>
-    <dgm:cxn modelId="{5BD135A7-E5E5-4F6E-B847-92A4C414EAC3}" type="presOf" srcId="{AACF1C13-2356-4B6F-B9CB-959E2383C729}" destId="{99E51677-24E6-407E-8865-035882B5F643}" srcOrd="0" destOrd="0" presId="urn:microsoft.com/office/officeart/2018/2/layout/IconVerticalSolidList"/>
-    <dgm:cxn modelId="{F26356F0-ECE8-4179-9DB9-FA1902BF0815}" type="presOf" srcId="{E658F815-5504-45C3-A09F-CCE2D28C941D}" destId="{DE98BCA2-4E47-4BAD-8B42-6E7E2DAEBEA1}" srcOrd="0" destOrd="0" presId="urn:microsoft.com/office/officeart/2018/2/layout/IconVerticalSolidList"/>
-    <dgm:cxn modelId="{42442A53-9A05-474F-A070-AF09450D4DED}" type="presParOf" srcId="{8EA89D81-2658-4302-BEFB-EA56EDE3BBD9}" destId="{8E507C54-5C6D-4053-9DC0-0A917A354695}" srcOrd="0" destOrd="0" presId="urn:microsoft.com/office/officeart/2018/2/layout/IconVerticalSolidList"/>
-    <dgm:cxn modelId="{10D0C6B0-B3DF-4FA6-8B62-FB49DBB49E37}" type="presParOf" srcId="{8E507C54-5C6D-4053-9DC0-0A917A354695}" destId="{C1242F4D-26AD-4069-B5C6-F04120EDE77B}" srcOrd="0" destOrd="0" presId="urn:microsoft.com/office/officeart/2018/2/layout/IconVerticalSolidList"/>
-    <dgm:cxn modelId="{50BC8704-964D-4833-B306-A901508D1843}" type="presParOf" srcId="{8E507C54-5C6D-4053-9DC0-0A917A354695}" destId="{350441A4-AE61-4A01-90C7-1233D4CDABBB}" srcOrd="1" destOrd="0" presId="urn:microsoft.com/office/officeart/2018/2/layout/IconVerticalSolidList"/>
-    <dgm:cxn modelId="{E0EED7F0-894A-45B0-AFFA-210D67C65412}" type="presParOf" srcId="{8E507C54-5C6D-4053-9DC0-0A917A354695}" destId="{301E89CA-321A-4B9E-84F9-6398B97C4351}" srcOrd="2" destOrd="0" presId="urn:microsoft.com/office/officeart/2018/2/layout/IconVerticalSolidList"/>
-    <dgm:cxn modelId="{559A8678-9EBF-4058-80D8-316291831ECE}" type="presParOf" srcId="{8E507C54-5C6D-4053-9DC0-0A917A354695}" destId="{99E51677-24E6-407E-8865-035882B5F643}" srcOrd="3" destOrd="0" presId="urn:microsoft.com/office/officeart/2018/2/layout/IconVerticalSolidList"/>
-    <dgm:cxn modelId="{74C3CC2F-D704-4CEF-A9BC-2AB0198D676D}" type="presParOf" srcId="{8EA89D81-2658-4302-BEFB-EA56EDE3BBD9}" destId="{496205CF-0F72-497D-A963-5486C5462138}" srcOrd="1" destOrd="0" presId="urn:microsoft.com/office/officeart/2018/2/layout/IconVerticalSolidList"/>
-    <dgm:cxn modelId="{F95DE6A4-3D8F-46F6-82C3-16400DC127DE}" type="presParOf" srcId="{8EA89D81-2658-4302-BEFB-EA56EDE3BBD9}" destId="{A98970BF-496F-4D87-9A7A-45610BCEE5B2}" srcOrd="2" destOrd="0" presId="urn:microsoft.com/office/officeart/2018/2/layout/IconVerticalSolidList"/>
-    <dgm:cxn modelId="{256BC29F-64E5-4F99-B9D0-E4844DAF02C6}" type="presParOf" srcId="{A98970BF-496F-4D87-9A7A-45610BCEE5B2}" destId="{74F33050-46D6-401E-AD2F-45241B935559}" srcOrd="0" destOrd="0" presId="urn:microsoft.com/office/officeart/2018/2/layout/IconVerticalSolidList"/>
-    <dgm:cxn modelId="{707041E3-82BB-4A79-9EA2-4B94BAE59677}" type="presParOf" srcId="{A98970BF-496F-4D87-9A7A-45610BCEE5B2}" destId="{1E21A490-450A-451C-83F0-EE6DDA9224A3}" srcOrd="1" destOrd="0" presId="urn:microsoft.com/office/officeart/2018/2/layout/IconVerticalSolidList"/>
-    <dgm:cxn modelId="{D4E045F0-1730-4171-9AAF-A327EF805D4E}" type="presParOf" srcId="{A98970BF-496F-4D87-9A7A-45610BCEE5B2}" destId="{0363527B-66B6-4B67-B3D6-F58CE584258A}" srcOrd="2" destOrd="0" presId="urn:microsoft.com/office/officeart/2018/2/layout/IconVerticalSolidList"/>
-    <dgm:cxn modelId="{6BD008EB-5237-4E6E-A959-CC64E40D806E}" type="presParOf" srcId="{A98970BF-496F-4D87-9A7A-45610BCEE5B2}" destId="{DE98BCA2-4E47-4BAD-8B42-6E7E2DAEBEA1}" srcOrd="3" destOrd="0" presId="urn:microsoft.com/office/officeart/2018/2/layout/IconVerticalSolidList"/>
-  </dgm:cxnLst>
-  <dgm:bg/>
-  <dgm:whole/>
-  <dgm:extLst>
-    <a:ext uri="http://schemas.microsoft.com/office/drawing/2008/diagram">
-      <dsp:dataModelExt xmlns:dsp="http://schemas.microsoft.com/office/drawing/2008/diagram" relId="rId6" minVer="http://schemas.openxmlformats.org/drawingml/2006/diagram"/>
-    </a:ext>
-  </dgm:extLst>
-</dgm:dataModel>
-</file>
-
-<file path=ppt/diagrams/data5.xml><?xml version="1.0" encoding="utf-8"?>
-<dgm:dataModel xmlns:dgm="http://schemas.openxmlformats.org/drawingml/2006/diagram" xmlns:a="http://schemas.openxmlformats.org/drawingml/2006/main">
-  <dgm:ptLst>
-    <dgm:pt modelId="{BA40029F-D60B-4BBD-B639-761B2B479E51}" type="doc">
-      <dgm:prSet loTypeId="urn:microsoft.com/office/officeart/2018/2/layout/IconVerticalSolidList" loCatId="icon" qsTypeId="urn:microsoft.com/office/officeart/2005/8/quickstyle/simple1" qsCatId="simple" csTypeId="urn:microsoft.com/office/officeart/2018/5/colors/Iconchunking_neutralicontext_colorful1" csCatId="colorful" phldr="1"/>
-      <dgm:spPr/>
-      <dgm:t>
-        <a:bodyPr/>
-        <a:lstStyle/>
-        <a:p>
-          <a:endParaRPr lang="en-US"/>
-        </a:p>
-      </dgm:t>
-    </dgm:pt>
-    <dgm:pt modelId="{AACF1C13-2356-4B6F-B9CB-959E2383C729}">
-      <dgm:prSet/>
-      <dgm:spPr/>
-      <dgm:t>
-        <a:bodyPr/>
-        <a:lstStyle/>
-        <a:p>
-          <a:r>
-            <a:rPr lang="en-US" b="1" dirty="0"/>
             <a:t>Website has been updated to reflect new information</a:t>
           </a:r>
           <a:endParaRPr lang="en-US" dirty="0"/>
@@ -5704,7 +4561,7 @@
               <a:solidFill>
                 <a:schemeClr val="bg1"/>
               </a:solidFill>
-              <a:hlinkClick xmlns:r="http://schemas.openxmlformats.org/officeDocument/2006/relationships" r:id="rId1" action="ppaction://hlinkfile">
+              <a:hlinkClick xmlns:r="http://schemas.openxmlformats.org/officeDocument/2006/relationships" r:id="rId1">
                 <a:extLst>
                   <a:ext uri="{A12FA001-AC4F-418D-AE19-62706E023703}">
                     <ahyp:hlinkClr xmlns:ahyp="http://schemas.microsoft.com/office/drawing/2018/hyperlinkcolor" val="tx"/>
@@ -6347,7 +5204,7 @@
           </a:pPr>
           <a:r>
             <a:rPr lang="en-US" sz="2400" b="1" kern="1200" dirty="0"/>
-            <a:t>About a third of our island inventory had a listed price, and consequently, two thirds did not.</a:t>
+            <a:t>About two thirds of our island inventory had a listed price, and consequently, a third did not.</a:t>
           </a:r>
           <a:endParaRPr lang="en-US" sz="2400" kern="1200" dirty="0"/>
         </a:p>
@@ -6661,9 +5518,16 @@
           </a:pPr>
           <a:r>
             <a:rPr lang="en-US" sz="2500" b="1" kern="1200" dirty="0"/>
-            <a:t>440 islands had price information, and 244 had no price.</a:t>
+            <a:t>Used </a:t>
           </a:r>
-          <a:endParaRPr lang="en-US" sz="2500" kern="1200" dirty="0"/>
+          <a:r>
+            <a:rPr lang="en-US" sz="2500" b="1" kern="1200" dirty="0" err="1"/>
+            <a:t>XGBoost</a:t>
+          </a:r>
+          <a:r>
+            <a:rPr lang="en-US" sz="2500" b="1" kern="1200" dirty="0"/>
+            <a:t> to make our model and predict prices</a:t>
+          </a:r>
         </a:p>
       </dsp:txBody>
       <dsp:txXfrm>
@@ -6827,320 +5691,6 @@
 </file>
 
 <file path=ppt/diagrams/drawing4.xml><?xml version="1.0" encoding="utf-8"?>
-<dsp:drawing xmlns:dgm="http://schemas.openxmlformats.org/drawingml/2006/diagram" xmlns:dsp="http://schemas.microsoft.com/office/drawing/2008/diagram" xmlns:a="http://schemas.openxmlformats.org/drawingml/2006/main">
-  <dsp:spTree>
-    <dsp:nvGrpSpPr>
-      <dsp:cNvPr id="0" name=""/>
-      <dsp:cNvGrpSpPr/>
-    </dsp:nvGrpSpPr>
-    <dsp:grpSpPr/>
-    <dsp:sp modelId="{C1242F4D-26AD-4069-B5C6-F04120EDE77B}">
-      <dsp:nvSpPr>
-        <dsp:cNvPr id="0" name=""/>
-        <dsp:cNvSpPr/>
-      </dsp:nvSpPr>
-      <dsp:spPr>
-        <a:xfrm>
-          <a:off x="0" y="820856"/>
-          <a:ext cx="6910387" cy="1515427"/>
-        </a:xfrm>
-        <a:prstGeom prst="roundRect">
-          <a:avLst>
-            <a:gd name="adj" fmla="val 10000"/>
-          </a:avLst>
-        </a:prstGeom>
-        <a:solidFill>
-          <a:schemeClr val="accent2">
-            <a:hueOff val="0"/>
-            <a:satOff val="0"/>
-            <a:lumOff val="0"/>
-            <a:alphaOff val="0"/>
-          </a:schemeClr>
-        </a:solidFill>
-        <a:ln>
-          <a:noFill/>
-        </a:ln>
-        <a:effectLst/>
-      </dsp:spPr>
-      <dsp:style>
-        <a:lnRef idx="0">
-          <a:scrgbClr r="0" g="0" b="0"/>
-        </a:lnRef>
-        <a:fillRef idx="1">
-          <a:scrgbClr r="0" g="0" b="0"/>
-        </a:fillRef>
-        <a:effectRef idx="0">
-          <a:scrgbClr r="0" g="0" b="0"/>
-        </a:effectRef>
-        <a:fontRef idx="minor"/>
-      </dsp:style>
-    </dsp:sp>
-    <dsp:sp modelId="{350441A4-AE61-4A01-90C7-1233D4CDABBB}">
-      <dsp:nvSpPr>
-        <dsp:cNvPr id="0" name=""/>
-        <dsp:cNvSpPr/>
-      </dsp:nvSpPr>
-      <dsp:spPr>
-        <a:xfrm>
-          <a:off x="458416" y="1161827"/>
-          <a:ext cx="833485" cy="833485"/>
-        </a:xfrm>
-        <a:prstGeom prst="rect">
-          <a:avLst/>
-        </a:prstGeom>
-        <a:blipFill>
-          <a:blip xmlns:r="http://schemas.openxmlformats.org/officeDocument/2006/relationships" r:embed="rId1">
-            <a:extLst>
-              <a:ext uri="{28A0092B-C50C-407E-A947-70E740481C1C}">
-                <a14:useLocalDpi xmlns:a14="http://schemas.microsoft.com/office/drawing/2010/main" val="0"/>
-              </a:ext>
-              <a:ext uri="{96DAC541-7B7A-43D3-8B79-37D633B846F1}">
-                <asvg:svgBlip xmlns:asvg="http://schemas.microsoft.com/office/drawing/2016/SVG/main" r:embed="rId2"/>
-              </a:ext>
-            </a:extLst>
-          </a:blip>
-          <a:stretch>
-            <a:fillRect/>
-          </a:stretch>
-        </a:blipFill>
-        <a:ln w="15875" cap="flat" cmpd="sng" algn="ctr">
-          <a:noFill/>
-          <a:prstDash val="solid"/>
-        </a:ln>
-        <a:effectLst/>
-      </dsp:spPr>
-      <dsp:style>
-        <a:lnRef idx="2">
-          <a:scrgbClr r="0" g="0" b="0"/>
-        </a:lnRef>
-        <a:fillRef idx="1">
-          <a:scrgbClr r="0" g="0" b="0"/>
-        </a:fillRef>
-        <a:effectRef idx="0">
-          <a:scrgbClr r="0" g="0" b="0"/>
-        </a:effectRef>
-        <a:fontRef idx="minor">
-          <a:schemeClr val="lt1"/>
-        </a:fontRef>
-      </dsp:style>
-    </dsp:sp>
-    <dsp:sp modelId="{99E51677-24E6-407E-8865-035882B5F643}">
-      <dsp:nvSpPr>
-        <dsp:cNvPr id="0" name=""/>
-        <dsp:cNvSpPr/>
-      </dsp:nvSpPr>
-      <dsp:spPr>
-        <a:xfrm>
-          <a:off x="1750318" y="820856"/>
-          <a:ext cx="5160068" cy="1515427"/>
-        </a:xfrm>
-        <a:prstGeom prst="rect">
-          <a:avLst/>
-        </a:prstGeom>
-        <a:noFill/>
-        <a:ln>
-          <a:noFill/>
-        </a:ln>
-        <a:effectLst/>
-      </dsp:spPr>
-      <dsp:style>
-        <a:lnRef idx="0">
-          <a:scrgbClr r="0" g="0" b="0"/>
-        </a:lnRef>
-        <a:fillRef idx="0">
-          <a:scrgbClr r="0" g="0" b="0"/>
-        </a:fillRef>
-        <a:effectRef idx="0">
-          <a:scrgbClr r="0" g="0" b="0"/>
-        </a:effectRef>
-        <a:fontRef idx="minor"/>
-      </dsp:style>
-      <dsp:txBody>
-        <a:bodyPr spcFirstLastPara="0" vert="horz" wrap="square" lIns="160383" tIns="160383" rIns="160383" bIns="160383" numCol="1" spcCol="1270" anchor="ctr" anchorCtr="0">
-          <a:noAutofit/>
-        </a:bodyPr>
-        <a:lstStyle/>
-        <a:p>
-          <a:pPr marL="0" lvl="0" indent="0" algn="l" defTabSz="1111250">
-            <a:lnSpc>
-              <a:spcPct val="90000"/>
-            </a:lnSpc>
-            <a:spcBef>
-              <a:spcPct val="0"/>
-            </a:spcBef>
-            <a:spcAft>
-              <a:spcPct val="35000"/>
-            </a:spcAft>
-            <a:buNone/>
-          </a:pPr>
-          <a:r>
-            <a:rPr lang="en-US" sz="2500" b="1" kern="1200" dirty="0"/>
-            <a:t>440 islands had price information, and 244 had no price.</a:t>
-          </a:r>
-          <a:endParaRPr lang="en-US" sz="2500" kern="1200" dirty="0"/>
-        </a:p>
-      </dsp:txBody>
-      <dsp:txXfrm>
-        <a:off x="1750318" y="820856"/>
-        <a:ext cx="5160068" cy="1515427"/>
-      </dsp:txXfrm>
-    </dsp:sp>
-    <dsp:sp modelId="{74F33050-46D6-401E-AD2F-45241B935559}">
-      <dsp:nvSpPr>
-        <dsp:cNvPr id="0" name=""/>
-        <dsp:cNvSpPr/>
-      </dsp:nvSpPr>
-      <dsp:spPr>
-        <a:xfrm>
-          <a:off x="0" y="2715140"/>
-          <a:ext cx="6910387" cy="1515427"/>
-        </a:xfrm>
-        <a:prstGeom prst="roundRect">
-          <a:avLst>
-            <a:gd name="adj" fmla="val 10000"/>
-          </a:avLst>
-        </a:prstGeom>
-        <a:solidFill>
-          <a:schemeClr val="accent3">
-            <a:hueOff val="0"/>
-            <a:satOff val="0"/>
-            <a:lumOff val="0"/>
-            <a:alphaOff val="0"/>
-          </a:schemeClr>
-        </a:solidFill>
-        <a:ln>
-          <a:noFill/>
-        </a:ln>
-        <a:effectLst/>
-      </dsp:spPr>
-      <dsp:style>
-        <a:lnRef idx="0">
-          <a:scrgbClr r="0" g="0" b="0"/>
-        </a:lnRef>
-        <a:fillRef idx="1">
-          <a:scrgbClr r="0" g="0" b="0"/>
-        </a:fillRef>
-        <a:effectRef idx="0">
-          <a:scrgbClr r="0" g="0" b="0"/>
-        </a:effectRef>
-        <a:fontRef idx="minor"/>
-      </dsp:style>
-    </dsp:sp>
-    <dsp:sp modelId="{1E21A490-450A-451C-83F0-EE6DDA9224A3}">
-      <dsp:nvSpPr>
-        <dsp:cNvPr id="0" name=""/>
-        <dsp:cNvSpPr/>
-      </dsp:nvSpPr>
-      <dsp:spPr>
-        <a:xfrm>
-          <a:off x="458416" y="3056112"/>
-          <a:ext cx="833485" cy="833485"/>
-        </a:xfrm>
-        <a:prstGeom prst="rect">
-          <a:avLst/>
-        </a:prstGeom>
-        <a:blipFill>
-          <a:blip xmlns:r="http://schemas.openxmlformats.org/officeDocument/2006/relationships" r:embed="rId3">
-            <a:extLst>
-              <a:ext uri="{28A0092B-C50C-407E-A947-70E740481C1C}">
-                <a14:useLocalDpi xmlns:a14="http://schemas.microsoft.com/office/drawing/2010/main" val="0"/>
-              </a:ext>
-              <a:ext uri="{96DAC541-7B7A-43D3-8B79-37D633B846F1}">
-                <asvg:svgBlip xmlns:asvg="http://schemas.microsoft.com/office/drawing/2016/SVG/main" r:embed="rId4"/>
-              </a:ext>
-            </a:extLst>
-          </a:blip>
-          <a:stretch>
-            <a:fillRect/>
-          </a:stretch>
-        </a:blipFill>
-        <a:ln w="15875" cap="flat" cmpd="sng" algn="ctr">
-          <a:noFill/>
-          <a:prstDash val="solid"/>
-        </a:ln>
-        <a:effectLst/>
-      </dsp:spPr>
-      <dsp:style>
-        <a:lnRef idx="2">
-          <a:scrgbClr r="0" g="0" b="0"/>
-        </a:lnRef>
-        <a:fillRef idx="1">
-          <a:scrgbClr r="0" g="0" b="0"/>
-        </a:fillRef>
-        <a:effectRef idx="0">
-          <a:scrgbClr r="0" g="0" b="0"/>
-        </a:effectRef>
-        <a:fontRef idx="minor">
-          <a:schemeClr val="lt1"/>
-        </a:fontRef>
-      </dsp:style>
-    </dsp:sp>
-    <dsp:sp modelId="{DE98BCA2-4E47-4BAD-8B42-6E7E2DAEBEA1}">
-      <dsp:nvSpPr>
-        <dsp:cNvPr id="0" name=""/>
-        <dsp:cNvSpPr/>
-      </dsp:nvSpPr>
-      <dsp:spPr>
-        <a:xfrm>
-          <a:off x="1750318" y="2715140"/>
-          <a:ext cx="5160068" cy="1515427"/>
-        </a:xfrm>
-        <a:prstGeom prst="rect">
-          <a:avLst/>
-        </a:prstGeom>
-        <a:noFill/>
-        <a:ln>
-          <a:noFill/>
-        </a:ln>
-        <a:effectLst/>
-      </dsp:spPr>
-      <dsp:style>
-        <a:lnRef idx="0">
-          <a:scrgbClr r="0" g="0" b="0"/>
-        </a:lnRef>
-        <a:fillRef idx="0">
-          <a:scrgbClr r="0" g="0" b="0"/>
-        </a:fillRef>
-        <a:effectRef idx="0">
-          <a:scrgbClr r="0" g="0" b="0"/>
-        </a:effectRef>
-        <a:fontRef idx="minor"/>
-      </dsp:style>
-      <dsp:txBody>
-        <a:bodyPr spcFirstLastPara="0" vert="horz" wrap="square" lIns="160383" tIns="160383" rIns="160383" bIns="160383" numCol="1" spcCol="1270" anchor="ctr" anchorCtr="0">
-          <a:noAutofit/>
-        </a:bodyPr>
-        <a:lstStyle/>
-        <a:p>
-          <a:pPr marL="0" lvl="0" indent="0" algn="l" defTabSz="1111250">
-            <a:lnSpc>
-              <a:spcPct val="90000"/>
-            </a:lnSpc>
-            <a:spcBef>
-              <a:spcPct val="0"/>
-            </a:spcBef>
-            <a:spcAft>
-              <a:spcPct val="35000"/>
-            </a:spcAft>
-            <a:buNone/>
-          </a:pPr>
-          <a:r>
-            <a:rPr lang="en-US" sz="2500" b="1" kern="1200" dirty="0"/>
-            <a:t>Trained model on islands with price. Tested on islands without price.</a:t>
-          </a:r>
-          <a:endParaRPr lang="en-US" sz="2500" kern="1200" dirty="0"/>
-        </a:p>
-      </dsp:txBody>
-      <dsp:txXfrm>
-        <a:off x="1750318" y="2715140"/>
-        <a:ext cx="5160068" cy="1515427"/>
-      </dsp:txXfrm>
-    </dsp:sp>
-  </dsp:spTree>
-</dsp:drawing>
-</file>
-
-<file path=ppt/diagrams/drawing5.xml><?xml version="1.0" encoding="utf-8"?>
 <dsp:drawing xmlns:dgm="http://schemas.openxmlformats.org/drawingml/2006/diagram" xmlns:dsp="http://schemas.microsoft.com/office/drawing/2008/diagram" xmlns:a="http://schemas.openxmlformats.org/drawingml/2006/main">
   <dsp:spTree>
     <dsp:nvGrpSpPr>
@@ -8652,300 +7202,6 @@
 </dgm:layoutDef>
 </file>
 
-<file path=ppt/diagrams/layout5.xml><?xml version="1.0" encoding="utf-8"?>
-<dgm:layoutDef xmlns:dgm="http://schemas.openxmlformats.org/drawingml/2006/diagram" xmlns:a="http://schemas.openxmlformats.org/drawingml/2006/main" uniqueId="urn:microsoft.com/office/officeart/2018/2/layout/IconVerticalSolidList">
-  <dgm:title val="Icon Vertical Solid List"/>
-  <dgm:desc val="Use to show a series of visuals from top to bottom with Level 1 or Level 1 and Level 2 text grouped in a shape. Works best with icons or small pictures with lengthier descriptions."/>
-  <dgm:catLst>
-    <dgm:cat type="icon" pri="500"/>
-  </dgm:catLst>
-  <dgm:sampData useDef="1">
-    <dgm:dataModel>
-      <dgm:ptLst/>
-      <dgm:bg/>
-      <dgm:whole/>
-    </dgm:dataModel>
-  </dgm:sampData>
-  <dgm:styleData useDef="1">
-    <dgm:dataModel>
-      <dgm:ptLst/>
-      <dgm:bg/>
-      <dgm:whole/>
-    </dgm:dataModel>
-  </dgm:styleData>
-  <dgm:clrData useDef="1">
-    <dgm:dataModel>
-      <dgm:ptLst/>
-      <dgm:bg/>
-      <dgm:whole/>
-    </dgm:dataModel>
-  </dgm:clrData>
-  <dgm:layoutNode name="root">
-    <dgm:varLst>
-      <dgm:dir/>
-      <dgm:resizeHandles val="exact"/>
-    </dgm:varLst>
-    <dgm:choose name="Name0">
-      <dgm:if name="Name1" axis="self" func="var" arg="dir" op="equ" val="norm">
-        <dgm:alg type="lin">
-          <dgm:param type="linDir" val="fromT"/>
-          <dgm:param type="nodeHorzAlign" val="l"/>
-        </dgm:alg>
-      </dgm:if>
-      <dgm:else name="Name2">
-        <dgm:alg type="lin">
-          <dgm:param type="linDir" val="fromT"/>
-          <dgm:param type="nodeHorzAlign" val="r"/>
-        </dgm:alg>
-      </dgm:else>
-    </dgm:choose>
-    <dgm:shape xmlns:r="http://schemas.openxmlformats.org/officeDocument/2006/relationships" r:blip="">
-      <dgm:adjLst/>
-    </dgm:shape>
-    <dgm:presOf/>
-    <dgm:choose name="Name3">
-      <dgm:if name="Name4" axis="ch" ptType="node" func="cnt" op="lte" val="3">
-        <dgm:constrLst>
-          <dgm:constr type="h" for="ch" forName="compNode" refType="h" fact="0.3"/>
-          <dgm:constr type="w" for="ch" forName="compNode" refType="w"/>
-          <dgm:constr type="h" for="ch" forName="sibTrans" refType="h" refFor="ch" refForName="compNode" fact="0.25"/>
-          <dgm:constr type="primFontSz" for="des" forName="parTx" val="25"/>
-          <dgm:constr type="primFontSz" for="des" forName="desTx" refType="primFontSz" refFor="des" refForName="parTx" op="lte" fact="0.75"/>
-          <dgm:constr type="h" for="des" forName="compNode" op="equ"/>
-          <dgm:constr type="h" for="des" forName="bgRect" op="equ"/>
-          <dgm:constr type="h" for="des" forName="iconRect" op="equ"/>
-          <dgm:constr type="w" for="des" forName="iconRect" op="equ"/>
-          <dgm:constr type="h" for="des" forName="spaceRect" op="equ"/>
-          <dgm:constr type="h" for="des" forName="parTx" op="equ"/>
-          <dgm:constr type="h" for="des" forName="desTx" op="equ"/>
-        </dgm:constrLst>
-      </dgm:if>
-      <dgm:if name="Name5" axis="ch" ptType="node" func="cnt" op="lte" val="4">
-        <dgm:constrLst>
-          <dgm:constr type="h" for="ch" forName="compNode" refType="h" fact="0.3"/>
-          <dgm:constr type="w" for="ch" forName="compNode" refType="w"/>
-          <dgm:constr type="h" for="ch" forName="sibTrans" refType="h" refFor="ch" refForName="compNode" fact="0.25"/>
-          <dgm:constr type="primFontSz" for="des" forName="parTx" val="22"/>
-          <dgm:constr type="primFontSz" for="des" forName="desTx" refType="primFontSz" refFor="des" refForName="parTx" op="lte" fact="0.75"/>
-          <dgm:constr type="h" for="des" forName="compNode" op="equ"/>
-          <dgm:constr type="h" for="des" forName="bgRect" op="equ"/>
-          <dgm:constr type="h" for="des" forName="iconRect" op="equ"/>
-          <dgm:constr type="w" for="des" forName="iconRect" op="equ"/>
-          <dgm:constr type="h" for="des" forName="spaceRect" op="equ"/>
-          <dgm:constr type="h" for="des" forName="parTx" op="equ"/>
-          <dgm:constr type="h" for="des" forName="desTx" op="equ"/>
-        </dgm:constrLst>
-      </dgm:if>
-      <dgm:if name="Name6" axis="ch" ptType="node" func="cnt" op="lte" val="6">
-        <dgm:constrLst>
-          <dgm:constr type="h" for="ch" forName="compNode" refType="h" fact="0.3"/>
-          <dgm:constr type="w" for="ch" forName="compNode" refType="w"/>
-          <dgm:constr type="h" for="ch" forName="sibTrans" refType="h" refFor="ch" refForName="compNode" fact="0.25"/>
-          <dgm:constr type="primFontSz" for="des" forName="parTx" val="19"/>
-          <dgm:constr type="primFontSz" for="des" forName="desTx" refType="primFontSz" refFor="des" refForName="parTx" op="lte" fact="0.75"/>
-          <dgm:constr type="h" for="des" forName="compNode" op="equ"/>
-          <dgm:constr type="h" for="des" forName="bgRect" op="equ"/>
-          <dgm:constr type="h" for="des" forName="iconRect" op="equ"/>
-          <dgm:constr type="w" for="des" forName="iconRect" op="equ"/>
-          <dgm:constr type="h" for="des" forName="spaceRect" op="equ"/>
-          <dgm:constr type="h" for="des" forName="parTx" op="equ"/>
-          <dgm:constr type="h" for="des" forName="desTx" op="equ"/>
-        </dgm:constrLst>
-      </dgm:if>
-      <dgm:else name="Name7">
-        <dgm:constrLst>
-          <dgm:constr type="h" for="ch" forName="compNode" refType="h" fact="0.3"/>
-          <dgm:constr type="w" for="ch" forName="compNode" refType="w"/>
-          <dgm:constr type="h" for="ch" forName="sibTrans" refType="h" refFor="ch" refForName="compNode" fact="0.25"/>
-          <dgm:constr type="primFontSz" for="des" forName="parTx" val="16"/>
-          <dgm:constr type="primFontSz" for="des" forName="desTx" refType="primFontSz" refFor="des" refForName="parTx" op="lte" fact="0.75"/>
-          <dgm:constr type="h" for="des" forName="compNode" op="equ"/>
-          <dgm:constr type="h" for="des" forName="bgRect" op="equ"/>
-          <dgm:constr type="h" for="des" forName="iconRect" op="equ"/>
-          <dgm:constr type="w" for="des" forName="iconRect" op="equ"/>
-          <dgm:constr type="h" for="des" forName="spaceRect" op="equ"/>
-          <dgm:constr type="h" for="des" forName="parTx" op="equ"/>
-          <dgm:constr type="h" for="des" forName="desTx" op="equ"/>
-        </dgm:constrLst>
-      </dgm:else>
-    </dgm:choose>
-    <dgm:ruleLst>
-      <dgm:rule type="h" for="ch" forName="compNode" val="0" fact="NaN" max="NaN"/>
-    </dgm:ruleLst>
-    <dgm:forEach name="Name8" axis="ch" ptType="node">
-      <dgm:layoutNode name="compNode">
-        <dgm:alg type="composite"/>
-        <dgm:shape xmlns:r="http://schemas.openxmlformats.org/officeDocument/2006/relationships" r:blip="">
-          <dgm:adjLst/>
-        </dgm:shape>
-        <dgm:presOf axis="self"/>
-        <dgm:choose name="Name9">
-          <dgm:if name="Name10" axis="ch" ptType="node" func="cnt" op="gte" val="1">
-            <dgm:constrLst>
-              <dgm:constr type="w" for="ch" forName="bgRect" refType="w"/>
-              <dgm:constr type="h" for="ch" forName="bgRect" refType="h"/>
-              <dgm:constr type="l" for="ch" forName="bgRect"/>
-              <dgm:constr type="t" for="ch" forName="bgRect"/>
-              <dgm:constr type="h" for="ch" forName="iconRect" refType="h" fact="0.55"/>
-              <dgm:constr type="w" for="ch" forName="iconRect" refType="h" refFor="ch" refForName="iconRect"/>
-              <dgm:constr type="l" for="ch" forName="iconRect" refType="h" refFor="ch" refForName="iconRect" fact="0.55"/>
-              <dgm:constr type="ctrY" for="ch" forName="iconRect" refType="ctrY" refFor="ch" refForName="bgRect"/>
-              <dgm:constr type="w" for="ch" forName="spaceRect" refType="l" refFor="ch" refForName="iconRect"/>
-              <dgm:constr type="h" for="ch" forName="spaceRect" refType="h"/>
-              <dgm:constr type="l" for="ch" forName="spaceRect" refType="r" refFor="ch" refForName="iconRect"/>
-              <dgm:constr type="t" for="ch" forName="spaceRect"/>
-              <dgm:constr type="w" for="ch" forName="parTx" refType="w" fact="0.45"/>
-              <dgm:constr type="h" for="ch" forName="parTx" refType="h"/>
-              <dgm:constr type="l" for="ch" forName="parTx" refType="r" refFor="ch" refForName="spaceRect"/>
-              <dgm:constr type="t" for="ch" forName="parTx"/>
-              <dgm:constr type="h" for="ch" forName="desTx" refType="h"/>
-              <dgm:constr type="l" for="ch" forName="desTx" refType="r" refFor="ch" refForName="parTx"/>
-              <dgm:constr type="t" for="ch" forName="desTx"/>
-            </dgm:constrLst>
-          </dgm:if>
-          <dgm:else name="Name11">
-            <dgm:constrLst>
-              <dgm:constr type="w" for="ch" forName="bgRect" refType="w"/>
-              <dgm:constr type="h" for="ch" forName="bgRect" refType="h"/>
-              <dgm:constr type="l" for="ch" forName="bgRect"/>
-              <dgm:constr type="t" for="ch" forName="bgRect"/>
-              <dgm:constr type="h" for="ch" forName="iconRect" refType="h" fact="0.55"/>
-              <dgm:constr type="w" for="ch" forName="iconRect" refType="h" refFor="ch" refForName="iconRect"/>
-              <dgm:constr type="l" for="ch" forName="iconRect" refType="h" refFor="ch" refForName="iconRect" fact="0.55"/>
-              <dgm:constr type="ctrY" for="ch" forName="iconRect" refType="ctrY" refFor="ch" refForName="bgRect"/>
-              <dgm:constr type="w" for="ch" forName="spaceRect" refType="l" refFor="ch" refForName="iconRect"/>
-              <dgm:constr type="h" for="ch" forName="spaceRect" refType="h"/>
-              <dgm:constr type="l" for="ch" forName="spaceRect" refType="r" refFor="ch" refForName="iconRect"/>
-              <dgm:constr type="t" for="ch" forName="spaceRect"/>
-              <dgm:constr type="h" for="ch" forName="parTx" refType="h"/>
-              <dgm:constr type="l" for="ch" forName="parTx" refType="r" refFor="ch" refForName="spaceRect"/>
-              <dgm:constr type="t" for="ch" forName="parTx"/>
-            </dgm:constrLst>
-          </dgm:else>
-        </dgm:choose>
-        <dgm:ruleLst>
-          <dgm:rule type="h" val="INF" fact="NaN" max="NaN"/>
-        </dgm:ruleLst>
-        <dgm:layoutNode name="bgRect" styleLbl="bgShp">
-          <dgm:alg type="sp"/>
-          <dgm:shape xmlns:r="http://schemas.openxmlformats.org/officeDocument/2006/relationships" type="roundRect" r:blip="">
-            <dgm:adjLst>
-              <dgm:adj idx="1" val="0.1"/>
-            </dgm:adjLst>
-          </dgm:shape>
-          <dgm:presOf/>
-          <dgm:constrLst/>
-          <dgm:ruleLst/>
-        </dgm:layoutNode>
-        <dgm:layoutNode name="iconRect" styleLbl="node1">
-          <dgm:alg type="sp"/>
-          <dgm:shape xmlns:r="http://schemas.openxmlformats.org/officeDocument/2006/relationships" type="rect" r:blip="" blipPhldr="1">
-            <dgm:adjLst/>
-          </dgm:shape>
-          <dgm:presOf/>
-          <dgm:constrLst/>
-          <dgm:ruleLst/>
-        </dgm:layoutNode>
-        <dgm:layoutNode name="spaceRect">
-          <dgm:alg type="sp"/>
-          <dgm:shape xmlns:r="http://schemas.openxmlformats.org/officeDocument/2006/relationships" r:blip="">
-            <dgm:adjLst/>
-          </dgm:shape>
-          <dgm:presOf/>
-          <dgm:constrLst/>
-          <dgm:ruleLst/>
-        </dgm:layoutNode>
-        <dgm:layoutNode name="parTx" styleLbl="revTx">
-          <dgm:varLst>
-            <dgm:chMax val="0"/>
-            <dgm:chPref val="0"/>
-          </dgm:varLst>
-          <dgm:alg type="tx">
-            <dgm:param type="txAnchorVert" val="mid"/>
-            <dgm:param type="parTxLTRAlign" val="l"/>
-            <dgm:param type="shpTxLTRAlignCh" val="l"/>
-            <dgm:param type="parTxRTLAlign" val="r"/>
-            <dgm:param type="shpTxRTLAlignCh" val="r"/>
-          </dgm:alg>
-          <dgm:shape xmlns:r="http://schemas.openxmlformats.org/officeDocument/2006/relationships" type="rect" r:blip="">
-            <dgm:adjLst/>
-          </dgm:shape>
-          <dgm:presOf axis="self" ptType="node"/>
-          <dgm:constrLst>
-            <dgm:constr type="lMarg" refType="h" fact="0.3"/>
-            <dgm:constr type="rMarg" refType="h" fact="0.3"/>
-            <dgm:constr type="tMarg" refType="h" fact="0.3"/>
-            <dgm:constr type="bMarg" refType="h" fact="0.3"/>
-          </dgm:constrLst>
-          <dgm:ruleLst>
-            <dgm:rule type="primFontSz" val="14" fact="NaN" max="NaN"/>
-            <dgm:rule type="h" val="INF" fact="NaN" max="NaN"/>
-          </dgm:ruleLst>
-        </dgm:layoutNode>
-        <dgm:choose name="Name12">
-          <dgm:if name="Name13" axis="ch" ptType="node" func="cnt" op="gte" val="1">
-            <dgm:layoutNode name="desTx" styleLbl="revTx">
-              <dgm:varLst/>
-              <dgm:alg type="tx">
-                <dgm:param type="txAnchorVertCh" val="mid"/>
-                <dgm:param type="parTxLTRAlign" val="l"/>
-                <dgm:param type="shpTxLTRAlignCh" val="l"/>
-                <dgm:param type="parTxRTLAlign" val="r"/>
-                <dgm:param type="shpTxRTLAlignCh" val="r"/>
-                <dgm:param type="stBulletLvl" val="0"/>
-              </dgm:alg>
-              <dgm:shape xmlns:r="http://schemas.openxmlformats.org/officeDocument/2006/relationships" type="rect" r:blip="">
-                <dgm:adjLst/>
-              </dgm:shape>
-              <dgm:presOf axis="des" ptType="node"/>
-              <dgm:constrLst>
-                <dgm:constr type="primFontSz" val="18"/>
-                <dgm:constr type="secFontSz" refType="primFontSz"/>
-                <dgm:constr type="lMarg" refType="h" fact="0.3"/>
-                <dgm:constr type="rMarg" refType="h" fact="0.3"/>
-                <dgm:constr type="tMarg" refType="h" fact="0.3"/>
-                <dgm:constr type="bMarg" refType="h" fact="0.3"/>
-              </dgm:constrLst>
-              <dgm:ruleLst>
-                <dgm:rule type="primFontSz" val="11" fact="NaN" max="NaN"/>
-              </dgm:ruleLst>
-            </dgm:layoutNode>
-          </dgm:if>
-          <dgm:else name="Name14"/>
-        </dgm:choose>
-      </dgm:layoutNode>
-      <dgm:forEach name="Name15" axis="followSib" ptType="sibTrans" cnt="1">
-        <dgm:layoutNode name="sibTrans">
-          <dgm:alg type="sp"/>
-          <dgm:shape xmlns:r="http://schemas.openxmlformats.org/officeDocument/2006/relationships" r:blip="">
-            <dgm:adjLst/>
-          </dgm:shape>
-          <dgm:presOf axis="self"/>
-          <dgm:constrLst/>
-          <dgm:ruleLst/>
-        </dgm:layoutNode>
-      </dgm:forEach>
-    </dgm:forEach>
-  </dgm:layoutNode>
-  <dgm:extLst>
-    <a:ext uri="{68A01E43-0DF5-4B5B-8FA6-DAF915123BFB}">
-      <dgm1612:lstStyle xmlns:dgm1612="http://schemas.microsoft.com/office/drawing/2016/12/diagram">
-        <a:lvl1pPr>
-          <a:lnSpc>
-            <a:spcPct val="100000"/>
-          </a:lnSpc>
-        </a:lvl1pPr>
-        <a:lvl2pPr>
-          <a:lnSpc>
-            <a:spcPct val="100000"/>
-          </a:lnSpc>
-        </a:lvl2pPr>
-      </dgm1612:lstStyle>
-    </a:ext>
-  </dgm:extLst>
-</dgm:layoutDef>
-</file>
-
 <file path=ppt/diagrams/quickStyle1.xml><?xml version="1.0" encoding="utf-8"?>
 <dgm:styleDef xmlns:dgm="http://schemas.openxmlformats.org/drawingml/2006/diagram" xmlns:a="http://schemas.openxmlformats.org/drawingml/2006/main" uniqueId="urn:microsoft.com/office/officeart/2005/8/quickstyle/simple1">
   <dgm:title val=""/>
@@ -12049,1040 +10305,6 @@
 </file>
 
 <file path=ppt/diagrams/quickStyle4.xml><?xml version="1.0" encoding="utf-8"?>
-<dgm:styleDef xmlns:dgm="http://schemas.openxmlformats.org/drawingml/2006/diagram" xmlns:a="http://schemas.openxmlformats.org/drawingml/2006/main" uniqueId="urn:microsoft.com/office/officeart/2005/8/quickstyle/simple1">
-  <dgm:title val=""/>
-  <dgm:desc val=""/>
-  <dgm:catLst>
-    <dgm:cat type="simple" pri="10100"/>
-  </dgm:catLst>
-  <dgm:scene3d>
-    <a:camera prst="orthographicFront"/>
-    <a:lightRig rig="threePt" dir="t"/>
-  </dgm:scene3d>
-  <dgm:styleLbl name="node0">
-    <dgm:scene3d>
-      <a:camera prst="orthographicFront"/>
-      <a:lightRig rig="threePt" dir="t"/>
-    </dgm:scene3d>
-    <dgm:sp3d/>
-    <dgm:txPr/>
-    <dgm:style>
-      <a:lnRef idx="2">
-        <a:scrgbClr r="0" g="0" b="0"/>
-      </a:lnRef>
-      <a:fillRef idx="1">
-        <a:scrgbClr r="0" g="0" b="0"/>
-      </a:fillRef>
-      <a:effectRef idx="0">
-        <a:scrgbClr r="0" g="0" b="0"/>
-      </a:effectRef>
-      <a:fontRef idx="minor">
-        <a:schemeClr val="lt1"/>
-      </a:fontRef>
-    </dgm:style>
-  </dgm:styleLbl>
-  <dgm:styleLbl name="lnNode1">
-    <dgm:scene3d>
-      <a:camera prst="orthographicFront"/>
-      <a:lightRig rig="threePt" dir="t"/>
-    </dgm:scene3d>
-    <dgm:sp3d/>
-    <dgm:txPr/>
-    <dgm:style>
-      <a:lnRef idx="2">
-        <a:scrgbClr r="0" g="0" b="0"/>
-      </a:lnRef>
-      <a:fillRef idx="1">
-        <a:scrgbClr r="0" g="0" b="0"/>
-      </a:fillRef>
-      <a:effectRef idx="0">
-        <a:scrgbClr r="0" g="0" b="0"/>
-      </a:effectRef>
-      <a:fontRef idx="minor">
-        <a:schemeClr val="lt1"/>
-      </a:fontRef>
-    </dgm:style>
-  </dgm:styleLbl>
-  <dgm:styleLbl name="vennNode1">
-    <dgm:scene3d>
-      <a:camera prst="orthographicFront"/>
-      <a:lightRig rig="threePt" dir="t"/>
-    </dgm:scene3d>
-    <dgm:sp3d/>
-    <dgm:txPr/>
-    <dgm:style>
-      <a:lnRef idx="2">
-        <a:scrgbClr r="0" g="0" b="0"/>
-      </a:lnRef>
-      <a:fillRef idx="1">
-        <a:scrgbClr r="0" g="0" b="0"/>
-      </a:fillRef>
-      <a:effectRef idx="0">
-        <a:scrgbClr r="0" g="0" b="0"/>
-      </a:effectRef>
-      <a:fontRef idx="minor">
-        <a:schemeClr val="tx1"/>
-      </a:fontRef>
-    </dgm:style>
-  </dgm:styleLbl>
-  <dgm:styleLbl name="alignNode1">
-    <dgm:scene3d>
-      <a:camera prst="orthographicFront"/>
-      <a:lightRig rig="threePt" dir="t"/>
-    </dgm:scene3d>
-    <dgm:sp3d/>
-    <dgm:txPr/>
-    <dgm:style>
-      <a:lnRef idx="2">
-        <a:scrgbClr r="0" g="0" b="0"/>
-      </a:lnRef>
-      <a:fillRef idx="1">
-        <a:scrgbClr r="0" g="0" b="0"/>
-      </a:fillRef>
-      <a:effectRef idx="0">
-        <a:scrgbClr r="0" g="0" b="0"/>
-      </a:effectRef>
-      <a:fontRef idx="minor">
-        <a:schemeClr val="lt1"/>
-      </a:fontRef>
-    </dgm:style>
-  </dgm:styleLbl>
-  <dgm:styleLbl name="node1">
-    <dgm:scene3d>
-      <a:camera prst="orthographicFront"/>
-      <a:lightRig rig="threePt" dir="t"/>
-    </dgm:scene3d>
-    <dgm:sp3d/>
-    <dgm:txPr/>
-    <dgm:style>
-      <a:lnRef idx="2">
-        <a:scrgbClr r="0" g="0" b="0"/>
-      </a:lnRef>
-      <a:fillRef idx="1">
-        <a:scrgbClr r="0" g="0" b="0"/>
-      </a:fillRef>
-      <a:effectRef idx="0">
-        <a:scrgbClr r="0" g="0" b="0"/>
-      </a:effectRef>
-      <a:fontRef idx="minor">
-        <a:schemeClr val="lt1"/>
-      </a:fontRef>
-    </dgm:style>
-  </dgm:styleLbl>
-  <dgm:styleLbl name="node2">
-    <dgm:scene3d>
-      <a:camera prst="orthographicFront"/>
-      <a:lightRig rig="threePt" dir="t"/>
-    </dgm:scene3d>
-    <dgm:sp3d/>
-    <dgm:txPr/>
-    <dgm:style>
-      <a:lnRef idx="2">
-        <a:scrgbClr r="0" g="0" b="0"/>
-      </a:lnRef>
-      <a:fillRef idx="1">
-        <a:scrgbClr r="0" g="0" b="0"/>
-      </a:fillRef>
-      <a:effectRef idx="0">
-        <a:scrgbClr r="0" g="0" b="0"/>
-      </a:effectRef>
-      <a:fontRef idx="minor">
-        <a:schemeClr val="lt1"/>
-      </a:fontRef>
-    </dgm:style>
-  </dgm:styleLbl>
-  <dgm:styleLbl name="node3">
-    <dgm:scene3d>
-      <a:camera prst="orthographicFront"/>
-      <a:lightRig rig="threePt" dir="t"/>
-    </dgm:scene3d>
-    <dgm:sp3d/>
-    <dgm:txPr/>
-    <dgm:style>
-      <a:lnRef idx="2">
-        <a:scrgbClr r="0" g="0" b="0"/>
-      </a:lnRef>
-      <a:fillRef idx="1">
-        <a:scrgbClr r="0" g="0" b="0"/>
-      </a:fillRef>
-      <a:effectRef idx="0">
-        <a:scrgbClr r="0" g="0" b="0"/>
-      </a:effectRef>
-      <a:fontRef idx="minor">
-        <a:schemeClr val="lt1"/>
-      </a:fontRef>
-    </dgm:style>
-  </dgm:styleLbl>
-  <dgm:styleLbl name="node4">
-    <dgm:scene3d>
-      <a:camera prst="orthographicFront"/>
-      <a:lightRig rig="threePt" dir="t"/>
-    </dgm:scene3d>
-    <dgm:sp3d/>
-    <dgm:txPr/>
-    <dgm:style>
-      <a:lnRef idx="2">
-        <a:scrgbClr r="0" g="0" b="0"/>
-      </a:lnRef>
-      <a:fillRef idx="1">
-        <a:scrgbClr r="0" g="0" b="0"/>
-      </a:fillRef>
-      <a:effectRef idx="0">
-        <a:scrgbClr r="0" g="0" b="0"/>
-      </a:effectRef>
-      <a:fontRef idx="minor">
-        <a:schemeClr val="lt1"/>
-      </a:fontRef>
-    </dgm:style>
-  </dgm:styleLbl>
-  <dgm:styleLbl name="fgImgPlace1">
-    <dgm:scene3d>
-      <a:camera prst="orthographicFront"/>
-      <a:lightRig rig="threePt" dir="t"/>
-    </dgm:scene3d>
-    <dgm:sp3d/>
-    <dgm:txPr/>
-    <dgm:style>
-      <a:lnRef idx="2">
-        <a:scrgbClr r="0" g="0" b="0"/>
-      </a:lnRef>
-      <a:fillRef idx="1">
-        <a:scrgbClr r="0" g="0" b="0"/>
-      </a:fillRef>
-      <a:effectRef idx="0">
-        <a:scrgbClr r="0" g="0" b="0"/>
-      </a:effectRef>
-      <a:fontRef idx="minor"/>
-    </dgm:style>
-  </dgm:styleLbl>
-  <dgm:styleLbl name="alignImgPlace1">
-    <dgm:scene3d>
-      <a:camera prst="orthographicFront"/>
-      <a:lightRig rig="threePt" dir="t"/>
-    </dgm:scene3d>
-    <dgm:sp3d/>
-    <dgm:txPr/>
-    <dgm:style>
-      <a:lnRef idx="2">
-        <a:scrgbClr r="0" g="0" b="0"/>
-      </a:lnRef>
-      <a:fillRef idx="1">
-        <a:scrgbClr r="0" g="0" b="0"/>
-      </a:fillRef>
-      <a:effectRef idx="0">
-        <a:scrgbClr r="0" g="0" b="0"/>
-      </a:effectRef>
-      <a:fontRef idx="minor"/>
-    </dgm:style>
-  </dgm:styleLbl>
-  <dgm:styleLbl name="bgImgPlace1">
-    <dgm:scene3d>
-      <a:camera prst="orthographicFront"/>
-      <a:lightRig rig="threePt" dir="t"/>
-    </dgm:scene3d>
-    <dgm:sp3d/>
-    <dgm:txPr/>
-    <dgm:style>
-      <a:lnRef idx="2">
-        <a:scrgbClr r="0" g="0" b="0"/>
-      </a:lnRef>
-      <a:fillRef idx="1">
-        <a:scrgbClr r="0" g="0" b="0"/>
-      </a:fillRef>
-      <a:effectRef idx="0">
-        <a:scrgbClr r="0" g="0" b="0"/>
-      </a:effectRef>
-      <a:fontRef idx="minor"/>
-    </dgm:style>
-  </dgm:styleLbl>
-  <dgm:styleLbl name="sibTrans2D1">
-    <dgm:scene3d>
-      <a:camera prst="orthographicFront"/>
-      <a:lightRig rig="threePt" dir="t"/>
-    </dgm:scene3d>
-    <dgm:sp3d/>
-    <dgm:txPr/>
-    <dgm:style>
-      <a:lnRef idx="0">
-        <a:scrgbClr r="0" g="0" b="0"/>
-      </a:lnRef>
-      <a:fillRef idx="1">
-        <a:scrgbClr r="0" g="0" b="0"/>
-      </a:fillRef>
-      <a:effectRef idx="0">
-        <a:scrgbClr r="0" g="0" b="0"/>
-      </a:effectRef>
-      <a:fontRef idx="minor">
-        <a:schemeClr val="lt1"/>
-      </a:fontRef>
-    </dgm:style>
-  </dgm:styleLbl>
-  <dgm:styleLbl name="fgSibTrans2D1">
-    <dgm:scene3d>
-      <a:camera prst="orthographicFront"/>
-      <a:lightRig rig="threePt" dir="t"/>
-    </dgm:scene3d>
-    <dgm:sp3d/>
-    <dgm:txPr/>
-    <dgm:style>
-      <a:lnRef idx="0">
-        <a:scrgbClr r="0" g="0" b="0"/>
-      </a:lnRef>
-      <a:fillRef idx="1">
-        <a:scrgbClr r="0" g="0" b="0"/>
-      </a:fillRef>
-      <a:effectRef idx="0">
-        <a:scrgbClr r="0" g="0" b="0"/>
-      </a:effectRef>
-      <a:fontRef idx="minor">
-        <a:schemeClr val="lt1"/>
-      </a:fontRef>
-    </dgm:style>
-  </dgm:styleLbl>
-  <dgm:styleLbl name="bgSibTrans2D1">
-    <dgm:scene3d>
-      <a:camera prst="orthographicFront"/>
-      <a:lightRig rig="threePt" dir="t"/>
-    </dgm:scene3d>
-    <dgm:sp3d/>
-    <dgm:txPr/>
-    <dgm:style>
-      <a:lnRef idx="0">
-        <a:scrgbClr r="0" g="0" b="0"/>
-      </a:lnRef>
-      <a:fillRef idx="1">
-        <a:scrgbClr r="0" g="0" b="0"/>
-      </a:fillRef>
-      <a:effectRef idx="0">
-        <a:scrgbClr r="0" g="0" b="0"/>
-      </a:effectRef>
-      <a:fontRef idx="minor">
-        <a:schemeClr val="lt1"/>
-      </a:fontRef>
-    </dgm:style>
-  </dgm:styleLbl>
-  <dgm:styleLbl name="sibTrans1D1">
-    <dgm:scene3d>
-      <a:camera prst="orthographicFront"/>
-      <a:lightRig rig="threePt" dir="t"/>
-    </dgm:scene3d>
-    <dgm:sp3d/>
-    <dgm:txPr/>
-    <dgm:style>
-      <a:lnRef idx="1">
-        <a:scrgbClr r="0" g="0" b="0"/>
-      </a:lnRef>
-      <a:fillRef idx="0">
-        <a:scrgbClr r="0" g="0" b="0"/>
-      </a:fillRef>
-      <a:effectRef idx="0">
-        <a:scrgbClr r="0" g="0" b="0"/>
-      </a:effectRef>
-      <a:fontRef idx="minor"/>
-    </dgm:style>
-  </dgm:styleLbl>
-  <dgm:styleLbl name="callout">
-    <dgm:scene3d>
-      <a:camera prst="orthographicFront"/>
-      <a:lightRig rig="threePt" dir="t"/>
-    </dgm:scene3d>
-    <dgm:sp3d/>
-    <dgm:txPr/>
-    <dgm:style>
-      <a:lnRef idx="2">
-        <a:scrgbClr r="0" g="0" b="0"/>
-      </a:lnRef>
-      <a:fillRef idx="1">
-        <a:scrgbClr r="0" g="0" b="0"/>
-      </a:fillRef>
-      <a:effectRef idx="0">
-        <a:scrgbClr r="0" g="0" b="0"/>
-      </a:effectRef>
-      <a:fontRef idx="minor"/>
-    </dgm:style>
-  </dgm:styleLbl>
-  <dgm:styleLbl name="asst0">
-    <dgm:scene3d>
-      <a:camera prst="orthographicFront"/>
-      <a:lightRig rig="threePt" dir="t"/>
-    </dgm:scene3d>
-    <dgm:sp3d/>
-    <dgm:txPr/>
-    <dgm:style>
-      <a:lnRef idx="2">
-        <a:scrgbClr r="0" g="0" b="0"/>
-      </a:lnRef>
-      <a:fillRef idx="1">
-        <a:scrgbClr r="0" g="0" b="0"/>
-      </a:fillRef>
-      <a:effectRef idx="0">
-        <a:scrgbClr r="0" g="0" b="0"/>
-      </a:effectRef>
-      <a:fontRef idx="minor">
-        <a:schemeClr val="lt1"/>
-      </a:fontRef>
-    </dgm:style>
-  </dgm:styleLbl>
-  <dgm:styleLbl name="asst1">
-    <dgm:scene3d>
-      <a:camera prst="orthographicFront"/>
-      <a:lightRig rig="threePt" dir="t"/>
-    </dgm:scene3d>
-    <dgm:sp3d/>
-    <dgm:txPr/>
-    <dgm:style>
-      <a:lnRef idx="2">
-        <a:scrgbClr r="0" g="0" b="0"/>
-      </a:lnRef>
-      <a:fillRef idx="1">
-        <a:scrgbClr r="0" g="0" b="0"/>
-      </a:fillRef>
-      <a:effectRef idx="0">
-        <a:scrgbClr r="0" g="0" b="0"/>
-      </a:effectRef>
-      <a:fontRef idx="minor">
-        <a:schemeClr val="lt1"/>
-      </a:fontRef>
-    </dgm:style>
-  </dgm:styleLbl>
-  <dgm:styleLbl name="asst2">
-    <dgm:scene3d>
-      <a:camera prst="orthographicFront"/>
-      <a:lightRig rig="threePt" dir="t"/>
-    </dgm:scene3d>
-    <dgm:sp3d/>
-    <dgm:txPr/>
-    <dgm:style>
-      <a:lnRef idx="2">
-        <a:scrgbClr r="0" g="0" b="0"/>
-      </a:lnRef>
-      <a:fillRef idx="1">
-        <a:scrgbClr r="0" g="0" b="0"/>
-      </a:fillRef>
-      <a:effectRef idx="0">
-        <a:scrgbClr r="0" g="0" b="0"/>
-      </a:effectRef>
-      <a:fontRef idx="minor">
-        <a:schemeClr val="lt1"/>
-      </a:fontRef>
-    </dgm:style>
-  </dgm:styleLbl>
-  <dgm:styleLbl name="asst3">
-    <dgm:scene3d>
-      <a:camera prst="orthographicFront"/>
-      <a:lightRig rig="threePt" dir="t"/>
-    </dgm:scene3d>
-    <dgm:sp3d/>
-    <dgm:txPr/>
-    <dgm:style>
-      <a:lnRef idx="2">
-        <a:scrgbClr r="0" g="0" b="0"/>
-      </a:lnRef>
-      <a:fillRef idx="1">
-        <a:scrgbClr r="0" g="0" b="0"/>
-      </a:fillRef>
-      <a:effectRef idx="0">
-        <a:scrgbClr r="0" g="0" b="0"/>
-      </a:effectRef>
-      <a:fontRef idx="minor">
-        <a:schemeClr val="lt1"/>
-      </a:fontRef>
-    </dgm:style>
-  </dgm:styleLbl>
-  <dgm:styleLbl name="asst4">
-    <dgm:scene3d>
-      <a:camera prst="orthographicFront"/>
-      <a:lightRig rig="threePt" dir="t"/>
-    </dgm:scene3d>
-    <dgm:sp3d/>
-    <dgm:txPr/>
-    <dgm:style>
-      <a:lnRef idx="2">
-        <a:scrgbClr r="0" g="0" b="0"/>
-      </a:lnRef>
-      <a:fillRef idx="1">
-        <a:scrgbClr r="0" g="0" b="0"/>
-      </a:fillRef>
-      <a:effectRef idx="0">
-        <a:scrgbClr r="0" g="0" b="0"/>
-      </a:effectRef>
-      <a:fontRef idx="minor">
-        <a:schemeClr val="lt1"/>
-      </a:fontRef>
-    </dgm:style>
-  </dgm:styleLbl>
-  <dgm:styleLbl name="parChTrans2D1">
-    <dgm:scene3d>
-      <a:camera prst="orthographicFront"/>
-      <a:lightRig rig="threePt" dir="t"/>
-    </dgm:scene3d>
-    <dgm:sp3d/>
-    <dgm:txPr/>
-    <dgm:style>
-      <a:lnRef idx="2">
-        <a:scrgbClr r="0" g="0" b="0"/>
-      </a:lnRef>
-      <a:fillRef idx="1">
-        <a:scrgbClr r="0" g="0" b="0"/>
-      </a:fillRef>
-      <a:effectRef idx="0">
-        <a:scrgbClr r="0" g="0" b="0"/>
-      </a:effectRef>
-      <a:fontRef idx="minor">
-        <a:schemeClr val="lt1"/>
-      </a:fontRef>
-    </dgm:style>
-  </dgm:styleLbl>
-  <dgm:styleLbl name="parChTrans2D2">
-    <dgm:scene3d>
-      <a:camera prst="orthographicFront"/>
-      <a:lightRig rig="threePt" dir="t"/>
-    </dgm:scene3d>
-    <dgm:sp3d/>
-    <dgm:txPr/>
-    <dgm:style>
-      <a:lnRef idx="2">
-        <a:scrgbClr r="0" g="0" b="0"/>
-      </a:lnRef>
-      <a:fillRef idx="1">
-        <a:scrgbClr r="0" g="0" b="0"/>
-      </a:fillRef>
-      <a:effectRef idx="0">
-        <a:scrgbClr r="0" g="0" b="0"/>
-      </a:effectRef>
-      <a:fontRef idx="minor">
-        <a:schemeClr val="lt1"/>
-      </a:fontRef>
-    </dgm:style>
-  </dgm:styleLbl>
-  <dgm:styleLbl name="parChTrans2D3">
-    <dgm:scene3d>
-      <a:camera prst="orthographicFront"/>
-      <a:lightRig rig="threePt" dir="t"/>
-    </dgm:scene3d>
-    <dgm:sp3d/>
-    <dgm:txPr/>
-    <dgm:style>
-      <a:lnRef idx="2">
-        <a:scrgbClr r="0" g="0" b="0"/>
-      </a:lnRef>
-      <a:fillRef idx="1">
-        <a:scrgbClr r="0" g="0" b="0"/>
-      </a:fillRef>
-      <a:effectRef idx="0">
-        <a:scrgbClr r="0" g="0" b="0"/>
-      </a:effectRef>
-      <a:fontRef idx="minor">
-        <a:schemeClr val="lt1"/>
-      </a:fontRef>
-    </dgm:style>
-  </dgm:styleLbl>
-  <dgm:styleLbl name="parChTrans2D4">
-    <dgm:scene3d>
-      <a:camera prst="orthographicFront"/>
-      <a:lightRig rig="threePt" dir="t"/>
-    </dgm:scene3d>
-    <dgm:sp3d/>
-    <dgm:txPr/>
-    <dgm:style>
-      <a:lnRef idx="2">
-        <a:scrgbClr r="0" g="0" b="0"/>
-      </a:lnRef>
-      <a:fillRef idx="1">
-        <a:scrgbClr r="0" g="0" b="0"/>
-      </a:fillRef>
-      <a:effectRef idx="0">
-        <a:scrgbClr r="0" g="0" b="0"/>
-      </a:effectRef>
-      <a:fontRef idx="minor">
-        <a:schemeClr val="lt1"/>
-      </a:fontRef>
-    </dgm:style>
-  </dgm:styleLbl>
-  <dgm:styleLbl name="parChTrans1D1">
-    <dgm:scene3d>
-      <a:camera prst="orthographicFront"/>
-      <a:lightRig rig="threePt" dir="t"/>
-    </dgm:scene3d>
-    <dgm:sp3d/>
-    <dgm:txPr/>
-    <dgm:style>
-      <a:lnRef idx="2">
-        <a:scrgbClr r="0" g="0" b="0"/>
-      </a:lnRef>
-      <a:fillRef idx="0">
-        <a:scrgbClr r="0" g="0" b="0"/>
-      </a:fillRef>
-      <a:effectRef idx="0">
-        <a:scrgbClr r="0" g="0" b="0"/>
-      </a:effectRef>
-      <a:fontRef idx="minor"/>
-    </dgm:style>
-  </dgm:styleLbl>
-  <dgm:styleLbl name="parChTrans1D2">
-    <dgm:scene3d>
-      <a:camera prst="orthographicFront"/>
-      <a:lightRig rig="threePt" dir="t"/>
-    </dgm:scene3d>
-    <dgm:sp3d/>
-    <dgm:txPr/>
-    <dgm:style>
-      <a:lnRef idx="2">
-        <a:scrgbClr r="0" g="0" b="0"/>
-      </a:lnRef>
-      <a:fillRef idx="0">
-        <a:scrgbClr r="0" g="0" b="0"/>
-      </a:fillRef>
-      <a:effectRef idx="0">
-        <a:scrgbClr r="0" g="0" b="0"/>
-      </a:effectRef>
-      <a:fontRef idx="minor"/>
-    </dgm:style>
-  </dgm:styleLbl>
-  <dgm:styleLbl name="parChTrans1D3">
-    <dgm:scene3d>
-      <a:camera prst="orthographicFront"/>
-      <a:lightRig rig="threePt" dir="t"/>
-    </dgm:scene3d>
-    <dgm:sp3d/>
-    <dgm:txPr/>
-    <dgm:style>
-      <a:lnRef idx="2">
-        <a:scrgbClr r="0" g="0" b="0"/>
-      </a:lnRef>
-      <a:fillRef idx="0">
-        <a:scrgbClr r="0" g="0" b="0"/>
-      </a:fillRef>
-      <a:effectRef idx="0">
-        <a:scrgbClr r="0" g="0" b="0"/>
-      </a:effectRef>
-      <a:fontRef idx="minor"/>
-    </dgm:style>
-  </dgm:styleLbl>
-  <dgm:styleLbl name="parChTrans1D4">
-    <dgm:scene3d>
-      <a:camera prst="orthographicFront"/>
-      <a:lightRig rig="threePt" dir="t"/>
-    </dgm:scene3d>
-    <dgm:sp3d/>
-    <dgm:txPr/>
-    <dgm:style>
-      <a:lnRef idx="2">
-        <a:scrgbClr r="0" g="0" b="0"/>
-      </a:lnRef>
-      <a:fillRef idx="0">
-        <a:scrgbClr r="0" g="0" b="0"/>
-      </a:fillRef>
-      <a:effectRef idx="0">
-        <a:scrgbClr r="0" g="0" b="0"/>
-      </a:effectRef>
-      <a:fontRef idx="minor"/>
-    </dgm:style>
-  </dgm:styleLbl>
-  <dgm:styleLbl name="fgAcc1">
-    <dgm:scene3d>
-      <a:camera prst="orthographicFront"/>
-      <a:lightRig rig="threePt" dir="t"/>
-    </dgm:scene3d>
-    <dgm:sp3d/>
-    <dgm:txPr/>
-    <dgm:style>
-      <a:lnRef idx="2">
-        <a:scrgbClr r="0" g="0" b="0"/>
-      </a:lnRef>
-      <a:fillRef idx="1">
-        <a:scrgbClr r="0" g="0" b="0"/>
-      </a:fillRef>
-      <a:effectRef idx="0">
-        <a:scrgbClr r="0" g="0" b="0"/>
-      </a:effectRef>
-      <a:fontRef idx="minor"/>
-    </dgm:style>
-  </dgm:styleLbl>
-  <dgm:styleLbl name="conFgAcc1">
-    <dgm:scene3d>
-      <a:camera prst="orthographicFront"/>
-      <a:lightRig rig="threePt" dir="t"/>
-    </dgm:scene3d>
-    <dgm:sp3d/>
-    <dgm:txPr/>
-    <dgm:style>
-      <a:lnRef idx="2">
-        <a:scrgbClr r="0" g="0" b="0"/>
-      </a:lnRef>
-      <a:fillRef idx="1">
-        <a:scrgbClr r="0" g="0" b="0"/>
-      </a:fillRef>
-      <a:effectRef idx="0">
-        <a:scrgbClr r="0" g="0" b="0"/>
-      </a:effectRef>
-      <a:fontRef idx="minor"/>
-    </dgm:style>
-  </dgm:styleLbl>
-  <dgm:styleLbl name="alignAcc1">
-    <dgm:scene3d>
-      <a:camera prst="orthographicFront"/>
-      <a:lightRig rig="threePt" dir="t"/>
-    </dgm:scene3d>
-    <dgm:sp3d/>
-    <dgm:txPr/>
-    <dgm:style>
-      <a:lnRef idx="2">
-        <a:scrgbClr r="0" g="0" b="0"/>
-      </a:lnRef>
-      <a:fillRef idx="1">
-        <a:scrgbClr r="0" g="0" b="0"/>
-      </a:fillRef>
-      <a:effectRef idx="0">
-        <a:scrgbClr r="0" g="0" b="0"/>
-      </a:effectRef>
-      <a:fontRef idx="minor"/>
-    </dgm:style>
-  </dgm:styleLbl>
-  <dgm:styleLbl name="trAlignAcc1">
-    <dgm:scene3d>
-      <a:camera prst="orthographicFront"/>
-      <a:lightRig rig="threePt" dir="t"/>
-    </dgm:scene3d>
-    <dgm:sp3d/>
-    <dgm:txPr/>
-    <dgm:style>
-      <a:lnRef idx="1">
-        <a:scrgbClr r="0" g="0" b="0"/>
-      </a:lnRef>
-      <a:fillRef idx="1">
-        <a:scrgbClr r="0" g="0" b="0"/>
-      </a:fillRef>
-      <a:effectRef idx="0">
-        <a:scrgbClr r="0" g="0" b="0"/>
-      </a:effectRef>
-      <a:fontRef idx="minor"/>
-    </dgm:style>
-  </dgm:styleLbl>
-  <dgm:styleLbl name="bgAcc1">
-    <dgm:scene3d>
-      <a:camera prst="orthographicFront"/>
-      <a:lightRig rig="threePt" dir="t"/>
-    </dgm:scene3d>
-    <dgm:sp3d/>
-    <dgm:txPr/>
-    <dgm:style>
-      <a:lnRef idx="2">
-        <a:scrgbClr r="0" g="0" b="0"/>
-      </a:lnRef>
-      <a:fillRef idx="1">
-        <a:scrgbClr r="0" g="0" b="0"/>
-      </a:fillRef>
-      <a:effectRef idx="0">
-        <a:scrgbClr r="0" g="0" b="0"/>
-      </a:effectRef>
-      <a:fontRef idx="minor"/>
-    </dgm:style>
-  </dgm:styleLbl>
-  <dgm:styleLbl name="solidFgAcc1">
-    <dgm:scene3d>
-      <a:camera prst="orthographicFront"/>
-      <a:lightRig rig="threePt" dir="t"/>
-    </dgm:scene3d>
-    <dgm:sp3d/>
-    <dgm:txPr/>
-    <dgm:style>
-      <a:lnRef idx="2">
-        <a:scrgbClr r="0" g="0" b="0"/>
-      </a:lnRef>
-      <a:fillRef idx="1">
-        <a:scrgbClr r="0" g="0" b="0"/>
-      </a:fillRef>
-      <a:effectRef idx="0">
-        <a:scrgbClr r="0" g="0" b="0"/>
-      </a:effectRef>
-      <a:fontRef idx="minor"/>
-    </dgm:style>
-  </dgm:styleLbl>
-  <dgm:styleLbl name="solidAlignAcc1">
-    <dgm:scene3d>
-      <a:camera prst="orthographicFront"/>
-      <a:lightRig rig="threePt" dir="t"/>
-    </dgm:scene3d>
-    <dgm:sp3d/>
-    <dgm:txPr/>
-    <dgm:style>
-      <a:lnRef idx="2">
-        <a:scrgbClr r="0" g="0" b="0"/>
-      </a:lnRef>
-      <a:fillRef idx="1">
-        <a:scrgbClr r="0" g="0" b="0"/>
-      </a:fillRef>
-      <a:effectRef idx="0">
-        <a:scrgbClr r="0" g="0" b="0"/>
-      </a:effectRef>
-      <a:fontRef idx="minor"/>
-    </dgm:style>
-  </dgm:styleLbl>
-  <dgm:styleLbl name="solidBgAcc1">
-    <dgm:scene3d>
-      <a:camera prst="orthographicFront"/>
-      <a:lightRig rig="threePt" dir="t"/>
-    </dgm:scene3d>
-    <dgm:sp3d/>
-    <dgm:txPr/>
-    <dgm:style>
-      <a:lnRef idx="2">
-        <a:scrgbClr r="0" g="0" b="0"/>
-      </a:lnRef>
-      <a:fillRef idx="1">
-        <a:scrgbClr r="0" g="0" b="0"/>
-      </a:fillRef>
-      <a:effectRef idx="0">
-        <a:scrgbClr r="0" g="0" b="0"/>
-      </a:effectRef>
-      <a:fontRef idx="minor"/>
-    </dgm:style>
-  </dgm:styleLbl>
-  <dgm:styleLbl name="fgAccFollowNode1">
-    <dgm:scene3d>
-      <a:camera prst="orthographicFront"/>
-      <a:lightRig rig="threePt" dir="t"/>
-    </dgm:scene3d>
-    <dgm:sp3d/>
-    <dgm:txPr/>
-    <dgm:style>
-      <a:lnRef idx="2">
-        <a:scrgbClr r="0" g="0" b="0"/>
-      </a:lnRef>
-      <a:fillRef idx="1">
-        <a:scrgbClr r="0" g="0" b="0"/>
-      </a:fillRef>
-      <a:effectRef idx="0">
-        <a:scrgbClr r="0" g="0" b="0"/>
-      </a:effectRef>
-      <a:fontRef idx="minor"/>
-    </dgm:style>
-  </dgm:styleLbl>
-  <dgm:styleLbl name="alignAccFollowNode1">
-    <dgm:scene3d>
-      <a:camera prst="orthographicFront"/>
-      <a:lightRig rig="threePt" dir="t"/>
-    </dgm:scene3d>
-    <dgm:sp3d/>
-    <dgm:txPr/>
-    <dgm:style>
-      <a:lnRef idx="2">
-        <a:scrgbClr r="0" g="0" b="0"/>
-      </a:lnRef>
-      <a:fillRef idx="1">
-        <a:scrgbClr r="0" g="0" b="0"/>
-      </a:fillRef>
-      <a:effectRef idx="0">
-        <a:scrgbClr r="0" g="0" b="0"/>
-      </a:effectRef>
-      <a:fontRef idx="minor"/>
-    </dgm:style>
-  </dgm:styleLbl>
-  <dgm:styleLbl name="bgAccFollowNode1">
-    <dgm:scene3d>
-      <a:camera prst="orthographicFront"/>
-      <a:lightRig rig="threePt" dir="t"/>
-    </dgm:scene3d>
-    <dgm:sp3d/>
-    <dgm:txPr/>
-    <dgm:style>
-      <a:lnRef idx="2">
-        <a:scrgbClr r="0" g="0" b="0"/>
-      </a:lnRef>
-      <a:fillRef idx="1">
-        <a:scrgbClr r="0" g="0" b="0"/>
-      </a:fillRef>
-      <a:effectRef idx="0">
-        <a:scrgbClr r="0" g="0" b="0"/>
-      </a:effectRef>
-      <a:fontRef idx="minor"/>
-    </dgm:style>
-  </dgm:styleLbl>
-  <dgm:styleLbl name="fgAcc0">
-    <dgm:scene3d>
-      <a:camera prst="orthographicFront"/>
-      <a:lightRig rig="threePt" dir="t"/>
-    </dgm:scene3d>
-    <dgm:sp3d/>
-    <dgm:txPr/>
-    <dgm:style>
-      <a:lnRef idx="2">
-        <a:scrgbClr r="0" g="0" b="0"/>
-      </a:lnRef>
-      <a:fillRef idx="1">
-        <a:scrgbClr r="0" g="0" b="0"/>
-      </a:fillRef>
-      <a:effectRef idx="0">
-        <a:scrgbClr r="0" g="0" b="0"/>
-      </a:effectRef>
-      <a:fontRef idx="minor"/>
-    </dgm:style>
-  </dgm:styleLbl>
-  <dgm:styleLbl name="fgAcc2">
-    <dgm:scene3d>
-      <a:camera prst="orthographicFront"/>
-      <a:lightRig rig="threePt" dir="t"/>
-    </dgm:scene3d>
-    <dgm:sp3d/>
-    <dgm:txPr/>
-    <dgm:style>
-      <a:lnRef idx="2">
-        <a:scrgbClr r="0" g="0" b="0"/>
-      </a:lnRef>
-      <a:fillRef idx="1">
-        <a:scrgbClr r="0" g="0" b="0"/>
-      </a:fillRef>
-      <a:effectRef idx="0">
-        <a:scrgbClr r="0" g="0" b="0"/>
-      </a:effectRef>
-      <a:fontRef idx="minor"/>
-    </dgm:style>
-  </dgm:styleLbl>
-  <dgm:styleLbl name="fgAcc3">
-    <dgm:scene3d>
-      <a:camera prst="orthographicFront"/>
-      <a:lightRig rig="threePt" dir="t"/>
-    </dgm:scene3d>
-    <dgm:sp3d/>
-    <dgm:txPr/>
-    <dgm:style>
-      <a:lnRef idx="2">
-        <a:scrgbClr r="0" g="0" b="0"/>
-      </a:lnRef>
-      <a:fillRef idx="1">
-        <a:scrgbClr r="0" g="0" b="0"/>
-      </a:fillRef>
-      <a:effectRef idx="0">
-        <a:scrgbClr r="0" g="0" b="0"/>
-      </a:effectRef>
-      <a:fontRef idx="minor"/>
-    </dgm:style>
-  </dgm:styleLbl>
-  <dgm:styleLbl name="fgAcc4">
-    <dgm:scene3d>
-      <a:camera prst="orthographicFront"/>
-      <a:lightRig rig="threePt" dir="t"/>
-    </dgm:scene3d>
-    <dgm:sp3d/>
-    <dgm:txPr/>
-    <dgm:style>
-      <a:lnRef idx="2">
-        <a:scrgbClr r="0" g="0" b="0"/>
-      </a:lnRef>
-      <a:fillRef idx="1">
-        <a:scrgbClr r="0" g="0" b="0"/>
-      </a:fillRef>
-      <a:effectRef idx="0">
-        <a:scrgbClr r="0" g="0" b="0"/>
-      </a:effectRef>
-      <a:fontRef idx="minor"/>
-    </dgm:style>
-  </dgm:styleLbl>
-  <dgm:styleLbl name="bgShp">
-    <dgm:scene3d>
-      <a:camera prst="orthographicFront"/>
-      <a:lightRig rig="threePt" dir="t"/>
-    </dgm:scene3d>
-    <dgm:sp3d/>
-    <dgm:txPr/>
-    <dgm:style>
-      <a:lnRef idx="0">
-        <a:scrgbClr r="0" g="0" b="0"/>
-      </a:lnRef>
-      <a:fillRef idx="1">
-        <a:scrgbClr r="0" g="0" b="0"/>
-      </a:fillRef>
-      <a:effectRef idx="0">
-        <a:scrgbClr r="0" g="0" b="0"/>
-      </a:effectRef>
-      <a:fontRef idx="minor"/>
-    </dgm:style>
-  </dgm:styleLbl>
-  <dgm:styleLbl name="dkBgShp">
-    <dgm:scene3d>
-      <a:camera prst="orthographicFront"/>
-      <a:lightRig rig="threePt" dir="t"/>
-    </dgm:scene3d>
-    <dgm:sp3d/>
-    <dgm:txPr/>
-    <dgm:style>
-      <a:lnRef idx="0">
-        <a:scrgbClr r="0" g="0" b="0"/>
-      </a:lnRef>
-      <a:fillRef idx="1">
-        <a:scrgbClr r="0" g="0" b="0"/>
-      </a:fillRef>
-      <a:effectRef idx="0">
-        <a:scrgbClr r="0" g="0" b="0"/>
-      </a:effectRef>
-      <a:fontRef idx="minor"/>
-    </dgm:style>
-  </dgm:styleLbl>
-  <dgm:styleLbl name="trBgShp">
-    <dgm:scene3d>
-      <a:camera prst="orthographicFront"/>
-      <a:lightRig rig="threePt" dir="t"/>
-    </dgm:scene3d>
-    <dgm:sp3d/>
-    <dgm:txPr/>
-    <dgm:style>
-      <a:lnRef idx="0">
-        <a:scrgbClr r="0" g="0" b="0"/>
-      </a:lnRef>
-      <a:fillRef idx="1">
-        <a:scrgbClr r="0" g="0" b="0"/>
-      </a:fillRef>
-      <a:effectRef idx="0">
-        <a:scrgbClr r="0" g="0" b="0"/>
-      </a:effectRef>
-      <a:fontRef idx="minor"/>
-    </dgm:style>
-  </dgm:styleLbl>
-  <dgm:styleLbl name="fgShp">
-    <dgm:scene3d>
-      <a:camera prst="orthographicFront"/>
-      <a:lightRig rig="threePt" dir="t"/>
-    </dgm:scene3d>
-    <dgm:sp3d/>
-    <dgm:txPr/>
-    <dgm:style>
-      <a:lnRef idx="2">
-        <a:scrgbClr r="0" g="0" b="0"/>
-      </a:lnRef>
-      <a:fillRef idx="1">
-        <a:scrgbClr r="0" g="0" b="0"/>
-      </a:fillRef>
-      <a:effectRef idx="0">
-        <a:scrgbClr r="0" g="0" b="0"/>
-      </a:effectRef>
-      <a:fontRef idx="minor"/>
-    </dgm:style>
-  </dgm:styleLbl>
-  <dgm:styleLbl name="revTx">
-    <dgm:scene3d>
-      <a:camera prst="orthographicFront"/>
-      <a:lightRig rig="threePt" dir="t"/>
-    </dgm:scene3d>
-    <dgm:sp3d/>
-    <dgm:txPr/>
-    <dgm:style>
-      <a:lnRef idx="0">
-        <a:scrgbClr r="0" g="0" b="0"/>
-      </a:lnRef>
-      <a:fillRef idx="0">
-        <a:scrgbClr r="0" g="0" b="0"/>
-      </a:fillRef>
-      <a:effectRef idx="0">
-        <a:scrgbClr r="0" g="0" b="0"/>
-      </a:effectRef>
-      <a:fontRef idx="minor"/>
-    </dgm:style>
-  </dgm:styleLbl>
-</dgm:styleDef>
-</file>
-
-<file path=ppt/diagrams/quickStyle5.xml><?xml version="1.0" encoding="utf-8"?>
 <dgm:styleDef xmlns:dgm="http://schemas.openxmlformats.org/drawingml/2006/diagram" xmlns:a="http://schemas.openxmlformats.org/drawingml/2006/main" uniqueId="urn:microsoft.com/office/officeart/2005/8/quickstyle/simple1">
   <dgm:title val=""/>
   <dgm:desc val=""/>
@@ -18512,7 +15734,7 @@
             <p:ph idx="1"/>
             <p:extLst>
               <p:ext uri="{D42A27DB-BD31-4B8C-83A1-F6EECF244321}">
-                <p14:modId xmlns:p14="http://schemas.microsoft.com/office/powerpoint/2010/main" val="2063982571"/>
+                <p14:modId xmlns:p14="http://schemas.microsoft.com/office/powerpoint/2010/main" val="4028975035"/>
               </p:ext>
             </p:extLst>
           </p:nvPr>
@@ -18812,304 +16034,9 @@
             <p:ph idx="1"/>
             <p:extLst>
               <p:ext uri="{D42A27DB-BD31-4B8C-83A1-F6EECF244321}">
-                <p14:modId xmlns:p14="http://schemas.microsoft.com/office/powerpoint/2010/main" val="3467870524"/>
+                <p14:modId xmlns:p14="http://schemas.microsoft.com/office/powerpoint/2010/main" val="2117461546"/>
               </p:ext>
             </p:extLst>
-          </p:nvPr>
-        </p:nvGraphicFramePr>
-        <p:xfrm>
-          <a:off x="4648201" y="639763"/>
-          <a:ext cx="6910387" cy="5051425"/>
-        </p:xfrm>
-        <a:graphic>
-          <a:graphicData uri="http://schemas.openxmlformats.org/drawingml/2006/diagram">
-            <dgm:relIds xmlns:dgm="http://schemas.openxmlformats.org/drawingml/2006/diagram" xmlns:r="http://schemas.openxmlformats.org/officeDocument/2006/relationships" r:dm="rId2" r:lo="rId3" r:qs="rId4" r:cs="rId5"/>
-          </a:graphicData>
-        </a:graphic>
-      </p:graphicFrame>
-    </p:spTree>
-    <p:extLst>
-      <p:ext uri="{BB962C8B-B14F-4D97-AF65-F5344CB8AC3E}">
-        <p14:creationId xmlns:p14="http://schemas.microsoft.com/office/powerpoint/2010/main" val="2138226911"/>
-      </p:ext>
-    </p:extLst>
-  </p:cSld>
-  <p:clrMapOvr>
-    <a:overrideClrMapping bg1="dk1" tx1="lt1" bg2="dk2" tx2="lt2" accent1="accent1" accent2="accent2" accent3="accent3" accent4="accent4" accent5="accent5" accent6="accent6" hlink="hlink" folHlink="folHlink"/>
-  </p:clrMapOvr>
-</p:sld>
-</file>
-
-<file path=ppt/slides/slide5.xml><?xml version="1.0" encoding="utf-8"?>
-<p:sld xmlns:a="http://schemas.openxmlformats.org/drawingml/2006/main" xmlns:r="http://schemas.openxmlformats.org/officeDocument/2006/relationships" xmlns:p="http://schemas.openxmlformats.org/presentationml/2006/main">
-  <p:cSld>
-    <p:spTree>
-      <p:nvGrpSpPr>
-        <p:cNvPr id="1" name=""/>
-        <p:cNvGrpSpPr/>
-        <p:nvPr/>
-      </p:nvGrpSpPr>
-      <p:grpSpPr>
-        <a:xfrm>
-          <a:off x="0" y="0"/>
-          <a:ext cx="0" cy="0"/>
-          <a:chOff x="0" y="0"/>
-          <a:chExt cx="0" cy="0"/>
-        </a:xfrm>
-      </p:grpSpPr>
-      <p:sp useBgFill="1">
-        <p:nvSpPr>
-          <p:cNvPr id="10" name="Rectangle 9">
-            <a:extLst>
-              <a:ext uri="{FF2B5EF4-FFF2-40B4-BE49-F238E27FC236}">
-                <a16:creationId xmlns:a16="http://schemas.microsoft.com/office/drawing/2014/main" id="{103E59AE-44F8-4FB9-BF05-C888FE3E1DFA}"/>
-              </a:ext>
-              <a:ext uri="{C183D7F6-B498-43B3-948B-1728B52AA6E4}">
-                <adec:decorative xmlns:adec="http://schemas.microsoft.com/office/drawing/2017/decorative" val="1"/>
-              </a:ext>
-            </a:extLst>
-          </p:cNvPr>
-          <p:cNvSpPr>
-            <a:spLocks noGrp="1" noRot="1" noChangeAspect="1" noMove="1" noResize="1" noEditPoints="1" noAdjustHandles="1" noChangeArrowheads="1" noChangeShapeType="1" noTextEdit="1"/>
-          </p:cNvSpPr>
-          <p:nvPr>
-            <p:extLst>
-              <p:ext uri="{386F3935-93C4-4BCD-93E2-E3B085C9AB24}">
-                <p16:designElem xmlns:p16="http://schemas.microsoft.com/office/powerpoint/2015/main" val="1"/>
-              </p:ext>
-            </p:extLst>
-          </p:nvPr>
-        </p:nvSpPr>
-        <p:spPr>
-          <a:xfrm>
-            <a:off x="-1" y="0"/>
-            <a:ext cx="12192001" cy="6858000"/>
-          </a:xfrm>
-          <a:prstGeom prst="rect">
-            <a:avLst/>
-          </a:prstGeom>
-          <a:ln>
-            <a:noFill/>
-          </a:ln>
-        </p:spPr>
-        <p:style>
-          <a:lnRef idx="2">
-            <a:schemeClr val="accent1">
-              <a:shade val="50000"/>
-            </a:schemeClr>
-          </a:lnRef>
-          <a:fillRef idx="1">
-            <a:schemeClr val="accent1"/>
-          </a:fillRef>
-          <a:effectRef idx="0">
-            <a:schemeClr val="accent1"/>
-          </a:effectRef>
-          <a:fontRef idx="minor">
-            <a:schemeClr val="lt1"/>
-          </a:fontRef>
-        </p:style>
-        <p:txBody>
-          <a:bodyPr rtlCol="0" anchor="ctr"/>
-          <a:lstStyle/>
-          <a:p>
-            <a:pPr marL="0" marR="0" lvl="0" indent="0" algn="ctr" defTabSz="914400" rtl="0" eaLnBrk="1" fontAlgn="auto" latinLnBrk="0" hangingPunct="1">
-              <a:lnSpc>
-                <a:spcPct val="100000"/>
-              </a:lnSpc>
-              <a:spcBef>
-                <a:spcPts val="0"/>
-              </a:spcBef>
-              <a:spcAft>
-                <a:spcPts val="0"/>
-              </a:spcAft>
-              <a:buClrTx/>
-              <a:buSzTx/>
-              <a:buFontTx/>
-              <a:buNone/>
-              <a:tabLst/>
-              <a:defRPr/>
-            </a:pPr>
-            <a:endParaRPr kumimoji="0" lang="en-US" sz="1800" b="0" i="0" u="none" strike="noStrike" kern="1200" cap="none" spc="0" normalizeH="0" baseline="0" noProof="0" dirty="0">
-              <a:ln>
-                <a:noFill/>
-              </a:ln>
-              <a:solidFill>
-                <a:srgbClr val="FFFFFF"/>
-              </a:solidFill>
-              <a:effectLst/>
-              <a:uLnTx/>
-              <a:uFillTx/>
-              <a:latin typeface="Univers" panose="020F0502020204030204"/>
-              <a:ea typeface="+mn-ea"/>
-              <a:cs typeface="+mn-cs"/>
-            </a:endParaRPr>
-          </a:p>
-        </p:txBody>
-      </p:sp>
-      <p:sp>
-        <p:nvSpPr>
-          <p:cNvPr id="2" name="Title 1">
-            <a:extLst>
-              <a:ext uri="{FF2B5EF4-FFF2-40B4-BE49-F238E27FC236}">
-                <a16:creationId xmlns:a16="http://schemas.microsoft.com/office/drawing/2014/main" id="{73454EFA-C3ED-430C-B626-BCBABE4EBBBF}"/>
-              </a:ext>
-            </a:extLst>
-          </p:cNvPr>
-          <p:cNvSpPr>
-            <a:spLocks noGrp="1"/>
-          </p:cNvSpPr>
-          <p:nvPr>
-            <p:ph type="title"/>
-          </p:nvPr>
-        </p:nvSpPr>
-        <p:spPr>
-          <a:xfrm>
-            <a:off x="642259" y="634946"/>
-            <a:ext cx="3372529" cy="5055904"/>
-          </a:xfrm>
-        </p:spPr>
-        <p:txBody>
-          <a:bodyPr anchor="ctr">
-            <a:normAutofit/>
-          </a:bodyPr>
-          <a:lstStyle/>
-          <a:p>
-            <a:r>
-              <a:rPr lang="en-US" b="1" dirty="0"/>
-              <a:t>Machine Learning with </a:t>
-            </a:r>
-            <a:r>
-              <a:rPr lang="en-US" b="1" dirty="0" err="1"/>
-              <a:t>XGBoost</a:t>
-            </a:r>
-            <a:endParaRPr lang="en-US" dirty="0"/>
-          </a:p>
-        </p:txBody>
-      </p:sp>
-      <p:cxnSp>
-        <p:nvCxnSpPr>
-          <p:cNvPr id="12" name="Straight Connector 11">
-            <a:extLst>
-              <a:ext uri="{FF2B5EF4-FFF2-40B4-BE49-F238E27FC236}">
-                <a16:creationId xmlns:a16="http://schemas.microsoft.com/office/drawing/2014/main" id="{2752F38C-F560-47AA-90AD-209F39C04150}"/>
-              </a:ext>
-              <a:ext uri="{C183D7F6-B498-43B3-948B-1728B52AA6E4}">
-                <adec:decorative xmlns:adec="http://schemas.microsoft.com/office/drawing/2017/decorative" val="1"/>
-              </a:ext>
-            </a:extLst>
-          </p:cNvPr>
-          <p:cNvCxnSpPr>
-            <a:cxnSpLocks noGrp="1" noRot="1" noChangeAspect="1" noMove="1" noResize="1" noEditPoints="1" noAdjustHandles="1" noChangeArrowheads="1" noChangeShapeType="1"/>
-          </p:cNvCxnSpPr>
-          <p:nvPr>
-            <p:extLst>
-              <p:ext uri="{386F3935-93C4-4BCD-93E2-E3B085C9AB24}">
-                <p16:designElem xmlns:p16="http://schemas.microsoft.com/office/powerpoint/2015/main" val="1"/>
-              </p:ext>
-            </p:extLst>
-          </p:nvPr>
-        </p:nvCxnSpPr>
-        <p:spPr>
-          <a:xfrm>
-            <a:off x="4335022" y="1791298"/>
-            <a:ext cx="0" cy="2743200"/>
-          </a:xfrm>
-          <a:prstGeom prst="line">
-            <a:avLst/>
-          </a:prstGeom>
-          <a:ln w="12700">
-            <a:solidFill>
-              <a:schemeClr val="tx1">
-                <a:lumMod val="50000"/>
-                <a:lumOff val="50000"/>
-              </a:schemeClr>
-            </a:solidFill>
-          </a:ln>
-        </p:spPr>
-        <p:style>
-          <a:lnRef idx="1">
-            <a:schemeClr val="accent1"/>
-          </a:lnRef>
-          <a:fillRef idx="0">
-            <a:schemeClr val="accent1"/>
-          </a:fillRef>
-          <a:effectRef idx="0">
-            <a:schemeClr val="accent1"/>
-          </a:effectRef>
-          <a:fontRef idx="minor">
-            <a:schemeClr val="tx1"/>
-          </a:fontRef>
-        </p:style>
-      </p:cxnSp>
-      <p:sp>
-        <p:nvSpPr>
-          <p:cNvPr id="14" name="Rectangle 13">
-            <a:extLst>
-              <a:ext uri="{FF2B5EF4-FFF2-40B4-BE49-F238E27FC236}">
-                <a16:creationId xmlns:a16="http://schemas.microsoft.com/office/drawing/2014/main" id="{8B6B14AE-589A-45CC-A30D-41995FC1F8BA}"/>
-              </a:ext>
-              <a:ext uri="{C183D7F6-B498-43B3-948B-1728B52AA6E4}">
-                <adec:decorative xmlns:adec="http://schemas.microsoft.com/office/drawing/2017/decorative" val="1"/>
-              </a:ext>
-            </a:extLst>
-          </p:cNvPr>
-          <p:cNvSpPr>
-            <a:spLocks noGrp="1" noRot="1" noChangeAspect="1" noMove="1" noResize="1" noEditPoints="1" noAdjustHandles="1" noChangeArrowheads="1" noChangeShapeType="1" noTextEdit="1"/>
-          </p:cNvSpPr>
-          <p:nvPr>
-            <p:extLst>
-              <p:ext uri="{386F3935-93C4-4BCD-93E2-E3B085C9AB24}">
-                <p16:designElem xmlns:p16="http://schemas.microsoft.com/office/powerpoint/2015/main" val="1"/>
-              </p:ext>
-            </p:extLst>
-          </p:nvPr>
-        </p:nvSpPr>
-        <p:spPr>
-          <a:xfrm>
-            <a:off x="0" y="6400800"/>
-            <a:ext cx="12188825" cy="457200"/>
-          </a:xfrm>
-          <a:prstGeom prst="rect">
-            <a:avLst/>
-          </a:prstGeom>
-          <a:solidFill>
-            <a:srgbClr val="262626"/>
-          </a:solidFill>
-          <a:ln>
-            <a:noFill/>
-          </a:ln>
-        </p:spPr>
-        <p:style>
-          <a:lnRef idx="2">
-            <a:schemeClr val="accent1">
-              <a:shade val="50000"/>
-            </a:schemeClr>
-          </a:lnRef>
-          <a:fillRef idx="1">
-            <a:schemeClr val="accent1"/>
-          </a:fillRef>
-          <a:effectRef idx="0">
-            <a:schemeClr val="accent1"/>
-          </a:effectRef>
-          <a:fontRef idx="minor">
-            <a:schemeClr val="lt1"/>
-          </a:fontRef>
-        </p:style>
-      </p:sp>
-      <p:graphicFrame>
-        <p:nvGraphicFramePr>
-          <p:cNvPr id="5" name="Content Placeholder 2">
-            <a:extLst>
-              <a:ext uri="{FF2B5EF4-FFF2-40B4-BE49-F238E27FC236}">
-                <a16:creationId xmlns:a16="http://schemas.microsoft.com/office/drawing/2014/main" id="{E05EB0EE-66A0-477A-A16E-277643D24B16}"/>
-              </a:ext>
-            </a:extLst>
-          </p:cNvPr>
-          <p:cNvGraphicFramePr>
-            <a:graphicFrameLocks noGrp="1"/>
-          </p:cNvGraphicFramePr>
-          <p:nvPr>
-            <p:ph idx="1"/>
           </p:nvPr>
         </p:nvGraphicFramePr>
         <p:xfrm>
@@ -19135,7 +16062,7 @@
 </p:sld>
 </file>
 
-<file path=ppt/slides/slide6.xml><?xml version="1.0" encoding="utf-8"?>
+<file path=ppt/slides/slide5.xml><?xml version="1.0" encoding="utf-8"?>
 <p:sld xmlns:a="http://schemas.openxmlformats.org/drawingml/2006/main" xmlns:r="http://schemas.openxmlformats.org/officeDocument/2006/relationships" xmlns:p="http://schemas.openxmlformats.org/presentationml/2006/main">
   <p:cSld>
     <p:spTree>
@@ -19403,7 +16330,7 @@
             <p:ph idx="1"/>
             <p:extLst>
               <p:ext uri="{D42A27DB-BD31-4B8C-83A1-F6EECF244321}">
-                <p14:modId xmlns:p14="http://schemas.microsoft.com/office/powerpoint/2010/main" val="3594442327"/>
+                <p14:modId xmlns:p14="http://schemas.microsoft.com/office/powerpoint/2010/main" val="3254983502"/>
               </p:ext>
             </p:extLst>
           </p:nvPr>
